--- a/06 - Karnaugh Maps/slides.pptx
+++ b/06 - Karnaugh Maps/slides.pptx
@@ -2,45 +2,38 @@
 <file path=ppt/presentation.xml><?xml version="1.0" encoding="utf-8"?>
 <p:presentation xmlns:a="http://schemas.openxmlformats.org/drawingml/2006/main" xmlns:r="http://schemas.openxmlformats.org/officeDocument/2006/relationships" xmlns:p="http://schemas.openxmlformats.org/presentationml/2006/main" strictFirstAndLastChars="0" embedTrueTypeFonts="1" saveSubsetFonts="1" autoCompressPictures="0">
   <p:sldMasterIdLst>
-    <p:sldMasterId id="2147483659" r:id="rId1"/>
+    <p:sldMasterId id="2147483659" r:id="rId4"/>
   </p:sldMasterIdLst>
   <p:notesMasterIdLst>
-    <p:notesMasterId r:id="rId18"/>
+    <p:notesMasterId r:id="rId14"/>
   </p:notesMasterIdLst>
   <p:sldIdLst>
-    <p:sldId id="256" r:id="rId2"/>
-    <p:sldId id="259" r:id="rId3"/>
-    <p:sldId id="291" r:id="rId4"/>
-    <p:sldId id="292" r:id="rId5"/>
-    <p:sldId id="293" r:id="rId6"/>
-    <p:sldId id="304" r:id="rId7"/>
-    <p:sldId id="294" r:id="rId8"/>
-    <p:sldId id="295" r:id="rId9"/>
-    <p:sldId id="296" r:id="rId10"/>
-    <p:sldId id="297" r:id="rId11"/>
-    <p:sldId id="298" r:id="rId12"/>
-    <p:sldId id="299" r:id="rId13"/>
-    <p:sldId id="300" r:id="rId14"/>
-    <p:sldId id="301" r:id="rId15"/>
-    <p:sldId id="302" r:id="rId16"/>
-    <p:sldId id="303" r:id="rId17"/>
+    <p:sldId id="256" r:id="rId5"/>
+    <p:sldId id="259" r:id="rId6"/>
+    <p:sldId id="291" r:id="rId7"/>
+    <p:sldId id="297" r:id="rId8"/>
+    <p:sldId id="298" r:id="rId9"/>
+    <p:sldId id="300" r:id="rId10"/>
+    <p:sldId id="301" r:id="rId11"/>
+    <p:sldId id="302" r:id="rId12"/>
+    <p:sldId id="303" r:id="rId13"/>
   </p:sldIdLst>
   <p:sldSz cx="9144000" cy="6858000" type="screen4x3"/>
   <p:notesSz cx="6858000" cy="9144000"/>
   <p:embeddedFontLst>
     <p:embeddedFont>
       <p:font typeface="Economica" panose="02000506040000020004" pitchFamily="2" charset="77"/>
+      <p:regular r:id="rId15"/>
+      <p:bold r:id="rId16"/>
+      <p:italic r:id="rId17"/>
+      <p:boldItalic r:id="rId18"/>
+    </p:embeddedFont>
+    <p:embeddedFont>
+      <p:font typeface="Open Sans" panose="020B0606030504020204" pitchFamily="34" charset="0"/>
       <p:regular r:id="rId19"/>
       <p:bold r:id="rId20"/>
       <p:italic r:id="rId21"/>
       <p:boldItalic r:id="rId22"/>
-    </p:embeddedFont>
-    <p:embeddedFont>
-      <p:font typeface="Open Sans" panose="020B0606030504020204" pitchFamily="34" charset="0"/>
-      <p:regular r:id="rId23"/>
-      <p:bold r:id="rId24"/>
-      <p:italic r:id="rId25"/>
-      <p:boldItalic r:id="rId26"/>
     </p:embeddedFont>
   </p:embeddedFontLst>
   <p:defaultTextStyle>
@@ -283,7 +276,7 @@
 <file path=ppt/revisionInfo.xml><?xml version="1.0" encoding="utf-8"?>
 <p1510:revInfo xmlns:a="http://schemas.openxmlformats.org/drawingml/2006/main" xmlns:r="http://schemas.openxmlformats.org/officeDocument/2006/relationships" xmlns:p1510="http://schemas.microsoft.com/office/powerpoint/2015/10/main">
   <p1510:revLst>
-    <p1510:client id="{CC2577DF-8224-C94B-83B1-76B6D0365435}" v="215" dt="2022-09-05T16:08:47.299"/>
+    <p1510:client id="{BCE8BD31-E929-514F-B963-DFD953C78C45}" v="18" dt="2025-10-28T15:34:32.190"/>
   </p1510:revLst>
 </p1510:revInfo>
 </file>
@@ -291,3163 +284,351 @@
 <file path=ppt/changesInfos/changesInfo1.xml><?xml version="1.0" encoding="utf-8"?>
 <pc:chgInfo xmlns:a="http://schemas.openxmlformats.org/drawingml/2006/main" xmlns:r="http://schemas.openxmlformats.org/officeDocument/2006/relationships" xmlns:ac="http://schemas.microsoft.com/office/drawing/2013/main/command" xmlns:pc="http://schemas.microsoft.com/office/powerpoint/2013/main/command">
   <pc:docChgLst>
-    <pc:chgData name="Riccardo Berta" userId="c8694f89-bba4-4576-b0a8-456619ca5a8c" providerId="ADAL" clId="{A8290FA7-622A-D149-8650-9DF3F18680D5}"/>
-    <pc:docChg chg="undo redo custSel addSld delSld modSld sldOrd modMainMaster">
-      <pc:chgData name="Riccardo Berta" userId="c8694f89-bba4-4576-b0a8-456619ca5a8c" providerId="ADAL" clId="{A8290FA7-622A-D149-8650-9DF3F18680D5}" dt="2022-07-27T13:36:04.688" v="2998"/>
+    <pc:chgData name="Riccardo Berta" userId="c8694f89-bba4-4576-b0a8-456619ca5a8c" providerId="ADAL" clId="{FDDBFC5A-5EA9-5330-BEB8-433D7E3B4C4E}"/>
+    <pc:docChg chg="undo custSel addSld delSld modSld">
+      <pc:chgData name="Riccardo Berta" userId="c8694f89-bba4-4576-b0a8-456619ca5a8c" providerId="ADAL" clId="{FDDBFC5A-5EA9-5330-BEB8-433D7E3B4C4E}" dt="2025-10-28T15:34:49.475" v="272" actId="2696"/>
       <pc:docMkLst>
         <pc:docMk/>
       </pc:docMkLst>
-      <pc:sldChg chg="delSp modSp mod">
-        <pc:chgData name="Riccardo Berta" userId="c8694f89-bba4-4576-b0a8-456619ca5a8c" providerId="ADAL" clId="{A8290FA7-622A-D149-8650-9DF3F18680D5}" dt="2022-07-27T13:35:14.530" v="2993" actId="20577"/>
+      <pc:sldChg chg="addSp delSp modSp mod">
+        <pc:chgData name="Riccardo Berta" userId="c8694f89-bba4-4576-b0a8-456619ca5a8c" providerId="ADAL" clId="{FDDBFC5A-5EA9-5330-BEB8-433D7E3B4C4E}" dt="2025-10-21T13:01:03.272" v="28" actId="1038"/>
         <pc:sldMkLst>
           <pc:docMk/>
-          <pc:sldMk cId="0" sldId="256"/>
+          <pc:sldMk cId="0" sldId="291"/>
         </pc:sldMkLst>
         <pc:spChg chg="mod">
-          <ac:chgData name="Riccardo Berta" userId="c8694f89-bba4-4576-b0a8-456619ca5a8c" providerId="ADAL" clId="{A8290FA7-622A-D149-8650-9DF3F18680D5}" dt="2022-07-27T13:35:14.530" v="2993" actId="20577"/>
+          <ac:chgData name="Riccardo Berta" userId="c8694f89-bba4-4576-b0a8-456619ca5a8c" providerId="ADAL" clId="{FDDBFC5A-5EA9-5330-BEB8-433D7E3B4C4E}" dt="2025-10-21T13:00:54.880" v="24" actId="20577"/>
           <ac:spMkLst>
             <pc:docMk/>
-            <pc:sldMk cId="0" sldId="256"/>
-            <ac:spMk id="62" creationId="{00000000-0000-0000-0000-000000000000}"/>
+            <pc:sldMk cId="0" sldId="291"/>
+            <ac:spMk id="84" creationId="{00000000-0000-0000-0000-000000000000}"/>
           </ac:spMkLst>
         </pc:spChg>
-        <pc:spChg chg="del">
-          <ac:chgData name="Riccardo Berta" userId="c8694f89-bba4-4576-b0a8-456619ca5a8c" providerId="ADAL" clId="{A8290FA7-622A-D149-8650-9DF3F18680D5}" dt="2022-07-18T11:40:08.016" v="50" actId="478"/>
-          <ac:spMkLst>
+        <pc:picChg chg="add mod">
+          <ac:chgData name="Riccardo Berta" userId="c8694f89-bba4-4576-b0a8-456619ca5a8c" providerId="ADAL" clId="{FDDBFC5A-5EA9-5330-BEB8-433D7E3B4C4E}" dt="2025-10-21T13:00:47.237" v="19" actId="14100"/>
+          <ac:picMkLst>
             <pc:docMk/>
-            <pc:sldMk cId="0" sldId="256"/>
-            <ac:spMk id="78" creationId="{00000000-0000-0000-0000-000000000000}"/>
-          </ac:spMkLst>
-        </pc:spChg>
-        <pc:grpChg chg="del">
-          <ac:chgData name="Riccardo Berta" userId="c8694f89-bba4-4576-b0a8-456619ca5a8c" providerId="ADAL" clId="{A8290FA7-622A-D149-8650-9DF3F18680D5}" dt="2022-07-18T11:40:10.605" v="51" actId="478"/>
-          <ac:grpSpMkLst>
-            <pc:docMk/>
-            <pc:sldMk cId="0" sldId="256"/>
-            <ac:grpSpMk id="63" creationId="{00000000-0000-0000-0000-000000000000}"/>
-          </ac:grpSpMkLst>
-        </pc:grpChg>
+            <pc:sldMk cId="0" sldId="291"/>
+            <ac:picMk id="4" creationId="{37B3C80D-88DA-7108-7D8B-9EACDE74B64F}"/>
+          </ac:picMkLst>
+        </pc:picChg>
         <pc:cxnChg chg="mod">
-          <ac:chgData name="Riccardo Berta" userId="c8694f89-bba4-4576-b0a8-456619ca5a8c" providerId="ADAL" clId="{A8290FA7-622A-D149-8650-9DF3F18680D5}" dt="2022-07-18T11:40:10.605" v="51" actId="478"/>
+          <ac:chgData name="Riccardo Berta" userId="c8694f89-bba4-4576-b0a8-456619ca5a8c" providerId="ADAL" clId="{FDDBFC5A-5EA9-5330-BEB8-433D7E3B4C4E}" dt="2025-10-21T13:01:03.272" v="28" actId="1038"/>
           <ac:cxnSpMkLst>
             <pc:docMk/>
-            <pc:sldMk cId="0" sldId="256"/>
-            <ac:cxnSpMk id="66" creationId="{00000000-0000-0000-0000-000000000000}"/>
-          </ac:cxnSpMkLst>
-        </pc:cxnChg>
-        <pc:cxnChg chg="mod">
-          <ac:chgData name="Riccardo Berta" userId="c8694f89-bba4-4576-b0a8-456619ca5a8c" providerId="ADAL" clId="{A8290FA7-622A-D149-8650-9DF3F18680D5}" dt="2022-07-18T11:40:10.605" v="51" actId="478"/>
-          <ac:cxnSpMkLst>
-            <pc:docMk/>
-            <pc:sldMk cId="0" sldId="256"/>
-            <ac:cxnSpMk id="69" creationId="{00000000-0000-0000-0000-000000000000}"/>
-          </ac:cxnSpMkLst>
-        </pc:cxnChg>
-        <pc:cxnChg chg="mod">
-          <ac:chgData name="Riccardo Berta" userId="c8694f89-bba4-4576-b0a8-456619ca5a8c" providerId="ADAL" clId="{A8290FA7-622A-D149-8650-9DF3F18680D5}" dt="2022-07-18T11:40:10.605" v="51" actId="478"/>
-          <ac:cxnSpMkLst>
-            <pc:docMk/>
-            <pc:sldMk cId="0" sldId="256"/>
-            <ac:cxnSpMk id="74" creationId="{00000000-0000-0000-0000-000000000000}"/>
-          </ac:cxnSpMkLst>
-        </pc:cxnChg>
-        <pc:cxnChg chg="mod">
-          <ac:chgData name="Riccardo Berta" userId="c8694f89-bba4-4576-b0a8-456619ca5a8c" providerId="ADAL" clId="{A8290FA7-622A-D149-8650-9DF3F18680D5}" dt="2022-07-18T11:40:10.605" v="51" actId="478"/>
-          <ac:cxnSpMkLst>
-            <pc:docMk/>
-            <pc:sldMk cId="0" sldId="256"/>
-            <ac:cxnSpMk id="75" creationId="{00000000-0000-0000-0000-000000000000}"/>
+            <pc:sldMk cId="0" sldId="291"/>
+            <ac:cxnSpMk id="5" creationId="{94A0434B-E73E-A043-006E-59BA1EAB043A}"/>
           </ac:cxnSpMkLst>
         </pc:cxnChg>
       </pc:sldChg>
-      <pc:sldChg chg="delSp modSp mod">
-        <pc:chgData name="Riccardo Berta" userId="c8694f89-bba4-4576-b0a8-456619ca5a8c" providerId="ADAL" clId="{A8290FA7-622A-D149-8650-9DF3F18680D5}" dt="2022-07-27T08:46:23.569" v="1166" actId="948"/>
+      <pc:sldChg chg="addSp delSp modSp del mod">
+        <pc:chgData name="Riccardo Berta" userId="c8694f89-bba4-4576-b0a8-456619ca5a8c" providerId="ADAL" clId="{FDDBFC5A-5EA9-5330-BEB8-433D7E3B4C4E}" dt="2025-10-28T09:38:40.242" v="146" actId="2696"/>
         <pc:sldMkLst>
           <pc:docMk/>
-          <pc:sldMk cId="0" sldId="257"/>
+          <pc:sldMk cId="3963103711" sldId="292"/>
+        </pc:sldMkLst>
+      </pc:sldChg>
+      <pc:sldChg chg="addSp delSp modSp del mod">
+        <pc:chgData name="Riccardo Berta" userId="c8694f89-bba4-4576-b0a8-456619ca5a8c" providerId="ADAL" clId="{FDDBFC5A-5EA9-5330-BEB8-433D7E3B4C4E}" dt="2025-10-28T09:38:43.896" v="148" actId="2696"/>
+        <pc:sldMkLst>
+          <pc:docMk/>
+          <pc:sldMk cId="2580309506" sldId="293"/>
+        </pc:sldMkLst>
+      </pc:sldChg>
+      <pc:sldChg chg="del">
+        <pc:chgData name="Riccardo Berta" userId="c8694f89-bba4-4576-b0a8-456619ca5a8c" providerId="ADAL" clId="{FDDBFC5A-5EA9-5330-BEB8-433D7E3B4C4E}" dt="2025-10-28T09:38:50.729" v="150" actId="2696"/>
+        <pc:sldMkLst>
+          <pc:docMk/>
+          <pc:sldMk cId="1436766342" sldId="294"/>
+        </pc:sldMkLst>
+      </pc:sldChg>
+      <pc:sldChg chg="del">
+        <pc:chgData name="Riccardo Berta" userId="c8694f89-bba4-4576-b0a8-456619ca5a8c" providerId="ADAL" clId="{FDDBFC5A-5EA9-5330-BEB8-433D7E3B4C4E}" dt="2025-10-28T09:38:52.695" v="151" actId="2696"/>
+        <pc:sldMkLst>
+          <pc:docMk/>
+          <pc:sldMk cId="529431570" sldId="295"/>
+        </pc:sldMkLst>
+      </pc:sldChg>
+      <pc:sldChg chg="del">
+        <pc:chgData name="Riccardo Berta" userId="c8694f89-bba4-4576-b0a8-456619ca5a8c" providerId="ADAL" clId="{FDDBFC5A-5EA9-5330-BEB8-433D7E3B4C4E}" dt="2025-10-28T09:38:55.597" v="152" actId="2696"/>
+        <pc:sldMkLst>
+          <pc:docMk/>
+          <pc:sldMk cId="3546496669" sldId="296"/>
+        </pc:sldMkLst>
+      </pc:sldChg>
+      <pc:sldChg chg="addSp delSp modSp mod">
+        <pc:chgData name="Riccardo Berta" userId="c8694f89-bba4-4576-b0a8-456619ca5a8c" providerId="ADAL" clId="{FDDBFC5A-5EA9-5330-BEB8-433D7E3B4C4E}" dt="2025-10-28T15:05:47.354" v="218" actId="1076"/>
+        <pc:sldMkLst>
+          <pc:docMk/>
+          <pc:sldMk cId="3371543381" sldId="297"/>
         </pc:sldMkLst>
         <pc:spChg chg="mod">
-          <ac:chgData name="Riccardo Berta" userId="c8694f89-bba4-4576-b0a8-456619ca5a8c" providerId="ADAL" clId="{A8290FA7-622A-D149-8650-9DF3F18680D5}" dt="2022-07-27T07:46:33.325" v="171" actId="20577"/>
+          <ac:chgData name="Riccardo Berta" userId="c8694f89-bba4-4576-b0a8-456619ca5a8c" providerId="ADAL" clId="{FDDBFC5A-5EA9-5330-BEB8-433D7E3B4C4E}" dt="2025-10-28T14:41:12.544" v="201" actId="20577"/>
           <ac:spMkLst>
             <pc:docMk/>
-            <pc:sldMk cId="0" sldId="257"/>
+            <pc:sldMk cId="3371543381" sldId="297"/>
             <ac:spMk id="83" creationId="{00000000-0000-0000-0000-000000000000}"/>
           </ac:spMkLst>
         </pc:spChg>
         <pc:spChg chg="mod">
-          <ac:chgData name="Riccardo Berta" userId="c8694f89-bba4-4576-b0a8-456619ca5a8c" providerId="ADAL" clId="{A8290FA7-622A-D149-8650-9DF3F18680D5}" dt="2022-07-27T08:46:23.569" v="1166" actId="948"/>
+          <ac:chgData name="Riccardo Berta" userId="c8694f89-bba4-4576-b0a8-456619ca5a8c" providerId="ADAL" clId="{FDDBFC5A-5EA9-5330-BEB8-433D7E3B4C4E}" dt="2025-10-28T14:41:09.143" v="191" actId="20577"/>
           <ac:spMkLst>
             <pc:docMk/>
-            <pc:sldMk cId="0" sldId="257"/>
+            <pc:sldMk cId="3371543381" sldId="297"/>
+            <ac:spMk id="84" creationId="{00000000-0000-0000-0000-000000000000}"/>
+          </ac:spMkLst>
+        </pc:spChg>
+        <pc:picChg chg="add mod">
+          <ac:chgData name="Riccardo Berta" userId="c8694f89-bba4-4576-b0a8-456619ca5a8c" providerId="ADAL" clId="{FDDBFC5A-5EA9-5330-BEB8-433D7E3B4C4E}" dt="2025-10-28T15:05:47.354" v="218" actId="1076"/>
+          <ac:picMkLst>
+            <pc:docMk/>
+            <pc:sldMk cId="3371543381" sldId="297"/>
+            <ac:picMk id="2" creationId="{E1F268D4-7ACF-458A-C4A5-B027C6725553}"/>
+          </ac:picMkLst>
+        </pc:picChg>
+        <pc:picChg chg="del">
+          <ac:chgData name="Riccardo Berta" userId="c8694f89-bba4-4576-b0a8-456619ca5a8c" providerId="ADAL" clId="{FDDBFC5A-5EA9-5330-BEB8-433D7E3B4C4E}" dt="2025-10-28T14:40:36.843" v="160" actId="478"/>
+          <ac:picMkLst>
+            <pc:docMk/>
+            <pc:sldMk cId="3371543381" sldId="297"/>
+            <ac:picMk id="3" creationId="{AC2ABD6D-E5F0-1ABE-7036-7012B7D80348}"/>
+          </ac:picMkLst>
+        </pc:picChg>
+        <pc:picChg chg="add del mod">
+          <ac:chgData name="Riccardo Berta" userId="c8694f89-bba4-4576-b0a8-456619ca5a8c" providerId="ADAL" clId="{FDDBFC5A-5EA9-5330-BEB8-433D7E3B4C4E}" dt="2025-10-28T14:40:32.404" v="158" actId="478"/>
+          <ac:picMkLst>
+            <pc:docMk/>
+            <pc:sldMk cId="3371543381" sldId="297"/>
+            <ac:picMk id="4" creationId="{98FA2AAE-9897-33F7-F399-52C4EE697520}"/>
+          </ac:picMkLst>
+        </pc:picChg>
+        <pc:picChg chg="del">
+          <ac:chgData name="Riccardo Berta" userId="c8694f89-bba4-4576-b0a8-456619ca5a8c" providerId="ADAL" clId="{FDDBFC5A-5EA9-5330-BEB8-433D7E3B4C4E}" dt="2025-10-28T14:36:55.593" v="153" actId="478"/>
+          <ac:picMkLst>
+            <pc:docMk/>
+            <pc:sldMk cId="3371543381" sldId="297"/>
+            <ac:picMk id="5" creationId="{C98199A5-119C-5722-5AE7-2C8EE5EF1EC5}"/>
+          </ac:picMkLst>
+        </pc:picChg>
+        <pc:picChg chg="add mod">
+          <ac:chgData name="Riccardo Berta" userId="c8694f89-bba4-4576-b0a8-456619ca5a8c" providerId="ADAL" clId="{FDDBFC5A-5EA9-5330-BEB8-433D7E3B4C4E}" dt="2025-10-28T15:05:40.682" v="217" actId="1076"/>
+          <ac:picMkLst>
+            <pc:docMk/>
+            <pc:sldMk cId="3371543381" sldId="297"/>
+            <ac:picMk id="6" creationId="{271CB717-9FBF-8F53-AB54-2A2C36C6B8D1}"/>
+          </ac:picMkLst>
+        </pc:picChg>
+        <pc:picChg chg="del mod">
+          <ac:chgData name="Riccardo Berta" userId="c8694f89-bba4-4576-b0a8-456619ca5a8c" providerId="ADAL" clId="{FDDBFC5A-5EA9-5330-BEB8-433D7E3B4C4E}" dt="2025-10-28T15:05:10.038" v="202" actId="478"/>
+          <ac:picMkLst>
+            <pc:docMk/>
+            <pc:sldMk cId="3371543381" sldId="297"/>
+            <ac:picMk id="7" creationId="{645207F7-3D02-32E1-E90C-32B75A1F5CAF}"/>
+          </ac:picMkLst>
+        </pc:picChg>
+        <pc:picChg chg="add mod">
+          <ac:chgData name="Riccardo Berta" userId="c8694f89-bba4-4576-b0a8-456619ca5a8c" providerId="ADAL" clId="{FDDBFC5A-5EA9-5330-BEB8-433D7E3B4C4E}" dt="2025-10-28T15:05:34.367" v="213" actId="14100"/>
+          <ac:picMkLst>
+            <pc:docMk/>
+            <pc:sldMk cId="3371543381" sldId="297"/>
+            <ac:picMk id="8" creationId="{3C041339-0892-8723-63BC-F9C86CA2C91B}"/>
+          </ac:picMkLst>
+        </pc:picChg>
+      </pc:sldChg>
+      <pc:sldChg chg="addSp delSp modSp mod">
+        <pc:chgData name="Riccardo Berta" userId="c8694f89-bba4-4576-b0a8-456619ca5a8c" providerId="ADAL" clId="{FDDBFC5A-5EA9-5330-BEB8-433D7E3B4C4E}" dt="2025-10-28T15:34:40.426" v="271" actId="1076"/>
+        <pc:sldMkLst>
+          <pc:docMk/>
+          <pc:sldMk cId="3473763361" sldId="298"/>
+        </pc:sldMkLst>
+        <pc:spChg chg="mod">
+          <ac:chgData name="Riccardo Berta" userId="c8694f89-bba4-4576-b0a8-456619ca5a8c" providerId="ADAL" clId="{FDDBFC5A-5EA9-5330-BEB8-433D7E3B4C4E}" dt="2025-10-28T15:05:53.404" v="219"/>
+          <ac:spMkLst>
+            <pc:docMk/>
+            <pc:sldMk cId="3473763361" sldId="298"/>
+            <ac:spMk id="83" creationId="{00000000-0000-0000-0000-000000000000}"/>
+          </ac:spMkLst>
+        </pc:spChg>
+        <pc:spChg chg="mod">
+          <ac:chgData name="Riccardo Berta" userId="c8694f89-bba4-4576-b0a8-456619ca5a8c" providerId="ADAL" clId="{FDDBFC5A-5EA9-5330-BEB8-433D7E3B4C4E}" dt="2025-10-28T15:27:42.767" v="266" actId="1076"/>
+          <ac:spMkLst>
+            <pc:docMk/>
+            <pc:sldMk cId="3473763361" sldId="298"/>
+            <ac:spMk id="84" creationId="{00000000-0000-0000-0000-000000000000}"/>
+          </ac:spMkLst>
+        </pc:spChg>
+        <pc:picChg chg="del mod">
+          <ac:chgData name="Riccardo Berta" userId="c8694f89-bba4-4576-b0a8-456619ca5a8c" providerId="ADAL" clId="{FDDBFC5A-5EA9-5330-BEB8-433D7E3B4C4E}" dt="2025-10-28T15:08:29.764" v="247" actId="478"/>
+          <ac:picMkLst>
+            <pc:docMk/>
+            <pc:sldMk cId="3473763361" sldId="298"/>
+            <ac:picMk id="2" creationId="{A6EB4B05-7B0D-DD72-ACF3-8A91B2FBB988}"/>
+          </ac:picMkLst>
+        </pc:picChg>
+        <pc:picChg chg="del">
+          <ac:chgData name="Riccardo Berta" userId="c8694f89-bba4-4576-b0a8-456619ca5a8c" providerId="ADAL" clId="{FDDBFC5A-5EA9-5330-BEB8-433D7E3B4C4E}" dt="2025-10-28T15:13:00.262" v="248" actId="478"/>
+          <ac:picMkLst>
+            <pc:docMk/>
+            <pc:sldMk cId="3473763361" sldId="298"/>
+            <ac:picMk id="3" creationId="{78CA6168-C682-D241-D419-7B30FA91F081}"/>
+          </ac:picMkLst>
+        </pc:picChg>
+        <pc:picChg chg="add del mod">
+          <ac:chgData name="Riccardo Berta" userId="c8694f89-bba4-4576-b0a8-456619ca5a8c" providerId="ADAL" clId="{FDDBFC5A-5EA9-5330-BEB8-433D7E3B4C4E}" dt="2025-10-28T15:13:07.118" v="252" actId="478"/>
+          <ac:picMkLst>
+            <pc:docMk/>
+            <pc:sldMk cId="3473763361" sldId="298"/>
+            <ac:picMk id="4" creationId="{1495EA3C-8947-A286-8E8A-5BEF854FA540}"/>
+          </ac:picMkLst>
+        </pc:picChg>
+        <pc:picChg chg="del mod">
+          <ac:chgData name="Riccardo Berta" userId="c8694f89-bba4-4576-b0a8-456619ca5a8c" providerId="ADAL" clId="{FDDBFC5A-5EA9-5330-BEB8-433D7E3B4C4E}" dt="2025-10-28T15:27:31.790" v="265" actId="478"/>
+          <ac:picMkLst>
+            <pc:docMk/>
+            <pc:sldMk cId="3473763361" sldId="298"/>
+            <ac:picMk id="5" creationId="{D6DE1847-DDAD-4EA0-C580-AF3805E445B3}"/>
+          </ac:picMkLst>
+        </pc:picChg>
+        <pc:picChg chg="add mod">
+          <ac:chgData name="Riccardo Berta" userId="c8694f89-bba4-4576-b0a8-456619ca5a8c" providerId="ADAL" clId="{FDDBFC5A-5EA9-5330-BEB8-433D7E3B4C4E}" dt="2025-10-28T15:34:40.426" v="271" actId="1076"/>
+          <ac:picMkLst>
+            <pc:docMk/>
+            <pc:sldMk cId="3473763361" sldId="298"/>
+            <ac:picMk id="6" creationId="{B9D661B7-E881-C8B0-ACFD-F5C865494A94}"/>
+          </ac:picMkLst>
+        </pc:picChg>
+      </pc:sldChg>
+      <pc:sldChg chg="addSp delSp modSp del mod">
+        <pc:chgData name="Riccardo Berta" userId="c8694f89-bba4-4576-b0a8-456619ca5a8c" providerId="ADAL" clId="{FDDBFC5A-5EA9-5330-BEB8-433D7E3B4C4E}" dt="2025-10-28T15:27:49.763" v="267" actId="2696"/>
+        <pc:sldMkLst>
+          <pc:docMk/>
+          <pc:sldMk cId="1692043368" sldId="299"/>
+        </pc:sldMkLst>
+        <pc:spChg chg="add del mod">
+          <ac:chgData name="Riccardo Berta" userId="c8694f89-bba4-4576-b0a8-456619ca5a8c" providerId="ADAL" clId="{FDDBFC5A-5EA9-5330-BEB8-433D7E3B4C4E}" dt="2025-10-28T15:25:24.773" v="262" actId="478"/>
+          <ac:spMkLst>
+            <pc:docMk/>
+            <pc:sldMk cId="1692043368" sldId="299"/>
+            <ac:spMk id="12" creationId="{07CF4600-7170-CF38-BF8B-48C73E9F84D9}"/>
+          </ac:spMkLst>
+        </pc:spChg>
+        <pc:spChg chg="del mod">
+          <ac:chgData name="Riccardo Berta" userId="c8694f89-bba4-4576-b0a8-456619ca5a8c" providerId="ADAL" clId="{FDDBFC5A-5EA9-5330-BEB8-433D7E3B4C4E}" dt="2025-10-28T15:25:22.630" v="261" actId="478"/>
+          <ac:spMkLst>
+            <pc:docMk/>
+            <pc:sldMk cId="1692043368" sldId="299"/>
             <ac:spMk id="84" creationId="{00000000-0000-0000-0000-000000000000}"/>
           </ac:spMkLst>
         </pc:spChg>
         <pc:picChg chg="del">
-          <ac:chgData name="Riccardo Berta" userId="c8694f89-bba4-4576-b0a8-456619ca5a8c" providerId="ADAL" clId="{A8290FA7-622A-D149-8650-9DF3F18680D5}" dt="2022-07-18T11:39:52.245" v="18" actId="478"/>
+          <ac:chgData name="Riccardo Berta" userId="c8694f89-bba4-4576-b0a8-456619ca5a8c" providerId="ADAL" clId="{FDDBFC5A-5EA9-5330-BEB8-433D7E3B4C4E}" dt="2025-10-28T15:25:03.900" v="258" actId="478"/>
           <ac:picMkLst>
             <pc:docMk/>
-            <pc:sldMk cId="0" sldId="257"/>
-            <ac:picMk id="85" creationId="{00000000-0000-0000-0000-000000000000}"/>
+            <pc:sldMk cId="1692043368" sldId="299"/>
+            <ac:picMk id="3" creationId="{27558C14-E4F7-9BEB-C4EC-A00A1E0FCC37}"/>
+          </ac:picMkLst>
+        </pc:picChg>
+        <pc:picChg chg="del">
+          <ac:chgData name="Riccardo Berta" userId="c8694f89-bba4-4576-b0a8-456619ca5a8c" providerId="ADAL" clId="{FDDBFC5A-5EA9-5330-BEB8-433D7E3B4C4E}" dt="2025-10-28T15:25:14.873" v="259" actId="478"/>
+          <ac:picMkLst>
+            <pc:docMk/>
+            <pc:sldMk cId="1692043368" sldId="299"/>
+            <ac:picMk id="5" creationId="{0CEFD62D-EC40-B933-3C36-0C9DFF403CBA}"/>
+          </ac:picMkLst>
+        </pc:picChg>
+        <pc:picChg chg="del">
+          <ac:chgData name="Riccardo Berta" userId="c8694f89-bba4-4576-b0a8-456619ca5a8c" providerId="ADAL" clId="{FDDBFC5A-5EA9-5330-BEB8-433D7E3B4C4E}" dt="2025-10-28T15:25:17.479" v="260" actId="478"/>
+          <ac:picMkLst>
+            <pc:docMk/>
+            <pc:sldMk cId="1692043368" sldId="299"/>
+            <ac:picMk id="7" creationId="{89D7298D-D003-ECFD-01D0-629716C9C2ED}"/>
+          </ac:picMkLst>
+        </pc:picChg>
+        <pc:cxnChg chg="del">
+          <ac:chgData name="Riccardo Berta" userId="c8694f89-bba4-4576-b0a8-456619ca5a8c" providerId="ADAL" clId="{FDDBFC5A-5EA9-5330-BEB8-433D7E3B4C4E}" dt="2025-10-28T15:25:27.354" v="263" actId="478"/>
+          <ac:cxnSpMkLst>
+            <pc:docMk/>
+            <pc:sldMk cId="1692043368" sldId="299"/>
+            <ac:cxnSpMk id="2" creationId="{E0D72DED-92D7-DE48-9562-D240D6B627BE}"/>
+          </ac:cxnSpMkLst>
+        </pc:cxnChg>
+        <pc:cxnChg chg="del">
+          <ac:chgData name="Riccardo Berta" userId="c8694f89-bba4-4576-b0a8-456619ca5a8c" providerId="ADAL" clId="{FDDBFC5A-5EA9-5330-BEB8-433D7E3B4C4E}" dt="2025-10-28T15:25:27.354" v="263" actId="478"/>
+          <ac:cxnSpMkLst>
+            <pc:docMk/>
+            <pc:sldMk cId="1692043368" sldId="299"/>
+            <ac:cxnSpMk id="4" creationId="{3A692350-7538-D378-6E60-9654C408E8D8}"/>
+          </ac:cxnSpMkLst>
+        </pc:cxnChg>
+        <pc:cxnChg chg="del">
+          <ac:chgData name="Riccardo Berta" userId="c8694f89-bba4-4576-b0a8-456619ca5a8c" providerId="ADAL" clId="{FDDBFC5A-5EA9-5330-BEB8-433D7E3B4C4E}" dt="2025-10-28T15:25:27.354" v="263" actId="478"/>
+          <ac:cxnSpMkLst>
+            <pc:docMk/>
+            <pc:sldMk cId="1692043368" sldId="299"/>
+            <ac:cxnSpMk id="6" creationId="{B8DD17A7-7F3A-1ED0-53D4-F43B440AED8C}"/>
+          </ac:cxnSpMkLst>
+        </pc:cxnChg>
+        <pc:cxnChg chg="del">
+          <ac:chgData name="Riccardo Berta" userId="c8694f89-bba4-4576-b0a8-456619ca5a8c" providerId="ADAL" clId="{FDDBFC5A-5EA9-5330-BEB8-433D7E3B4C4E}" dt="2025-10-28T15:25:27.354" v="263" actId="478"/>
+          <ac:cxnSpMkLst>
+            <pc:docMk/>
+            <pc:sldMk cId="1692043368" sldId="299"/>
+            <ac:cxnSpMk id="8" creationId="{0A943352-461F-335E-4FF0-6574871A182B}"/>
+          </ac:cxnSpMkLst>
+        </pc:cxnChg>
+        <pc:cxnChg chg="del">
+          <ac:chgData name="Riccardo Berta" userId="c8694f89-bba4-4576-b0a8-456619ca5a8c" providerId="ADAL" clId="{FDDBFC5A-5EA9-5330-BEB8-433D7E3B4C4E}" dt="2025-10-28T15:25:27.354" v="263" actId="478"/>
+          <ac:cxnSpMkLst>
+            <pc:docMk/>
+            <pc:sldMk cId="1692043368" sldId="299"/>
+            <ac:cxnSpMk id="9" creationId="{773FCB2A-BBF3-E68B-AA26-7F261366C9FF}"/>
+          </ac:cxnSpMkLst>
+        </pc:cxnChg>
+        <pc:cxnChg chg="del">
+          <ac:chgData name="Riccardo Berta" userId="c8694f89-bba4-4576-b0a8-456619ca5a8c" providerId="ADAL" clId="{FDDBFC5A-5EA9-5330-BEB8-433D7E3B4C4E}" dt="2025-10-28T15:25:27.354" v="263" actId="478"/>
+          <ac:cxnSpMkLst>
+            <pc:docMk/>
+            <pc:sldMk cId="1692043368" sldId="299"/>
+            <ac:cxnSpMk id="10" creationId="{7E1E2273-D1DE-85D4-8BFC-B3C26E84A59B}"/>
+          </ac:cxnSpMkLst>
+        </pc:cxnChg>
+      </pc:sldChg>
+      <pc:sldChg chg="addSp delSp modSp del mod">
+        <pc:chgData name="Riccardo Berta" userId="c8694f89-bba4-4576-b0a8-456619ca5a8c" providerId="ADAL" clId="{FDDBFC5A-5EA9-5330-BEB8-433D7E3B4C4E}" dt="2025-10-28T09:38:44.660" v="149" actId="2696"/>
+        <pc:sldMkLst>
+          <pc:docMk/>
+          <pc:sldMk cId="1548713525" sldId="304"/>
+        </pc:sldMkLst>
+      </pc:sldChg>
+      <pc:sldChg chg="delSp modSp add del mod">
+        <pc:chgData name="Riccardo Berta" userId="c8694f89-bba4-4576-b0a8-456619ca5a8c" providerId="ADAL" clId="{FDDBFC5A-5EA9-5330-BEB8-433D7E3B4C4E}" dt="2025-10-28T15:34:49.475" v="272" actId="2696"/>
+        <pc:sldMkLst>
+          <pc:docMk/>
+          <pc:sldMk cId="2235979022" sldId="304"/>
+        </pc:sldMkLst>
+        <pc:spChg chg="mod">
+          <ac:chgData name="Riccardo Berta" userId="c8694f89-bba4-4576-b0a8-456619ca5a8c" providerId="ADAL" clId="{FDDBFC5A-5EA9-5330-BEB8-433D7E3B4C4E}" dt="2025-10-28T15:13:19.442" v="256" actId="20577"/>
+          <ac:spMkLst>
+            <pc:docMk/>
+            <pc:sldMk cId="2235979022" sldId="304"/>
+            <ac:spMk id="83" creationId="{77EF0BFE-142A-A96D-B345-5FB95BBDB522}"/>
+          </ac:spMkLst>
+        </pc:spChg>
+        <pc:picChg chg="del">
+          <ac:chgData name="Riccardo Berta" userId="c8694f89-bba4-4576-b0a8-456619ca5a8c" providerId="ADAL" clId="{FDDBFC5A-5EA9-5330-BEB8-433D7E3B4C4E}" dt="2025-10-28T15:27:26.723" v="264" actId="478"/>
+          <ac:picMkLst>
+            <pc:docMk/>
+            <pc:sldMk cId="2235979022" sldId="304"/>
+            <ac:picMk id="5" creationId="{6CBFA1C3-8784-E755-9FD9-DBA32AB874D9}"/>
           </ac:picMkLst>
         </pc:picChg>
       </pc:sldChg>
-      <pc:sldChg chg="addSp modSp new mod modNotes">
-        <pc:chgData name="Riccardo Berta" userId="c8694f89-bba4-4576-b0a8-456619ca5a8c" providerId="ADAL" clId="{A8290FA7-622A-D149-8650-9DF3F18680D5}" dt="2022-07-27T08:52:46.755" v="1313" actId="113"/>
+      <pc:sldChg chg="delSp modSp add del mod">
+        <pc:chgData name="Riccardo Berta" userId="c8694f89-bba4-4576-b0a8-456619ca5a8c" providerId="ADAL" clId="{FDDBFC5A-5EA9-5330-BEB8-433D7E3B4C4E}" dt="2025-10-28T09:38:40.907" v="147" actId="2696"/>
         <pc:sldMkLst>
           <pc:docMk/>
-          <pc:sldMk cId="1899110855" sldId="258"/>
+          <pc:sldMk cId="2440173225" sldId="305"/>
         </pc:sldMkLst>
-        <pc:spChg chg="mod">
-          <ac:chgData name="Riccardo Berta" userId="c8694f89-bba4-4576-b0a8-456619ca5a8c" providerId="ADAL" clId="{A8290FA7-622A-D149-8650-9DF3F18680D5}" dt="2022-07-27T08:44:23.725" v="1124"/>
-          <ac:spMkLst>
-            <pc:docMk/>
-            <pc:sldMk cId="1899110855" sldId="258"/>
-            <ac:spMk id="2" creationId="{9A367158-2E24-E90C-7ECC-502AB323ED05}"/>
-          </ac:spMkLst>
-        </pc:spChg>
-        <pc:spChg chg="mod">
-          <ac:chgData name="Riccardo Berta" userId="c8694f89-bba4-4576-b0a8-456619ca5a8c" providerId="ADAL" clId="{A8290FA7-622A-D149-8650-9DF3F18680D5}" dt="2022-07-27T08:52:46.755" v="1313" actId="113"/>
-          <ac:spMkLst>
-            <pc:docMk/>
-            <pc:sldMk cId="1899110855" sldId="258"/>
-            <ac:spMk id="3" creationId="{3F2C94B7-5C82-7750-8B45-751562B2B6D0}"/>
-          </ac:spMkLst>
-        </pc:spChg>
-        <pc:picChg chg="add mod">
-          <ac:chgData name="Riccardo Berta" userId="c8694f89-bba4-4576-b0a8-456619ca5a8c" providerId="ADAL" clId="{A8290FA7-622A-D149-8650-9DF3F18680D5}" dt="2022-07-27T08:50:59.788" v="1228" actId="1076"/>
-          <ac:picMkLst>
-            <pc:docMk/>
-            <pc:sldMk cId="1899110855" sldId="258"/>
-            <ac:picMk id="4" creationId="{1FB36129-1438-3CA3-2875-A711720E74DA}"/>
-          </ac:picMkLst>
-        </pc:picChg>
-      </pc:sldChg>
-      <pc:sldChg chg="new del">
-        <pc:chgData name="Riccardo Berta" userId="c8694f89-bba4-4576-b0a8-456619ca5a8c" providerId="ADAL" clId="{A8290FA7-622A-D149-8650-9DF3F18680D5}" dt="2022-07-27T07:48:28.832" v="223" actId="2696"/>
-        <pc:sldMkLst>
-          <pc:docMk/>
-          <pc:sldMk cId="182339981" sldId="259"/>
-        </pc:sldMkLst>
-      </pc:sldChg>
-      <pc:sldChg chg="del">
-        <pc:chgData name="Riccardo Berta" userId="c8694f89-bba4-4576-b0a8-456619ca5a8c" providerId="ADAL" clId="{A8290FA7-622A-D149-8650-9DF3F18680D5}" dt="2022-07-18T11:39:57.790" v="23" actId="2696"/>
-        <pc:sldMkLst>
-          <pc:docMk/>
-          <pc:sldMk cId="3018556184" sldId="259"/>
-        </pc:sldMkLst>
-        <pc:spChg chg="mod">
-          <ac:chgData name="Riccardo Berta" userId="c8694f89-bba4-4576-b0a8-456619ca5a8c" providerId="ADAL" clId="{A8290FA7-622A-D149-8650-9DF3F18680D5}" dt="2022-07-27T08:44:23.725" v="1124"/>
-          <ac:spMkLst>
-            <pc:docMk/>
-            <pc:sldMk cId="3018556184" sldId="259"/>
-            <ac:spMk id="2" creationId="{41268BF7-2F3B-A5C4-4F7E-1982399FCE62}"/>
-          </ac:spMkLst>
-        </pc:spChg>
-        <pc:spChg chg="mod">
-          <ac:chgData name="Riccardo Berta" userId="c8694f89-bba4-4576-b0a8-456619ca5a8c" providerId="ADAL" clId="{A8290FA7-622A-D149-8650-9DF3F18680D5}" dt="2022-07-27T13:36:04.688" v="2998"/>
-          <ac:spMkLst>
-            <pc:docMk/>
-            <pc:sldMk cId="3018556184" sldId="259"/>
-            <ac:spMk id="3" creationId="{38BFAA1C-1163-169B-2D77-6FEF73CC8512}"/>
-          </ac:spMkLst>
-        </pc:spChg>
-      </pc:sldChg>
-      <pc:sldChg chg="addSp modSp new mod">
-        <pc:chgData name="Riccardo Berta" userId="c8694f89-bba4-4576-b0a8-456619ca5a8c" providerId="ADAL" clId="{A8290FA7-622A-D149-8650-9DF3F18680D5}" dt="2022-07-27T08:48:59.292" v="1210" actId="1076"/>
-        <pc:sldMkLst>
-          <pc:docMk/>
-          <pc:sldMk cId="1104208334" sldId="260"/>
-        </pc:sldMkLst>
-        <pc:spChg chg="mod">
-          <ac:chgData name="Riccardo Berta" userId="c8694f89-bba4-4576-b0a8-456619ca5a8c" providerId="ADAL" clId="{A8290FA7-622A-D149-8650-9DF3F18680D5}" dt="2022-07-27T08:44:23.725" v="1124"/>
-          <ac:spMkLst>
-            <pc:docMk/>
-            <pc:sldMk cId="1104208334" sldId="260"/>
-            <ac:spMk id="2" creationId="{BCB44347-B705-702C-8C13-25742F95F00E}"/>
-          </ac:spMkLst>
-        </pc:spChg>
-        <pc:spChg chg="mod">
-          <ac:chgData name="Riccardo Berta" userId="c8694f89-bba4-4576-b0a8-456619ca5a8c" providerId="ADAL" clId="{A8290FA7-622A-D149-8650-9DF3F18680D5}" dt="2022-07-27T08:48:34.600" v="1207" actId="20577"/>
-          <ac:spMkLst>
-            <pc:docMk/>
-            <pc:sldMk cId="1104208334" sldId="260"/>
-            <ac:spMk id="3" creationId="{1C462C8B-759C-C2C7-EA44-1505F85DD073}"/>
-          </ac:spMkLst>
-        </pc:spChg>
-        <pc:picChg chg="add mod">
-          <ac:chgData name="Riccardo Berta" userId="c8694f89-bba4-4576-b0a8-456619ca5a8c" providerId="ADAL" clId="{A8290FA7-622A-D149-8650-9DF3F18680D5}" dt="2022-07-27T08:48:59.292" v="1210" actId="1076"/>
-          <ac:picMkLst>
-            <pc:docMk/>
-            <pc:sldMk cId="1104208334" sldId="260"/>
-            <ac:picMk id="1026" creationId="{B4CA9CEF-2B94-4431-1046-06B5B4A61164}"/>
-          </ac:picMkLst>
-        </pc:picChg>
-      </pc:sldChg>
-      <pc:sldChg chg="del">
-        <pc:chgData name="Riccardo Berta" userId="c8694f89-bba4-4576-b0a8-456619ca5a8c" providerId="ADAL" clId="{A8290FA7-622A-D149-8650-9DF3F18680D5}" dt="2022-07-18T11:39:58.142" v="25" actId="2696"/>
-        <pc:sldMkLst>
-          <pc:docMk/>
-          <pc:sldMk cId="1290395919" sldId="261"/>
-        </pc:sldMkLst>
-        <pc:spChg chg="mod">
-          <ac:chgData name="Riccardo Berta" userId="c8694f89-bba4-4576-b0a8-456619ca5a8c" providerId="ADAL" clId="{A8290FA7-622A-D149-8650-9DF3F18680D5}" dt="2022-07-27T09:02:55.174" v="1405" actId="313"/>
-          <ac:spMkLst>
-            <pc:docMk/>
-            <pc:sldMk cId="1290395919" sldId="261"/>
-            <ac:spMk id="2" creationId="{7ACF5050-2FE7-D51A-3B42-49745B74F8BD}"/>
-          </ac:spMkLst>
-        </pc:spChg>
-        <pc:spChg chg="mod">
-          <ac:chgData name="Riccardo Berta" userId="c8694f89-bba4-4576-b0a8-456619ca5a8c" providerId="ADAL" clId="{A8290FA7-622A-D149-8650-9DF3F18680D5}" dt="2022-07-27T10:13:59.822" v="1768" actId="20577"/>
-          <ac:spMkLst>
-            <pc:docMk/>
-            <pc:sldMk cId="1290395919" sldId="261"/>
-            <ac:spMk id="3" creationId="{443CA410-E246-EACE-351E-80C846A06F66}"/>
-          </ac:spMkLst>
-        </pc:spChg>
-      </pc:sldChg>
-      <pc:sldChg chg="new del">
-        <pc:chgData name="Riccardo Berta" userId="c8694f89-bba4-4576-b0a8-456619ca5a8c" providerId="ADAL" clId="{A8290FA7-622A-D149-8650-9DF3F18680D5}" dt="2022-07-27T10:14:34.151" v="1776" actId="2696"/>
-        <pc:sldMkLst>
-          <pc:docMk/>
-          <pc:sldMk cId="1228403239" sldId="262"/>
-        </pc:sldMkLst>
-      </pc:sldChg>
-      <pc:sldChg chg="addSp modSp add mod">
-        <pc:chgData name="Riccardo Berta" userId="c8694f89-bba4-4576-b0a8-456619ca5a8c" providerId="ADAL" clId="{A8290FA7-622A-D149-8650-9DF3F18680D5}" dt="2022-07-27T10:42:13.820" v="2230" actId="113"/>
-        <pc:sldMkLst>
-          <pc:docMk/>
-          <pc:sldMk cId="4130549615" sldId="262"/>
-        </pc:sldMkLst>
-        <pc:spChg chg="mod">
-          <ac:chgData name="Riccardo Berta" userId="c8694f89-bba4-4576-b0a8-456619ca5a8c" providerId="ADAL" clId="{A8290FA7-622A-D149-8650-9DF3F18680D5}" dt="2022-07-27T10:14:47.805" v="1801" actId="20577"/>
-          <ac:spMkLst>
-            <pc:docMk/>
-            <pc:sldMk cId="4130549615" sldId="262"/>
-            <ac:spMk id="83" creationId="{00000000-0000-0000-0000-000000000000}"/>
-          </ac:spMkLst>
-        </pc:spChg>
-        <pc:spChg chg="mod">
-          <ac:chgData name="Riccardo Berta" userId="c8694f89-bba4-4576-b0a8-456619ca5a8c" providerId="ADAL" clId="{A8290FA7-622A-D149-8650-9DF3F18680D5}" dt="2022-07-27T10:42:13.820" v="2230" actId="113"/>
-          <ac:spMkLst>
-            <pc:docMk/>
-            <pc:sldMk cId="4130549615" sldId="262"/>
-            <ac:spMk id="84" creationId="{00000000-0000-0000-0000-000000000000}"/>
-          </ac:spMkLst>
-        </pc:spChg>
-        <pc:picChg chg="add mod">
-          <ac:chgData name="Riccardo Berta" userId="c8694f89-bba4-4576-b0a8-456619ca5a8c" providerId="ADAL" clId="{A8290FA7-622A-D149-8650-9DF3F18680D5}" dt="2022-07-27T10:41:57.614" v="2224" actId="1076"/>
-          <ac:picMkLst>
-            <pc:docMk/>
-            <pc:sldMk cId="4130549615" sldId="262"/>
-            <ac:picMk id="2" creationId="{DE7BB65F-08A4-B6D2-CED9-F0FFBD5CDBF9}"/>
-          </ac:picMkLst>
-        </pc:picChg>
-        <pc:picChg chg="add mod">
-          <ac:chgData name="Riccardo Berta" userId="c8694f89-bba4-4576-b0a8-456619ca5a8c" providerId="ADAL" clId="{A8290FA7-622A-D149-8650-9DF3F18680D5}" dt="2022-07-27T10:42:07.380" v="2229" actId="1076"/>
-          <ac:picMkLst>
-            <pc:docMk/>
-            <pc:sldMk cId="4130549615" sldId="262"/>
-            <ac:picMk id="3" creationId="{8F10188F-1192-CC5C-9229-6680F9B1F8A4}"/>
-          </ac:picMkLst>
-        </pc:picChg>
-      </pc:sldChg>
-      <pc:sldChg chg="new del">
-        <pc:chgData name="Riccardo Berta" userId="c8694f89-bba4-4576-b0a8-456619ca5a8c" providerId="ADAL" clId="{A8290FA7-622A-D149-8650-9DF3F18680D5}" dt="2022-07-27T10:14:17.648" v="1770" actId="2696"/>
-        <pc:sldMkLst>
-          <pc:docMk/>
-          <pc:sldMk cId="4179454221" sldId="262"/>
-        </pc:sldMkLst>
-      </pc:sldChg>
-      <pc:sldChg chg="addSp delSp modSp new del mod">
-        <pc:chgData name="Riccardo Berta" userId="c8694f89-bba4-4576-b0a8-456619ca5a8c" providerId="ADAL" clId="{A8290FA7-622A-D149-8650-9DF3F18680D5}" dt="2022-07-27T10:14:36.007" v="1777" actId="2696"/>
-        <pc:sldMkLst>
-          <pc:docMk/>
-          <pc:sldMk cId="2702540954" sldId="263"/>
-        </pc:sldMkLst>
-        <pc:spChg chg="add del mod">
-          <ac:chgData name="Riccardo Berta" userId="c8694f89-bba4-4576-b0a8-456619ca5a8c" providerId="ADAL" clId="{A8290FA7-622A-D149-8650-9DF3F18680D5}" dt="2022-07-27T10:14:34.058" v="1775"/>
-          <ac:spMkLst>
-            <pc:docMk/>
-            <pc:sldMk cId="2702540954" sldId="263"/>
-            <ac:spMk id="3" creationId="{3202F38C-70E9-B11B-4CF4-DD7C2BF1118A}"/>
-          </ac:spMkLst>
-        </pc:spChg>
-      </pc:sldChg>
-      <pc:sldChg chg="del">
-        <pc:chgData name="Riccardo Berta" userId="c8694f89-bba4-4576-b0a8-456619ca5a8c" providerId="ADAL" clId="{A8290FA7-622A-D149-8650-9DF3F18680D5}" dt="2022-07-18T11:39:58.451" v="27" actId="2696"/>
-        <pc:sldMkLst>
-          <pc:docMk/>
-          <pc:sldMk cId="3102138681" sldId="263"/>
-        </pc:sldMkLst>
-        <pc:spChg chg="add mod">
-          <ac:chgData name="Riccardo Berta" userId="c8694f89-bba4-4576-b0a8-456619ca5a8c" providerId="ADAL" clId="{A8290FA7-622A-D149-8650-9DF3F18680D5}" dt="2022-07-27T13:25:04.866" v="2759" actId="113"/>
-          <ac:spMkLst>
-            <pc:docMk/>
-            <pc:sldMk cId="3102138681" sldId="263"/>
-            <ac:spMk id="4" creationId="{F4D09BBD-B357-6547-1869-C5A2382FCC8B}"/>
-          </ac:spMkLst>
-        </pc:spChg>
-        <pc:spChg chg="add del mod">
-          <ac:chgData name="Riccardo Berta" userId="c8694f89-bba4-4576-b0a8-456619ca5a8c" providerId="ADAL" clId="{A8290FA7-622A-D149-8650-9DF3F18680D5}" dt="2022-07-27T11:15:39.262" v="2505" actId="478"/>
-          <ac:spMkLst>
-            <pc:docMk/>
-            <pc:sldMk cId="3102138681" sldId="263"/>
-            <ac:spMk id="5" creationId="{23AC3424-715D-3F08-932D-C2CF108A7059}"/>
-          </ac:spMkLst>
-        </pc:spChg>
-        <pc:spChg chg="add mod">
-          <ac:chgData name="Riccardo Berta" userId="c8694f89-bba4-4576-b0a8-456619ca5a8c" providerId="ADAL" clId="{A8290FA7-622A-D149-8650-9DF3F18680D5}" dt="2022-07-27T11:16:53.879" v="2519" actId="1076"/>
-          <ac:spMkLst>
-            <pc:docMk/>
-            <pc:sldMk cId="3102138681" sldId="263"/>
-            <ac:spMk id="6" creationId="{E6A53417-994D-A7A5-6B3C-BE4F99893522}"/>
-          </ac:spMkLst>
-        </pc:spChg>
-        <pc:spChg chg="add mod">
-          <ac:chgData name="Riccardo Berta" userId="c8694f89-bba4-4576-b0a8-456619ca5a8c" providerId="ADAL" clId="{A8290FA7-622A-D149-8650-9DF3F18680D5}" dt="2022-07-27T11:16:53.879" v="2519" actId="1076"/>
-          <ac:spMkLst>
-            <pc:docMk/>
-            <pc:sldMk cId="3102138681" sldId="263"/>
-            <ac:spMk id="7" creationId="{A40D36EA-EE11-0232-DF5A-70C2463FA6D7}"/>
-          </ac:spMkLst>
-        </pc:spChg>
-        <pc:spChg chg="mod">
-          <ac:chgData name="Riccardo Berta" userId="c8694f89-bba4-4576-b0a8-456619ca5a8c" providerId="ADAL" clId="{A8290FA7-622A-D149-8650-9DF3F18680D5}" dt="2022-07-27T10:48:03.941" v="2323" actId="20577"/>
-          <ac:spMkLst>
-            <pc:docMk/>
-            <pc:sldMk cId="3102138681" sldId="263"/>
-            <ac:spMk id="83" creationId="{00000000-0000-0000-0000-000000000000}"/>
-          </ac:spMkLst>
-        </pc:spChg>
-        <pc:spChg chg="mod">
-          <ac:chgData name="Riccardo Berta" userId="c8694f89-bba4-4576-b0a8-456619ca5a8c" providerId="ADAL" clId="{A8290FA7-622A-D149-8650-9DF3F18680D5}" dt="2022-07-27T10:48:06.788" v="2324" actId="20577"/>
-          <ac:spMkLst>
-            <pc:docMk/>
-            <pc:sldMk cId="3102138681" sldId="263"/>
-            <ac:spMk id="84" creationId="{00000000-0000-0000-0000-000000000000}"/>
-          </ac:spMkLst>
-        </pc:spChg>
-        <pc:grpChg chg="add del mod">
-          <ac:chgData name="Riccardo Berta" userId="c8694f89-bba4-4576-b0a8-456619ca5a8c" providerId="ADAL" clId="{A8290FA7-622A-D149-8650-9DF3F18680D5}" dt="2022-07-27T11:18:00.757" v="2523" actId="478"/>
-          <ac:grpSpMkLst>
-            <pc:docMk/>
-            <pc:sldMk cId="3102138681" sldId="263"/>
-            <ac:grpSpMk id="8" creationId="{197E1684-FF9E-2244-C365-B25FF288C192}"/>
-          </ac:grpSpMkLst>
-        </pc:grpChg>
-        <pc:picChg chg="del">
-          <ac:chgData name="Riccardo Berta" userId="c8694f89-bba4-4576-b0a8-456619ca5a8c" providerId="ADAL" clId="{A8290FA7-622A-D149-8650-9DF3F18680D5}" dt="2022-07-27T10:43:13.465" v="2245" actId="478"/>
-          <ac:picMkLst>
-            <pc:docMk/>
-            <pc:sldMk cId="3102138681" sldId="263"/>
-            <ac:picMk id="2" creationId="{DE7BB65F-08A4-B6D2-CED9-F0FFBD5CDBF9}"/>
-          </ac:picMkLst>
-        </pc:picChg>
-        <pc:picChg chg="del">
-          <ac:chgData name="Riccardo Berta" userId="c8694f89-bba4-4576-b0a8-456619ca5a8c" providerId="ADAL" clId="{A8290FA7-622A-D149-8650-9DF3F18680D5}" dt="2022-07-27T10:43:13.005" v="2244" actId="478"/>
-          <ac:picMkLst>
-            <pc:docMk/>
-            <pc:sldMk cId="3102138681" sldId="263"/>
-            <ac:picMk id="3" creationId="{8F10188F-1192-CC5C-9229-6680F9B1F8A4}"/>
-          </ac:picMkLst>
-        </pc:picChg>
-        <pc:picChg chg="add mod">
-          <ac:chgData name="Riccardo Berta" userId="c8694f89-bba4-4576-b0a8-456619ca5a8c" providerId="ADAL" clId="{A8290FA7-622A-D149-8650-9DF3F18680D5}" dt="2022-07-27T13:24:53.552" v="2751" actId="1076"/>
-          <ac:picMkLst>
-            <pc:docMk/>
-            <pc:sldMk cId="3102138681" sldId="263"/>
-            <ac:picMk id="10" creationId="{0E81828B-E89F-25E9-3F87-0F05B85C6E21}"/>
-          </ac:picMkLst>
-        </pc:picChg>
-        <pc:picChg chg="add mod">
-          <ac:chgData name="Riccardo Berta" userId="c8694f89-bba4-4576-b0a8-456619ca5a8c" providerId="ADAL" clId="{A8290FA7-622A-D149-8650-9DF3F18680D5}" dt="2022-07-27T11:16:53.879" v="2519" actId="1076"/>
-          <ac:picMkLst>
-            <pc:docMk/>
-            <pc:sldMk cId="3102138681" sldId="263"/>
-            <ac:picMk id="2050" creationId="{A53CAF74-1BDF-FAC7-6840-B2596884FF7F}"/>
-          </ac:picMkLst>
-        </pc:picChg>
-      </pc:sldChg>
-      <pc:sldChg chg="addSp modSp add del mod">
-        <pc:chgData name="Riccardo Berta" userId="c8694f89-bba4-4576-b0a8-456619ca5a8c" providerId="ADAL" clId="{A8290FA7-622A-D149-8650-9DF3F18680D5}" dt="2022-07-27T10:42:20.886" v="2231" actId="2696"/>
-        <pc:sldMkLst>
-          <pc:docMk/>
-          <pc:sldMk cId="3911169705" sldId="263"/>
-        </pc:sldMkLst>
-        <pc:spChg chg="mod">
-          <ac:chgData name="Riccardo Berta" userId="c8694f89-bba4-4576-b0a8-456619ca5a8c" providerId="ADAL" clId="{A8290FA7-622A-D149-8650-9DF3F18680D5}" dt="2022-07-27T10:33:15.496" v="2048" actId="20577"/>
-          <ac:spMkLst>
-            <pc:docMk/>
-            <pc:sldMk cId="3911169705" sldId="263"/>
-            <ac:spMk id="83" creationId="{00000000-0000-0000-0000-000000000000}"/>
-          </ac:spMkLst>
-        </pc:spChg>
-        <pc:spChg chg="mod">
-          <ac:chgData name="Riccardo Berta" userId="c8694f89-bba4-4576-b0a8-456619ca5a8c" providerId="ADAL" clId="{A8290FA7-622A-D149-8650-9DF3F18680D5}" dt="2022-07-27T10:34:05.441" v="2067" actId="20577"/>
-          <ac:spMkLst>
-            <pc:docMk/>
-            <pc:sldMk cId="3911169705" sldId="263"/>
-            <ac:spMk id="84" creationId="{00000000-0000-0000-0000-000000000000}"/>
-          </ac:spMkLst>
-        </pc:spChg>
-        <pc:picChg chg="add mod">
-          <ac:chgData name="Riccardo Berta" userId="c8694f89-bba4-4576-b0a8-456619ca5a8c" providerId="ADAL" clId="{A8290FA7-622A-D149-8650-9DF3F18680D5}" dt="2022-07-27T10:33:53.682" v="2062" actId="14100"/>
-          <ac:picMkLst>
-            <pc:docMk/>
-            <pc:sldMk cId="3911169705" sldId="263"/>
-            <ac:picMk id="2" creationId="{D4B2A0E7-4B4D-E6BD-CA2B-E156742EB348}"/>
-          </ac:picMkLst>
-        </pc:picChg>
-        <pc:picChg chg="add mod">
-          <ac:chgData name="Riccardo Berta" userId="c8694f89-bba4-4576-b0a8-456619ca5a8c" providerId="ADAL" clId="{A8290FA7-622A-D149-8650-9DF3F18680D5}" dt="2022-07-27T10:34:01.183" v="2064" actId="1076"/>
-          <ac:picMkLst>
-            <pc:docMk/>
-            <pc:sldMk cId="3911169705" sldId="263"/>
-            <ac:picMk id="3" creationId="{DB1314C3-2E54-D0A9-2C2E-0B14369A70D5}"/>
-          </ac:picMkLst>
-        </pc:picChg>
-      </pc:sldChg>
-      <pc:sldChg chg="del">
-        <pc:chgData name="Riccardo Berta" userId="c8694f89-bba4-4576-b0a8-456619ca5a8c" providerId="ADAL" clId="{A8290FA7-622A-D149-8650-9DF3F18680D5}" dt="2022-07-18T11:39:58.616" v="28" actId="2696"/>
-        <pc:sldMkLst>
-          <pc:docMk/>
-          <pc:sldMk cId="2113557187" sldId="264"/>
-        </pc:sldMkLst>
-        <pc:spChg chg="add del">
-          <ac:chgData name="Riccardo Berta" userId="c8694f89-bba4-4576-b0a8-456619ca5a8c" providerId="ADAL" clId="{A8290FA7-622A-D149-8650-9DF3F18680D5}" dt="2022-07-27T11:59:11.727" v="2638" actId="478"/>
-          <ac:spMkLst>
-            <pc:docMk/>
-            <pc:sldMk cId="2113557187" sldId="264"/>
-            <ac:spMk id="3" creationId="{BC1FDF23-921F-5E18-9CFF-ACCFCF450821}"/>
-          </ac:spMkLst>
-        </pc:spChg>
-        <pc:spChg chg="mod">
-          <ac:chgData name="Riccardo Berta" userId="c8694f89-bba4-4576-b0a8-456619ca5a8c" providerId="ADAL" clId="{A8290FA7-622A-D149-8650-9DF3F18680D5}" dt="2022-07-27T11:59:29.324" v="2645" actId="5793"/>
-          <ac:spMkLst>
-            <pc:docMk/>
-            <pc:sldMk cId="2113557187" sldId="264"/>
-            <ac:spMk id="4" creationId="{F4D09BBD-B357-6547-1869-C5A2382FCC8B}"/>
-          </ac:spMkLst>
-        </pc:spChg>
-        <pc:spChg chg="add del">
-          <ac:chgData name="Riccardo Berta" userId="c8694f89-bba4-4576-b0a8-456619ca5a8c" providerId="ADAL" clId="{A8290FA7-622A-D149-8650-9DF3F18680D5}" dt="2022-07-27T11:59:15.052" v="2640" actId="478"/>
-          <ac:spMkLst>
-            <pc:docMk/>
-            <pc:sldMk cId="2113557187" sldId="264"/>
-            <ac:spMk id="6" creationId="{2CCFB366-8A7D-5E7E-B99E-3A97CFF1730F}"/>
-          </ac:spMkLst>
-        </pc:spChg>
-        <pc:picChg chg="del">
-          <ac:chgData name="Riccardo Berta" userId="c8694f89-bba4-4576-b0a8-456619ca5a8c" providerId="ADAL" clId="{A8290FA7-622A-D149-8650-9DF3F18680D5}" dt="2022-07-27T11:59:09.596" v="2636" actId="478"/>
-          <ac:picMkLst>
-            <pc:docMk/>
-            <pc:sldMk cId="2113557187" sldId="264"/>
-            <ac:picMk id="10" creationId="{0E81828B-E89F-25E9-3F87-0F05B85C6E21}"/>
-          </ac:picMkLst>
-        </pc:picChg>
-        <pc:picChg chg="add mod">
-          <ac:chgData name="Riccardo Berta" userId="c8694f89-bba4-4576-b0a8-456619ca5a8c" providerId="ADAL" clId="{A8290FA7-622A-D149-8650-9DF3F18680D5}" dt="2022-07-27T13:22:18.527" v="2647" actId="14100"/>
-          <ac:picMkLst>
-            <pc:docMk/>
-            <pc:sldMk cId="2113557187" sldId="264"/>
-            <ac:picMk id="3074" creationId="{9CA02893-40B1-CBA3-7B52-7B9773D440DD}"/>
-          </ac:picMkLst>
-        </pc:picChg>
-      </pc:sldChg>
-      <pc:sldChg chg="del">
-        <pc:chgData name="Riccardo Berta" userId="c8694f89-bba4-4576-b0a8-456619ca5a8c" providerId="ADAL" clId="{A8290FA7-622A-D149-8650-9DF3F18680D5}" dt="2022-07-18T11:39:58.749" v="29" actId="2696"/>
-        <pc:sldMkLst>
-          <pc:docMk/>
-          <pc:sldMk cId="2045385232" sldId="265"/>
-        </pc:sldMkLst>
-        <pc:spChg chg="mod">
-          <ac:chgData name="Riccardo Berta" userId="c8694f89-bba4-4576-b0a8-456619ca5a8c" providerId="ADAL" clId="{A8290FA7-622A-D149-8650-9DF3F18680D5}" dt="2022-07-27T13:28:40.287" v="2835" actId="20577"/>
-          <ac:spMkLst>
-            <pc:docMk/>
-            <pc:sldMk cId="2045385232" sldId="265"/>
-            <ac:spMk id="2" creationId="{7ACF5050-2FE7-D51A-3B42-49745B74F8BD}"/>
-          </ac:spMkLst>
-        </pc:spChg>
-        <pc:spChg chg="mod">
-          <ac:chgData name="Riccardo Berta" userId="c8694f89-bba4-4576-b0a8-456619ca5a8c" providerId="ADAL" clId="{A8290FA7-622A-D149-8650-9DF3F18680D5}" dt="2022-07-27T13:34:43.252" v="2978" actId="20577"/>
-          <ac:spMkLst>
-            <pc:docMk/>
-            <pc:sldMk cId="2045385232" sldId="265"/>
-            <ac:spMk id="3" creationId="{443CA410-E246-EACE-351E-80C846A06F66}"/>
-          </ac:spMkLst>
-        </pc:spChg>
-        <pc:picChg chg="add mod">
-          <ac:chgData name="Riccardo Berta" userId="c8694f89-bba4-4576-b0a8-456619ca5a8c" providerId="ADAL" clId="{A8290FA7-622A-D149-8650-9DF3F18680D5}" dt="2022-07-27T13:29:04.301" v="2839" actId="1076"/>
-          <ac:picMkLst>
-            <pc:docMk/>
-            <pc:sldMk cId="2045385232" sldId="265"/>
-            <ac:picMk id="5" creationId="{6F2A372C-E4F3-6EB3-7011-0A41077F7959}"/>
-          </ac:picMkLst>
-        </pc:picChg>
-      </pc:sldChg>
-      <pc:sldChg chg="del">
-        <pc:chgData name="Riccardo Berta" userId="c8694f89-bba4-4576-b0a8-456619ca5a8c" providerId="ADAL" clId="{A8290FA7-622A-D149-8650-9DF3F18680D5}" dt="2022-07-18T11:39:58.869" v="30" actId="2696"/>
-        <pc:sldMkLst>
-          <pc:docMk/>
-          <pc:sldMk cId="4181844165" sldId="266"/>
-        </pc:sldMkLst>
-      </pc:sldChg>
-      <pc:sldChg chg="del">
-        <pc:chgData name="Riccardo Berta" userId="c8694f89-bba4-4576-b0a8-456619ca5a8c" providerId="ADAL" clId="{A8290FA7-622A-D149-8650-9DF3F18680D5}" dt="2022-07-18T11:39:59.035" v="31" actId="2696"/>
-        <pc:sldMkLst>
-          <pc:docMk/>
-          <pc:sldMk cId="216455838" sldId="267"/>
-        </pc:sldMkLst>
-      </pc:sldChg>
-      <pc:sldChg chg="del">
-        <pc:chgData name="Riccardo Berta" userId="c8694f89-bba4-4576-b0a8-456619ca5a8c" providerId="ADAL" clId="{A8290FA7-622A-D149-8650-9DF3F18680D5}" dt="2022-07-18T11:39:59.202" v="32" actId="2696"/>
-        <pc:sldMkLst>
-          <pc:docMk/>
-          <pc:sldMk cId="3471997037" sldId="269"/>
-        </pc:sldMkLst>
-      </pc:sldChg>
-      <pc:sldChg chg="del">
-        <pc:chgData name="Riccardo Berta" userId="c8694f89-bba4-4576-b0a8-456619ca5a8c" providerId="ADAL" clId="{A8290FA7-622A-D149-8650-9DF3F18680D5}" dt="2022-07-18T11:39:59.363" v="33" actId="2696"/>
-        <pc:sldMkLst>
-          <pc:docMk/>
-          <pc:sldMk cId="3130917410" sldId="270"/>
-        </pc:sldMkLst>
-      </pc:sldChg>
-      <pc:sldChg chg="del">
-        <pc:chgData name="Riccardo Berta" userId="c8694f89-bba4-4576-b0a8-456619ca5a8c" providerId="ADAL" clId="{A8290FA7-622A-D149-8650-9DF3F18680D5}" dt="2022-07-18T11:39:59.502" v="34" actId="2696"/>
-        <pc:sldMkLst>
-          <pc:docMk/>
-          <pc:sldMk cId="2266699268" sldId="271"/>
-        </pc:sldMkLst>
-      </pc:sldChg>
-      <pc:sldChg chg="del">
-        <pc:chgData name="Riccardo Berta" userId="c8694f89-bba4-4576-b0a8-456619ca5a8c" providerId="ADAL" clId="{A8290FA7-622A-D149-8650-9DF3F18680D5}" dt="2022-07-18T11:40:00.091" v="38" actId="2696"/>
-        <pc:sldMkLst>
-          <pc:docMk/>
-          <pc:sldMk cId="993270251" sldId="272"/>
-        </pc:sldMkLst>
-      </pc:sldChg>
-      <pc:sldChg chg="del">
-        <pc:chgData name="Riccardo Berta" userId="c8694f89-bba4-4576-b0a8-456619ca5a8c" providerId="ADAL" clId="{A8290FA7-622A-D149-8650-9DF3F18680D5}" dt="2022-07-18T11:39:59.623" v="35" actId="2696"/>
-        <pc:sldMkLst>
-          <pc:docMk/>
-          <pc:sldMk cId="3843819371" sldId="273"/>
-        </pc:sldMkLst>
-      </pc:sldChg>
-      <pc:sldChg chg="del">
-        <pc:chgData name="Riccardo Berta" userId="c8694f89-bba4-4576-b0a8-456619ca5a8c" providerId="ADAL" clId="{A8290FA7-622A-D149-8650-9DF3F18680D5}" dt="2022-07-18T11:39:59.806" v="36" actId="2696"/>
-        <pc:sldMkLst>
-          <pc:docMk/>
-          <pc:sldMk cId="3084049364" sldId="274"/>
-        </pc:sldMkLst>
-      </pc:sldChg>
-      <pc:sldChg chg="del">
-        <pc:chgData name="Riccardo Berta" userId="c8694f89-bba4-4576-b0a8-456619ca5a8c" providerId="ADAL" clId="{A8290FA7-622A-D149-8650-9DF3F18680D5}" dt="2022-07-18T11:39:59.937" v="37" actId="2696"/>
-        <pc:sldMkLst>
-          <pc:docMk/>
-          <pc:sldMk cId="284781631" sldId="275"/>
-        </pc:sldMkLst>
-      </pc:sldChg>
-      <pc:sldMasterChg chg="modSp mod delSldLayout modSldLayout">
-        <pc:chgData name="Riccardo Berta" userId="c8694f89-bba4-4576-b0a8-456619ca5a8c" providerId="ADAL" clId="{A8290FA7-622A-D149-8650-9DF3F18680D5}" dt="2022-07-27T08:45:00.853" v="1135" actId="20577"/>
-        <pc:sldMasterMkLst>
-          <pc:docMk/>
-          <pc:sldMasterMk cId="0" sldId="2147483659"/>
-        </pc:sldMasterMkLst>
-        <pc:spChg chg="mod">
-          <ac:chgData name="Riccardo Berta" userId="c8694f89-bba4-4576-b0a8-456619ca5a8c" providerId="ADAL" clId="{A8290FA7-622A-D149-8650-9DF3F18680D5}" dt="2022-07-27T08:45:00.853" v="1135" actId="20577"/>
-          <ac:spMkLst>
-            <pc:docMk/>
-            <pc:sldMasterMk cId="0" sldId="2147483659"/>
-            <ac:spMk id="7" creationId="{00000000-0000-0000-0000-000000000000}"/>
-          </ac:spMkLst>
-        </pc:spChg>
-        <pc:sldLayoutChg chg="del">
-          <pc:chgData name="Riccardo Berta" userId="c8694f89-bba4-4576-b0a8-456619ca5a8c" providerId="ADAL" clId="{A8290FA7-622A-D149-8650-9DF3F18680D5}" dt="2022-07-27T07:48:28.832" v="223" actId="2696"/>
-          <pc:sldLayoutMkLst>
-            <pc:docMk/>
-            <pc:sldMasterMk cId="0" sldId="2147483659"/>
-            <pc:sldLayoutMk cId="0" sldId="2147483649"/>
-          </pc:sldLayoutMkLst>
-        </pc:sldLayoutChg>
-        <pc:sldLayoutChg chg="delSp">
-          <pc:chgData name="Riccardo Berta" userId="c8694f89-bba4-4576-b0a8-456619ca5a8c" providerId="ADAL" clId="{A8290FA7-622A-D149-8650-9DF3F18680D5}" dt="2022-07-27T08:44:23.725" v="1124"/>
-          <pc:sldLayoutMkLst>
-            <pc:docMk/>
-            <pc:sldMasterMk cId="0" sldId="2147483659"/>
-            <pc:sldLayoutMk cId="0" sldId="2147483650"/>
-          </pc:sldLayoutMkLst>
-          <pc:spChg chg="del">
-            <ac:chgData name="Riccardo Berta" userId="c8694f89-bba4-4576-b0a8-456619ca5a8c" providerId="ADAL" clId="{A8290FA7-622A-D149-8650-9DF3F18680D5}" dt="2022-07-27T08:44:23.725" v="1124"/>
-            <ac:spMkLst>
-              <pc:docMk/>
-              <pc:sldMasterMk cId="0" sldId="2147483659"/>
-              <pc:sldLayoutMk cId="0" sldId="2147483650"/>
-              <ac:spMk id="22" creationId="{00000000-0000-0000-0000-000000000000}"/>
-            </ac:spMkLst>
-          </pc:spChg>
-        </pc:sldLayoutChg>
-      </pc:sldMasterChg>
-    </pc:docChg>
-  </pc:docChgLst>
-  <pc:docChgLst>
-    <pc:chgData name="Riccardo Berta" userId="c8694f89-bba4-4576-b0a8-456619ca5a8c" providerId="ADAL" clId="{58424B7E-67A2-E24B-9516-C248AFA19009}"/>
-    <pc:docChg chg="undo custSel addSld delSld modSld sldOrd modMainMaster">
-      <pc:chgData name="Riccardo Berta" userId="c8694f89-bba4-4576-b0a8-456619ca5a8c" providerId="ADAL" clId="{58424B7E-67A2-E24B-9516-C248AFA19009}" dt="2022-08-30T09:41:00.751" v="1457" actId="20577"/>
-      <pc:docMkLst>
-        <pc:docMk/>
-      </pc:docMkLst>
-      <pc:sldChg chg="modSp mod">
-        <pc:chgData name="Riccardo Berta" userId="c8694f89-bba4-4576-b0a8-456619ca5a8c" providerId="ADAL" clId="{58424B7E-67A2-E24B-9516-C248AFA19009}" dt="2022-08-30T09:38:38.114" v="1432" actId="790"/>
-        <pc:sldMkLst>
-          <pc:docMk/>
-          <pc:sldMk cId="0" sldId="256"/>
-        </pc:sldMkLst>
-        <pc:spChg chg="mod">
-          <ac:chgData name="Riccardo Berta" userId="c8694f89-bba4-4576-b0a8-456619ca5a8c" providerId="ADAL" clId="{58424B7E-67A2-E24B-9516-C248AFA19009}" dt="2022-08-30T09:38:38.114" v="1432" actId="790"/>
-          <ac:spMkLst>
-            <pc:docMk/>
-            <pc:sldMk cId="0" sldId="256"/>
-            <ac:spMk id="62" creationId="{00000000-0000-0000-0000-000000000000}"/>
-          </ac:spMkLst>
-        </pc:spChg>
-      </pc:sldChg>
-      <pc:sldChg chg="addSp modSp mod">
-        <pc:chgData name="Riccardo Berta" userId="c8694f89-bba4-4576-b0a8-456619ca5a8c" providerId="ADAL" clId="{58424B7E-67A2-E24B-9516-C248AFA19009}" dt="2022-08-30T09:37:52.468" v="1397" actId="20577"/>
-        <pc:sldMkLst>
-          <pc:docMk/>
-          <pc:sldMk cId="0" sldId="257"/>
-        </pc:sldMkLst>
-        <pc:spChg chg="mod">
-          <ac:chgData name="Riccardo Berta" userId="c8694f89-bba4-4576-b0a8-456619ca5a8c" providerId="ADAL" clId="{58424B7E-67A2-E24B-9516-C248AFA19009}" dt="2022-08-30T09:37:52.468" v="1397" actId="20577"/>
-          <ac:spMkLst>
-            <pc:docMk/>
-            <pc:sldMk cId="0" sldId="257"/>
-            <ac:spMk id="83" creationId="{00000000-0000-0000-0000-000000000000}"/>
-          </ac:spMkLst>
-        </pc:spChg>
-        <pc:spChg chg="mod">
-          <ac:chgData name="Riccardo Berta" userId="c8694f89-bba4-4576-b0a8-456619ca5a8c" providerId="ADAL" clId="{58424B7E-67A2-E24B-9516-C248AFA19009}" dt="2022-08-30T08:54:17.949" v="242" actId="20577"/>
-          <ac:spMkLst>
-            <pc:docMk/>
-            <pc:sldMk cId="0" sldId="257"/>
-            <ac:spMk id="84" creationId="{00000000-0000-0000-0000-000000000000}"/>
-          </ac:spMkLst>
-        </pc:spChg>
-        <pc:picChg chg="add mod">
-          <ac:chgData name="Riccardo Berta" userId="c8694f89-bba4-4576-b0a8-456619ca5a8c" providerId="ADAL" clId="{58424B7E-67A2-E24B-9516-C248AFA19009}" dt="2022-08-30T08:54:52.448" v="247" actId="1076"/>
-          <ac:picMkLst>
-            <pc:docMk/>
-            <pc:sldMk cId="0" sldId="257"/>
-            <ac:picMk id="3" creationId="{EE0D0F3E-A843-92E5-ABBC-F41E3CA3C922}"/>
-          </ac:picMkLst>
-        </pc:picChg>
-        <pc:picChg chg="add mod">
-          <ac:chgData name="Riccardo Berta" userId="c8694f89-bba4-4576-b0a8-456619ca5a8c" providerId="ADAL" clId="{58424B7E-67A2-E24B-9516-C248AFA19009}" dt="2022-08-30T08:54:40.649" v="245" actId="1076"/>
-          <ac:picMkLst>
-            <pc:docMk/>
-            <pc:sldMk cId="0" sldId="257"/>
-            <ac:picMk id="5" creationId="{692F2B73-F6B6-F2AC-BB2A-2B1020944694}"/>
-          </ac:picMkLst>
-        </pc:picChg>
-      </pc:sldChg>
-      <pc:sldChg chg="modSp mod">
-        <pc:chgData name="Riccardo Berta" userId="c8694f89-bba4-4576-b0a8-456619ca5a8c" providerId="ADAL" clId="{58424B7E-67A2-E24B-9516-C248AFA19009}" dt="2022-08-30T09:41:00.751" v="1457" actId="20577"/>
-        <pc:sldMkLst>
-          <pc:docMk/>
-          <pc:sldMk cId="3018556184" sldId="259"/>
-        </pc:sldMkLst>
-        <pc:spChg chg="mod">
-          <ac:chgData name="Riccardo Berta" userId="c8694f89-bba4-4576-b0a8-456619ca5a8c" providerId="ADAL" clId="{58424B7E-67A2-E24B-9516-C248AFA19009}" dt="2022-08-30T09:40:55.801" v="1443" actId="20577"/>
-          <ac:spMkLst>
-            <pc:docMk/>
-            <pc:sldMk cId="3018556184" sldId="259"/>
-            <ac:spMk id="2" creationId="{41268BF7-2F3B-A5C4-4F7E-1982399FCE62}"/>
-          </ac:spMkLst>
-        </pc:spChg>
-        <pc:spChg chg="mod">
-          <ac:chgData name="Riccardo Berta" userId="c8694f89-bba4-4576-b0a8-456619ca5a8c" providerId="ADAL" clId="{58424B7E-67A2-E24B-9516-C248AFA19009}" dt="2022-08-30T09:41:00.751" v="1457" actId="20577"/>
-          <ac:spMkLst>
-            <pc:docMk/>
-            <pc:sldMk cId="3018556184" sldId="259"/>
-            <ac:spMk id="3" creationId="{38BFAA1C-1163-169B-2D77-6FEF73CC8512}"/>
-          </ac:spMkLst>
-        </pc:spChg>
-      </pc:sldChg>
-      <pc:sldChg chg="del">
-        <pc:chgData name="Riccardo Berta" userId="c8694f89-bba4-4576-b0a8-456619ca5a8c" providerId="ADAL" clId="{58424B7E-67A2-E24B-9516-C248AFA19009}" dt="2022-08-30T08:44:09.932" v="12" actId="2696"/>
-        <pc:sldMkLst>
-          <pc:docMk/>
-          <pc:sldMk cId="1066709261" sldId="260"/>
-        </pc:sldMkLst>
-      </pc:sldChg>
-      <pc:sldChg chg="addSp modSp add mod">
-        <pc:chgData name="Riccardo Berta" userId="c8694f89-bba4-4576-b0a8-456619ca5a8c" providerId="ADAL" clId="{58424B7E-67A2-E24B-9516-C248AFA19009}" dt="2022-08-30T09:38:04.406" v="1411" actId="20577"/>
-        <pc:sldMkLst>
-          <pc:docMk/>
-          <pc:sldMk cId="3692252167" sldId="260"/>
-        </pc:sldMkLst>
-        <pc:spChg chg="mod">
-          <ac:chgData name="Riccardo Berta" userId="c8694f89-bba4-4576-b0a8-456619ca5a8c" providerId="ADAL" clId="{58424B7E-67A2-E24B-9516-C248AFA19009}" dt="2022-08-30T09:38:04.406" v="1411" actId="20577"/>
-          <ac:spMkLst>
-            <pc:docMk/>
-            <pc:sldMk cId="3692252167" sldId="260"/>
-            <ac:spMk id="83" creationId="{00000000-0000-0000-0000-000000000000}"/>
-          </ac:spMkLst>
-        </pc:spChg>
-        <pc:spChg chg="mod">
-          <ac:chgData name="Riccardo Berta" userId="c8694f89-bba4-4576-b0a8-456619ca5a8c" providerId="ADAL" clId="{58424B7E-67A2-E24B-9516-C248AFA19009}" dt="2022-08-30T09:04:35.320" v="520" actId="20577"/>
-          <ac:spMkLst>
-            <pc:docMk/>
-            <pc:sldMk cId="3692252167" sldId="260"/>
-            <ac:spMk id="84" creationId="{00000000-0000-0000-0000-000000000000}"/>
-          </ac:spMkLst>
-        </pc:spChg>
-        <pc:picChg chg="add mod">
-          <ac:chgData name="Riccardo Berta" userId="c8694f89-bba4-4576-b0a8-456619ca5a8c" providerId="ADAL" clId="{58424B7E-67A2-E24B-9516-C248AFA19009}" dt="2022-08-30T09:05:43.669" v="528" actId="1076"/>
-          <ac:picMkLst>
-            <pc:docMk/>
-            <pc:sldMk cId="3692252167" sldId="260"/>
-            <ac:picMk id="3" creationId="{26020D26-A3D1-87FF-6D23-30510A8347CA}"/>
-          </ac:picMkLst>
-        </pc:picChg>
-        <pc:picChg chg="add mod">
-          <ac:chgData name="Riccardo Berta" userId="c8694f89-bba4-4576-b0a8-456619ca5a8c" providerId="ADAL" clId="{58424B7E-67A2-E24B-9516-C248AFA19009}" dt="2022-08-30T09:05:45.736" v="529" actId="1076"/>
-          <ac:picMkLst>
-            <pc:docMk/>
-            <pc:sldMk cId="3692252167" sldId="260"/>
-            <ac:picMk id="5" creationId="{9FA419C2-E609-741E-D65C-C1D117A7308B}"/>
-          </ac:picMkLst>
-        </pc:picChg>
-        <pc:picChg chg="add mod">
-          <ac:chgData name="Riccardo Berta" userId="c8694f89-bba4-4576-b0a8-456619ca5a8c" providerId="ADAL" clId="{58424B7E-67A2-E24B-9516-C248AFA19009}" dt="2022-08-30T09:05:50.436" v="530" actId="1076"/>
-          <ac:picMkLst>
-            <pc:docMk/>
-            <pc:sldMk cId="3692252167" sldId="260"/>
-            <ac:picMk id="7" creationId="{3ECFDE7C-5996-8F77-AAD8-C21E11379B42}"/>
-          </ac:picMkLst>
-        </pc:picChg>
-      </pc:sldChg>
-      <pc:sldChg chg="addSp modSp add mod">
-        <pc:chgData name="Riccardo Berta" userId="c8694f89-bba4-4576-b0a8-456619ca5a8c" providerId="ADAL" clId="{58424B7E-67A2-E24B-9516-C248AFA19009}" dt="2022-08-30T09:35:29.211" v="1307" actId="21"/>
-        <pc:sldMkLst>
-          <pc:docMk/>
-          <pc:sldMk cId="846979211" sldId="261"/>
-        </pc:sldMkLst>
-        <pc:spChg chg="mod">
-          <ac:chgData name="Riccardo Berta" userId="c8694f89-bba4-4576-b0a8-456619ca5a8c" providerId="ADAL" clId="{58424B7E-67A2-E24B-9516-C248AFA19009}" dt="2022-08-30T09:06:58.258" v="533" actId="20577"/>
-          <ac:spMkLst>
-            <pc:docMk/>
-            <pc:sldMk cId="846979211" sldId="261"/>
-            <ac:spMk id="83" creationId="{00000000-0000-0000-0000-000000000000}"/>
-          </ac:spMkLst>
-        </pc:spChg>
-        <pc:spChg chg="mod">
-          <ac:chgData name="Riccardo Berta" userId="c8694f89-bba4-4576-b0a8-456619ca5a8c" providerId="ADAL" clId="{58424B7E-67A2-E24B-9516-C248AFA19009}" dt="2022-08-30T09:35:29.211" v="1307" actId="21"/>
-          <ac:spMkLst>
-            <pc:docMk/>
-            <pc:sldMk cId="846979211" sldId="261"/>
-            <ac:spMk id="84" creationId="{00000000-0000-0000-0000-000000000000}"/>
-          </ac:spMkLst>
-        </pc:spChg>
-        <pc:picChg chg="add mod">
-          <ac:chgData name="Riccardo Berta" userId="c8694f89-bba4-4576-b0a8-456619ca5a8c" providerId="ADAL" clId="{58424B7E-67A2-E24B-9516-C248AFA19009}" dt="2022-08-30T09:08:52.432" v="561" actId="1076"/>
-          <ac:picMkLst>
-            <pc:docMk/>
-            <pc:sldMk cId="846979211" sldId="261"/>
-            <ac:picMk id="3" creationId="{ABE3CA87-0B25-2C79-A596-21112343DAEC}"/>
-          </ac:picMkLst>
-        </pc:picChg>
-      </pc:sldChg>
-      <pc:sldChg chg="modSp add mod">
-        <pc:chgData name="Riccardo Berta" userId="c8694f89-bba4-4576-b0a8-456619ca5a8c" providerId="ADAL" clId="{58424B7E-67A2-E24B-9516-C248AFA19009}" dt="2022-08-30T09:19:27.119" v="830" actId="20577"/>
-        <pc:sldMkLst>
-          <pc:docMk/>
-          <pc:sldMk cId="447929702" sldId="262"/>
-        </pc:sldMkLst>
-        <pc:spChg chg="mod">
-          <ac:chgData name="Riccardo Berta" userId="c8694f89-bba4-4576-b0a8-456619ca5a8c" providerId="ADAL" clId="{58424B7E-67A2-E24B-9516-C248AFA19009}" dt="2022-08-30T09:09:40.371" v="566" actId="20577"/>
-          <ac:spMkLst>
-            <pc:docMk/>
-            <pc:sldMk cId="447929702" sldId="262"/>
-            <ac:spMk id="83" creationId="{00000000-0000-0000-0000-000000000000}"/>
-          </ac:spMkLst>
-        </pc:spChg>
-        <pc:spChg chg="mod">
-          <ac:chgData name="Riccardo Berta" userId="c8694f89-bba4-4576-b0a8-456619ca5a8c" providerId="ADAL" clId="{58424B7E-67A2-E24B-9516-C248AFA19009}" dt="2022-08-30T09:19:27.119" v="830" actId="20577"/>
-          <ac:spMkLst>
-            <pc:docMk/>
-            <pc:sldMk cId="447929702" sldId="262"/>
-            <ac:spMk id="84" creationId="{00000000-0000-0000-0000-000000000000}"/>
-          </ac:spMkLst>
-        </pc:spChg>
-      </pc:sldChg>
-      <pc:sldChg chg="addSp modSp add mod ord">
-        <pc:chgData name="Riccardo Berta" userId="c8694f89-bba4-4576-b0a8-456619ca5a8c" providerId="ADAL" clId="{58424B7E-67A2-E24B-9516-C248AFA19009}" dt="2022-08-30T09:40:40.663" v="1434" actId="20578"/>
-        <pc:sldMkLst>
-          <pc:docMk/>
-          <pc:sldMk cId="11402927" sldId="263"/>
-        </pc:sldMkLst>
-        <pc:spChg chg="mod">
-          <ac:chgData name="Riccardo Berta" userId="c8694f89-bba4-4576-b0a8-456619ca5a8c" providerId="ADAL" clId="{58424B7E-67A2-E24B-9516-C248AFA19009}" dt="2022-08-30T09:26:18.243" v="1009" actId="20577"/>
-          <ac:spMkLst>
-            <pc:docMk/>
-            <pc:sldMk cId="11402927" sldId="263"/>
-            <ac:spMk id="83" creationId="{00000000-0000-0000-0000-000000000000}"/>
-          </ac:spMkLst>
-        </pc:spChg>
-        <pc:spChg chg="mod">
-          <ac:chgData name="Riccardo Berta" userId="c8694f89-bba4-4576-b0a8-456619ca5a8c" providerId="ADAL" clId="{58424B7E-67A2-E24B-9516-C248AFA19009}" dt="2022-08-30T09:32:06.516" v="1199" actId="404"/>
-          <ac:spMkLst>
-            <pc:docMk/>
-            <pc:sldMk cId="11402927" sldId="263"/>
-            <ac:spMk id="84" creationId="{00000000-0000-0000-0000-000000000000}"/>
-          </ac:spMkLst>
-        </pc:spChg>
-        <pc:picChg chg="add mod">
-          <ac:chgData name="Riccardo Berta" userId="c8694f89-bba4-4576-b0a8-456619ca5a8c" providerId="ADAL" clId="{58424B7E-67A2-E24B-9516-C248AFA19009}" dt="2022-08-30T09:29:03.309" v="1117" actId="1076"/>
-          <ac:picMkLst>
-            <pc:docMk/>
-            <pc:sldMk cId="11402927" sldId="263"/>
-            <ac:picMk id="3" creationId="{F3D401DB-61B8-1C3E-9105-7EC9ACE0FC92}"/>
-          </ac:picMkLst>
-        </pc:picChg>
-        <pc:picChg chg="add mod">
-          <ac:chgData name="Riccardo Berta" userId="c8694f89-bba4-4576-b0a8-456619ca5a8c" providerId="ADAL" clId="{58424B7E-67A2-E24B-9516-C248AFA19009}" dt="2022-08-30T09:32:36.205" v="1204" actId="1076"/>
-          <ac:picMkLst>
-            <pc:docMk/>
-            <pc:sldMk cId="11402927" sldId="263"/>
-            <ac:picMk id="5" creationId="{5D828C5A-E211-5917-F0A3-478949F392AF}"/>
-          </ac:picMkLst>
-        </pc:picChg>
-        <pc:picChg chg="add mod">
-          <ac:chgData name="Riccardo Berta" userId="c8694f89-bba4-4576-b0a8-456619ca5a8c" providerId="ADAL" clId="{58424B7E-67A2-E24B-9516-C248AFA19009}" dt="2022-08-30T09:32:25.306" v="1202" actId="1076"/>
-          <ac:picMkLst>
-            <pc:docMk/>
-            <pc:sldMk cId="11402927" sldId="263"/>
-            <ac:picMk id="7" creationId="{0C7BE3E7-6868-19EE-3253-53A71F868074}"/>
-          </ac:picMkLst>
-        </pc:picChg>
-        <pc:picChg chg="add mod">
-          <ac:chgData name="Riccardo Berta" userId="c8694f89-bba4-4576-b0a8-456619ca5a8c" providerId="ADAL" clId="{58424B7E-67A2-E24B-9516-C248AFA19009}" dt="2022-08-30T09:32:20.372" v="1201" actId="1076"/>
-          <ac:picMkLst>
-            <pc:docMk/>
-            <pc:sldMk cId="11402927" sldId="263"/>
-            <ac:picMk id="9" creationId="{4FF45D8D-E910-4192-97BD-DEBE87AA0D7F}"/>
-          </ac:picMkLst>
-        </pc:picChg>
-        <pc:picChg chg="add mod">
-          <ac:chgData name="Riccardo Berta" userId="c8694f89-bba4-4576-b0a8-456619ca5a8c" providerId="ADAL" clId="{58424B7E-67A2-E24B-9516-C248AFA19009}" dt="2022-08-30T09:32:16.472" v="1200" actId="1076"/>
-          <ac:picMkLst>
-            <pc:docMk/>
-            <pc:sldMk cId="11402927" sldId="263"/>
-            <ac:picMk id="11" creationId="{85A08A20-9095-CFB9-3040-825FE39CFB8A}"/>
-          </ac:picMkLst>
-        </pc:picChg>
-      </pc:sldChg>
-      <pc:sldChg chg="del">
-        <pc:chgData name="Riccardo Berta" userId="c8694f89-bba4-4576-b0a8-456619ca5a8c" providerId="ADAL" clId="{58424B7E-67A2-E24B-9516-C248AFA19009}" dt="2022-08-30T08:44:10.781" v="14" actId="2696"/>
-        <pc:sldMkLst>
-          <pc:docMk/>
-          <pc:sldMk cId="2190566097" sldId="263"/>
-        </pc:sldMkLst>
-      </pc:sldChg>
-      <pc:sldChg chg="modSp add mod ord">
-        <pc:chgData name="Riccardo Berta" userId="c8694f89-bba4-4576-b0a8-456619ca5a8c" providerId="ADAL" clId="{58424B7E-67A2-E24B-9516-C248AFA19009}" dt="2022-08-30T09:40:38.066" v="1433" actId="20578"/>
-        <pc:sldMkLst>
-          <pc:docMk/>
-          <pc:sldMk cId="2794482370" sldId="264"/>
-        </pc:sldMkLst>
-        <pc:spChg chg="mod">
-          <ac:chgData name="Riccardo Berta" userId="c8694f89-bba4-4576-b0a8-456619ca5a8c" providerId="ADAL" clId="{58424B7E-67A2-E24B-9516-C248AFA19009}" dt="2022-08-30T09:35:37.505" v="1317" actId="20577"/>
-          <ac:spMkLst>
-            <pc:docMk/>
-            <pc:sldMk cId="2794482370" sldId="264"/>
-            <ac:spMk id="83" creationId="{00000000-0000-0000-0000-000000000000}"/>
-          </ac:spMkLst>
-        </pc:spChg>
-        <pc:spChg chg="mod">
-          <ac:chgData name="Riccardo Berta" userId="c8694f89-bba4-4576-b0a8-456619ca5a8c" providerId="ADAL" clId="{58424B7E-67A2-E24B-9516-C248AFA19009}" dt="2022-08-30T09:37:23.887" v="1369" actId="20577"/>
-          <ac:spMkLst>
-            <pc:docMk/>
-            <pc:sldMk cId="2794482370" sldId="264"/>
-            <ac:spMk id="84" creationId="{00000000-0000-0000-0000-000000000000}"/>
-          </ac:spMkLst>
-        </pc:spChg>
-      </pc:sldChg>
-      <pc:sldChg chg="del">
-        <pc:chgData name="Riccardo Berta" userId="c8694f89-bba4-4576-b0a8-456619ca5a8c" providerId="ADAL" clId="{58424B7E-67A2-E24B-9516-C248AFA19009}" dt="2022-08-30T08:44:11.185" v="15" actId="2696"/>
-        <pc:sldMkLst>
-          <pc:docMk/>
-          <pc:sldMk cId="3888810046" sldId="264"/>
-        </pc:sldMkLst>
-      </pc:sldChg>
-      <pc:sldChg chg="add del">
-        <pc:chgData name="Riccardo Berta" userId="c8694f89-bba4-4576-b0a8-456619ca5a8c" providerId="ADAL" clId="{58424B7E-67A2-E24B-9516-C248AFA19009}" dt="2022-08-30T09:40:43.113" v="1435" actId="2696"/>
-        <pc:sldMkLst>
-          <pc:docMk/>
-          <pc:sldMk cId="1840044115" sldId="265"/>
-        </pc:sldMkLst>
-      </pc:sldChg>
-      <pc:sldChg chg="del">
-        <pc:chgData name="Riccardo Berta" userId="c8694f89-bba4-4576-b0a8-456619ca5a8c" providerId="ADAL" clId="{58424B7E-67A2-E24B-9516-C248AFA19009}" dt="2022-08-30T08:44:10.392" v="13" actId="2696"/>
-        <pc:sldMkLst>
-          <pc:docMk/>
-          <pc:sldMk cId="2733657070" sldId="265"/>
-        </pc:sldMkLst>
-      </pc:sldChg>
-      <pc:sldChg chg="del">
-        <pc:chgData name="Riccardo Berta" userId="c8694f89-bba4-4576-b0a8-456619ca5a8c" providerId="ADAL" clId="{58424B7E-67A2-E24B-9516-C248AFA19009}" dt="2022-08-30T08:44:11.546" v="16" actId="2696"/>
-        <pc:sldMkLst>
-          <pc:docMk/>
-          <pc:sldMk cId="2836957529" sldId="266"/>
-        </pc:sldMkLst>
-      </pc:sldChg>
-      <pc:sldChg chg="add del">
-        <pc:chgData name="Riccardo Berta" userId="c8694f89-bba4-4576-b0a8-456619ca5a8c" providerId="ADAL" clId="{58424B7E-67A2-E24B-9516-C248AFA19009}" dt="2022-08-30T09:40:44.686" v="1436" actId="2696"/>
-        <pc:sldMkLst>
-          <pc:docMk/>
-          <pc:sldMk cId="3173063083" sldId="266"/>
-        </pc:sldMkLst>
-      </pc:sldChg>
-      <pc:sldChg chg="del">
-        <pc:chgData name="Riccardo Berta" userId="c8694f89-bba4-4576-b0a8-456619ca5a8c" providerId="ADAL" clId="{58424B7E-67A2-E24B-9516-C248AFA19009}" dt="2022-08-30T08:44:11.879" v="17" actId="2696"/>
-        <pc:sldMkLst>
-          <pc:docMk/>
-          <pc:sldMk cId="3519359877" sldId="267"/>
-        </pc:sldMkLst>
-      </pc:sldChg>
-      <pc:sldChg chg="add del">
-        <pc:chgData name="Riccardo Berta" userId="c8694f89-bba4-4576-b0a8-456619ca5a8c" providerId="ADAL" clId="{58424B7E-67A2-E24B-9516-C248AFA19009}" dt="2022-08-30T09:40:45.351" v="1437" actId="2696"/>
-        <pc:sldMkLst>
-          <pc:docMk/>
-          <pc:sldMk cId="4284808824" sldId="267"/>
-        </pc:sldMkLst>
-      </pc:sldChg>
-      <pc:sldChg chg="add del">
-        <pc:chgData name="Riccardo Berta" userId="c8694f89-bba4-4576-b0a8-456619ca5a8c" providerId="ADAL" clId="{58424B7E-67A2-E24B-9516-C248AFA19009}" dt="2022-08-30T09:40:46.386" v="1438" actId="2696"/>
-        <pc:sldMkLst>
-          <pc:docMk/>
-          <pc:sldMk cId="2262434218" sldId="268"/>
-        </pc:sldMkLst>
-      </pc:sldChg>
-      <pc:sldChg chg="del">
-        <pc:chgData name="Riccardo Berta" userId="c8694f89-bba4-4576-b0a8-456619ca5a8c" providerId="ADAL" clId="{58424B7E-67A2-E24B-9516-C248AFA19009}" dt="2022-08-30T08:44:12.296" v="18" actId="2696"/>
-        <pc:sldMkLst>
-          <pc:docMk/>
-          <pc:sldMk cId="3883776362" sldId="268"/>
-        </pc:sldMkLst>
-      </pc:sldChg>
-      <pc:sldChg chg="del">
-        <pc:chgData name="Riccardo Berta" userId="c8694f89-bba4-4576-b0a8-456619ca5a8c" providerId="ADAL" clId="{58424B7E-67A2-E24B-9516-C248AFA19009}" dt="2022-08-30T08:44:12.734" v="19" actId="2696"/>
-        <pc:sldMkLst>
-          <pc:docMk/>
-          <pc:sldMk cId="482081013" sldId="269"/>
-        </pc:sldMkLst>
-      </pc:sldChg>
-      <pc:sldChg chg="del">
-        <pc:chgData name="Riccardo Berta" userId="c8694f89-bba4-4576-b0a8-456619ca5a8c" providerId="ADAL" clId="{58424B7E-67A2-E24B-9516-C248AFA19009}" dt="2022-08-30T08:44:13.162" v="20" actId="2696"/>
-        <pc:sldMkLst>
-          <pc:docMk/>
-          <pc:sldMk cId="761532774" sldId="270"/>
-        </pc:sldMkLst>
-      </pc:sldChg>
-      <pc:sldChg chg="del">
-        <pc:chgData name="Riccardo Berta" userId="c8694f89-bba4-4576-b0a8-456619ca5a8c" providerId="ADAL" clId="{58424B7E-67A2-E24B-9516-C248AFA19009}" dt="2022-08-30T08:44:13.596" v="21" actId="2696"/>
-        <pc:sldMkLst>
-          <pc:docMk/>
-          <pc:sldMk cId="3967202540" sldId="271"/>
-        </pc:sldMkLst>
-      </pc:sldChg>
-      <pc:sldChg chg="del">
-        <pc:chgData name="Riccardo Berta" userId="c8694f89-bba4-4576-b0a8-456619ca5a8c" providerId="ADAL" clId="{58424B7E-67A2-E24B-9516-C248AFA19009}" dt="2022-08-30T08:44:14.037" v="22" actId="2696"/>
-        <pc:sldMkLst>
-          <pc:docMk/>
-          <pc:sldMk cId="2355894371" sldId="272"/>
-        </pc:sldMkLst>
-      </pc:sldChg>
-      <pc:sldChg chg="del">
-        <pc:chgData name="Riccardo Berta" userId="c8694f89-bba4-4576-b0a8-456619ca5a8c" providerId="ADAL" clId="{58424B7E-67A2-E24B-9516-C248AFA19009}" dt="2022-08-30T08:44:14.570" v="23" actId="2696"/>
-        <pc:sldMkLst>
-          <pc:docMk/>
-          <pc:sldMk cId="3843819371" sldId="273"/>
-        </pc:sldMkLst>
-      </pc:sldChg>
-      <pc:sldChg chg="del">
-        <pc:chgData name="Riccardo Berta" userId="c8694f89-bba4-4576-b0a8-456619ca5a8c" providerId="ADAL" clId="{58424B7E-67A2-E24B-9516-C248AFA19009}" dt="2022-08-30T08:44:15.613" v="24" actId="2696"/>
-        <pc:sldMkLst>
-          <pc:docMk/>
-          <pc:sldMk cId="806177680" sldId="274"/>
-        </pc:sldMkLst>
-      </pc:sldChg>
-      <pc:sldChg chg="del">
-        <pc:chgData name="Riccardo Berta" userId="c8694f89-bba4-4576-b0a8-456619ca5a8c" providerId="ADAL" clId="{58424B7E-67A2-E24B-9516-C248AFA19009}" dt="2022-08-30T08:44:16.250" v="25" actId="2696"/>
-        <pc:sldMkLst>
-          <pc:docMk/>
-          <pc:sldMk cId="284781631" sldId="275"/>
-        </pc:sldMkLst>
-      </pc:sldChg>
-      <pc:sldChg chg="del">
-        <pc:chgData name="Riccardo Berta" userId="c8694f89-bba4-4576-b0a8-456619ca5a8c" providerId="ADAL" clId="{58424B7E-67A2-E24B-9516-C248AFA19009}" dt="2022-08-30T08:44:17.013" v="26" actId="2696"/>
-        <pc:sldMkLst>
-          <pc:docMk/>
-          <pc:sldMk cId="4125292156" sldId="276"/>
-        </pc:sldMkLst>
-      </pc:sldChg>
-      <pc:sldChg chg="del">
-        <pc:chgData name="Riccardo Berta" userId="c8694f89-bba4-4576-b0a8-456619ca5a8c" providerId="ADAL" clId="{58424B7E-67A2-E24B-9516-C248AFA19009}" dt="2022-08-30T08:44:17.602" v="27" actId="2696"/>
-        <pc:sldMkLst>
-          <pc:docMk/>
-          <pc:sldMk cId="1388305878" sldId="277"/>
-        </pc:sldMkLst>
-      </pc:sldChg>
-      <pc:sldChg chg="del">
-        <pc:chgData name="Riccardo Berta" userId="c8694f89-bba4-4576-b0a8-456619ca5a8c" providerId="ADAL" clId="{58424B7E-67A2-E24B-9516-C248AFA19009}" dt="2022-08-30T08:44:18.091" v="28" actId="2696"/>
-        <pc:sldMkLst>
-          <pc:docMk/>
-          <pc:sldMk cId="2276488042" sldId="278"/>
-        </pc:sldMkLst>
-      </pc:sldChg>
-      <pc:sldMasterChg chg="modSldLayout">
-        <pc:chgData name="Riccardo Berta" userId="c8694f89-bba4-4576-b0a8-456619ca5a8c" providerId="ADAL" clId="{58424B7E-67A2-E24B-9516-C248AFA19009}" dt="2022-08-30T08:51:17.059" v="152" actId="948"/>
-        <pc:sldMasterMkLst>
-          <pc:docMk/>
-          <pc:sldMasterMk cId="0" sldId="2147483659"/>
-        </pc:sldMasterMkLst>
-        <pc:sldLayoutChg chg="modSp mod">
-          <pc:chgData name="Riccardo Berta" userId="c8694f89-bba4-4576-b0a8-456619ca5a8c" providerId="ADAL" clId="{58424B7E-67A2-E24B-9516-C248AFA19009}" dt="2022-08-30T08:51:17.059" v="152" actId="948"/>
-          <pc:sldLayoutMkLst>
-            <pc:docMk/>
-            <pc:sldMasterMk cId="0" sldId="2147483659"/>
-            <pc:sldLayoutMk cId="0" sldId="2147483650"/>
-          </pc:sldLayoutMkLst>
-          <pc:spChg chg="mod">
-            <ac:chgData name="Riccardo Berta" userId="c8694f89-bba4-4576-b0a8-456619ca5a8c" providerId="ADAL" clId="{58424B7E-67A2-E24B-9516-C248AFA19009}" dt="2022-08-30T08:51:17.059" v="152" actId="948"/>
-            <ac:spMkLst>
-              <pc:docMk/>
-              <pc:sldMasterMk cId="0" sldId="2147483659"/>
-              <pc:sldLayoutMk cId="0" sldId="2147483650"/>
-              <ac:spMk id="23" creationId="{00000000-0000-0000-0000-000000000000}"/>
-            </ac:spMkLst>
-          </pc:spChg>
-        </pc:sldLayoutChg>
-      </pc:sldMasterChg>
-    </pc:docChg>
-  </pc:docChgLst>
-  <pc:docChgLst>
-    <pc:chgData name="Riccardo Berta" userId="c8694f89-bba4-4576-b0a8-456619ca5a8c" providerId="ADAL" clId="{F4AAAA8C-1CB2-214C-996A-F15BCA6CB64E}"/>
-    <pc:docChg chg="undo custSel addSld delSld modSld">
-      <pc:chgData name="Riccardo Berta" userId="c8694f89-bba4-4576-b0a8-456619ca5a8c" providerId="ADAL" clId="{F4AAAA8C-1CB2-214C-996A-F15BCA6CB64E}" dt="2022-07-29T16:21:50.628" v="2975" actId="1076"/>
-      <pc:docMkLst>
-        <pc:docMk/>
-      </pc:docMkLst>
-      <pc:sldChg chg="modSp mod">
-        <pc:chgData name="Riccardo Berta" userId="c8694f89-bba4-4576-b0a8-456619ca5a8c" providerId="ADAL" clId="{F4AAAA8C-1CB2-214C-996A-F15BCA6CB64E}" dt="2022-07-27T13:37:29.445" v="2" actId="20577"/>
-        <pc:sldMkLst>
-          <pc:docMk/>
-          <pc:sldMk cId="0" sldId="256"/>
-        </pc:sldMkLst>
-        <pc:spChg chg="mod">
-          <ac:chgData name="Riccardo Berta" userId="c8694f89-bba4-4576-b0a8-456619ca5a8c" providerId="ADAL" clId="{F4AAAA8C-1CB2-214C-996A-F15BCA6CB64E}" dt="2022-07-27T13:37:29.445" v="2" actId="20577"/>
-          <ac:spMkLst>
-            <pc:docMk/>
-            <pc:sldMk cId="0" sldId="256"/>
-            <ac:spMk id="62" creationId="{00000000-0000-0000-0000-000000000000}"/>
-          </ac:spMkLst>
-        </pc:spChg>
-      </pc:sldChg>
-      <pc:sldChg chg="addSp modSp mod">
-        <pc:chgData name="Riccardo Berta" userId="c8694f89-bba4-4576-b0a8-456619ca5a8c" providerId="ADAL" clId="{F4AAAA8C-1CB2-214C-996A-F15BCA6CB64E}" dt="2022-07-27T13:43:23.760" v="162" actId="20577"/>
-        <pc:sldMkLst>
-          <pc:docMk/>
-          <pc:sldMk cId="0" sldId="257"/>
-        </pc:sldMkLst>
-        <pc:spChg chg="mod">
-          <ac:chgData name="Riccardo Berta" userId="c8694f89-bba4-4576-b0a8-456619ca5a8c" providerId="ADAL" clId="{F4AAAA8C-1CB2-214C-996A-F15BCA6CB64E}" dt="2022-07-27T13:38:19.538" v="24" actId="20577"/>
-          <ac:spMkLst>
-            <pc:docMk/>
-            <pc:sldMk cId="0" sldId="257"/>
-            <ac:spMk id="83" creationId="{00000000-0000-0000-0000-000000000000}"/>
-          </ac:spMkLst>
-        </pc:spChg>
-        <pc:spChg chg="mod">
-          <ac:chgData name="Riccardo Berta" userId="c8694f89-bba4-4576-b0a8-456619ca5a8c" providerId="ADAL" clId="{F4AAAA8C-1CB2-214C-996A-F15BCA6CB64E}" dt="2022-07-27T13:43:23.760" v="162" actId="20577"/>
-          <ac:spMkLst>
-            <pc:docMk/>
-            <pc:sldMk cId="0" sldId="257"/>
-            <ac:spMk id="84" creationId="{00000000-0000-0000-0000-000000000000}"/>
-          </ac:spMkLst>
-        </pc:spChg>
-        <pc:picChg chg="add mod">
-          <ac:chgData name="Riccardo Berta" userId="c8694f89-bba4-4576-b0a8-456619ca5a8c" providerId="ADAL" clId="{F4AAAA8C-1CB2-214C-996A-F15BCA6CB64E}" dt="2022-07-27T13:43:02.813" v="153" actId="1076"/>
-          <ac:picMkLst>
-            <pc:docMk/>
-            <pc:sldMk cId="0" sldId="257"/>
-            <ac:picMk id="3" creationId="{E337B85C-FAA8-CC41-92F2-13E0228E3B65}"/>
-          </ac:picMkLst>
-        </pc:picChg>
-      </pc:sldChg>
-      <pc:sldChg chg="modSp del">
-        <pc:chgData name="Riccardo Berta" userId="c8694f89-bba4-4576-b0a8-456619ca5a8c" providerId="ADAL" clId="{F4AAAA8C-1CB2-214C-996A-F15BCA6CB64E}" dt="2022-07-27T13:43:43.714" v="164" actId="2696"/>
-        <pc:sldMkLst>
-          <pc:docMk/>
-          <pc:sldMk cId="1899110855" sldId="258"/>
-        </pc:sldMkLst>
-        <pc:spChg chg="mod">
-          <ac:chgData name="Riccardo Berta" userId="c8694f89-bba4-4576-b0a8-456619ca5a8c" providerId="ADAL" clId="{F4AAAA8C-1CB2-214C-996A-F15BCA6CB64E}" dt="2022-07-27T13:43:40.189" v="163"/>
-          <ac:spMkLst>
-            <pc:docMk/>
-            <pc:sldMk cId="1899110855" sldId="258"/>
-            <ac:spMk id="2" creationId="{9A367158-2E24-E90C-7ECC-502AB323ED05}"/>
-          </ac:spMkLst>
-        </pc:spChg>
-      </pc:sldChg>
-      <pc:sldChg chg="addSp delSp modSp mod">
-        <pc:chgData name="Riccardo Berta" userId="c8694f89-bba4-4576-b0a8-456619ca5a8c" providerId="ADAL" clId="{F4AAAA8C-1CB2-214C-996A-F15BCA6CB64E}" dt="2022-07-29T16:13:43.411" v="2890" actId="20577"/>
-        <pc:sldMkLst>
-          <pc:docMk/>
-          <pc:sldMk cId="3018556184" sldId="259"/>
-        </pc:sldMkLst>
-        <pc:spChg chg="mod">
-          <ac:chgData name="Riccardo Berta" userId="c8694f89-bba4-4576-b0a8-456619ca5a8c" providerId="ADAL" clId="{F4AAAA8C-1CB2-214C-996A-F15BCA6CB64E}" dt="2022-07-29T16:13:43.411" v="2890" actId="20577"/>
-          <ac:spMkLst>
-            <pc:docMk/>
-            <pc:sldMk cId="3018556184" sldId="259"/>
-            <ac:spMk id="3" creationId="{38BFAA1C-1163-169B-2D77-6FEF73CC8512}"/>
-          </ac:spMkLst>
-        </pc:spChg>
-        <pc:picChg chg="add del mod">
-          <ac:chgData name="Riccardo Berta" userId="c8694f89-bba4-4576-b0a8-456619ca5a8c" providerId="ADAL" clId="{F4AAAA8C-1CB2-214C-996A-F15BCA6CB64E}" dt="2022-07-29T07:13:37.040" v="2021" actId="21"/>
-          <ac:picMkLst>
-            <pc:docMk/>
-            <pc:sldMk cId="3018556184" sldId="259"/>
-            <ac:picMk id="5" creationId="{3D57D188-F23C-A5F1-8770-234AC5C0F8CD}"/>
-          </ac:picMkLst>
-        </pc:picChg>
-      </pc:sldChg>
-      <pc:sldChg chg="del">
-        <pc:chgData name="Riccardo Berta" userId="c8694f89-bba4-4576-b0a8-456619ca5a8c" providerId="ADAL" clId="{F4AAAA8C-1CB2-214C-996A-F15BCA6CB64E}" dt="2022-07-27T13:43:45.045" v="165" actId="2696"/>
-        <pc:sldMkLst>
-          <pc:docMk/>
-          <pc:sldMk cId="1104208334" sldId="260"/>
-        </pc:sldMkLst>
-      </pc:sldChg>
-      <pc:sldChg chg="addSp delSp modSp add mod">
-        <pc:chgData name="Riccardo Berta" userId="c8694f89-bba4-4576-b0a8-456619ca5a8c" providerId="ADAL" clId="{F4AAAA8C-1CB2-214C-996A-F15BCA6CB64E}" dt="2022-07-28T05:47:21.216" v="337" actId="1076"/>
-        <pc:sldMkLst>
-          <pc:docMk/>
-          <pc:sldMk cId="2119751735" sldId="260"/>
-        </pc:sldMkLst>
-        <pc:spChg chg="mod">
-          <ac:chgData name="Riccardo Berta" userId="c8694f89-bba4-4576-b0a8-456619ca5a8c" providerId="ADAL" clId="{F4AAAA8C-1CB2-214C-996A-F15BCA6CB64E}" dt="2022-07-27T13:45:31.917" v="177" actId="20577"/>
-          <ac:spMkLst>
-            <pc:docMk/>
-            <pc:sldMk cId="2119751735" sldId="260"/>
-            <ac:spMk id="83" creationId="{00000000-0000-0000-0000-000000000000}"/>
-          </ac:spMkLst>
-        </pc:spChg>
-        <pc:spChg chg="mod">
-          <ac:chgData name="Riccardo Berta" userId="c8694f89-bba4-4576-b0a8-456619ca5a8c" providerId="ADAL" clId="{F4AAAA8C-1CB2-214C-996A-F15BCA6CB64E}" dt="2022-07-28T05:46:51.692" v="332" actId="20577"/>
-          <ac:spMkLst>
-            <pc:docMk/>
-            <pc:sldMk cId="2119751735" sldId="260"/>
-            <ac:spMk id="84" creationId="{00000000-0000-0000-0000-000000000000}"/>
-          </ac:spMkLst>
-        </pc:spChg>
-        <pc:grpChg chg="add mod">
-          <ac:chgData name="Riccardo Berta" userId="c8694f89-bba4-4576-b0a8-456619ca5a8c" providerId="ADAL" clId="{F4AAAA8C-1CB2-214C-996A-F15BCA6CB64E}" dt="2022-07-28T05:47:21.216" v="337" actId="1076"/>
-          <ac:grpSpMkLst>
-            <pc:docMk/>
-            <pc:sldMk cId="2119751735" sldId="260"/>
-            <ac:grpSpMk id="7" creationId="{489CA0CE-5F21-4BF4-5B0C-E98A8FC5FDD8}"/>
-          </ac:grpSpMkLst>
-        </pc:grpChg>
-        <pc:picChg chg="del">
-          <ac:chgData name="Riccardo Berta" userId="c8694f89-bba4-4576-b0a8-456619ca5a8c" providerId="ADAL" clId="{F4AAAA8C-1CB2-214C-996A-F15BCA6CB64E}" dt="2022-07-27T13:45:46.742" v="181" actId="478"/>
-          <ac:picMkLst>
-            <pc:docMk/>
-            <pc:sldMk cId="2119751735" sldId="260"/>
-            <ac:picMk id="3" creationId="{E337B85C-FAA8-CC41-92F2-13E0228E3B65}"/>
-          </ac:picMkLst>
-        </pc:picChg>
-        <pc:picChg chg="add mod">
-          <ac:chgData name="Riccardo Berta" userId="c8694f89-bba4-4576-b0a8-456619ca5a8c" providerId="ADAL" clId="{F4AAAA8C-1CB2-214C-996A-F15BCA6CB64E}" dt="2022-07-28T05:45:35.354" v="315" actId="164"/>
-          <ac:picMkLst>
-            <pc:docMk/>
-            <pc:sldMk cId="2119751735" sldId="260"/>
-            <ac:picMk id="4" creationId="{BEB555A5-8E8F-EF63-4BD5-BDB8C5B0448C}"/>
-          </ac:picMkLst>
-        </pc:picChg>
-        <pc:picChg chg="add mod">
-          <ac:chgData name="Riccardo Berta" userId="c8694f89-bba4-4576-b0a8-456619ca5a8c" providerId="ADAL" clId="{F4AAAA8C-1CB2-214C-996A-F15BCA6CB64E}" dt="2022-07-28T05:45:35.354" v="315" actId="164"/>
-          <ac:picMkLst>
-            <pc:docMk/>
-            <pc:sldMk cId="2119751735" sldId="260"/>
-            <ac:picMk id="6" creationId="{177C8D6D-02B1-C754-62AE-4DE123A1F0A3}"/>
-          </ac:picMkLst>
-        </pc:picChg>
-        <pc:picChg chg="add mod">
-          <ac:chgData name="Riccardo Berta" userId="c8694f89-bba4-4576-b0a8-456619ca5a8c" providerId="ADAL" clId="{F4AAAA8C-1CB2-214C-996A-F15BCA6CB64E}" dt="2022-07-28T05:47:04.885" v="335" actId="167"/>
-          <ac:picMkLst>
-            <pc:docMk/>
-            <pc:sldMk cId="2119751735" sldId="260"/>
-            <ac:picMk id="9" creationId="{B47B7D50-84FB-AA7F-8A99-66D4AF7E0E9D}"/>
-          </ac:picMkLst>
-        </pc:picChg>
-      </pc:sldChg>
-      <pc:sldChg chg="del">
-        <pc:chgData name="Riccardo Berta" userId="c8694f89-bba4-4576-b0a8-456619ca5a8c" providerId="ADAL" clId="{F4AAAA8C-1CB2-214C-996A-F15BCA6CB64E}" dt="2022-07-27T13:43:46.058" v="166" actId="2696"/>
-        <pc:sldMkLst>
-          <pc:docMk/>
-          <pc:sldMk cId="1290395919" sldId="261"/>
-        </pc:sldMkLst>
-      </pc:sldChg>
-      <pc:sldChg chg="delSp modSp add mod">
-        <pc:chgData name="Riccardo Berta" userId="c8694f89-bba4-4576-b0a8-456619ca5a8c" providerId="ADAL" clId="{F4AAAA8C-1CB2-214C-996A-F15BCA6CB64E}" dt="2022-07-28T06:08:36.900" v="979" actId="20577"/>
-        <pc:sldMkLst>
-          <pc:docMk/>
-          <pc:sldMk cId="2389937581" sldId="261"/>
-        </pc:sldMkLst>
-        <pc:spChg chg="mod">
-          <ac:chgData name="Riccardo Berta" userId="c8694f89-bba4-4576-b0a8-456619ca5a8c" providerId="ADAL" clId="{F4AAAA8C-1CB2-214C-996A-F15BCA6CB64E}" dt="2022-07-28T05:48:31.210" v="384" actId="20577"/>
-          <ac:spMkLst>
-            <pc:docMk/>
-            <pc:sldMk cId="2389937581" sldId="261"/>
-            <ac:spMk id="83" creationId="{00000000-0000-0000-0000-000000000000}"/>
-          </ac:spMkLst>
-        </pc:spChg>
-        <pc:spChg chg="mod">
-          <ac:chgData name="Riccardo Berta" userId="c8694f89-bba4-4576-b0a8-456619ca5a8c" providerId="ADAL" clId="{F4AAAA8C-1CB2-214C-996A-F15BCA6CB64E}" dt="2022-07-28T06:08:36.900" v="979" actId="20577"/>
-          <ac:spMkLst>
-            <pc:docMk/>
-            <pc:sldMk cId="2389937581" sldId="261"/>
-            <ac:spMk id="84" creationId="{00000000-0000-0000-0000-000000000000}"/>
-          </ac:spMkLst>
-        </pc:spChg>
-        <pc:picChg chg="del">
-          <ac:chgData name="Riccardo Berta" userId="c8694f89-bba4-4576-b0a8-456619ca5a8c" providerId="ADAL" clId="{F4AAAA8C-1CB2-214C-996A-F15BCA6CB64E}" dt="2022-07-28T05:48:38.627" v="386" actId="478"/>
-          <ac:picMkLst>
-            <pc:docMk/>
-            <pc:sldMk cId="2389937581" sldId="261"/>
-            <ac:picMk id="3" creationId="{E337B85C-FAA8-CC41-92F2-13E0228E3B65}"/>
-          </ac:picMkLst>
-        </pc:picChg>
-      </pc:sldChg>
-      <pc:sldChg chg="addSp delSp modSp add mod">
-        <pc:chgData name="Riccardo Berta" userId="c8694f89-bba4-4576-b0a8-456619ca5a8c" providerId="ADAL" clId="{F4AAAA8C-1CB2-214C-996A-F15BCA6CB64E}" dt="2022-07-28T06:20:33.799" v="1324" actId="58"/>
-        <pc:sldMkLst>
-          <pc:docMk/>
-          <pc:sldMk cId="1270389364" sldId="262"/>
-        </pc:sldMkLst>
-        <pc:spChg chg="mod">
-          <ac:chgData name="Riccardo Berta" userId="c8694f89-bba4-4576-b0a8-456619ca5a8c" providerId="ADAL" clId="{F4AAAA8C-1CB2-214C-996A-F15BCA6CB64E}" dt="2022-07-28T06:09:05.210" v="991" actId="20577"/>
-          <ac:spMkLst>
-            <pc:docMk/>
-            <pc:sldMk cId="1270389364" sldId="262"/>
-            <ac:spMk id="83" creationId="{00000000-0000-0000-0000-000000000000}"/>
-          </ac:spMkLst>
-        </pc:spChg>
-        <pc:spChg chg="mod">
-          <ac:chgData name="Riccardo Berta" userId="c8694f89-bba4-4576-b0a8-456619ca5a8c" providerId="ADAL" clId="{F4AAAA8C-1CB2-214C-996A-F15BCA6CB64E}" dt="2022-07-28T06:20:33.799" v="1324" actId="58"/>
-          <ac:spMkLst>
-            <pc:docMk/>
-            <pc:sldMk cId="1270389364" sldId="262"/>
-            <ac:spMk id="84" creationId="{00000000-0000-0000-0000-000000000000}"/>
-          </ac:spMkLst>
-        </pc:spChg>
-        <pc:picChg chg="del">
-          <ac:chgData name="Riccardo Berta" userId="c8694f89-bba4-4576-b0a8-456619ca5a8c" providerId="ADAL" clId="{F4AAAA8C-1CB2-214C-996A-F15BCA6CB64E}" dt="2022-07-28T06:09:15.678" v="996" actId="478"/>
-          <ac:picMkLst>
-            <pc:docMk/>
-            <pc:sldMk cId="1270389364" sldId="262"/>
-            <ac:picMk id="3" creationId="{E337B85C-FAA8-CC41-92F2-13E0228E3B65}"/>
-          </ac:picMkLst>
-        </pc:picChg>
-        <pc:picChg chg="add mod">
-          <ac:chgData name="Riccardo Berta" userId="c8694f89-bba4-4576-b0a8-456619ca5a8c" providerId="ADAL" clId="{F4AAAA8C-1CB2-214C-996A-F15BCA6CB64E}" dt="2022-07-28T06:17:50.208" v="1230" actId="1036"/>
-          <ac:picMkLst>
-            <pc:docMk/>
-            <pc:sldMk cId="1270389364" sldId="262"/>
-            <ac:picMk id="4" creationId="{AB9A4B8B-5326-C7E4-06B6-378D995D5B26}"/>
-          </ac:picMkLst>
-        </pc:picChg>
-      </pc:sldChg>
-      <pc:sldChg chg="del">
-        <pc:chgData name="Riccardo Berta" userId="c8694f89-bba4-4576-b0a8-456619ca5a8c" providerId="ADAL" clId="{F4AAAA8C-1CB2-214C-996A-F15BCA6CB64E}" dt="2022-07-27T13:43:47.251" v="167" actId="2696"/>
-        <pc:sldMkLst>
-          <pc:docMk/>
-          <pc:sldMk cId="4130549615" sldId="262"/>
-        </pc:sldMkLst>
-      </pc:sldChg>
-      <pc:sldChg chg="modSp add mod">
-        <pc:chgData name="Riccardo Berta" userId="c8694f89-bba4-4576-b0a8-456619ca5a8c" providerId="ADAL" clId="{F4AAAA8C-1CB2-214C-996A-F15BCA6CB64E}" dt="2022-07-29T07:18:15.970" v="2126" actId="1076"/>
-        <pc:sldMkLst>
-          <pc:docMk/>
-          <pc:sldMk cId="2644872656" sldId="263"/>
-        </pc:sldMkLst>
-        <pc:spChg chg="mod">
-          <ac:chgData name="Riccardo Berta" userId="c8694f89-bba4-4576-b0a8-456619ca5a8c" providerId="ADAL" clId="{F4AAAA8C-1CB2-214C-996A-F15BCA6CB64E}" dt="2022-07-28T13:41:46.191" v="1354" actId="20577"/>
-          <ac:spMkLst>
-            <pc:docMk/>
-            <pc:sldMk cId="2644872656" sldId="263"/>
-            <ac:spMk id="83" creationId="{00000000-0000-0000-0000-000000000000}"/>
-          </ac:spMkLst>
-        </pc:spChg>
-        <pc:spChg chg="mod">
-          <ac:chgData name="Riccardo Berta" userId="c8694f89-bba4-4576-b0a8-456619ca5a8c" providerId="ADAL" clId="{F4AAAA8C-1CB2-214C-996A-F15BCA6CB64E}" dt="2022-07-29T07:18:15.970" v="2126" actId="1076"/>
-          <ac:spMkLst>
-            <pc:docMk/>
-            <pc:sldMk cId="2644872656" sldId="263"/>
-            <ac:spMk id="84" creationId="{00000000-0000-0000-0000-000000000000}"/>
-          </ac:spMkLst>
-        </pc:spChg>
-      </pc:sldChg>
-      <pc:sldChg chg="del">
-        <pc:chgData name="Riccardo Berta" userId="c8694f89-bba4-4576-b0a8-456619ca5a8c" providerId="ADAL" clId="{F4AAAA8C-1CB2-214C-996A-F15BCA6CB64E}" dt="2022-07-27T13:43:48.139" v="168" actId="2696"/>
-        <pc:sldMkLst>
-          <pc:docMk/>
-          <pc:sldMk cId="3102138681" sldId="263"/>
-        </pc:sldMkLst>
-      </pc:sldChg>
-      <pc:sldChg chg="modSp add mod">
-        <pc:chgData name="Riccardo Berta" userId="c8694f89-bba4-4576-b0a8-456619ca5a8c" providerId="ADAL" clId="{F4AAAA8C-1CB2-214C-996A-F15BCA6CB64E}" dt="2022-07-28T13:59:43.403" v="1794" actId="20577"/>
-        <pc:sldMkLst>
-          <pc:docMk/>
-          <pc:sldMk cId="1681389695" sldId="264"/>
-        </pc:sldMkLst>
-        <pc:spChg chg="mod">
-          <ac:chgData name="Riccardo Berta" userId="c8694f89-bba4-4576-b0a8-456619ca5a8c" providerId="ADAL" clId="{F4AAAA8C-1CB2-214C-996A-F15BCA6CB64E}" dt="2022-07-28T13:55:27.771" v="1667" actId="20577"/>
-          <ac:spMkLst>
-            <pc:docMk/>
-            <pc:sldMk cId="1681389695" sldId="264"/>
-            <ac:spMk id="83" creationId="{00000000-0000-0000-0000-000000000000}"/>
-          </ac:spMkLst>
-        </pc:spChg>
-        <pc:spChg chg="mod">
-          <ac:chgData name="Riccardo Berta" userId="c8694f89-bba4-4576-b0a8-456619ca5a8c" providerId="ADAL" clId="{F4AAAA8C-1CB2-214C-996A-F15BCA6CB64E}" dt="2022-07-28T13:59:43.403" v="1794" actId="20577"/>
-          <ac:spMkLst>
-            <pc:docMk/>
-            <pc:sldMk cId="1681389695" sldId="264"/>
-            <ac:spMk id="84" creationId="{00000000-0000-0000-0000-000000000000}"/>
-          </ac:spMkLst>
-        </pc:spChg>
-      </pc:sldChg>
-      <pc:sldChg chg="del">
-        <pc:chgData name="Riccardo Berta" userId="c8694f89-bba4-4576-b0a8-456619ca5a8c" providerId="ADAL" clId="{F4AAAA8C-1CB2-214C-996A-F15BCA6CB64E}" dt="2022-07-27T13:43:49.652" v="169" actId="2696"/>
-        <pc:sldMkLst>
-          <pc:docMk/>
-          <pc:sldMk cId="2113557187" sldId="264"/>
-        </pc:sldMkLst>
-      </pc:sldChg>
-      <pc:sldChg chg="del">
-        <pc:chgData name="Riccardo Berta" userId="c8694f89-bba4-4576-b0a8-456619ca5a8c" providerId="ADAL" clId="{F4AAAA8C-1CB2-214C-996A-F15BCA6CB64E}" dt="2022-07-27T13:43:57.658" v="170" actId="2696"/>
-        <pc:sldMkLst>
-          <pc:docMk/>
-          <pc:sldMk cId="2045385232" sldId="265"/>
-        </pc:sldMkLst>
-      </pc:sldChg>
-      <pc:sldChg chg="addSp modSp add mod">
-        <pc:chgData name="Riccardo Berta" userId="c8694f89-bba4-4576-b0a8-456619ca5a8c" providerId="ADAL" clId="{F4AAAA8C-1CB2-214C-996A-F15BCA6CB64E}" dt="2022-07-29T07:15:19.612" v="2059" actId="1037"/>
-        <pc:sldMkLst>
-          <pc:docMk/>
-          <pc:sldMk cId="2862573505" sldId="265"/>
-        </pc:sldMkLst>
-        <pc:spChg chg="mod">
-          <ac:chgData name="Riccardo Berta" userId="c8694f89-bba4-4576-b0a8-456619ca5a8c" providerId="ADAL" clId="{F4AAAA8C-1CB2-214C-996A-F15BCA6CB64E}" dt="2022-07-28T14:01:34.242" v="1824" actId="20577"/>
-          <ac:spMkLst>
-            <pc:docMk/>
-            <pc:sldMk cId="2862573505" sldId="265"/>
-            <ac:spMk id="83" creationId="{00000000-0000-0000-0000-000000000000}"/>
-          </ac:spMkLst>
-        </pc:spChg>
-        <pc:spChg chg="mod">
-          <ac:chgData name="Riccardo Berta" userId="c8694f89-bba4-4576-b0a8-456619ca5a8c" providerId="ADAL" clId="{F4AAAA8C-1CB2-214C-996A-F15BCA6CB64E}" dt="2022-07-29T07:14:51.920" v="2043" actId="1076"/>
-          <ac:spMkLst>
-            <pc:docMk/>
-            <pc:sldMk cId="2862573505" sldId="265"/>
-            <ac:spMk id="84" creationId="{00000000-0000-0000-0000-000000000000}"/>
-          </ac:spMkLst>
-        </pc:spChg>
-        <pc:picChg chg="add mod">
-          <ac:chgData name="Riccardo Berta" userId="c8694f89-bba4-4576-b0a8-456619ca5a8c" providerId="ADAL" clId="{F4AAAA8C-1CB2-214C-996A-F15BCA6CB64E}" dt="2022-07-29T07:14:07.899" v="2027" actId="1076"/>
-          <ac:picMkLst>
-            <pc:docMk/>
-            <pc:sldMk cId="2862573505" sldId="265"/>
-            <ac:picMk id="3" creationId="{E5BCAA50-F768-A24F-D65F-DC7B97A8A06C}"/>
-          </ac:picMkLst>
-        </pc:picChg>
-        <pc:picChg chg="add mod">
-          <ac:chgData name="Riccardo Berta" userId="c8694f89-bba4-4576-b0a8-456619ca5a8c" providerId="ADAL" clId="{F4AAAA8C-1CB2-214C-996A-F15BCA6CB64E}" dt="2022-07-29T07:15:19.612" v="2059" actId="1037"/>
-          <ac:picMkLst>
-            <pc:docMk/>
-            <pc:sldMk cId="2862573505" sldId="265"/>
-            <ac:picMk id="5" creationId="{743A1BA3-6E04-AB8A-9650-4CD776CB6A72}"/>
-          </ac:picMkLst>
-        </pc:picChg>
-        <pc:picChg chg="add mod">
-          <ac:chgData name="Riccardo Berta" userId="c8694f89-bba4-4576-b0a8-456619ca5a8c" providerId="ADAL" clId="{F4AAAA8C-1CB2-214C-996A-F15BCA6CB64E}" dt="2022-07-29T07:15:08.710" v="2051" actId="1037"/>
-          <ac:picMkLst>
-            <pc:docMk/>
-            <pc:sldMk cId="2862573505" sldId="265"/>
-            <ac:picMk id="6" creationId="{9C1ABB64-8085-F0EF-1388-6AF4DB3909BB}"/>
-          </ac:picMkLst>
-        </pc:picChg>
-      </pc:sldChg>
-      <pc:sldChg chg="modSp add mod">
-        <pc:chgData name="Riccardo Berta" userId="c8694f89-bba4-4576-b0a8-456619ca5a8c" providerId="ADAL" clId="{F4AAAA8C-1CB2-214C-996A-F15BCA6CB64E}" dt="2022-07-29T15:42:16.243" v="2364" actId="404"/>
-        <pc:sldMkLst>
-          <pc:docMk/>
-          <pc:sldMk cId="4181844165" sldId="266"/>
-        </pc:sldMkLst>
-        <pc:spChg chg="mod">
-          <ac:chgData name="Riccardo Berta" userId="c8694f89-bba4-4576-b0a8-456619ca5a8c" providerId="ADAL" clId="{F4AAAA8C-1CB2-214C-996A-F15BCA6CB64E}" dt="2022-07-29T07:11:57.611" v="2016"/>
-          <ac:spMkLst>
-            <pc:docMk/>
-            <pc:sldMk cId="4181844165" sldId="266"/>
-            <ac:spMk id="83" creationId="{00000000-0000-0000-0000-000000000000}"/>
-          </ac:spMkLst>
-        </pc:spChg>
-        <pc:spChg chg="mod">
-          <ac:chgData name="Riccardo Berta" userId="c8694f89-bba4-4576-b0a8-456619ca5a8c" providerId="ADAL" clId="{F4AAAA8C-1CB2-214C-996A-F15BCA6CB64E}" dt="2022-07-29T15:42:16.243" v="2364" actId="404"/>
-          <ac:spMkLst>
-            <pc:docMk/>
-            <pc:sldMk cId="4181844165" sldId="266"/>
-            <ac:spMk id="84" creationId="{00000000-0000-0000-0000-000000000000}"/>
-          </ac:spMkLst>
-        </pc:spChg>
-      </pc:sldChg>
-      <pc:sldChg chg="addSp delSp modSp add mod">
-        <pc:chgData name="Riccardo Berta" userId="c8694f89-bba4-4576-b0a8-456619ca5a8c" providerId="ADAL" clId="{F4AAAA8C-1CB2-214C-996A-F15BCA6CB64E}" dt="2022-07-29T16:21:50.628" v="2975" actId="1076"/>
-        <pc:sldMkLst>
-          <pc:docMk/>
-          <pc:sldMk cId="216455838" sldId="267"/>
-        </pc:sldMkLst>
-        <pc:spChg chg="mod">
-          <ac:chgData name="Riccardo Berta" userId="c8694f89-bba4-4576-b0a8-456619ca5a8c" providerId="ADAL" clId="{F4AAAA8C-1CB2-214C-996A-F15BCA6CB64E}" dt="2022-07-29T16:21:40.165" v="2974" actId="20577"/>
-          <ac:spMkLst>
-            <pc:docMk/>
-            <pc:sldMk cId="216455838" sldId="267"/>
-            <ac:spMk id="83" creationId="{00000000-0000-0000-0000-000000000000}"/>
-          </ac:spMkLst>
-        </pc:spChg>
-        <pc:spChg chg="mod">
-          <ac:chgData name="Riccardo Berta" userId="c8694f89-bba4-4576-b0a8-456619ca5a8c" providerId="ADAL" clId="{F4AAAA8C-1CB2-214C-996A-F15BCA6CB64E}" dt="2022-07-29T16:21:04.813" v="2957" actId="20577"/>
-          <ac:spMkLst>
-            <pc:docMk/>
-            <pc:sldMk cId="216455838" sldId="267"/>
-            <ac:spMk id="84" creationId="{00000000-0000-0000-0000-000000000000}"/>
-          </ac:spMkLst>
-        </pc:spChg>
-        <pc:picChg chg="add del">
-          <ac:chgData name="Riccardo Berta" userId="c8694f89-bba4-4576-b0a8-456619ca5a8c" providerId="ADAL" clId="{F4AAAA8C-1CB2-214C-996A-F15BCA6CB64E}" dt="2022-07-29T15:53:24.645" v="2396" actId="478"/>
-          <ac:picMkLst>
-            <pc:docMk/>
-            <pc:sldMk cId="216455838" sldId="267"/>
-            <ac:picMk id="2" creationId="{F4FCEF60-8194-3CD6-BE60-E133D5DF313E}"/>
-          </ac:picMkLst>
-        </pc:picChg>
-        <pc:picChg chg="add mod">
-          <ac:chgData name="Riccardo Berta" userId="c8694f89-bba4-4576-b0a8-456619ca5a8c" providerId="ADAL" clId="{F4AAAA8C-1CB2-214C-996A-F15BCA6CB64E}" dt="2022-07-29T16:21:09.630" v="2958" actId="1076"/>
-          <ac:picMkLst>
-            <pc:docMk/>
-            <pc:sldMk cId="216455838" sldId="267"/>
-            <ac:picMk id="4" creationId="{E6F64BDC-73CD-7216-BA09-69DDCB93F9D4}"/>
-          </ac:picMkLst>
-        </pc:picChg>
-        <pc:picChg chg="add mod">
-          <ac:chgData name="Riccardo Berta" userId="c8694f89-bba4-4576-b0a8-456619ca5a8c" providerId="ADAL" clId="{F4AAAA8C-1CB2-214C-996A-F15BCA6CB64E}" dt="2022-07-29T16:21:50.628" v="2975" actId="1076"/>
-          <ac:picMkLst>
-            <pc:docMk/>
-            <pc:sldMk cId="216455838" sldId="267"/>
-            <ac:picMk id="5" creationId="{3ACC4B13-0F8B-1CAD-68C4-DF5DFDB1BD88}"/>
-          </ac:picMkLst>
-        </pc:picChg>
-      </pc:sldChg>
-      <pc:sldChg chg="modSp add mod">
-        <pc:chgData name="Riccardo Berta" userId="c8694f89-bba4-4576-b0a8-456619ca5a8c" providerId="ADAL" clId="{F4AAAA8C-1CB2-214C-996A-F15BCA6CB64E}" dt="2022-07-29T16:13:07.544" v="2873" actId="20577"/>
-        <pc:sldMkLst>
-          <pc:docMk/>
-          <pc:sldMk cId="925286286" sldId="268"/>
-        </pc:sldMkLst>
-        <pc:spChg chg="mod">
-          <ac:chgData name="Riccardo Berta" userId="c8694f89-bba4-4576-b0a8-456619ca5a8c" providerId="ADAL" clId="{F4AAAA8C-1CB2-214C-996A-F15BCA6CB64E}" dt="2022-07-29T16:00:31.322" v="2504"/>
-          <ac:spMkLst>
-            <pc:docMk/>
-            <pc:sldMk cId="925286286" sldId="268"/>
-            <ac:spMk id="83" creationId="{00000000-0000-0000-0000-000000000000}"/>
-          </ac:spMkLst>
-        </pc:spChg>
-        <pc:spChg chg="mod">
-          <ac:chgData name="Riccardo Berta" userId="c8694f89-bba4-4576-b0a8-456619ca5a8c" providerId="ADAL" clId="{F4AAAA8C-1CB2-214C-996A-F15BCA6CB64E}" dt="2022-07-29T16:13:07.544" v="2873" actId="20577"/>
-          <ac:spMkLst>
-            <pc:docMk/>
-            <pc:sldMk cId="925286286" sldId="268"/>
-            <ac:spMk id="84" creationId="{00000000-0000-0000-0000-000000000000}"/>
-          </ac:spMkLst>
-        </pc:spChg>
-      </pc:sldChg>
-      <pc:sldChg chg="addSp modSp add mod">
-        <pc:chgData name="Riccardo Berta" userId="c8694f89-bba4-4576-b0a8-456619ca5a8c" providerId="ADAL" clId="{F4AAAA8C-1CB2-214C-996A-F15BCA6CB64E}" dt="2022-07-29T16:20:35.039" v="2951" actId="962"/>
-        <pc:sldMkLst>
-          <pc:docMk/>
-          <pc:sldMk cId="3471997037" sldId="269"/>
-        </pc:sldMkLst>
-        <pc:spChg chg="mod">
-          <ac:chgData name="Riccardo Berta" userId="c8694f89-bba4-4576-b0a8-456619ca5a8c" providerId="ADAL" clId="{F4AAAA8C-1CB2-214C-996A-F15BCA6CB64E}" dt="2022-07-29T16:17:02.750" v="2922" actId="20577"/>
-          <ac:spMkLst>
-            <pc:docMk/>
-            <pc:sldMk cId="3471997037" sldId="269"/>
-            <ac:spMk id="83" creationId="{00000000-0000-0000-0000-000000000000}"/>
-          </ac:spMkLst>
-        </pc:spChg>
-        <pc:spChg chg="mod">
-          <ac:chgData name="Riccardo Berta" userId="c8694f89-bba4-4576-b0a8-456619ca5a8c" providerId="ADAL" clId="{F4AAAA8C-1CB2-214C-996A-F15BCA6CB64E}" dt="2022-07-29T16:18:45.638" v="2948" actId="20577"/>
-          <ac:spMkLst>
-            <pc:docMk/>
-            <pc:sldMk cId="3471997037" sldId="269"/>
-            <ac:spMk id="84" creationId="{00000000-0000-0000-0000-000000000000}"/>
-          </ac:spMkLst>
-        </pc:spChg>
-        <pc:picChg chg="add mod">
-          <ac:chgData name="Riccardo Berta" userId="c8694f89-bba4-4576-b0a8-456619ca5a8c" providerId="ADAL" clId="{F4AAAA8C-1CB2-214C-996A-F15BCA6CB64E}" dt="2022-07-29T16:20:35.039" v="2951" actId="962"/>
-          <ac:picMkLst>
-            <pc:docMk/>
-            <pc:sldMk cId="3471997037" sldId="269"/>
-            <ac:picMk id="3" creationId="{471AFF0B-7713-10C4-E8A3-3EDBC8FE0FD9}"/>
-          </ac:picMkLst>
-        </pc:picChg>
-      </pc:sldChg>
-      <pc:sldChg chg="add">
-        <pc:chgData name="Riccardo Berta" userId="c8694f89-bba4-4576-b0a8-456619ca5a8c" providerId="ADAL" clId="{F4AAAA8C-1CB2-214C-996A-F15BCA6CB64E}" dt="2022-07-28T14:01:20.148" v="1808"/>
-        <pc:sldMkLst>
-          <pc:docMk/>
-          <pc:sldMk cId="3130917410" sldId="270"/>
-        </pc:sldMkLst>
-      </pc:sldChg>
-      <pc:sldChg chg="add">
-        <pc:chgData name="Riccardo Berta" userId="c8694f89-bba4-4576-b0a8-456619ca5a8c" providerId="ADAL" clId="{F4AAAA8C-1CB2-214C-996A-F15BCA6CB64E}" dt="2022-07-28T14:01:20.483" v="1809"/>
-        <pc:sldMkLst>
-          <pc:docMk/>
-          <pc:sldMk cId="2266699268" sldId="271"/>
-        </pc:sldMkLst>
-      </pc:sldChg>
-    </pc:docChg>
-  </pc:docChgLst>
-  <pc:docChgLst>
-    <pc:chgData name="Riccardo Berta" userId="c8694f89-bba4-4576-b0a8-456619ca5a8c" providerId="ADAL" clId="{285D91C1-4BF4-0841-A283-B28F698AE366}"/>
-    <pc:docChg chg="custSel addSld modSld">
-      <pc:chgData name="Riccardo Berta" userId="c8694f89-bba4-4576-b0a8-456619ca5a8c" providerId="ADAL" clId="{285D91C1-4BF4-0841-A283-B28F698AE366}" dt="2022-08-26T17:01:29.210" v="222" actId="20577"/>
-      <pc:docMkLst>
-        <pc:docMk/>
-      </pc:docMkLst>
-      <pc:sldChg chg="addSp delSp modSp add mod">
-        <pc:chgData name="Riccardo Berta" userId="c8694f89-bba4-4576-b0a8-456619ca5a8c" providerId="ADAL" clId="{285D91C1-4BF4-0841-A283-B28F698AE366}" dt="2022-08-26T17:01:29.210" v="222" actId="20577"/>
-        <pc:sldMkLst>
-          <pc:docMk/>
-          <pc:sldMk cId="1388305878" sldId="277"/>
-        </pc:sldMkLst>
-        <pc:spChg chg="mod">
-          <ac:chgData name="Riccardo Berta" userId="c8694f89-bba4-4576-b0a8-456619ca5a8c" providerId="ADAL" clId="{285D91C1-4BF4-0841-A283-B28F698AE366}" dt="2022-08-26T11:06:53.297" v="2" actId="20577"/>
-          <ac:spMkLst>
-            <pc:docMk/>
-            <pc:sldMk cId="1388305878" sldId="277"/>
-            <ac:spMk id="83" creationId="{00000000-0000-0000-0000-000000000000}"/>
-          </ac:spMkLst>
-        </pc:spChg>
-        <pc:spChg chg="mod">
-          <ac:chgData name="Riccardo Berta" userId="c8694f89-bba4-4576-b0a8-456619ca5a8c" providerId="ADAL" clId="{285D91C1-4BF4-0841-A283-B28F698AE366}" dt="2022-08-26T17:01:29.210" v="222" actId="20577"/>
-          <ac:spMkLst>
-            <pc:docMk/>
-            <pc:sldMk cId="1388305878" sldId="277"/>
-            <ac:spMk id="84" creationId="{00000000-0000-0000-0000-000000000000}"/>
-          </ac:spMkLst>
-        </pc:spChg>
-        <pc:picChg chg="add mod">
-          <ac:chgData name="Riccardo Berta" userId="c8694f89-bba4-4576-b0a8-456619ca5a8c" providerId="ADAL" clId="{285D91C1-4BF4-0841-A283-B28F698AE366}" dt="2022-08-26T11:13:04.169" v="129" actId="1035"/>
-          <ac:picMkLst>
-            <pc:docMk/>
-            <pc:sldMk cId="1388305878" sldId="277"/>
-            <ac:picMk id="3" creationId="{94F1A503-7FFE-557A-BCB0-DC1D9F0CDB3C}"/>
-          </ac:picMkLst>
-        </pc:picChg>
-        <pc:picChg chg="del">
-          <ac:chgData name="Riccardo Berta" userId="c8694f89-bba4-4576-b0a8-456619ca5a8c" providerId="ADAL" clId="{285D91C1-4BF4-0841-A283-B28F698AE366}" dt="2022-08-26T11:06:59.121" v="7" actId="478"/>
-          <ac:picMkLst>
-            <pc:docMk/>
-            <pc:sldMk cId="1388305878" sldId="277"/>
-            <ac:picMk id="4" creationId="{B37C8976-E86A-4EAB-21EA-45CA6D160B6E}"/>
-          </ac:picMkLst>
-        </pc:picChg>
-        <pc:picChg chg="add mod">
-          <ac:chgData name="Riccardo Berta" userId="c8694f89-bba4-4576-b0a8-456619ca5a8c" providerId="ADAL" clId="{285D91C1-4BF4-0841-A283-B28F698AE366}" dt="2022-08-26T11:13:15.479" v="133" actId="1035"/>
-          <ac:picMkLst>
-            <pc:docMk/>
-            <pc:sldMk cId="1388305878" sldId="277"/>
-            <ac:picMk id="6" creationId="{55622F76-3F69-85DA-DB04-2F9FA718C471}"/>
-          </ac:picMkLst>
-        </pc:picChg>
-      </pc:sldChg>
-      <pc:sldChg chg="addSp delSp modSp add mod">
-        <pc:chgData name="Riccardo Berta" userId="c8694f89-bba4-4576-b0a8-456619ca5a8c" providerId="ADAL" clId="{285D91C1-4BF4-0841-A283-B28F698AE366}" dt="2022-08-26T17:01:19.085" v="220" actId="1076"/>
-        <pc:sldMkLst>
-          <pc:docMk/>
-          <pc:sldMk cId="2276488042" sldId="278"/>
-        </pc:sldMkLst>
-        <pc:spChg chg="mod">
-          <ac:chgData name="Riccardo Berta" userId="c8694f89-bba4-4576-b0a8-456619ca5a8c" providerId="ADAL" clId="{285D91C1-4BF4-0841-A283-B28F698AE366}" dt="2022-08-26T11:13:29.102" v="137" actId="20577"/>
-          <ac:spMkLst>
-            <pc:docMk/>
-            <pc:sldMk cId="2276488042" sldId="278"/>
-            <ac:spMk id="83" creationId="{00000000-0000-0000-0000-000000000000}"/>
-          </ac:spMkLst>
-        </pc:spChg>
-        <pc:spChg chg="mod">
-          <ac:chgData name="Riccardo Berta" userId="c8694f89-bba4-4576-b0a8-456619ca5a8c" providerId="ADAL" clId="{285D91C1-4BF4-0841-A283-B28F698AE366}" dt="2022-08-26T11:21:06.057" v="217" actId="20577"/>
-          <ac:spMkLst>
-            <pc:docMk/>
-            <pc:sldMk cId="2276488042" sldId="278"/>
-            <ac:spMk id="84" creationId="{00000000-0000-0000-0000-000000000000}"/>
-          </ac:spMkLst>
-        </pc:spChg>
-        <pc:picChg chg="del">
-          <ac:chgData name="Riccardo Berta" userId="c8694f89-bba4-4576-b0a8-456619ca5a8c" providerId="ADAL" clId="{285D91C1-4BF4-0841-A283-B28F698AE366}" dt="2022-08-26T11:15:29.168" v="157" actId="478"/>
-          <ac:picMkLst>
-            <pc:docMk/>
-            <pc:sldMk cId="2276488042" sldId="278"/>
-            <ac:picMk id="3" creationId="{94F1A503-7FFE-557A-BCB0-DC1D9F0CDB3C}"/>
-          </ac:picMkLst>
-        </pc:picChg>
-        <pc:picChg chg="add del mod">
-          <ac:chgData name="Riccardo Berta" userId="c8694f89-bba4-4576-b0a8-456619ca5a8c" providerId="ADAL" clId="{285D91C1-4BF4-0841-A283-B28F698AE366}" dt="2022-08-26T11:17:51.407" v="196" actId="478"/>
-          <ac:picMkLst>
-            <pc:docMk/>
-            <pc:sldMk cId="2276488042" sldId="278"/>
-            <ac:picMk id="4" creationId="{60504E6C-6A9E-9C37-40B0-D19295DDEEC3}"/>
-          </ac:picMkLst>
-        </pc:picChg>
-        <pc:picChg chg="del">
-          <ac:chgData name="Riccardo Berta" userId="c8694f89-bba4-4576-b0a8-456619ca5a8c" providerId="ADAL" clId="{285D91C1-4BF4-0841-A283-B28F698AE366}" dt="2022-08-26T11:15:30.021" v="158" actId="478"/>
-          <ac:picMkLst>
-            <pc:docMk/>
-            <pc:sldMk cId="2276488042" sldId="278"/>
-            <ac:picMk id="6" creationId="{55622F76-3F69-85DA-DB04-2F9FA718C471}"/>
-          </ac:picMkLst>
-        </pc:picChg>
-        <pc:picChg chg="add mod">
-          <ac:chgData name="Riccardo Berta" userId="c8694f89-bba4-4576-b0a8-456619ca5a8c" providerId="ADAL" clId="{285D91C1-4BF4-0841-A283-B28F698AE366}" dt="2022-08-26T17:01:19.085" v="220" actId="1076"/>
-          <ac:picMkLst>
-            <pc:docMk/>
-            <pc:sldMk cId="2276488042" sldId="278"/>
-            <ac:picMk id="7" creationId="{12A38CB3-9C82-D386-6AEC-F799DFDA4DBA}"/>
-          </ac:picMkLst>
-        </pc:picChg>
-      </pc:sldChg>
-    </pc:docChg>
-  </pc:docChgLst>
-  <pc:docChgLst>
-    <pc:chgData name="Riccardo Berta" userId="c8694f89-bba4-4576-b0a8-456619ca5a8c" providerId="ADAL" clId="{35C5D11B-424E-5B41-A9C4-509DD0A59BFD}"/>
-    <pc:docChg chg="custSel delSld modSld sldOrd">
-      <pc:chgData name="Riccardo Berta" userId="c8694f89-bba4-4576-b0a8-456619ca5a8c" providerId="ADAL" clId="{35C5D11B-424E-5B41-A9C4-509DD0A59BFD}" dt="2022-04-01T12:12:56.906" v="135" actId="20577"/>
-      <pc:docMkLst>
-        <pc:docMk/>
-      </pc:docMkLst>
-      <pc:sldChg chg="modSp">
-        <pc:chgData name="Riccardo Berta" userId="c8694f89-bba4-4576-b0a8-456619ca5a8c" providerId="ADAL" clId="{35C5D11B-424E-5B41-A9C4-509DD0A59BFD}" dt="2022-03-22T07:34:03.014" v="5"/>
-        <pc:sldMkLst>
-          <pc:docMk/>
-          <pc:sldMk cId="0" sldId="257"/>
-        </pc:sldMkLst>
-        <pc:picChg chg="mod">
-          <ac:chgData name="Riccardo Berta" userId="c8694f89-bba4-4576-b0a8-456619ca5a8c" providerId="ADAL" clId="{35C5D11B-424E-5B41-A9C4-509DD0A59BFD}" dt="2022-03-22T07:34:03.014" v="5"/>
-          <ac:picMkLst>
-            <pc:docMk/>
-            <pc:sldMk cId="0" sldId="257"/>
-            <ac:picMk id="85" creationId="{00000000-0000-0000-0000-000000000000}"/>
-          </ac:picMkLst>
-        </pc:picChg>
-      </pc:sldChg>
-      <pc:sldChg chg="modSp">
-        <pc:chgData name="Riccardo Berta" userId="c8694f89-bba4-4576-b0a8-456619ca5a8c" providerId="ADAL" clId="{35C5D11B-424E-5B41-A9C4-509DD0A59BFD}" dt="2022-03-22T07:34:23.187" v="6"/>
-        <pc:sldMkLst>
-          <pc:docMk/>
-          <pc:sldMk cId="1899110855" sldId="258"/>
-        </pc:sldMkLst>
-        <pc:picChg chg="mod">
-          <ac:chgData name="Riccardo Berta" userId="c8694f89-bba4-4576-b0a8-456619ca5a8c" providerId="ADAL" clId="{35C5D11B-424E-5B41-A9C4-509DD0A59BFD}" dt="2022-03-22T07:34:23.187" v="6"/>
-          <ac:picMkLst>
-            <pc:docMk/>
-            <pc:sldMk cId="1899110855" sldId="258"/>
-            <ac:picMk id="92" creationId="{00000000-0000-0000-0000-000000000000}"/>
-          </ac:picMkLst>
-        </pc:picChg>
-      </pc:sldChg>
-      <pc:sldChg chg="modSp">
-        <pc:chgData name="Riccardo Berta" userId="c8694f89-bba4-4576-b0a8-456619ca5a8c" providerId="ADAL" clId="{35C5D11B-424E-5B41-A9C4-509DD0A59BFD}" dt="2022-03-22T07:39:20.191" v="16"/>
-        <pc:sldMkLst>
-          <pc:docMk/>
-          <pc:sldMk cId="3018556184" sldId="259"/>
-        </pc:sldMkLst>
-        <pc:picChg chg="mod">
-          <ac:chgData name="Riccardo Berta" userId="c8694f89-bba4-4576-b0a8-456619ca5a8c" providerId="ADAL" clId="{35C5D11B-424E-5B41-A9C4-509DD0A59BFD}" dt="2022-03-22T07:38:22.524" v="12"/>
-          <ac:picMkLst>
-            <pc:docMk/>
-            <pc:sldMk cId="3018556184" sldId="259"/>
-            <ac:picMk id="99" creationId="{00000000-0000-0000-0000-000000000000}"/>
-          </ac:picMkLst>
-        </pc:picChg>
-        <pc:picChg chg="mod">
-          <ac:chgData name="Riccardo Berta" userId="c8694f89-bba4-4576-b0a8-456619ca5a8c" providerId="ADAL" clId="{35C5D11B-424E-5B41-A9C4-509DD0A59BFD}" dt="2022-03-22T07:38:34.539" v="13"/>
-          <ac:picMkLst>
-            <pc:docMk/>
-            <pc:sldMk cId="3018556184" sldId="259"/>
-            <ac:picMk id="100" creationId="{00000000-0000-0000-0000-000000000000}"/>
-          </ac:picMkLst>
-        </pc:picChg>
-        <pc:picChg chg="mod">
-          <ac:chgData name="Riccardo Berta" userId="c8694f89-bba4-4576-b0a8-456619ca5a8c" providerId="ADAL" clId="{35C5D11B-424E-5B41-A9C4-509DD0A59BFD}" dt="2022-03-22T07:38:47.480" v="14"/>
-          <ac:picMkLst>
-            <pc:docMk/>
-            <pc:sldMk cId="3018556184" sldId="259"/>
-            <ac:picMk id="101" creationId="{00000000-0000-0000-0000-000000000000}"/>
-          </ac:picMkLst>
-        </pc:picChg>
-        <pc:picChg chg="mod">
-          <ac:chgData name="Riccardo Berta" userId="c8694f89-bba4-4576-b0a8-456619ca5a8c" providerId="ADAL" clId="{35C5D11B-424E-5B41-A9C4-509DD0A59BFD}" dt="2022-03-22T07:38:59.538" v="15"/>
-          <ac:picMkLst>
-            <pc:docMk/>
-            <pc:sldMk cId="3018556184" sldId="259"/>
-            <ac:picMk id="102" creationId="{00000000-0000-0000-0000-000000000000}"/>
-          </ac:picMkLst>
-        </pc:picChg>
-        <pc:picChg chg="mod">
-          <ac:chgData name="Riccardo Berta" userId="c8694f89-bba4-4576-b0a8-456619ca5a8c" providerId="ADAL" clId="{35C5D11B-424E-5B41-A9C4-509DD0A59BFD}" dt="2022-03-22T07:39:20.191" v="16"/>
-          <ac:picMkLst>
-            <pc:docMk/>
-            <pc:sldMk cId="3018556184" sldId="259"/>
-            <ac:picMk id="103" creationId="{00000000-0000-0000-0000-000000000000}"/>
-          </ac:picMkLst>
-        </pc:picChg>
-      </pc:sldChg>
-      <pc:sldChg chg="modSp mod">
-        <pc:chgData name="Riccardo Berta" userId="c8694f89-bba4-4576-b0a8-456619ca5a8c" providerId="ADAL" clId="{35C5D11B-424E-5B41-A9C4-509DD0A59BFD}" dt="2022-03-23T07:58:19.601" v="41" actId="20577"/>
-        <pc:sldMkLst>
-          <pc:docMk/>
-          <pc:sldMk cId="1104208334" sldId="260"/>
-        </pc:sldMkLst>
-        <pc:spChg chg="mod">
-          <ac:chgData name="Riccardo Berta" userId="c8694f89-bba4-4576-b0a8-456619ca5a8c" providerId="ADAL" clId="{35C5D11B-424E-5B41-A9C4-509DD0A59BFD}" dt="2022-03-23T07:58:19.601" v="41" actId="20577"/>
-          <ac:spMkLst>
-            <pc:docMk/>
-            <pc:sldMk cId="1104208334" sldId="260"/>
-            <ac:spMk id="109" creationId="{00000000-0000-0000-0000-000000000000}"/>
-          </ac:spMkLst>
-        </pc:spChg>
-        <pc:picChg chg="mod">
-          <ac:chgData name="Riccardo Berta" userId="c8694f89-bba4-4576-b0a8-456619ca5a8c" providerId="ADAL" clId="{35C5D11B-424E-5B41-A9C4-509DD0A59BFD}" dt="2022-03-22T07:40:02.780" v="18"/>
-          <ac:picMkLst>
-            <pc:docMk/>
-            <pc:sldMk cId="1104208334" sldId="260"/>
-            <ac:picMk id="110" creationId="{00000000-0000-0000-0000-000000000000}"/>
-          </ac:picMkLst>
-        </pc:picChg>
-        <pc:picChg chg="mod">
-          <ac:chgData name="Riccardo Berta" userId="c8694f89-bba4-4576-b0a8-456619ca5a8c" providerId="ADAL" clId="{35C5D11B-424E-5B41-A9C4-509DD0A59BFD}" dt="2022-03-22T07:39:46.143" v="17"/>
-          <ac:picMkLst>
-            <pc:docMk/>
-            <pc:sldMk cId="1104208334" sldId="260"/>
-            <ac:picMk id="111" creationId="{00000000-0000-0000-0000-000000000000}"/>
-          </ac:picMkLst>
-        </pc:picChg>
-      </pc:sldChg>
-      <pc:sldChg chg="modSp">
-        <pc:chgData name="Riccardo Berta" userId="c8694f89-bba4-4576-b0a8-456619ca5a8c" providerId="ADAL" clId="{35C5D11B-424E-5B41-A9C4-509DD0A59BFD}" dt="2022-03-22T07:42:45.729" v="19"/>
-        <pc:sldMkLst>
-          <pc:docMk/>
-          <pc:sldMk cId="1290395919" sldId="261"/>
-        </pc:sldMkLst>
-        <pc:picChg chg="mod">
-          <ac:chgData name="Riccardo Berta" userId="c8694f89-bba4-4576-b0a8-456619ca5a8c" providerId="ADAL" clId="{35C5D11B-424E-5B41-A9C4-509DD0A59BFD}" dt="2022-03-22T07:42:45.729" v="19"/>
-          <ac:picMkLst>
-            <pc:docMk/>
-            <pc:sldMk cId="1290395919" sldId="261"/>
-            <ac:picMk id="119" creationId="{00000000-0000-0000-0000-000000000000}"/>
-          </ac:picMkLst>
-        </pc:picChg>
-      </pc:sldChg>
-      <pc:sldChg chg="modSp mod modNotes">
-        <pc:chgData name="Riccardo Berta" userId="c8694f89-bba4-4576-b0a8-456619ca5a8c" providerId="ADAL" clId="{35C5D11B-424E-5B41-A9C4-509DD0A59BFD}" dt="2022-03-25T14:38:53.205" v="88" actId="20577"/>
-        <pc:sldMkLst>
-          <pc:docMk/>
-          <pc:sldMk cId="4130549615" sldId="262"/>
-        </pc:sldMkLst>
-        <pc:spChg chg="mod">
-          <ac:chgData name="Riccardo Berta" userId="c8694f89-bba4-4576-b0a8-456619ca5a8c" providerId="ADAL" clId="{35C5D11B-424E-5B41-A9C4-509DD0A59BFD}" dt="2022-03-25T14:38:53.205" v="88" actId="20577"/>
-          <ac:spMkLst>
-            <pc:docMk/>
-            <pc:sldMk cId="4130549615" sldId="262"/>
-            <ac:spMk id="125" creationId="{00000000-0000-0000-0000-000000000000}"/>
-          </ac:spMkLst>
-        </pc:spChg>
-        <pc:picChg chg="mod">
-          <ac:chgData name="Riccardo Berta" userId="c8694f89-bba4-4576-b0a8-456619ca5a8c" providerId="ADAL" clId="{35C5D11B-424E-5B41-A9C4-509DD0A59BFD}" dt="2022-03-22T07:43:02.767" v="20"/>
-          <ac:picMkLst>
-            <pc:docMk/>
-            <pc:sldMk cId="4130549615" sldId="262"/>
-            <ac:picMk id="126" creationId="{00000000-0000-0000-0000-000000000000}"/>
-          </ac:picMkLst>
-        </pc:picChg>
-      </pc:sldChg>
-      <pc:sldChg chg="modSp">
-        <pc:chgData name="Riccardo Berta" userId="c8694f89-bba4-4576-b0a8-456619ca5a8c" providerId="ADAL" clId="{35C5D11B-424E-5B41-A9C4-509DD0A59BFD}" dt="2022-03-22T07:43:16.691" v="21"/>
-        <pc:sldMkLst>
-          <pc:docMk/>
-          <pc:sldMk cId="3102138681" sldId="263"/>
-        </pc:sldMkLst>
-        <pc:picChg chg="mod">
-          <ac:chgData name="Riccardo Berta" userId="c8694f89-bba4-4576-b0a8-456619ca5a8c" providerId="ADAL" clId="{35C5D11B-424E-5B41-A9C4-509DD0A59BFD}" dt="2022-03-22T07:43:16.691" v="21"/>
-          <ac:picMkLst>
-            <pc:docMk/>
-            <pc:sldMk cId="3102138681" sldId="263"/>
-            <ac:picMk id="133" creationId="{00000000-0000-0000-0000-000000000000}"/>
-          </ac:picMkLst>
-        </pc:picChg>
-      </pc:sldChg>
-      <pc:sldChg chg="modSp mod">
-        <pc:chgData name="Riccardo Berta" userId="c8694f89-bba4-4576-b0a8-456619ca5a8c" providerId="ADAL" clId="{35C5D11B-424E-5B41-A9C4-509DD0A59BFD}" dt="2022-03-25T15:16:54.434" v="126" actId="20577"/>
-        <pc:sldMkLst>
-          <pc:docMk/>
-          <pc:sldMk cId="2113557187" sldId="264"/>
-        </pc:sldMkLst>
-        <pc:spChg chg="mod">
-          <ac:chgData name="Riccardo Berta" userId="c8694f89-bba4-4576-b0a8-456619ca5a8c" providerId="ADAL" clId="{35C5D11B-424E-5B41-A9C4-509DD0A59BFD}" dt="2022-03-25T15:16:54.434" v="126" actId="20577"/>
-          <ac:spMkLst>
-            <pc:docMk/>
-            <pc:sldMk cId="2113557187" sldId="264"/>
-            <ac:spMk id="139" creationId="{00000000-0000-0000-0000-000000000000}"/>
-          </ac:spMkLst>
-        </pc:spChg>
-        <pc:picChg chg="mod">
-          <ac:chgData name="Riccardo Berta" userId="c8694f89-bba4-4576-b0a8-456619ca5a8c" providerId="ADAL" clId="{35C5D11B-424E-5B41-A9C4-509DD0A59BFD}" dt="2022-03-22T07:43:33.267" v="22"/>
-          <ac:picMkLst>
-            <pc:docMk/>
-            <pc:sldMk cId="2113557187" sldId="264"/>
-            <ac:picMk id="141" creationId="{00000000-0000-0000-0000-000000000000}"/>
-          </ac:picMkLst>
-        </pc:picChg>
-        <pc:picChg chg="mod">
-          <ac:chgData name="Riccardo Berta" userId="c8694f89-bba4-4576-b0a8-456619ca5a8c" providerId="ADAL" clId="{35C5D11B-424E-5B41-A9C4-509DD0A59BFD}" dt="2022-03-22T07:43:50.362" v="23"/>
-          <ac:picMkLst>
-            <pc:docMk/>
-            <pc:sldMk cId="2113557187" sldId="264"/>
-            <ac:picMk id="142" creationId="{00000000-0000-0000-0000-000000000000}"/>
-          </ac:picMkLst>
-        </pc:picChg>
-      </pc:sldChg>
-      <pc:sldChg chg="modSp">
-        <pc:chgData name="Riccardo Berta" userId="c8694f89-bba4-4576-b0a8-456619ca5a8c" providerId="ADAL" clId="{35C5D11B-424E-5B41-A9C4-509DD0A59BFD}" dt="2022-03-22T07:44:03.240" v="24"/>
-        <pc:sldMkLst>
-          <pc:docMk/>
-          <pc:sldMk cId="2045385232" sldId="265"/>
-        </pc:sldMkLst>
-        <pc:picChg chg="mod">
-          <ac:chgData name="Riccardo Berta" userId="c8694f89-bba4-4576-b0a8-456619ca5a8c" providerId="ADAL" clId="{35C5D11B-424E-5B41-A9C4-509DD0A59BFD}" dt="2022-03-22T07:44:03.240" v="24"/>
-          <ac:picMkLst>
-            <pc:docMk/>
-            <pc:sldMk cId="2045385232" sldId="265"/>
-            <ac:picMk id="149" creationId="{00000000-0000-0000-0000-000000000000}"/>
-          </ac:picMkLst>
-        </pc:picChg>
-      </pc:sldChg>
-      <pc:sldChg chg="modSp">
-        <pc:chgData name="Riccardo Berta" userId="c8694f89-bba4-4576-b0a8-456619ca5a8c" providerId="ADAL" clId="{35C5D11B-424E-5B41-A9C4-509DD0A59BFD}" dt="2022-03-22T07:44:22.734" v="25"/>
-        <pc:sldMkLst>
-          <pc:docMk/>
-          <pc:sldMk cId="4181844165" sldId="266"/>
-        </pc:sldMkLst>
-        <pc:picChg chg="mod">
-          <ac:chgData name="Riccardo Berta" userId="c8694f89-bba4-4576-b0a8-456619ca5a8c" providerId="ADAL" clId="{35C5D11B-424E-5B41-A9C4-509DD0A59BFD}" dt="2022-03-22T07:44:22.734" v="25"/>
-          <ac:picMkLst>
-            <pc:docMk/>
-            <pc:sldMk cId="4181844165" sldId="266"/>
-            <ac:picMk id="156" creationId="{00000000-0000-0000-0000-000000000000}"/>
-          </ac:picMkLst>
-        </pc:picChg>
-      </pc:sldChg>
-      <pc:sldChg chg="modSp mod">
-        <pc:chgData name="Riccardo Berta" userId="c8694f89-bba4-4576-b0a8-456619ca5a8c" providerId="ADAL" clId="{35C5D11B-424E-5B41-A9C4-509DD0A59BFD}" dt="2022-04-01T12:12:56.906" v="135" actId="20577"/>
-        <pc:sldMkLst>
-          <pc:docMk/>
-          <pc:sldMk cId="216455838" sldId="267"/>
-        </pc:sldMkLst>
-        <pc:spChg chg="mod">
-          <ac:chgData name="Riccardo Berta" userId="c8694f89-bba4-4576-b0a8-456619ca5a8c" providerId="ADAL" clId="{35C5D11B-424E-5B41-A9C4-509DD0A59BFD}" dt="2022-04-01T12:12:56.906" v="135" actId="20577"/>
-          <ac:spMkLst>
-            <pc:docMk/>
-            <pc:sldMk cId="216455838" sldId="267"/>
-            <ac:spMk id="162" creationId="{00000000-0000-0000-0000-000000000000}"/>
-          </ac:spMkLst>
-        </pc:spChg>
-        <pc:picChg chg="mod">
-          <ac:chgData name="Riccardo Berta" userId="c8694f89-bba4-4576-b0a8-456619ca5a8c" providerId="ADAL" clId="{35C5D11B-424E-5B41-A9C4-509DD0A59BFD}" dt="2022-03-22T07:44:34.392" v="26"/>
-          <ac:picMkLst>
-            <pc:docMk/>
-            <pc:sldMk cId="216455838" sldId="267"/>
-            <ac:picMk id="163" creationId="{00000000-0000-0000-0000-000000000000}"/>
-          </ac:picMkLst>
-        </pc:picChg>
-      </pc:sldChg>
-      <pc:sldChg chg="del">
-        <pc:chgData name="Riccardo Berta" userId="c8694f89-bba4-4576-b0a8-456619ca5a8c" providerId="ADAL" clId="{35C5D11B-424E-5B41-A9C4-509DD0A59BFD}" dt="2022-03-22T07:29:13.529" v="3" actId="2696"/>
-        <pc:sldMkLst>
-          <pc:docMk/>
-          <pc:sldMk cId="925286286" sldId="268"/>
-        </pc:sldMkLst>
-      </pc:sldChg>
-      <pc:sldChg chg="modSp">
-        <pc:chgData name="Riccardo Berta" userId="c8694f89-bba4-4576-b0a8-456619ca5a8c" providerId="ADAL" clId="{35C5D11B-424E-5B41-A9C4-509DD0A59BFD}" dt="2022-03-22T07:44:59.403" v="28"/>
-        <pc:sldMkLst>
-          <pc:docMk/>
-          <pc:sldMk cId="3471997037" sldId="269"/>
-        </pc:sldMkLst>
-        <pc:picChg chg="mod">
-          <ac:chgData name="Riccardo Berta" userId="c8694f89-bba4-4576-b0a8-456619ca5a8c" providerId="ADAL" clId="{35C5D11B-424E-5B41-A9C4-509DD0A59BFD}" dt="2022-03-22T07:44:47.754" v="27"/>
-          <ac:picMkLst>
-            <pc:docMk/>
-            <pc:sldMk cId="3471997037" sldId="269"/>
-            <ac:picMk id="176" creationId="{00000000-0000-0000-0000-000000000000}"/>
-          </ac:picMkLst>
-        </pc:picChg>
-        <pc:picChg chg="mod">
-          <ac:chgData name="Riccardo Berta" userId="c8694f89-bba4-4576-b0a8-456619ca5a8c" providerId="ADAL" clId="{35C5D11B-424E-5B41-A9C4-509DD0A59BFD}" dt="2022-03-22T07:44:59.403" v="28"/>
-          <ac:picMkLst>
-            <pc:docMk/>
-            <pc:sldMk cId="3471997037" sldId="269"/>
-            <ac:picMk id="177" creationId="{00000000-0000-0000-0000-000000000000}"/>
-          </ac:picMkLst>
-        </pc:picChg>
-      </pc:sldChg>
-      <pc:sldChg chg="modSp mod">
-        <pc:chgData name="Riccardo Berta" userId="c8694f89-bba4-4576-b0a8-456619ca5a8c" providerId="ADAL" clId="{35C5D11B-424E-5B41-A9C4-509DD0A59BFD}" dt="2022-03-22T07:47:03.443" v="33"/>
-        <pc:sldMkLst>
-          <pc:docMk/>
-          <pc:sldMk cId="3130917410" sldId="270"/>
-        </pc:sldMkLst>
-        <pc:picChg chg="mod">
-          <ac:chgData name="Riccardo Berta" userId="c8694f89-bba4-4576-b0a8-456619ca5a8c" providerId="ADAL" clId="{35C5D11B-424E-5B41-A9C4-509DD0A59BFD}" dt="2022-03-22T07:46:52.226" v="32"/>
-          <ac:picMkLst>
-            <pc:docMk/>
-            <pc:sldMk cId="3130917410" sldId="270"/>
-            <ac:picMk id="184" creationId="{00000000-0000-0000-0000-000000000000}"/>
-          </ac:picMkLst>
-        </pc:picChg>
-        <pc:picChg chg="mod">
-          <ac:chgData name="Riccardo Berta" userId="c8694f89-bba4-4576-b0a8-456619ca5a8c" providerId="ADAL" clId="{35C5D11B-424E-5B41-A9C4-509DD0A59BFD}" dt="2022-03-22T07:47:03.443" v="33"/>
-          <ac:picMkLst>
-            <pc:docMk/>
-            <pc:sldMk cId="3130917410" sldId="270"/>
-            <ac:picMk id="185" creationId="{00000000-0000-0000-0000-000000000000}"/>
-          </ac:picMkLst>
-        </pc:picChg>
-      </pc:sldChg>
-      <pc:sldChg chg="modSp mod">
-        <pc:chgData name="Riccardo Berta" userId="c8694f89-bba4-4576-b0a8-456619ca5a8c" providerId="ADAL" clId="{35C5D11B-424E-5B41-A9C4-509DD0A59BFD}" dt="2022-03-22T07:47:51.976" v="38"/>
-        <pc:sldMkLst>
-          <pc:docMk/>
-          <pc:sldMk cId="2266699268" sldId="271"/>
-        </pc:sldMkLst>
-        <pc:picChg chg="mod">
-          <ac:chgData name="Riccardo Berta" userId="c8694f89-bba4-4576-b0a8-456619ca5a8c" providerId="ADAL" clId="{35C5D11B-424E-5B41-A9C4-509DD0A59BFD}" dt="2022-03-22T07:47:14.728" v="34"/>
-          <ac:picMkLst>
-            <pc:docMk/>
-            <pc:sldMk cId="2266699268" sldId="271"/>
-            <ac:picMk id="193" creationId="{00000000-0000-0000-0000-000000000000}"/>
-          </ac:picMkLst>
-        </pc:picChg>
-        <pc:picChg chg="mod">
-          <ac:chgData name="Riccardo Berta" userId="c8694f89-bba4-4576-b0a8-456619ca5a8c" providerId="ADAL" clId="{35C5D11B-424E-5B41-A9C4-509DD0A59BFD}" dt="2022-03-22T07:47:31.485" v="36"/>
-          <ac:picMkLst>
-            <pc:docMk/>
-            <pc:sldMk cId="2266699268" sldId="271"/>
-            <ac:picMk id="194" creationId="{00000000-0000-0000-0000-000000000000}"/>
-          </ac:picMkLst>
-        </pc:picChg>
-        <pc:picChg chg="mod">
-          <ac:chgData name="Riccardo Berta" userId="c8694f89-bba4-4576-b0a8-456619ca5a8c" providerId="ADAL" clId="{35C5D11B-424E-5B41-A9C4-509DD0A59BFD}" dt="2022-03-22T07:47:51.976" v="38"/>
-          <ac:picMkLst>
-            <pc:docMk/>
-            <pc:sldMk cId="2266699268" sldId="271"/>
-            <ac:picMk id="195" creationId="{00000000-0000-0000-0000-000000000000}"/>
-          </ac:picMkLst>
-        </pc:picChg>
-      </pc:sldChg>
-      <pc:sldChg chg="modSp mod ord">
-        <pc:chgData name="Riccardo Berta" userId="c8694f89-bba4-4576-b0a8-456619ca5a8c" providerId="ADAL" clId="{35C5D11B-424E-5B41-A9C4-509DD0A59BFD}" dt="2022-03-22T07:29:04.952" v="2"/>
-        <pc:sldMkLst>
-          <pc:docMk/>
-          <pc:sldMk cId="993270251" sldId="272"/>
-        </pc:sldMkLst>
-        <pc:spChg chg="mod">
-          <ac:chgData name="Riccardo Berta" userId="c8694f89-bba4-4576-b0a8-456619ca5a8c" providerId="ADAL" clId="{35C5D11B-424E-5B41-A9C4-509DD0A59BFD}" dt="2022-03-22T07:29:04.952" v="2"/>
-          <ac:spMkLst>
-            <pc:docMk/>
-            <pc:sldMk cId="993270251" sldId="272"/>
-            <ac:spMk id="201" creationId="{00000000-0000-0000-0000-000000000000}"/>
-          </ac:spMkLst>
-        </pc:spChg>
-      </pc:sldChg>
-      <pc:sldChg chg="modSp">
-        <pc:chgData name="Riccardo Berta" userId="c8694f89-bba4-4576-b0a8-456619ca5a8c" providerId="ADAL" clId="{35C5D11B-424E-5B41-A9C4-509DD0A59BFD}" dt="2022-03-22T07:48:04.230" v="39"/>
-        <pc:sldMkLst>
-          <pc:docMk/>
-          <pc:sldMk cId="3843819371" sldId="273"/>
-        </pc:sldMkLst>
-        <pc:picChg chg="mod">
-          <ac:chgData name="Riccardo Berta" userId="c8694f89-bba4-4576-b0a8-456619ca5a8c" providerId="ADAL" clId="{35C5D11B-424E-5B41-A9C4-509DD0A59BFD}" dt="2022-03-22T07:48:04.230" v="39"/>
-          <ac:picMkLst>
-            <pc:docMk/>
-            <pc:sldMk cId="3843819371" sldId="273"/>
-            <ac:picMk id="210" creationId="{00000000-0000-0000-0000-000000000000}"/>
-          </ac:picMkLst>
-        </pc:picChg>
-      </pc:sldChg>
-      <pc:sldChg chg="modSp">
-        <pc:chgData name="Riccardo Berta" userId="c8694f89-bba4-4576-b0a8-456619ca5a8c" providerId="ADAL" clId="{35C5D11B-424E-5B41-A9C4-509DD0A59BFD}" dt="2022-03-22T07:48:21.111" v="40"/>
-        <pc:sldMkLst>
-          <pc:docMk/>
-          <pc:sldMk cId="284781631" sldId="275"/>
-        </pc:sldMkLst>
-        <pc:picChg chg="mod">
-          <ac:chgData name="Riccardo Berta" userId="c8694f89-bba4-4576-b0a8-456619ca5a8c" providerId="ADAL" clId="{35C5D11B-424E-5B41-A9C4-509DD0A59BFD}" dt="2022-03-22T07:48:21.111" v="40"/>
-          <ac:picMkLst>
-            <pc:docMk/>
-            <pc:sldMk cId="284781631" sldId="275"/>
-            <ac:picMk id="224" creationId="{00000000-0000-0000-0000-000000000000}"/>
-          </ac:picMkLst>
-        </pc:picChg>
-      </pc:sldChg>
-    </pc:docChg>
-  </pc:docChgLst>
-  <pc:docChgLst>
-    <pc:chgData name="Riccardo Berta" userId="c8694f89-bba4-4576-b0a8-456619ca5a8c" providerId="ADAL" clId="{89457721-8AF9-BB44-BAF2-46F7B0D7D7E8}"/>
-    <pc:docChg chg="custSel addSld delSld modSld">
-      <pc:chgData name="Riccardo Berta" userId="c8694f89-bba4-4576-b0a8-456619ca5a8c" providerId="ADAL" clId="{89457721-8AF9-BB44-BAF2-46F7B0D7D7E8}" dt="2022-08-30T09:55:24.863" v="44" actId="20577"/>
-      <pc:docMkLst>
-        <pc:docMk/>
-      </pc:docMkLst>
-      <pc:sldChg chg="modSp mod">
-        <pc:chgData name="Riccardo Berta" userId="c8694f89-bba4-4576-b0a8-456619ca5a8c" providerId="ADAL" clId="{89457721-8AF9-BB44-BAF2-46F7B0D7D7E8}" dt="2022-08-30T09:54:06.379" v="7" actId="20577"/>
-        <pc:sldMkLst>
-          <pc:docMk/>
-          <pc:sldMk cId="0" sldId="256"/>
-        </pc:sldMkLst>
-        <pc:spChg chg="mod">
-          <ac:chgData name="Riccardo Berta" userId="c8694f89-bba4-4576-b0a8-456619ca5a8c" providerId="ADAL" clId="{89457721-8AF9-BB44-BAF2-46F7B0D7D7E8}" dt="2022-08-30T09:54:06.379" v="7" actId="20577"/>
-          <ac:spMkLst>
-            <pc:docMk/>
-            <pc:sldMk cId="0" sldId="256"/>
-            <ac:spMk id="62" creationId="{00000000-0000-0000-0000-000000000000}"/>
-          </ac:spMkLst>
-        </pc:spChg>
-      </pc:sldChg>
-      <pc:sldChg chg="delSp modSp mod">
-        <pc:chgData name="Riccardo Berta" userId="c8694f89-bba4-4576-b0a8-456619ca5a8c" providerId="ADAL" clId="{89457721-8AF9-BB44-BAF2-46F7B0D7D7E8}" dt="2022-08-30T09:54:23.221" v="18" actId="478"/>
-        <pc:sldMkLst>
-          <pc:docMk/>
-          <pc:sldMk cId="0" sldId="257"/>
-        </pc:sldMkLst>
-        <pc:spChg chg="mod">
-          <ac:chgData name="Riccardo Berta" userId="c8694f89-bba4-4576-b0a8-456619ca5a8c" providerId="ADAL" clId="{89457721-8AF9-BB44-BAF2-46F7B0D7D7E8}" dt="2022-08-30T09:54:14.367" v="13" actId="20577"/>
-          <ac:spMkLst>
-            <pc:docMk/>
-            <pc:sldMk cId="0" sldId="257"/>
-            <ac:spMk id="83" creationId="{00000000-0000-0000-0000-000000000000}"/>
-          </ac:spMkLst>
-        </pc:spChg>
-        <pc:spChg chg="mod">
-          <ac:chgData name="Riccardo Berta" userId="c8694f89-bba4-4576-b0a8-456619ca5a8c" providerId="ADAL" clId="{89457721-8AF9-BB44-BAF2-46F7B0D7D7E8}" dt="2022-08-30T09:54:19.217" v="17" actId="20577"/>
-          <ac:spMkLst>
-            <pc:docMk/>
-            <pc:sldMk cId="0" sldId="257"/>
-            <ac:spMk id="84" creationId="{00000000-0000-0000-0000-000000000000}"/>
-          </ac:spMkLst>
-        </pc:spChg>
-        <pc:picChg chg="del">
-          <ac:chgData name="Riccardo Berta" userId="c8694f89-bba4-4576-b0a8-456619ca5a8c" providerId="ADAL" clId="{89457721-8AF9-BB44-BAF2-46F7B0D7D7E8}" dt="2022-08-30T09:54:23.221" v="18" actId="478"/>
-          <ac:picMkLst>
-            <pc:docMk/>
-            <pc:sldMk cId="0" sldId="257"/>
-            <ac:picMk id="3" creationId="{EE0D0F3E-A843-92E5-ABBC-F41E3CA3C922}"/>
-          </ac:picMkLst>
-        </pc:picChg>
-        <pc:picChg chg="del">
-          <ac:chgData name="Riccardo Berta" userId="c8694f89-bba4-4576-b0a8-456619ca5a8c" providerId="ADAL" clId="{89457721-8AF9-BB44-BAF2-46F7B0D7D7E8}" dt="2022-08-30T09:54:16.325" v="14" actId="478"/>
-          <ac:picMkLst>
-            <pc:docMk/>
-            <pc:sldMk cId="0" sldId="257"/>
-            <ac:picMk id="5" creationId="{692F2B73-F6B6-F2AC-BB2A-2B1020944694}"/>
-          </ac:picMkLst>
-        </pc:picChg>
-      </pc:sldChg>
-      <pc:sldChg chg="modSp mod">
-        <pc:chgData name="Riccardo Berta" userId="c8694f89-bba4-4576-b0a8-456619ca5a8c" providerId="ADAL" clId="{89457721-8AF9-BB44-BAF2-46F7B0D7D7E8}" dt="2022-08-30T09:54:11.362" v="10" actId="20577"/>
-        <pc:sldMkLst>
-          <pc:docMk/>
-          <pc:sldMk cId="3018556184" sldId="259"/>
-        </pc:sldMkLst>
-        <pc:spChg chg="mod">
-          <ac:chgData name="Riccardo Berta" userId="c8694f89-bba4-4576-b0a8-456619ca5a8c" providerId="ADAL" clId="{89457721-8AF9-BB44-BAF2-46F7B0D7D7E8}" dt="2022-08-30T09:54:11.362" v="10" actId="20577"/>
-          <ac:spMkLst>
-            <pc:docMk/>
-            <pc:sldMk cId="3018556184" sldId="259"/>
-            <ac:spMk id="3" creationId="{38BFAA1C-1163-169B-2D77-6FEF73CC8512}"/>
-          </ac:spMkLst>
-        </pc:spChg>
-      </pc:sldChg>
-      <pc:sldChg chg="add">
-        <pc:chgData name="Riccardo Berta" userId="c8694f89-bba4-4576-b0a8-456619ca5a8c" providerId="ADAL" clId="{89457721-8AF9-BB44-BAF2-46F7B0D7D7E8}" dt="2022-08-30T09:54:31.238" v="24"/>
-        <pc:sldMkLst>
-          <pc:docMk/>
-          <pc:sldMk cId="3239712184" sldId="260"/>
-        </pc:sldMkLst>
-      </pc:sldChg>
-      <pc:sldChg chg="del">
-        <pc:chgData name="Riccardo Berta" userId="c8694f89-bba4-4576-b0a8-456619ca5a8c" providerId="ADAL" clId="{89457721-8AF9-BB44-BAF2-46F7B0D7D7E8}" dt="2022-08-30T09:54:26.068" v="19" actId="2696"/>
-        <pc:sldMkLst>
-          <pc:docMk/>
-          <pc:sldMk cId="3692252167" sldId="260"/>
-        </pc:sldMkLst>
-      </pc:sldChg>
-      <pc:sldChg chg="add">
-        <pc:chgData name="Riccardo Berta" userId="c8694f89-bba4-4576-b0a8-456619ca5a8c" providerId="ADAL" clId="{89457721-8AF9-BB44-BAF2-46F7B0D7D7E8}" dt="2022-08-30T09:54:32.176" v="25"/>
-        <pc:sldMkLst>
-          <pc:docMk/>
-          <pc:sldMk cId="723946338" sldId="261"/>
-        </pc:sldMkLst>
-      </pc:sldChg>
-      <pc:sldChg chg="del">
-        <pc:chgData name="Riccardo Berta" userId="c8694f89-bba4-4576-b0a8-456619ca5a8c" providerId="ADAL" clId="{89457721-8AF9-BB44-BAF2-46F7B0D7D7E8}" dt="2022-08-30T09:54:26.532" v="20" actId="2696"/>
-        <pc:sldMkLst>
-          <pc:docMk/>
-          <pc:sldMk cId="846979211" sldId="261"/>
-        </pc:sldMkLst>
-      </pc:sldChg>
-      <pc:sldChg chg="del">
-        <pc:chgData name="Riccardo Berta" userId="c8694f89-bba4-4576-b0a8-456619ca5a8c" providerId="ADAL" clId="{89457721-8AF9-BB44-BAF2-46F7B0D7D7E8}" dt="2022-08-30T09:54:26.938" v="21" actId="2696"/>
-        <pc:sldMkLst>
-          <pc:docMk/>
-          <pc:sldMk cId="447929702" sldId="262"/>
-        </pc:sldMkLst>
-      </pc:sldChg>
-      <pc:sldChg chg="add">
-        <pc:chgData name="Riccardo Berta" userId="c8694f89-bba4-4576-b0a8-456619ca5a8c" providerId="ADAL" clId="{89457721-8AF9-BB44-BAF2-46F7B0D7D7E8}" dt="2022-08-30T09:54:33.167" v="26"/>
-        <pc:sldMkLst>
-          <pc:docMk/>
-          <pc:sldMk cId="1167696200" sldId="262"/>
-        </pc:sldMkLst>
-      </pc:sldChg>
-      <pc:sldChg chg="del">
-        <pc:chgData name="Riccardo Berta" userId="c8694f89-bba4-4576-b0a8-456619ca5a8c" providerId="ADAL" clId="{89457721-8AF9-BB44-BAF2-46F7B0D7D7E8}" dt="2022-08-30T09:54:27.400" v="22" actId="2696"/>
-        <pc:sldMkLst>
-          <pc:docMk/>
-          <pc:sldMk cId="11402927" sldId="263"/>
-        </pc:sldMkLst>
-      </pc:sldChg>
-      <pc:sldChg chg="modSp add mod">
-        <pc:chgData name="Riccardo Berta" userId="c8694f89-bba4-4576-b0a8-456619ca5a8c" providerId="ADAL" clId="{89457721-8AF9-BB44-BAF2-46F7B0D7D7E8}" dt="2022-08-30T09:55:24.863" v="44" actId="20577"/>
-        <pc:sldMkLst>
-          <pc:docMk/>
-          <pc:sldMk cId="1817587258" sldId="263"/>
-        </pc:sldMkLst>
-        <pc:spChg chg="mod">
-          <ac:chgData name="Riccardo Berta" userId="c8694f89-bba4-4576-b0a8-456619ca5a8c" providerId="ADAL" clId="{89457721-8AF9-BB44-BAF2-46F7B0D7D7E8}" dt="2022-08-30T09:54:51.021" v="28"/>
-          <ac:spMkLst>
-            <pc:docMk/>
-            <pc:sldMk cId="1817587258" sldId="263"/>
-            <ac:spMk id="83" creationId="{00000000-0000-0000-0000-000000000000}"/>
-          </ac:spMkLst>
-        </pc:spChg>
-        <pc:spChg chg="mod">
-          <ac:chgData name="Riccardo Berta" userId="c8694f89-bba4-4576-b0a8-456619ca5a8c" providerId="ADAL" clId="{89457721-8AF9-BB44-BAF2-46F7B0D7D7E8}" dt="2022-08-30T09:55:24.863" v="44" actId="20577"/>
-          <ac:spMkLst>
-            <pc:docMk/>
-            <pc:sldMk cId="1817587258" sldId="263"/>
-            <ac:spMk id="84" creationId="{00000000-0000-0000-0000-000000000000}"/>
-          </ac:spMkLst>
-        </pc:spChg>
-      </pc:sldChg>
-      <pc:sldChg chg="del">
-        <pc:chgData name="Riccardo Berta" userId="c8694f89-bba4-4576-b0a8-456619ca5a8c" providerId="ADAL" clId="{89457721-8AF9-BB44-BAF2-46F7B0D7D7E8}" dt="2022-08-30T09:54:27.959" v="23" actId="2696"/>
-        <pc:sldMkLst>
-          <pc:docMk/>
-          <pc:sldMk cId="2794482370" sldId="264"/>
-        </pc:sldMkLst>
-      </pc:sldChg>
-    </pc:docChg>
-  </pc:docChgLst>
-  <pc:docChgLst>
-    <pc:chgData name="Riccardo Berta" userId="c8694f89-bba4-4576-b0a8-456619ca5a8c" providerId="ADAL" clId="{CC2577DF-8224-C94B-83B1-76B6D0365435}"/>
-    <pc:docChg chg="undo redo custSel addSld delSld modSld">
-      <pc:chgData name="Riccardo Berta" userId="c8694f89-bba4-4576-b0a8-456619ca5a8c" providerId="ADAL" clId="{CC2577DF-8224-C94B-83B1-76B6D0365435}" dt="2022-10-07T08:10:19.171" v="4257" actId="2696"/>
-      <pc:docMkLst>
-        <pc:docMk/>
-      </pc:docMkLst>
-      <pc:sldChg chg="modSp mod">
-        <pc:chgData name="Riccardo Berta" userId="c8694f89-bba4-4576-b0a8-456619ca5a8c" providerId="ADAL" clId="{CC2577DF-8224-C94B-83B1-76B6D0365435}" dt="2022-08-30T13:15:36.250" v="14" actId="20577"/>
-        <pc:sldMkLst>
-          <pc:docMk/>
-          <pc:sldMk cId="0" sldId="256"/>
-        </pc:sldMkLst>
-        <pc:spChg chg="mod">
-          <ac:chgData name="Riccardo Berta" userId="c8694f89-bba4-4576-b0a8-456619ca5a8c" providerId="ADAL" clId="{CC2577DF-8224-C94B-83B1-76B6D0365435}" dt="2022-08-30T13:15:36.250" v="14" actId="20577"/>
-          <ac:spMkLst>
-            <pc:docMk/>
-            <pc:sldMk cId="0" sldId="256"/>
-            <ac:spMk id="62" creationId="{00000000-0000-0000-0000-000000000000}"/>
-          </ac:spMkLst>
-        </pc:spChg>
-      </pc:sldChg>
-      <pc:sldChg chg="addSp delSp modSp mod">
-        <pc:chgData name="Riccardo Berta" userId="c8694f89-bba4-4576-b0a8-456619ca5a8c" providerId="ADAL" clId="{CC2577DF-8224-C94B-83B1-76B6D0365435}" dt="2022-09-01T12:19:20.541" v="3336" actId="1076"/>
-        <pc:sldMkLst>
-          <pc:docMk/>
-          <pc:sldMk cId="0" sldId="257"/>
-        </pc:sldMkLst>
-        <pc:spChg chg="add del">
-          <ac:chgData name="Riccardo Berta" userId="c8694f89-bba4-4576-b0a8-456619ca5a8c" providerId="ADAL" clId="{CC2577DF-8224-C94B-83B1-76B6D0365435}" dt="2022-09-01T12:02:01.209" v="3099" actId="478"/>
-          <ac:spMkLst>
-            <pc:docMk/>
-            <pc:sldMk cId="0" sldId="257"/>
-            <ac:spMk id="3" creationId="{33605F65-0D4C-97D0-D34D-135FBF39CD60}"/>
-          </ac:spMkLst>
-        </pc:spChg>
-        <pc:spChg chg="mod">
-          <ac:chgData name="Riccardo Berta" userId="c8694f89-bba4-4576-b0a8-456619ca5a8c" providerId="ADAL" clId="{CC2577DF-8224-C94B-83B1-76B6D0365435}" dt="2022-09-01T10:01:48.078" v="3093" actId="20577"/>
-          <ac:spMkLst>
-            <pc:docMk/>
-            <pc:sldMk cId="0" sldId="257"/>
-            <ac:spMk id="83" creationId="{00000000-0000-0000-0000-000000000000}"/>
-          </ac:spMkLst>
-        </pc:spChg>
-        <pc:spChg chg="mod">
-          <ac:chgData name="Riccardo Berta" userId="c8694f89-bba4-4576-b0a8-456619ca5a8c" providerId="ADAL" clId="{CC2577DF-8224-C94B-83B1-76B6D0365435}" dt="2022-09-01T12:19:20.541" v="3336" actId="1076"/>
-          <ac:spMkLst>
-            <pc:docMk/>
-            <pc:sldMk cId="0" sldId="257"/>
-            <ac:spMk id="84" creationId="{00000000-0000-0000-0000-000000000000}"/>
-          </ac:spMkLst>
-        </pc:spChg>
-      </pc:sldChg>
-      <pc:sldChg chg="modSp mod">
-        <pc:chgData name="Riccardo Berta" userId="c8694f89-bba4-4576-b0a8-456619ca5a8c" providerId="ADAL" clId="{CC2577DF-8224-C94B-83B1-76B6D0365435}" dt="2022-09-01T12:04:18.782" v="3107" actId="20577"/>
-        <pc:sldMkLst>
-          <pc:docMk/>
-          <pc:sldMk cId="3018556184" sldId="259"/>
-        </pc:sldMkLst>
-        <pc:spChg chg="mod">
-          <ac:chgData name="Riccardo Berta" userId="c8694f89-bba4-4576-b0a8-456619ca5a8c" providerId="ADAL" clId="{CC2577DF-8224-C94B-83B1-76B6D0365435}" dt="2022-09-01T12:04:18.782" v="3107" actId="20577"/>
-          <ac:spMkLst>
-            <pc:docMk/>
-            <pc:sldMk cId="3018556184" sldId="259"/>
-            <ac:spMk id="3" creationId="{38BFAA1C-1163-169B-2D77-6FEF73CC8512}"/>
-          </ac:spMkLst>
-        </pc:spChg>
-      </pc:sldChg>
-      <pc:sldChg chg="addSp delSp modSp mod">
-        <pc:chgData name="Riccardo Berta" userId="c8694f89-bba4-4576-b0a8-456619ca5a8c" providerId="ADAL" clId="{CC2577DF-8224-C94B-83B1-76B6D0365435}" dt="2022-08-30T15:24:47.705" v="1535" actId="20577"/>
-        <pc:sldMkLst>
-          <pc:docMk/>
-          <pc:sldMk cId="3239712184" sldId="260"/>
-        </pc:sldMkLst>
-        <pc:spChg chg="mod">
-          <ac:chgData name="Riccardo Berta" userId="c8694f89-bba4-4576-b0a8-456619ca5a8c" providerId="ADAL" clId="{CC2577DF-8224-C94B-83B1-76B6D0365435}" dt="2022-08-30T15:24:47.705" v="1535" actId="20577"/>
-          <ac:spMkLst>
-            <pc:docMk/>
-            <pc:sldMk cId="3239712184" sldId="260"/>
-            <ac:spMk id="83" creationId="{00000000-0000-0000-0000-000000000000}"/>
-          </ac:spMkLst>
-        </pc:spChg>
-        <pc:spChg chg="mod">
-          <ac:chgData name="Riccardo Berta" userId="c8694f89-bba4-4576-b0a8-456619ca5a8c" providerId="ADAL" clId="{CC2577DF-8224-C94B-83B1-76B6D0365435}" dt="2022-08-30T14:18:48.132" v="952" actId="20577"/>
-          <ac:spMkLst>
-            <pc:docMk/>
-            <pc:sldMk cId="3239712184" sldId="260"/>
-            <ac:spMk id="84" creationId="{00000000-0000-0000-0000-000000000000}"/>
-          </ac:spMkLst>
-        </pc:spChg>
-        <pc:picChg chg="add del mod">
-          <ac:chgData name="Riccardo Berta" userId="c8694f89-bba4-4576-b0a8-456619ca5a8c" providerId="ADAL" clId="{CC2577DF-8224-C94B-83B1-76B6D0365435}" dt="2022-08-30T13:37:04.653" v="446" actId="478"/>
-          <ac:picMkLst>
-            <pc:docMk/>
-            <pc:sldMk cId="3239712184" sldId="260"/>
-            <ac:picMk id="3" creationId="{5F837039-F83E-5226-7264-B68EE5B06701}"/>
-          </ac:picMkLst>
-        </pc:picChg>
-        <pc:picChg chg="add mod">
-          <ac:chgData name="Riccardo Berta" userId="c8694f89-bba4-4576-b0a8-456619ca5a8c" providerId="ADAL" clId="{CC2577DF-8224-C94B-83B1-76B6D0365435}" dt="2022-08-30T13:40:49.732" v="531" actId="1076"/>
-          <ac:picMkLst>
-            <pc:docMk/>
-            <pc:sldMk cId="3239712184" sldId="260"/>
-            <ac:picMk id="5" creationId="{D1D395D0-DE5C-7ED7-AFC6-0A01E1DBE079}"/>
-          </ac:picMkLst>
-        </pc:picChg>
-      </pc:sldChg>
-      <pc:sldChg chg="addSp delSp modSp mod">
-        <pc:chgData name="Riccardo Berta" userId="c8694f89-bba4-4576-b0a8-456619ca5a8c" providerId="ADAL" clId="{CC2577DF-8224-C94B-83B1-76B6D0365435}" dt="2022-08-30T15:24:54.825" v="1544" actId="20577"/>
-        <pc:sldMkLst>
-          <pc:docMk/>
-          <pc:sldMk cId="723946338" sldId="261"/>
-        </pc:sldMkLst>
-        <pc:spChg chg="add del mod">
-          <ac:chgData name="Riccardo Berta" userId="c8694f89-bba4-4576-b0a8-456619ca5a8c" providerId="ADAL" clId="{CC2577DF-8224-C94B-83B1-76B6D0365435}" dt="2022-08-30T13:45:52.650" v="600" actId="478"/>
-          <ac:spMkLst>
-            <pc:docMk/>
-            <pc:sldMk cId="723946338" sldId="261"/>
-            <ac:spMk id="4" creationId="{83142D97-C0AA-BD58-2F37-B5B94D81595F}"/>
-          </ac:spMkLst>
-        </pc:spChg>
-        <pc:spChg chg="add mod">
-          <ac:chgData name="Riccardo Berta" userId="c8694f89-bba4-4576-b0a8-456619ca5a8c" providerId="ADAL" clId="{CC2577DF-8224-C94B-83B1-76B6D0365435}" dt="2022-08-30T13:56:30.493" v="658" actId="164"/>
-          <ac:spMkLst>
-            <pc:docMk/>
-            <pc:sldMk cId="723946338" sldId="261"/>
-            <ac:spMk id="6" creationId="{D1ABC3C6-0BC3-7AA1-3795-CCC90EABFB98}"/>
-          </ac:spMkLst>
-        </pc:spChg>
-        <pc:spChg chg="add del mod">
-          <ac:chgData name="Riccardo Berta" userId="c8694f89-bba4-4576-b0a8-456619ca5a8c" providerId="ADAL" clId="{CC2577DF-8224-C94B-83B1-76B6D0365435}" dt="2022-08-30T13:54:46.752" v="620" actId="478"/>
-          <ac:spMkLst>
-            <pc:docMk/>
-            <pc:sldMk cId="723946338" sldId="261"/>
-            <ac:spMk id="7" creationId="{F2E2D81E-0B17-D2A7-8302-81DD913D7D2F}"/>
-          </ac:spMkLst>
-        </pc:spChg>
-        <pc:spChg chg="add mod">
-          <ac:chgData name="Riccardo Berta" userId="c8694f89-bba4-4576-b0a8-456619ca5a8c" providerId="ADAL" clId="{CC2577DF-8224-C94B-83B1-76B6D0365435}" dt="2022-08-30T13:56:30.493" v="658" actId="164"/>
-          <ac:spMkLst>
-            <pc:docMk/>
-            <pc:sldMk cId="723946338" sldId="261"/>
-            <ac:spMk id="8" creationId="{FE7BD79F-9772-1BD8-9893-39B9D9B3D411}"/>
-          </ac:spMkLst>
-        </pc:spChg>
-        <pc:spChg chg="add mod">
-          <ac:chgData name="Riccardo Berta" userId="c8694f89-bba4-4576-b0a8-456619ca5a8c" providerId="ADAL" clId="{CC2577DF-8224-C94B-83B1-76B6D0365435}" dt="2022-08-30T13:56:30.493" v="658" actId="164"/>
-          <ac:spMkLst>
-            <pc:docMk/>
-            <pc:sldMk cId="723946338" sldId="261"/>
-            <ac:spMk id="9" creationId="{08C68C1D-46C3-1441-1355-19D1B1DEE297}"/>
-          </ac:spMkLst>
-        </pc:spChg>
-        <pc:spChg chg="add mod">
-          <ac:chgData name="Riccardo Berta" userId="c8694f89-bba4-4576-b0a8-456619ca5a8c" providerId="ADAL" clId="{CC2577DF-8224-C94B-83B1-76B6D0365435}" dt="2022-08-30T14:11:58.727" v="920" actId="115"/>
-          <ac:spMkLst>
-            <pc:docMk/>
-            <pc:sldMk cId="723946338" sldId="261"/>
-            <ac:spMk id="11" creationId="{7252479B-B09A-6953-1159-2E87A937EF1B}"/>
-          </ac:spMkLst>
-        </pc:spChg>
-        <pc:spChg chg="mod">
-          <ac:chgData name="Riccardo Berta" userId="c8694f89-bba4-4576-b0a8-456619ca5a8c" providerId="ADAL" clId="{CC2577DF-8224-C94B-83B1-76B6D0365435}" dt="2022-08-30T15:24:54.825" v="1544" actId="20577"/>
-          <ac:spMkLst>
-            <pc:docMk/>
-            <pc:sldMk cId="723946338" sldId="261"/>
-            <ac:spMk id="83" creationId="{00000000-0000-0000-0000-000000000000}"/>
-          </ac:spMkLst>
-        </pc:spChg>
-        <pc:spChg chg="mod">
-          <ac:chgData name="Riccardo Berta" userId="c8694f89-bba4-4576-b0a8-456619ca5a8c" providerId="ADAL" clId="{CC2577DF-8224-C94B-83B1-76B6D0365435}" dt="2022-08-30T14:18:24.128" v="949" actId="20577"/>
-          <ac:spMkLst>
-            <pc:docMk/>
-            <pc:sldMk cId="723946338" sldId="261"/>
-            <ac:spMk id="84" creationId="{00000000-0000-0000-0000-000000000000}"/>
-          </ac:spMkLst>
-        </pc:spChg>
-        <pc:grpChg chg="add mod">
-          <ac:chgData name="Riccardo Berta" userId="c8694f89-bba4-4576-b0a8-456619ca5a8c" providerId="ADAL" clId="{CC2577DF-8224-C94B-83B1-76B6D0365435}" dt="2022-08-30T14:04:21.646" v="868" actId="164"/>
-          <ac:grpSpMkLst>
-            <pc:docMk/>
-            <pc:sldMk cId="723946338" sldId="261"/>
-            <ac:grpSpMk id="10" creationId="{F1C19B63-3F44-4E29-2EE9-E09D359BEDCD}"/>
-          </ac:grpSpMkLst>
-        </pc:grpChg>
-        <pc:grpChg chg="add mod">
-          <ac:chgData name="Riccardo Berta" userId="c8694f89-bba4-4576-b0a8-456619ca5a8c" providerId="ADAL" clId="{CC2577DF-8224-C94B-83B1-76B6D0365435}" dt="2022-08-30T14:18:22.792" v="948" actId="1076"/>
-          <ac:grpSpMkLst>
-            <pc:docMk/>
-            <pc:sldMk cId="723946338" sldId="261"/>
-            <ac:grpSpMk id="12" creationId="{32A09446-4AD0-B370-CC91-E32A0DA4DB93}"/>
-          </ac:grpSpMkLst>
-        </pc:grpChg>
-        <pc:picChg chg="add mod">
-          <ac:chgData name="Riccardo Berta" userId="c8694f89-bba4-4576-b0a8-456619ca5a8c" providerId="ADAL" clId="{CC2577DF-8224-C94B-83B1-76B6D0365435}" dt="2022-08-30T14:18:20.452" v="947" actId="1076"/>
-          <ac:picMkLst>
-            <pc:docMk/>
-            <pc:sldMk cId="723946338" sldId="261"/>
-            <ac:picMk id="3" creationId="{10E7BF42-E86F-7D15-FA1A-FA3C80B283E8}"/>
-          </ac:picMkLst>
-        </pc:picChg>
-        <pc:picChg chg="add mod">
-          <ac:chgData name="Riccardo Berta" userId="c8694f89-bba4-4576-b0a8-456619ca5a8c" providerId="ADAL" clId="{CC2577DF-8224-C94B-83B1-76B6D0365435}" dt="2022-08-30T13:56:30.493" v="658" actId="164"/>
-          <ac:picMkLst>
-            <pc:docMk/>
-            <pc:sldMk cId="723946338" sldId="261"/>
-            <ac:picMk id="5" creationId="{3D9E415A-35DE-80BB-D9E1-54D52D3BAA18}"/>
-          </ac:picMkLst>
-        </pc:picChg>
-      </pc:sldChg>
-      <pc:sldChg chg="addSp delSp modSp mod">
-        <pc:chgData name="Riccardo Berta" userId="c8694f89-bba4-4576-b0a8-456619ca5a8c" providerId="ADAL" clId="{CC2577DF-8224-C94B-83B1-76B6D0365435}" dt="2022-08-31T09:25:44.716" v="2941" actId="20577"/>
-        <pc:sldMkLst>
-          <pc:docMk/>
-          <pc:sldMk cId="1167696200" sldId="262"/>
-        </pc:sldMkLst>
-        <pc:spChg chg="add del">
-          <ac:chgData name="Riccardo Berta" userId="c8694f89-bba4-4576-b0a8-456619ca5a8c" providerId="ADAL" clId="{CC2577DF-8224-C94B-83B1-76B6D0365435}" dt="2022-08-30T15:09:35.168" v="1318" actId="22"/>
-          <ac:spMkLst>
-            <pc:docMk/>
-            <pc:sldMk cId="1167696200" sldId="262"/>
-            <ac:spMk id="5" creationId="{B6C999FA-5015-7F91-14F0-AD50CD783E9E}"/>
-          </ac:spMkLst>
-        </pc:spChg>
-        <pc:spChg chg="mod">
-          <ac:chgData name="Riccardo Berta" userId="c8694f89-bba4-4576-b0a8-456619ca5a8c" providerId="ADAL" clId="{CC2577DF-8224-C94B-83B1-76B6D0365435}" dt="2022-08-31T09:25:44.716" v="2941" actId="20577"/>
-          <ac:spMkLst>
-            <pc:docMk/>
-            <pc:sldMk cId="1167696200" sldId="262"/>
-            <ac:spMk id="83" creationId="{00000000-0000-0000-0000-000000000000}"/>
-          </ac:spMkLst>
-        </pc:spChg>
-        <pc:spChg chg="mod">
-          <ac:chgData name="Riccardo Berta" userId="c8694f89-bba4-4576-b0a8-456619ca5a8c" providerId="ADAL" clId="{CC2577DF-8224-C94B-83B1-76B6D0365435}" dt="2022-08-30T15:09:22.649" v="1316" actId="20577"/>
-          <ac:spMkLst>
-            <pc:docMk/>
-            <pc:sldMk cId="1167696200" sldId="262"/>
-            <ac:spMk id="84" creationId="{00000000-0000-0000-0000-000000000000}"/>
-          </ac:spMkLst>
-        </pc:spChg>
-        <pc:picChg chg="add mod">
-          <ac:chgData name="Riccardo Berta" userId="c8694f89-bba4-4576-b0a8-456619ca5a8c" providerId="ADAL" clId="{CC2577DF-8224-C94B-83B1-76B6D0365435}" dt="2022-08-30T14:57:19.122" v="1019" actId="1076"/>
-          <ac:picMkLst>
-            <pc:docMk/>
-            <pc:sldMk cId="1167696200" sldId="262"/>
-            <ac:picMk id="3" creationId="{FCE4CA07-1F56-5BBD-B169-4C84FFFBDBED}"/>
-          </ac:picMkLst>
-        </pc:picChg>
-      </pc:sldChg>
-      <pc:sldChg chg="addSp delSp modSp mod">
-        <pc:chgData name="Riccardo Berta" userId="c8694f89-bba4-4576-b0a8-456619ca5a8c" providerId="ADAL" clId="{CC2577DF-8224-C94B-83B1-76B6D0365435}" dt="2022-09-05T16:03:43.858" v="4169" actId="20577"/>
-        <pc:sldMkLst>
-          <pc:docMk/>
-          <pc:sldMk cId="1817587258" sldId="263"/>
-        </pc:sldMkLst>
-        <pc:spChg chg="mod">
-          <ac:chgData name="Riccardo Berta" userId="c8694f89-bba4-4576-b0a8-456619ca5a8c" providerId="ADAL" clId="{CC2577DF-8224-C94B-83B1-76B6D0365435}" dt="2022-09-05T16:03:43.858" v="4169" actId="20577"/>
-          <ac:spMkLst>
-            <pc:docMk/>
-            <pc:sldMk cId="1817587258" sldId="263"/>
-            <ac:spMk id="84" creationId="{00000000-0000-0000-0000-000000000000}"/>
-          </ac:spMkLst>
-        </pc:spChg>
-        <pc:grpChg chg="add mod">
-          <ac:chgData name="Riccardo Berta" userId="c8694f89-bba4-4576-b0a8-456619ca5a8c" providerId="ADAL" clId="{CC2577DF-8224-C94B-83B1-76B6D0365435}" dt="2022-09-05T16:03:39.356" v="4164" actId="1076"/>
-          <ac:grpSpMkLst>
-            <pc:docMk/>
-            <pc:sldMk cId="1817587258" sldId="263"/>
-            <ac:grpSpMk id="12" creationId="{5336B4C5-BB0D-D3F7-F910-9E37C9565621}"/>
-          </ac:grpSpMkLst>
-        </pc:grpChg>
-        <pc:picChg chg="add mod">
-          <ac:chgData name="Riccardo Berta" userId="c8694f89-bba4-4576-b0a8-456619ca5a8c" providerId="ADAL" clId="{CC2577DF-8224-C94B-83B1-76B6D0365435}" dt="2022-09-01T13:33:35.056" v="4012" actId="14100"/>
-          <ac:picMkLst>
-            <pc:docMk/>
-            <pc:sldMk cId="1817587258" sldId="263"/>
-            <ac:picMk id="3" creationId="{D1EEB70D-1CB0-0272-A052-07177A2B9357}"/>
-          </ac:picMkLst>
-        </pc:picChg>
-        <pc:picChg chg="add del mod modCrop">
-          <ac:chgData name="Riccardo Berta" userId="c8694f89-bba4-4576-b0a8-456619ca5a8c" providerId="ADAL" clId="{CC2577DF-8224-C94B-83B1-76B6D0365435}" dt="2022-09-01T20:06:04.252" v="4142" actId="164"/>
-          <ac:picMkLst>
-            <pc:docMk/>
-            <pc:sldMk cId="1817587258" sldId="263"/>
-            <ac:picMk id="5" creationId="{3C26D104-0BD7-092B-CD0E-3DCAB4A19C0F}"/>
-          </ac:picMkLst>
-        </pc:picChg>
-        <pc:picChg chg="add mod">
-          <ac:chgData name="Riccardo Berta" userId="c8694f89-bba4-4576-b0a8-456619ca5a8c" providerId="ADAL" clId="{CC2577DF-8224-C94B-83B1-76B6D0365435}" dt="2022-09-01T20:06:04.252" v="4142" actId="164"/>
-          <ac:picMkLst>
-            <pc:docMk/>
-            <pc:sldMk cId="1817587258" sldId="263"/>
-            <ac:picMk id="7" creationId="{28F69A7A-1E1D-F6D9-C4B7-D09C2283C04E}"/>
-          </ac:picMkLst>
-        </pc:picChg>
-        <pc:picChg chg="add mod">
-          <ac:chgData name="Riccardo Berta" userId="c8694f89-bba4-4576-b0a8-456619ca5a8c" providerId="ADAL" clId="{CC2577DF-8224-C94B-83B1-76B6D0365435}" dt="2022-09-01T20:06:04.252" v="4142" actId="164"/>
-          <ac:picMkLst>
-            <pc:docMk/>
-            <pc:sldMk cId="1817587258" sldId="263"/>
-            <ac:picMk id="9" creationId="{6E0DB570-7C09-6C92-85DE-4CA7BAD8C68F}"/>
-          </ac:picMkLst>
-        </pc:picChg>
-        <pc:picChg chg="add mod">
-          <ac:chgData name="Riccardo Berta" userId="c8694f89-bba4-4576-b0a8-456619ca5a8c" providerId="ADAL" clId="{CC2577DF-8224-C94B-83B1-76B6D0365435}" dt="2022-09-01T20:06:04.252" v="4142" actId="164"/>
-          <ac:picMkLst>
-            <pc:docMk/>
-            <pc:sldMk cId="1817587258" sldId="263"/>
-            <ac:picMk id="11" creationId="{F7057908-4B25-0492-4CCF-8B9BB9627272}"/>
-          </ac:picMkLst>
-        </pc:picChg>
-      </pc:sldChg>
-      <pc:sldChg chg="addSp delSp modSp add mod">
-        <pc:chgData name="Riccardo Berta" userId="c8694f89-bba4-4576-b0a8-456619ca5a8c" providerId="ADAL" clId="{CC2577DF-8224-C94B-83B1-76B6D0365435}" dt="2022-08-30T15:20:46.032" v="1511" actId="1076"/>
-        <pc:sldMkLst>
-          <pc:docMk/>
-          <pc:sldMk cId="577690146" sldId="264"/>
-        </pc:sldMkLst>
-        <pc:spChg chg="mod">
-          <ac:chgData name="Riccardo Berta" userId="c8694f89-bba4-4576-b0a8-456619ca5a8c" providerId="ADAL" clId="{CC2577DF-8224-C94B-83B1-76B6D0365435}" dt="2022-08-30T15:17:54.286" v="1450" actId="790"/>
-          <ac:spMkLst>
-            <pc:docMk/>
-            <pc:sldMk cId="577690146" sldId="264"/>
-            <ac:spMk id="83" creationId="{00000000-0000-0000-0000-000000000000}"/>
-          </ac:spMkLst>
-        </pc:spChg>
-        <pc:spChg chg="mod">
-          <ac:chgData name="Riccardo Berta" userId="c8694f89-bba4-4576-b0a8-456619ca5a8c" providerId="ADAL" clId="{CC2577DF-8224-C94B-83B1-76B6D0365435}" dt="2022-08-30T15:20:36.923" v="1510" actId="20577"/>
-          <ac:spMkLst>
-            <pc:docMk/>
-            <pc:sldMk cId="577690146" sldId="264"/>
-            <ac:spMk id="84" creationId="{00000000-0000-0000-0000-000000000000}"/>
-          </ac:spMkLst>
-        </pc:spChg>
-        <pc:picChg chg="del">
-          <ac:chgData name="Riccardo Berta" userId="c8694f89-bba4-4576-b0a8-456619ca5a8c" providerId="ADAL" clId="{CC2577DF-8224-C94B-83B1-76B6D0365435}" dt="2022-08-30T15:09:45.395" v="1326" actId="478"/>
-          <ac:picMkLst>
-            <pc:docMk/>
-            <pc:sldMk cId="577690146" sldId="264"/>
-            <ac:picMk id="3" creationId="{FCE4CA07-1F56-5BBD-B169-4C84FFFBDBED}"/>
-          </ac:picMkLst>
-        </pc:picChg>
-        <pc:picChg chg="add mod">
-          <ac:chgData name="Riccardo Berta" userId="c8694f89-bba4-4576-b0a8-456619ca5a8c" providerId="ADAL" clId="{CC2577DF-8224-C94B-83B1-76B6D0365435}" dt="2022-08-30T15:20:46.032" v="1511" actId="1076"/>
-          <ac:picMkLst>
-            <pc:docMk/>
-            <pc:sldMk cId="577690146" sldId="264"/>
-            <ac:picMk id="4" creationId="{62D593D4-B69E-FE2F-2D7B-65DD42ECEE76}"/>
-          </ac:picMkLst>
-        </pc:picChg>
-      </pc:sldChg>
-      <pc:sldChg chg="addSp modSp add mod">
-        <pc:chgData name="Riccardo Berta" userId="c8694f89-bba4-4576-b0a8-456619ca5a8c" providerId="ADAL" clId="{CC2577DF-8224-C94B-83B1-76B6D0365435}" dt="2022-08-31T06:44:00.558" v="1923" actId="1076"/>
-        <pc:sldMkLst>
-          <pc:docMk/>
-          <pc:sldMk cId="2692772026" sldId="265"/>
-        </pc:sldMkLst>
-        <pc:spChg chg="mod">
-          <ac:chgData name="Riccardo Berta" userId="c8694f89-bba4-4576-b0a8-456619ca5a8c" providerId="ADAL" clId="{CC2577DF-8224-C94B-83B1-76B6D0365435}" dt="2022-08-30T15:29:22.225" v="1676" actId="20577"/>
-          <ac:spMkLst>
-            <pc:docMk/>
-            <pc:sldMk cId="2692772026" sldId="265"/>
-            <ac:spMk id="83" creationId="{00000000-0000-0000-0000-000000000000}"/>
-          </ac:spMkLst>
-        </pc:spChg>
-        <pc:spChg chg="mod">
-          <ac:chgData name="Riccardo Berta" userId="c8694f89-bba4-4576-b0a8-456619ca5a8c" providerId="ADAL" clId="{CC2577DF-8224-C94B-83B1-76B6D0365435}" dt="2022-08-31T06:43:50.656" v="1921" actId="20577"/>
-          <ac:spMkLst>
-            <pc:docMk/>
-            <pc:sldMk cId="2692772026" sldId="265"/>
-            <ac:spMk id="84" creationId="{00000000-0000-0000-0000-000000000000}"/>
-          </ac:spMkLst>
-        </pc:spChg>
-        <pc:picChg chg="add mod">
-          <ac:chgData name="Riccardo Berta" userId="c8694f89-bba4-4576-b0a8-456619ca5a8c" providerId="ADAL" clId="{CC2577DF-8224-C94B-83B1-76B6D0365435}" dt="2022-08-30T15:29:04.625" v="1672" actId="1076"/>
-          <ac:picMkLst>
-            <pc:docMk/>
-            <pc:sldMk cId="2692772026" sldId="265"/>
-            <ac:picMk id="3" creationId="{72C270F5-EA8F-89D6-721D-20F5F665FFF3}"/>
-          </ac:picMkLst>
-        </pc:picChg>
-        <pc:picChg chg="add mod">
-          <ac:chgData name="Riccardo Berta" userId="c8694f89-bba4-4576-b0a8-456619ca5a8c" providerId="ADAL" clId="{CC2577DF-8224-C94B-83B1-76B6D0365435}" dt="2022-08-31T06:43:55.681" v="1922" actId="1076"/>
-          <ac:picMkLst>
-            <pc:docMk/>
-            <pc:sldMk cId="2692772026" sldId="265"/>
-            <ac:picMk id="5" creationId="{FEC98566-CA2E-D213-4787-37D67E08FA85}"/>
-          </ac:picMkLst>
-        </pc:picChg>
-        <pc:picChg chg="add mod">
-          <ac:chgData name="Riccardo Berta" userId="c8694f89-bba4-4576-b0a8-456619ca5a8c" providerId="ADAL" clId="{CC2577DF-8224-C94B-83B1-76B6D0365435}" dt="2022-08-31T06:44:00.558" v="1923" actId="1076"/>
-          <ac:picMkLst>
-            <pc:docMk/>
-            <pc:sldMk cId="2692772026" sldId="265"/>
-            <ac:picMk id="7" creationId="{A625E5D1-5E35-F6B7-71C1-15627D982EBE}"/>
-          </ac:picMkLst>
-        </pc:picChg>
-      </pc:sldChg>
-      <pc:sldChg chg="addSp modSp add mod">
-        <pc:chgData name="Riccardo Berta" userId="c8694f89-bba4-4576-b0a8-456619ca5a8c" providerId="ADAL" clId="{CC2577DF-8224-C94B-83B1-76B6D0365435}" dt="2022-08-31T06:45:27.387" v="1975" actId="1076"/>
-        <pc:sldMkLst>
-          <pc:docMk/>
-          <pc:sldMk cId="2331383298" sldId="266"/>
-        </pc:sldMkLst>
-        <pc:spChg chg="mod">
-          <ac:chgData name="Riccardo Berta" userId="c8694f89-bba4-4576-b0a8-456619ca5a8c" providerId="ADAL" clId="{CC2577DF-8224-C94B-83B1-76B6D0365435}" dt="2022-08-30T15:29:33.756" v="1680" actId="20577"/>
-          <ac:spMkLst>
-            <pc:docMk/>
-            <pc:sldMk cId="2331383298" sldId="266"/>
-            <ac:spMk id="83" creationId="{00000000-0000-0000-0000-000000000000}"/>
-          </ac:spMkLst>
-        </pc:spChg>
-        <pc:spChg chg="mod">
-          <ac:chgData name="Riccardo Berta" userId="c8694f89-bba4-4576-b0a8-456619ca5a8c" providerId="ADAL" clId="{CC2577DF-8224-C94B-83B1-76B6D0365435}" dt="2022-08-31T06:45:23.422" v="1974" actId="20577"/>
-          <ac:spMkLst>
-            <pc:docMk/>
-            <pc:sldMk cId="2331383298" sldId="266"/>
-            <ac:spMk id="84" creationId="{00000000-0000-0000-0000-000000000000}"/>
-          </ac:spMkLst>
-        </pc:spChg>
-        <pc:picChg chg="add mod">
-          <ac:chgData name="Riccardo Berta" userId="c8694f89-bba4-4576-b0a8-456619ca5a8c" providerId="ADAL" clId="{CC2577DF-8224-C94B-83B1-76B6D0365435}" dt="2022-08-30T15:33:35.154" v="1763" actId="1076"/>
-          <ac:picMkLst>
-            <pc:docMk/>
-            <pc:sldMk cId="2331383298" sldId="266"/>
-            <ac:picMk id="3" creationId="{B095BE4B-8ACD-C2D2-2AB3-4CD61A1073F3}"/>
-          </ac:picMkLst>
-        </pc:picChg>
-        <pc:picChg chg="add mod">
-          <ac:chgData name="Riccardo Berta" userId="c8694f89-bba4-4576-b0a8-456619ca5a8c" providerId="ADAL" clId="{CC2577DF-8224-C94B-83B1-76B6D0365435}" dt="2022-08-31T06:41:27.593" v="1845" actId="1036"/>
-          <ac:picMkLst>
-            <pc:docMk/>
-            <pc:sldMk cId="2331383298" sldId="266"/>
-            <ac:picMk id="4" creationId="{04CE0EEF-7BA7-CDF0-F8FA-6E4EF351C55A}"/>
-          </ac:picMkLst>
-        </pc:picChg>
-        <pc:picChg chg="add mod">
-          <ac:chgData name="Riccardo Berta" userId="c8694f89-bba4-4576-b0a8-456619ca5a8c" providerId="ADAL" clId="{CC2577DF-8224-C94B-83B1-76B6D0365435}" dt="2022-08-30T15:33:56.721" v="1766" actId="1076"/>
-          <ac:picMkLst>
-            <pc:docMk/>
-            <pc:sldMk cId="2331383298" sldId="266"/>
-            <ac:picMk id="5" creationId="{65B5782A-53A2-B0A5-8627-06C13ADC3A42}"/>
-          </ac:picMkLst>
-        </pc:picChg>
-        <pc:picChg chg="add mod">
-          <ac:chgData name="Riccardo Berta" userId="c8694f89-bba4-4576-b0a8-456619ca5a8c" providerId="ADAL" clId="{CC2577DF-8224-C94B-83B1-76B6D0365435}" dt="2022-08-31T06:41:27.593" v="1845" actId="1036"/>
-          <ac:picMkLst>
-            <pc:docMk/>
-            <pc:sldMk cId="2331383298" sldId="266"/>
-            <ac:picMk id="7" creationId="{9537D92B-D43F-54FA-E7B6-59419ECD7C8C}"/>
-          </ac:picMkLst>
-        </pc:picChg>
-        <pc:picChg chg="add mod">
-          <ac:chgData name="Riccardo Berta" userId="c8694f89-bba4-4576-b0a8-456619ca5a8c" providerId="ADAL" clId="{CC2577DF-8224-C94B-83B1-76B6D0365435}" dt="2022-08-31T06:45:27.387" v="1975" actId="1076"/>
-          <ac:picMkLst>
-            <pc:docMk/>
-            <pc:sldMk cId="2331383298" sldId="266"/>
-            <ac:picMk id="9" creationId="{CE552A15-D5AB-11E9-B8AE-A18AC1720FEA}"/>
-          </ac:picMkLst>
-        </pc:picChg>
-      </pc:sldChg>
-      <pc:sldChg chg="addSp modSp add mod">
-        <pc:chgData name="Riccardo Berta" userId="c8694f89-bba4-4576-b0a8-456619ca5a8c" providerId="ADAL" clId="{CC2577DF-8224-C94B-83B1-76B6D0365435}" dt="2022-09-01T12:04:53.585" v="3108" actId="113"/>
-        <pc:sldMkLst>
-          <pc:docMk/>
-          <pc:sldMk cId="2963521549" sldId="267"/>
-        </pc:sldMkLst>
-        <pc:spChg chg="mod">
-          <ac:chgData name="Riccardo Berta" userId="c8694f89-bba4-4576-b0a8-456619ca5a8c" providerId="ADAL" clId="{CC2577DF-8224-C94B-83B1-76B6D0365435}" dt="2022-08-31T06:43:04.621" v="1879" actId="20577"/>
-          <ac:spMkLst>
-            <pc:docMk/>
-            <pc:sldMk cId="2963521549" sldId="267"/>
-            <ac:spMk id="83" creationId="{00000000-0000-0000-0000-000000000000}"/>
-          </ac:spMkLst>
-        </pc:spChg>
-        <pc:spChg chg="mod">
-          <ac:chgData name="Riccardo Berta" userId="c8694f89-bba4-4576-b0a8-456619ca5a8c" providerId="ADAL" clId="{CC2577DF-8224-C94B-83B1-76B6D0365435}" dt="2022-09-01T12:04:53.585" v="3108" actId="113"/>
-          <ac:spMkLst>
-            <pc:docMk/>
-            <pc:sldMk cId="2963521549" sldId="267"/>
-            <ac:spMk id="84" creationId="{00000000-0000-0000-0000-000000000000}"/>
-          </ac:spMkLst>
-        </pc:spChg>
-        <pc:picChg chg="add mod">
-          <ac:chgData name="Riccardo Berta" userId="c8694f89-bba4-4576-b0a8-456619ca5a8c" providerId="ADAL" clId="{CC2577DF-8224-C94B-83B1-76B6D0365435}" dt="2022-08-31T06:47:08.285" v="2005" actId="1076"/>
-          <ac:picMkLst>
-            <pc:docMk/>
-            <pc:sldMk cId="2963521549" sldId="267"/>
-            <ac:picMk id="3" creationId="{C444B3CB-CCCB-44EA-7294-86C356604E5E}"/>
-          </ac:picMkLst>
-        </pc:picChg>
-        <pc:picChg chg="add mod">
-          <ac:chgData name="Riccardo Berta" userId="c8694f89-bba4-4576-b0a8-456619ca5a8c" providerId="ADAL" clId="{CC2577DF-8224-C94B-83B1-76B6D0365435}" dt="2022-08-31T06:47:13.018" v="2006" actId="1076"/>
-          <ac:picMkLst>
-            <pc:docMk/>
-            <pc:sldMk cId="2963521549" sldId="267"/>
-            <ac:picMk id="5" creationId="{F0D7C7A1-70BA-03E6-E263-6438B349B026}"/>
-          </ac:picMkLst>
-        </pc:picChg>
-      </pc:sldChg>
-      <pc:sldChg chg="addSp modSp add mod">
-        <pc:chgData name="Riccardo Berta" userId="c8694f89-bba4-4576-b0a8-456619ca5a8c" providerId="ADAL" clId="{CC2577DF-8224-C94B-83B1-76B6D0365435}" dt="2022-08-31T06:50:27.239" v="2121" actId="20577"/>
-        <pc:sldMkLst>
-          <pc:docMk/>
-          <pc:sldMk cId="2177167453" sldId="268"/>
-        </pc:sldMkLst>
-        <pc:spChg chg="mod">
-          <ac:chgData name="Riccardo Berta" userId="c8694f89-bba4-4576-b0a8-456619ca5a8c" providerId="ADAL" clId="{CC2577DF-8224-C94B-83B1-76B6D0365435}" dt="2022-08-31T06:47:32.366" v="2011" actId="20577"/>
-          <ac:spMkLst>
-            <pc:docMk/>
-            <pc:sldMk cId="2177167453" sldId="268"/>
-            <ac:spMk id="83" creationId="{00000000-0000-0000-0000-000000000000}"/>
-          </ac:spMkLst>
-        </pc:spChg>
-        <pc:spChg chg="mod">
-          <ac:chgData name="Riccardo Berta" userId="c8694f89-bba4-4576-b0a8-456619ca5a8c" providerId="ADAL" clId="{CC2577DF-8224-C94B-83B1-76B6D0365435}" dt="2022-08-31T06:50:27.239" v="2121" actId="20577"/>
-          <ac:spMkLst>
-            <pc:docMk/>
-            <pc:sldMk cId="2177167453" sldId="268"/>
-            <ac:spMk id="84" creationId="{00000000-0000-0000-0000-000000000000}"/>
-          </ac:spMkLst>
-        </pc:spChg>
-        <pc:picChg chg="add mod">
-          <ac:chgData name="Riccardo Berta" userId="c8694f89-bba4-4576-b0a8-456619ca5a8c" providerId="ADAL" clId="{CC2577DF-8224-C94B-83B1-76B6D0365435}" dt="2022-08-31T06:48:17.250" v="2026" actId="1076"/>
-          <ac:picMkLst>
-            <pc:docMk/>
-            <pc:sldMk cId="2177167453" sldId="268"/>
-            <ac:picMk id="3" creationId="{0FB9B444-C80A-170C-7CC2-B12D3B289916}"/>
-          </ac:picMkLst>
-        </pc:picChg>
-      </pc:sldChg>
-      <pc:sldChg chg="addSp delSp modSp add mod">
-        <pc:chgData name="Riccardo Berta" userId="c8694f89-bba4-4576-b0a8-456619ca5a8c" providerId="ADAL" clId="{CC2577DF-8224-C94B-83B1-76B6D0365435}" dt="2022-08-31T09:10:01.944" v="2472" actId="478"/>
-        <pc:sldMkLst>
-          <pc:docMk/>
-          <pc:sldMk cId="511811827" sldId="269"/>
-        </pc:sldMkLst>
-        <pc:spChg chg="mod">
-          <ac:chgData name="Riccardo Berta" userId="c8694f89-bba4-4576-b0a8-456619ca5a8c" providerId="ADAL" clId="{CC2577DF-8224-C94B-83B1-76B6D0365435}" dt="2022-08-31T06:50:39.740" v="2124" actId="20577"/>
-          <ac:spMkLst>
-            <pc:docMk/>
-            <pc:sldMk cId="511811827" sldId="269"/>
-            <ac:spMk id="83" creationId="{00000000-0000-0000-0000-000000000000}"/>
-          </ac:spMkLst>
-        </pc:spChg>
-        <pc:spChg chg="mod">
-          <ac:chgData name="Riccardo Berta" userId="c8694f89-bba4-4576-b0a8-456619ca5a8c" providerId="ADAL" clId="{CC2577DF-8224-C94B-83B1-76B6D0365435}" dt="2022-08-31T09:07:28.594" v="2417" actId="115"/>
-          <ac:spMkLst>
-            <pc:docMk/>
-            <pc:sldMk cId="511811827" sldId="269"/>
-            <ac:spMk id="84" creationId="{00000000-0000-0000-0000-000000000000}"/>
-          </ac:spMkLst>
-        </pc:spChg>
-        <pc:picChg chg="add del mod">
-          <ac:chgData name="Riccardo Berta" userId="c8694f89-bba4-4576-b0a8-456619ca5a8c" providerId="ADAL" clId="{CC2577DF-8224-C94B-83B1-76B6D0365435}" dt="2022-08-31T06:51:07.532" v="2126" actId="21"/>
-          <ac:picMkLst>
-            <pc:docMk/>
-            <pc:sldMk cId="511811827" sldId="269"/>
-            <ac:picMk id="3" creationId="{29DDB7BE-2284-BCEA-8481-9B4AA575541B}"/>
-          </ac:picMkLst>
-        </pc:picChg>
-        <pc:picChg chg="add del mod">
-          <ac:chgData name="Riccardo Berta" userId="c8694f89-bba4-4576-b0a8-456619ca5a8c" providerId="ADAL" clId="{CC2577DF-8224-C94B-83B1-76B6D0365435}" dt="2022-08-31T09:10:01.944" v="2472" actId="478"/>
-          <ac:picMkLst>
-            <pc:docMk/>
-            <pc:sldMk cId="511811827" sldId="269"/>
-            <ac:picMk id="5" creationId="{0F923A36-FEBD-1EF5-2D36-E9D65A40DD65}"/>
-          </ac:picMkLst>
-        </pc:picChg>
-      </pc:sldChg>
-      <pc:sldChg chg="addSp modSp add mod">
-        <pc:chgData name="Riccardo Berta" userId="c8694f89-bba4-4576-b0a8-456619ca5a8c" providerId="ADAL" clId="{CC2577DF-8224-C94B-83B1-76B6D0365435}" dt="2022-08-31T09:16:02.844" v="2661" actId="20577"/>
-        <pc:sldMkLst>
-          <pc:docMk/>
-          <pc:sldMk cId="2576489988" sldId="270"/>
-        </pc:sldMkLst>
-        <pc:spChg chg="mod">
-          <ac:chgData name="Riccardo Berta" userId="c8694f89-bba4-4576-b0a8-456619ca5a8c" providerId="ADAL" clId="{CC2577DF-8224-C94B-83B1-76B6D0365435}" dt="2022-08-31T09:11:23.309" v="2535" actId="20577"/>
-          <ac:spMkLst>
-            <pc:docMk/>
-            <pc:sldMk cId="2576489988" sldId="270"/>
-            <ac:spMk id="83" creationId="{00000000-0000-0000-0000-000000000000}"/>
-          </ac:spMkLst>
-        </pc:spChg>
-        <pc:spChg chg="mod">
-          <ac:chgData name="Riccardo Berta" userId="c8694f89-bba4-4576-b0a8-456619ca5a8c" providerId="ADAL" clId="{CC2577DF-8224-C94B-83B1-76B6D0365435}" dt="2022-08-31T09:16:02.844" v="2661" actId="20577"/>
-          <ac:spMkLst>
-            <pc:docMk/>
-            <pc:sldMk cId="2576489988" sldId="270"/>
-            <ac:spMk id="84" creationId="{00000000-0000-0000-0000-000000000000}"/>
-          </ac:spMkLst>
-        </pc:spChg>
-        <pc:picChg chg="add mod">
-          <ac:chgData name="Riccardo Berta" userId="c8694f89-bba4-4576-b0a8-456619ca5a8c" providerId="ADAL" clId="{CC2577DF-8224-C94B-83B1-76B6D0365435}" dt="2022-08-31T07:00:43.094" v="2338" actId="1076"/>
-          <ac:picMkLst>
-            <pc:docMk/>
-            <pc:sldMk cId="2576489988" sldId="270"/>
-            <ac:picMk id="3" creationId="{9DC1F34C-CE8C-FAEE-D496-E3B343649B12}"/>
-          </ac:picMkLst>
-        </pc:picChg>
-        <pc:picChg chg="add mod">
-          <ac:chgData name="Riccardo Berta" userId="c8694f89-bba4-4576-b0a8-456619ca5a8c" providerId="ADAL" clId="{CC2577DF-8224-C94B-83B1-76B6D0365435}" dt="2022-08-31T09:15:31.031" v="2643" actId="1076"/>
-          <ac:picMkLst>
-            <pc:docMk/>
-            <pc:sldMk cId="2576489988" sldId="270"/>
-            <ac:picMk id="5" creationId="{03D24F82-4EA9-F283-B21F-B59E47493EC4}"/>
-          </ac:picMkLst>
-        </pc:picChg>
-        <pc:picChg chg="add mod">
-          <ac:chgData name="Riccardo Berta" userId="c8694f89-bba4-4576-b0a8-456619ca5a8c" providerId="ADAL" clId="{CC2577DF-8224-C94B-83B1-76B6D0365435}" dt="2022-08-31T09:15:41.060" v="2647" actId="1076"/>
-          <ac:picMkLst>
-            <pc:docMk/>
-            <pc:sldMk cId="2576489988" sldId="270"/>
-            <ac:picMk id="7" creationId="{C10ECEE5-7CFC-6266-EFE0-9FD9F700B2F6}"/>
-          </ac:picMkLst>
-        </pc:picChg>
-      </pc:sldChg>
-      <pc:sldChg chg="addSp modSp add mod">
-        <pc:chgData name="Riccardo Berta" userId="c8694f89-bba4-4576-b0a8-456619ca5a8c" providerId="ADAL" clId="{CC2577DF-8224-C94B-83B1-76B6D0365435}" dt="2022-08-31T09:25:04.982" v="2934" actId="1076"/>
-        <pc:sldMkLst>
-          <pc:docMk/>
-          <pc:sldMk cId="877961355" sldId="271"/>
-        </pc:sldMkLst>
-        <pc:spChg chg="mod">
-          <ac:chgData name="Riccardo Berta" userId="c8694f89-bba4-4576-b0a8-456619ca5a8c" providerId="ADAL" clId="{CC2577DF-8224-C94B-83B1-76B6D0365435}" dt="2022-08-31T09:19:26.002" v="2725" actId="20577"/>
-          <ac:spMkLst>
-            <pc:docMk/>
-            <pc:sldMk cId="877961355" sldId="271"/>
-            <ac:spMk id="83" creationId="{00000000-0000-0000-0000-000000000000}"/>
-          </ac:spMkLst>
-        </pc:spChg>
-        <pc:spChg chg="mod">
-          <ac:chgData name="Riccardo Berta" userId="c8694f89-bba4-4576-b0a8-456619ca5a8c" providerId="ADAL" clId="{CC2577DF-8224-C94B-83B1-76B6D0365435}" dt="2022-08-31T09:25:01.648" v="2933" actId="20577"/>
-          <ac:spMkLst>
-            <pc:docMk/>
-            <pc:sldMk cId="877961355" sldId="271"/>
-            <ac:spMk id="84" creationId="{00000000-0000-0000-0000-000000000000}"/>
-          </ac:spMkLst>
-        </pc:spChg>
-        <pc:picChg chg="add mod">
-          <ac:chgData name="Riccardo Berta" userId="c8694f89-bba4-4576-b0a8-456619ca5a8c" providerId="ADAL" clId="{CC2577DF-8224-C94B-83B1-76B6D0365435}" dt="2022-08-31T09:25:04.982" v="2934" actId="1076"/>
-          <ac:picMkLst>
-            <pc:docMk/>
-            <pc:sldMk cId="877961355" sldId="271"/>
-            <ac:picMk id="3" creationId="{A9BA1127-940B-4398-114A-74D2AD1503A2}"/>
-          </ac:picMkLst>
-        </pc:picChg>
-      </pc:sldChg>
-      <pc:sldChg chg="addSp modSp add mod">
-        <pc:chgData name="Riccardo Berta" userId="c8694f89-bba4-4576-b0a8-456619ca5a8c" providerId="ADAL" clId="{CC2577DF-8224-C94B-83B1-76B6D0365435}" dt="2022-09-01T12:21:46.808" v="3385" actId="1076"/>
-        <pc:sldMkLst>
-          <pc:docMk/>
-          <pc:sldMk cId="3510928690" sldId="272"/>
-        </pc:sldMkLst>
-        <pc:spChg chg="mod">
-          <ac:chgData name="Riccardo Berta" userId="c8694f89-bba4-4576-b0a8-456619ca5a8c" providerId="ADAL" clId="{CC2577DF-8224-C94B-83B1-76B6D0365435}" dt="2022-09-01T12:14:20.450" v="3287" actId="20577"/>
-          <ac:spMkLst>
-            <pc:docMk/>
-            <pc:sldMk cId="3510928690" sldId="272"/>
-            <ac:spMk id="83" creationId="{00000000-0000-0000-0000-000000000000}"/>
-          </ac:spMkLst>
-        </pc:spChg>
-        <pc:spChg chg="mod">
-          <ac:chgData name="Riccardo Berta" userId="c8694f89-bba4-4576-b0a8-456619ca5a8c" providerId="ADAL" clId="{CC2577DF-8224-C94B-83B1-76B6D0365435}" dt="2022-09-01T12:21:46.808" v="3385" actId="1076"/>
-          <ac:spMkLst>
-            <pc:docMk/>
-            <pc:sldMk cId="3510928690" sldId="272"/>
-            <ac:spMk id="84" creationId="{00000000-0000-0000-0000-000000000000}"/>
-          </ac:spMkLst>
-        </pc:spChg>
-        <pc:picChg chg="add mod modCrop">
-          <ac:chgData name="Riccardo Berta" userId="c8694f89-bba4-4576-b0a8-456619ca5a8c" providerId="ADAL" clId="{CC2577DF-8224-C94B-83B1-76B6D0365435}" dt="2022-09-01T12:20:38.275" v="3355" actId="1076"/>
-          <ac:picMkLst>
-            <pc:docMk/>
-            <pc:sldMk cId="3510928690" sldId="272"/>
-            <ac:picMk id="2" creationId="{4D8DF35D-AFC1-8893-E837-077C4E58076D}"/>
-          </ac:picMkLst>
-        </pc:picChg>
-      </pc:sldChg>
-      <pc:sldChg chg="addSp delSp modSp add mod">
-        <pc:chgData name="Riccardo Berta" userId="c8694f89-bba4-4576-b0a8-456619ca5a8c" providerId="ADAL" clId="{CC2577DF-8224-C94B-83B1-76B6D0365435}" dt="2022-09-01T12:44:35.453" v="3879" actId="20577"/>
-        <pc:sldMkLst>
-          <pc:docMk/>
-          <pc:sldMk cId="3435248664" sldId="273"/>
-        </pc:sldMkLst>
-        <pc:spChg chg="mod">
-          <ac:chgData name="Riccardo Berta" userId="c8694f89-bba4-4576-b0a8-456619ca5a8c" providerId="ADAL" clId="{CC2577DF-8224-C94B-83B1-76B6D0365435}" dt="2022-09-01T12:44:35.453" v="3879" actId="20577"/>
-          <ac:spMkLst>
-            <pc:docMk/>
-            <pc:sldMk cId="3435248664" sldId="273"/>
-            <ac:spMk id="83" creationId="{00000000-0000-0000-0000-000000000000}"/>
-          </ac:spMkLst>
-        </pc:spChg>
-        <pc:spChg chg="mod">
-          <ac:chgData name="Riccardo Berta" userId="c8694f89-bba4-4576-b0a8-456619ca5a8c" providerId="ADAL" clId="{CC2577DF-8224-C94B-83B1-76B6D0365435}" dt="2022-09-01T12:43:56.892" v="3876" actId="20577"/>
-          <ac:spMkLst>
-            <pc:docMk/>
-            <pc:sldMk cId="3435248664" sldId="273"/>
-            <ac:spMk id="84" creationId="{00000000-0000-0000-0000-000000000000}"/>
-          </ac:spMkLst>
-        </pc:spChg>
-        <pc:picChg chg="add del mod">
-          <ac:chgData name="Riccardo Berta" userId="c8694f89-bba4-4576-b0a8-456619ca5a8c" providerId="ADAL" clId="{CC2577DF-8224-C94B-83B1-76B6D0365435}" dt="2022-09-01T12:41:58.627" v="3842" actId="478"/>
-          <ac:picMkLst>
-            <pc:docMk/>
-            <pc:sldMk cId="3435248664" sldId="273"/>
-            <ac:picMk id="3" creationId="{1C647518-C87A-E8B3-70F4-39ABC8BC1BAD}"/>
-          </ac:picMkLst>
-        </pc:picChg>
-      </pc:sldChg>
-      <pc:sldChg chg="modSp add del mod">
-        <pc:chgData name="Riccardo Berta" userId="c8694f89-bba4-4576-b0a8-456619ca5a8c" providerId="ADAL" clId="{CC2577DF-8224-C94B-83B1-76B6D0365435}" dt="2022-09-01T12:46:57.647" v="3984" actId="2696"/>
-        <pc:sldMkLst>
-          <pc:docMk/>
-          <pc:sldMk cId="2211494529" sldId="274"/>
-        </pc:sldMkLst>
-        <pc:spChg chg="mod">
-          <ac:chgData name="Riccardo Berta" userId="c8694f89-bba4-4576-b0a8-456619ca5a8c" providerId="ADAL" clId="{CC2577DF-8224-C94B-83B1-76B6D0365435}" dt="2022-08-31T06:51:31.642" v="2144" actId="20577"/>
-          <ac:spMkLst>
-            <pc:docMk/>
-            <pc:sldMk cId="2211494529" sldId="274"/>
-            <ac:spMk id="83" creationId="{00000000-0000-0000-0000-000000000000}"/>
-          </ac:spMkLst>
-        </pc:spChg>
-      </pc:sldChg>
-      <pc:sldChg chg="modSp add mod">
-        <pc:chgData name="Riccardo Berta" userId="c8694f89-bba4-4576-b0a8-456619ca5a8c" providerId="ADAL" clId="{CC2577DF-8224-C94B-83B1-76B6D0365435}" dt="2022-09-01T12:46:49.645" v="3981" actId="20577"/>
-        <pc:sldMkLst>
-          <pc:docMk/>
-          <pc:sldMk cId="1846471115" sldId="275"/>
-        </pc:sldMkLst>
-        <pc:spChg chg="mod">
-          <ac:chgData name="Riccardo Berta" userId="c8694f89-bba4-4576-b0a8-456619ca5a8c" providerId="ADAL" clId="{CC2577DF-8224-C94B-83B1-76B6D0365435}" dt="2022-09-01T12:44:40.184" v="3880"/>
-          <ac:spMkLst>
-            <pc:docMk/>
-            <pc:sldMk cId="1846471115" sldId="275"/>
-            <ac:spMk id="83" creationId="{00000000-0000-0000-0000-000000000000}"/>
-          </ac:spMkLst>
-        </pc:spChg>
-        <pc:spChg chg="mod">
-          <ac:chgData name="Riccardo Berta" userId="c8694f89-bba4-4576-b0a8-456619ca5a8c" providerId="ADAL" clId="{CC2577DF-8224-C94B-83B1-76B6D0365435}" dt="2022-09-01T12:46:49.645" v="3981" actId="20577"/>
-          <ac:spMkLst>
-            <pc:docMk/>
-            <pc:sldMk cId="1846471115" sldId="275"/>
-            <ac:spMk id="84" creationId="{00000000-0000-0000-0000-000000000000}"/>
-          </ac:spMkLst>
-        </pc:spChg>
-      </pc:sldChg>
-      <pc:sldChg chg="add del">
-        <pc:chgData name="Riccardo Berta" userId="c8694f89-bba4-4576-b0a8-456619ca5a8c" providerId="ADAL" clId="{CC2577DF-8224-C94B-83B1-76B6D0365435}" dt="2022-09-01T12:46:55.975" v="3982" actId="2696"/>
-        <pc:sldMkLst>
-          <pc:docMk/>
-          <pc:sldMk cId="2038101573" sldId="276"/>
-        </pc:sldMkLst>
-      </pc:sldChg>
-      <pc:sldChg chg="add del">
-        <pc:chgData name="Riccardo Berta" userId="c8694f89-bba4-4576-b0a8-456619ca5a8c" providerId="ADAL" clId="{CC2577DF-8224-C94B-83B1-76B6D0365435}" dt="2022-09-01T12:46:56.604" v="3983" actId="2696"/>
-        <pc:sldMkLst>
-          <pc:docMk/>
-          <pc:sldMk cId="3328298954" sldId="277"/>
-        </pc:sldMkLst>
-      </pc:sldChg>
-      <pc:sldChg chg="new del">
-        <pc:chgData name="Riccardo Berta" userId="c8694f89-bba4-4576-b0a8-456619ca5a8c" providerId="ADAL" clId="{CC2577DF-8224-C94B-83B1-76B6D0365435}" dt="2022-09-01T09:58:08.026" v="2946" actId="2696"/>
-        <pc:sldMkLst>
-          <pc:docMk/>
-          <pc:sldMk cId="258397917" sldId="278"/>
-        </pc:sldMkLst>
-      </pc:sldChg>
-      <pc:sldChg chg="modSp add mod">
-        <pc:chgData name="Riccardo Berta" userId="c8694f89-bba4-4576-b0a8-456619ca5a8c" providerId="ADAL" clId="{CC2577DF-8224-C94B-83B1-76B6D0365435}" dt="2022-09-01T10:01:52.807" v="3097" actId="20577"/>
-        <pc:sldMkLst>
-          <pc:docMk/>
-          <pc:sldMk cId="1086633516" sldId="278"/>
-        </pc:sldMkLst>
-        <pc:spChg chg="mod">
-          <ac:chgData name="Riccardo Berta" userId="c8694f89-bba4-4576-b0a8-456619ca5a8c" providerId="ADAL" clId="{CC2577DF-8224-C94B-83B1-76B6D0365435}" dt="2022-09-01T10:01:52.807" v="3097" actId="20577"/>
-          <ac:spMkLst>
-            <pc:docMk/>
-            <pc:sldMk cId="1086633516" sldId="278"/>
-            <ac:spMk id="83" creationId="{00000000-0000-0000-0000-000000000000}"/>
-          </ac:spMkLst>
-        </pc:spChg>
-        <pc:spChg chg="mod">
-          <ac:chgData name="Riccardo Berta" userId="c8694f89-bba4-4576-b0a8-456619ca5a8c" providerId="ADAL" clId="{CC2577DF-8224-C94B-83B1-76B6D0365435}" dt="2022-09-01T10:01:32.442" v="3087" actId="20577"/>
-          <ac:spMkLst>
-            <pc:docMk/>
-            <pc:sldMk cId="1086633516" sldId="278"/>
-            <ac:spMk id="84" creationId="{00000000-0000-0000-0000-000000000000}"/>
-          </ac:spMkLst>
-        </pc:spChg>
-      </pc:sldChg>
-      <pc:sldChg chg="modSp add del">
-        <pc:chgData name="Riccardo Berta" userId="c8694f89-bba4-4576-b0a8-456619ca5a8c" providerId="ADAL" clId="{CC2577DF-8224-C94B-83B1-76B6D0365435}" dt="2022-09-01T12:03:54.353" v="3106" actId="2696"/>
-        <pc:sldMkLst>
-          <pc:docMk/>
-          <pc:sldMk cId="536068914" sldId="279"/>
-        </pc:sldMkLst>
-        <pc:spChg chg="mod">
-          <ac:chgData name="Riccardo Berta" userId="c8694f89-bba4-4576-b0a8-456619ca5a8c" providerId="ADAL" clId="{CC2577DF-8224-C94B-83B1-76B6D0365435}" dt="2022-09-01T12:02:48.738" v="3101"/>
-          <ac:spMkLst>
-            <pc:docMk/>
-            <pc:sldMk cId="536068914" sldId="279"/>
-            <ac:spMk id="83" creationId="{00000000-0000-0000-0000-000000000000}"/>
-          </ac:spMkLst>
-        </pc:spChg>
-      </pc:sldChg>
-      <pc:sldChg chg="modSp add mod">
-        <pc:chgData name="Riccardo Berta" userId="c8694f89-bba4-4576-b0a8-456619ca5a8c" providerId="ADAL" clId="{CC2577DF-8224-C94B-83B1-76B6D0365435}" dt="2022-09-01T12:18:56.973" v="3334"/>
-        <pc:sldMkLst>
-          <pc:docMk/>
-          <pc:sldMk cId="2602639236" sldId="279"/>
-        </pc:sldMkLst>
-        <pc:spChg chg="mod">
-          <ac:chgData name="Riccardo Berta" userId="c8694f89-bba4-4576-b0a8-456619ca5a8c" providerId="ADAL" clId="{CC2577DF-8224-C94B-83B1-76B6D0365435}" dt="2022-09-01T12:18:48.968" v="3330" actId="20577"/>
-          <ac:spMkLst>
-            <pc:docMk/>
-            <pc:sldMk cId="2602639236" sldId="279"/>
-            <ac:spMk id="83" creationId="{00000000-0000-0000-0000-000000000000}"/>
-          </ac:spMkLst>
-        </pc:spChg>
-        <pc:spChg chg="mod">
-          <ac:chgData name="Riccardo Berta" userId="c8694f89-bba4-4576-b0a8-456619ca5a8c" providerId="ADAL" clId="{CC2577DF-8224-C94B-83B1-76B6D0365435}" dt="2022-09-01T12:18:56.973" v="3334"/>
-          <ac:spMkLst>
-            <pc:docMk/>
-            <pc:sldMk cId="2602639236" sldId="279"/>
-            <ac:spMk id="84" creationId="{00000000-0000-0000-0000-000000000000}"/>
-          </ac:spMkLst>
-        </pc:spChg>
-      </pc:sldChg>
-      <pc:sldChg chg="addSp delSp modSp add del mod">
-        <pc:chgData name="Riccardo Berta" userId="c8694f89-bba4-4576-b0a8-456619ca5a8c" providerId="ADAL" clId="{CC2577DF-8224-C94B-83B1-76B6D0365435}" dt="2022-09-05T16:06:32.253" v="4199" actId="14100"/>
-        <pc:sldMkLst>
-          <pc:docMk/>
-          <pc:sldMk cId="847810682" sldId="280"/>
-        </pc:sldMkLst>
-        <pc:spChg chg="mod">
-          <ac:chgData name="Riccardo Berta" userId="c8694f89-bba4-4576-b0a8-456619ca5a8c" providerId="ADAL" clId="{CC2577DF-8224-C94B-83B1-76B6D0365435}" dt="2022-09-01T20:06:08.538" v="4146" actId="20577"/>
-          <ac:spMkLst>
-            <pc:docMk/>
-            <pc:sldMk cId="847810682" sldId="280"/>
-            <ac:spMk id="83" creationId="{00000000-0000-0000-0000-000000000000}"/>
-          </ac:spMkLst>
-        </pc:spChg>
-        <pc:spChg chg="mod">
-          <ac:chgData name="Riccardo Berta" userId="c8694f89-bba4-4576-b0a8-456619ca5a8c" providerId="ADAL" clId="{CC2577DF-8224-C94B-83B1-76B6D0365435}" dt="2022-09-05T16:06:32.253" v="4199" actId="14100"/>
-          <ac:spMkLst>
-            <pc:docMk/>
-            <pc:sldMk cId="847810682" sldId="280"/>
-            <ac:spMk id="84" creationId="{00000000-0000-0000-0000-000000000000}"/>
-          </ac:spMkLst>
-        </pc:spChg>
-        <pc:grpChg chg="add mod">
-          <ac:chgData name="Riccardo Berta" userId="c8694f89-bba4-4576-b0a8-456619ca5a8c" providerId="ADAL" clId="{CC2577DF-8224-C94B-83B1-76B6D0365435}" dt="2022-09-05T16:05:57.511" v="4195" actId="164"/>
-          <ac:grpSpMkLst>
-            <pc:docMk/>
-            <pc:sldMk cId="847810682" sldId="280"/>
-            <ac:grpSpMk id="8" creationId="{B088EF45-46A1-72C0-2BAB-C4ECCEBB90AC}"/>
-          </ac:grpSpMkLst>
-        </pc:grpChg>
-        <pc:grpChg chg="add del">
-          <ac:chgData name="Riccardo Berta" userId="c8694f89-bba4-4576-b0a8-456619ca5a8c" providerId="ADAL" clId="{CC2577DF-8224-C94B-83B1-76B6D0365435}" dt="2022-09-01T20:06:36.271" v="4152" actId="478"/>
-          <ac:grpSpMkLst>
-            <pc:docMk/>
-            <pc:sldMk cId="847810682" sldId="280"/>
-            <ac:grpSpMk id="12" creationId="{5336B4C5-BB0D-D3F7-F910-9E37C9565621}"/>
-          </ac:grpSpMkLst>
-        </pc:grpChg>
-        <pc:picChg chg="add mod modCrop">
-          <ac:chgData name="Riccardo Berta" userId="c8694f89-bba4-4576-b0a8-456619ca5a8c" providerId="ADAL" clId="{CC2577DF-8224-C94B-83B1-76B6D0365435}" dt="2022-09-05T16:06:28.554" v="4198" actId="1076"/>
-          <ac:picMkLst>
-            <pc:docMk/>
-            <pc:sldMk cId="847810682" sldId="280"/>
-            <ac:picMk id="3" creationId="{C8800584-FFAB-CB64-2C43-56C176E0F5BA}"/>
-          </ac:picMkLst>
-        </pc:picChg>
-        <pc:picChg chg="del">
-          <ac:chgData name="Riccardo Berta" userId="c8694f89-bba4-4576-b0a8-456619ca5a8c" providerId="ADAL" clId="{CC2577DF-8224-C94B-83B1-76B6D0365435}" dt="2022-09-01T20:06:41.209" v="4153" actId="478"/>
-          <ac:picMkLst>
-            <pc:docMk/>
-            <pc:sldMk cId="847810682" sldId="280"/>
-            <ac:picMk id="3" creationId="{D1EEB70D-1CB0-0272-A052-07177A2B9357}"/>
-          </ac:picMkLst>
-        </pc:picChg>
-        <pc:picChg chg="add mod">
-          <ac:chgData name="Riccardo Berta" userId="c8694f89-bba4-4576-b0a8-456619ca5a8c" providerId="ADAL" clId="{CC2577DF-8224-C94B-83B1-76B6D0365435}" dt="2022-09-05T16:05:57.511" v="4195" actId="164"/>
-          <ac:picMkLst>
-            <pc:docMk/>
-            <pc:sldMk cId="847810682" sldId="280"/>
-            <ac:picMk id="5" creationId="{60D53130-2690-42B1-E5D0-DF135D1AEC3A}"/>
-          </ac:picMkLst>
-        </pc:picChg>
-        <pc:picChg chg="add mod">
-          <ac:chgData name="Riccardo Berta" userId="c8694f89-bba4-4576-b0a8-456619ca5a8c" providerId="ADAL" clId="{CC2577DF-8224-C94B-83B1-76B6D0365435}" dt="2022-09-05T16:05:57.511" v="4195" actId="164"/>
-          <ac:picMkLst>
-            <pc:docMk/>
-            <pc:sldMk cId="847810682" sldId="280"/>
-            <ac:picMk id="7" creationId="{F29BB5E2-6591-398F-4D30-4C5BDA172BE8}"/>
-          </ac:picMkLst>
-        </pc:picChg>
-      </pc:sldChg>
-      <pc:sldChg chg="addSp delSp modSp add del mod">
-        <pc:chgData name="Riccardo Berta" userId="c8694f89-bba4-4576-b0a8-456619ca5a8c" providerId="ADAL" clId="{CC2577DF-8224-C94B-83B1-76B6D0365435}" dt="2022-10-07T08:10:19.171" v="4257" actId="2696"/>
-        <pc:sldMkLst>
-          <pc:docMk/>
-          <pc:sldMk cId="2020508806" sldId="281"/>
-        </pc:sldMkLst>
-        <pc:spChg chg="mod">
-          <ac:chgData name="Riccardo Berta" userId="c8694f89-bba4-4576-b0a8-456619ca5a8c" providerId="ADAL" clId="{CC2577DF-8224-C94B-83B1-76B6D0365435}" dt="2022-09-05T16:06:38.310" v="4202" actId="20577"/>
-          <ac:spMkLst>
-            <pc:docMk/>
-            <pc:sldMk cId="2020508806" sldId="281"/>
-            <ac:spMk id="83" creationId="{00000000-0000-0000-0000-000000000000}"/>
-          </ac:spMkLst>
-        </pc:spChg>
-        <pc:spChg chg="mod">
-          <ac:chgData name="Riccardo Berta" userId="c8694f89-bba4-4576-b0a8-456619ca5a8c" providerId="ADAL" clId="{CC2577DF-8224-C94B-83B1-76B6D0365435}" dt="2022-09-05T16:07:18.036" v="4223" actId="20577"/>
-          <ac:spMkLst>
-            <pc:docMk/>
-            <pc:sldMk cId="2020508806" sldId="281"/>
-            <ac:spMk id="84" creationId="{00000000-0000-0000-0000-000000000000}"/>
-          </ac:spMkLst>
-        </pc:spChg>
-        <pc:grpChg chg="del">
-          <ac:chgData name="Riccardo Berta" userId="c8694f89-bba4-4576-b0a8-456619ca5a8c" providerId="ADAL" clId="{CC2577DF-8224-C94B-83B1-76B6D0365435}" dt="2022-09-05T16:07:07.868" v="4212" actId="478"/>
-          <ac:grpSpMkLst>
-            <pc:docMk/>
-            <pc:sldMk cId="2020508806" sldId="281"/>
-            <ac:grpSpMk id="8" creationId="{B088EF45-46A1-72C0-2BAB-C4ECCEBB90AC}"/>
-          </ac:grpSpMkLst>
-        </pc:grpChg>
-        <pc:grpChg chg="add mod">
-          <ac:chgData name="Riccardo Berta" userId="c8694f89-bba4-4576-b0a8-456619ca5a8c" providerId="ADAL" clId="{CC2577DF-8224-C94B-83B1-76B6D0365435}" dt="2022-09-05T16:08:47.299" v="4256" actId="164"/>
-          <ac:grpSpMkLst>
-            <pc:docMk/>
-            <pc:sldMk cId="2020508806" sldId="281"/>
-            <ac:grpSpMk id="10" creationId="{68B0135D-006A-359B-6428-19C5C0FE7A44}"/>
-          </ac:grpSpMkLst>
-        </pc:grpChg>
-        <pc:picChg chg="del">
-          <ac:chgData name="Riccardo Berta" userId="c8694f89-bba4-4576-b0a8-456619ca5a8c" providerId="ADAL" clId="{CC2577DF-8224-C94B-83B1-76B6D0365435}" dt="2022-09-05T16:07:12.157" v="4214" actId="478"/>
-          <ac:picMkLst>
-            <pc:docMk/>
-            <pc:sldMk cId="2020508806" sldId="281"/>
-            <ac:picMk id="3" creationId="{C8800584-FFAB-CB64-2C43-56C176E0F5BA}"/>
-          </ac:picMkLst>
-        </pc:picChg>
-        <pc:picChg chg="add mod">
-          <ac:chgData name="Riccardo Berta" userId="c8694f89-bba4-4576-b0a8-456619ca5a8c" providerId="ADAL" clId="{CC2577DF-8224-C94B-83B1-76B6D0365435}" dt="2022-09-05T16:08:47.299" v="4256" actId="164"/>
-          <ac:picMkLst>
-            <pc:docMk/>
-            <pc:sldMk cId="2020508806" sldId="281"/>
-            <ac:picMk id="4" creationId="{9B053237-20BE-BD4E-682E-FF2B1CBFEE42}"/>
-          </ac:picMkLst>
-        </pc:picChg>
-        <pc:picChg chg="add mod">
-          <ac:chgData name="Riccardo Berta" userId="c8694f89-bba4-4576-b0a8-456619ca5a8c" providerId="ADAL" clId="{CC2577DF-8224-C94B-83B1-76B6D0365435}" dt="2022-09-05T16:08:47.299" v="4256" actId="164"/>
-          <ac:picMkLst>
-            <pc:docMk/>
-            <pc:sldMk cId="2020508806" sldId="281"/>
-            <ac:picMk id="9" creationId="{BC512BE5-19A4-D315-65CD-946C43A198C2}"/>
-          </ac:picMkLst>
-        </pc:picChg>
       </pc:sldChg>
     </pc:docChg>
   </pc:docChgLst>
@@ -3999,660 +1180,6 @@
 </p:notes>
 </file>
 
-<file path=ppt/notesSlides/notesSlide10.xml><?xml version="1.0" encoding="utf-8"?>
-<p:notes xmlns:a="http://schemas.openxmlformats.org/drawingml/2006/main" xmlns:r="http://schemas.openxmlformats.org/officeDocument/2006/relationships" xmlns:p="http://schemas.openxmlformats.org/presentationml/2006/main" showMasterSp="0" showMasterPhAnim="0">
-  <p:cSld>
-    <p:spTree>
-      <p:nvGrpSpPr>
-        <p:cNvPr id="1" name="Shape 79"/>
-        <p:cNvGrpSpPr/>
-        <p:nvPr/>
-      </p:nvGrpSpPr>
-      <p:grpSpPr>
-        <a:xfrm>
-          <a:off x="0" y="0"/>
-          <a:ext cx="0" cy="0"/>
-          <a:chOff x="0" y="0"/>
-          <a:chExt cx="0" cy="0"/>
-        </a:xfrm>
-      </p:grpSpPr>
-      <p:sp>
-        <p:nvSpPr>
-          <p:cNvPr id="80" name="Google Shape;80;geed6aedbf_0_0:notes"/>
-          <p:cNvSpPr>
-            <a:spLocks noGrp="1" noRot="1" noChangeAspect="1"/>
-          </p:cNvSpPr>
-          <p:nvPr>
-            <p:ph type="sldImg" idx="2"/>
-          </p:nvPr>
-        </p:nvSpPr>
-        <p:spPr>
-          <a:xfrm>
-            <a:off x="1143000" y="685800"/>
-            <a:ext cx="4572000" cy="3429000"/>
-          </a:xfrm>
-          <a:custGeom>
-            <a:avLst/>
-            <a:gdLst/>
-            <a:ahLst/>
-            <a:cxnLst/>
-            <a:rect l="l" t="t" r="r" b="b"/>
-            <a:pathLst>
-              <a:path w="120000" h="120000" extrusionOk="0">
-                <a:moveTo>
-                  <a:pt x="0" y="0"/>
-                </a:moveTo>
-                <a:lnTo>
-                  <a:pt x="120000" y="0"/>
-                </a:lnTo>
-                <a:lnTo>
-                  <a:pt x="120000" y="120000"/>
-                </a:lnTo>
-                <a:lnTo>
-                  <a:pt x="0" y="120000"/>
-                </a:lnTo>
-                <a:close/>
-              </a:path>
-            </a:pathLst>
-          </a:custGeom>
-        </p:spPr>
-      </p:sp>
-      <p:sp>
-        <p:nvSpPr>
-          <p:cNvPr id="81" name="Google Shape;81;geed6aedbf_0_0:notes"/>
-          <p:cNvSpPr txBox="1">
-            <a:spLocks noGrp="1"/>
-          </p:cNvSpPr>
-          <p:nvPr>
-            <p:ph type="body" idx="1"/>
-          </p:nvPr>
-        </p:nvSpPr>
-        <p:spPr>
-          <a:xfrm>
-            <a:off x="685800" y="4343400"/>
-            <a:ext cx="5486400" cy="4114800"/>
-          </a:xfrm>
-          <a:prstGeom prst="rect">
-            <a:avLst/>
-          </a:prstGeom>
-        </p:spPr>
-        <p:txBody>
-          <a:bodyPr spcFirstLastPara="1" wrap="square" lIns="91425" tIns="91425" rIns="91425" bIns="91425" anchor="t" anchorCtr="0">
-            <a:noAutofit/>
-          </a:bodyPr>
-          <a:lstStyle/>
-          <a:p>
-            <a:pPr marL="0" lvl="0" indent="0" algn="l" rtl="0">
-              <a:spcBef>
-                <a:spcPts val="0"/>
-              </a:spcBef>
-              <a:spcAft>
-                <a:spcPts val="0"/>
-              </a:spcAft>
-              <a:buNone/>
-            </a:pPr>
-            <a:endParaRPr/>
-          </a:p>
-        </p:txBody>
-      </p:sp>
-    </p:spTree>
-    <p:extLst>
-      <p:ext uri="{BB962C8B-B14F-4D97-AF65-F5344CB8AC3E}">
-        <p14:creationId xmlns:p14="http://schemas.microsoft.com/office/powerpoint/2010/main" val="2294506249"/>
-      </p:ext>
-    </p:extLst>
-  </p:cSld>
-  <p:clrMapOvr>
-    <a:masterClrMapping/>
-  </p:clrMapOvr>
-</p:notes>
-</file>
-
-<file path=ppt/notesSlides/notesSlide11.xml><?xml version="1.0" encoding="utf-8"?>
-<p:notes xmlns:a="http://schemas.openxmlformats.org/drawingml/2006/main" xmlns:r="http://schemas.openxmlformats.org/officeDocument/2006/relationships" xmlns:p="http://schemas.openxmlformats.org/presentationml/2006/main" showMasterSp="0" showMasterPhAnim="0">
-  <p:cSld>
-    <p:spTree>
-      <p:nvGrpSpPr>
-        <p:cNvPr id="1" name="Shape 79"/>
-        <p:cNvGrpSpPr/>
-        <p:nvPr/>
-      </p:nvGrpSpPr>
-      <p:grpSpPr>
-        <a:xfrm>
-          <a:off x="0" y="0"/>
-          <a:ext cx="0" cy="0"/>
-          <a:chOff x="0" y="0"/>
-          <a:chExt cx="0" cy="0"/>
-        </a:xfrm>
-      </p:grpSpPr>
-      <p:sp>
-        <p:nvSpPr>
-          <p:cNvPr id="80" name="Google Shape;80;geed6aedbf_0_0:notes"/>
-          <p:cNvSpPr>
-            <a:spLocks noGrp="1" noRot="1" noChangeAspect="1"/>
-          </p:cNvSpPr>
-          <p:nvPr>
-            <p:ph type="sldImg" idx="2"/>
-          </p:nvPr>
-        </p:nvSpPr>
-        <p:spPr>
-          <a:xfrm>
-            <a:off x="1143000" y="685800"/>
-            <a:ext cx="4572000" cy="3429000"/>
-          </a:xfrm>
-          <a:custGeom>
-            <a:avLst/>
-            <a:gdLst/>
-            <a:ahLst/>
-            <a:cxnLst/>
-            <a:rect l="l" t="t" r="r" b="b"/>
-            <a:pathLst>
-              <a:path w="120000" h="120000" extrusionOk="0">
-                <a:moveTo>
-                  <a:pt x="0" y="0"/>
-                </a:moveTo>
-                <a:lnTo>
-                  <a:pt x="120000" y="0"/>
-                </a:lnTo>
-                <a:lnTo>
-                  <a:pt x="120000" y="120000"/>
-                </a:lnTo>
-                <a:lnTo>
-                  <a:pt x="0" y="120000"/>
-                </a:lnTo>
-                <a:close/>
-              </a:path>
-            </a:pathLst>
-          </a:custGeom>
-        </p:spPr>
-      </p:sp>
-      <p:sp>
-        <p:nvSpPr>
-          <p:cNvPr id="81" name="Google Shape;81;geed6aedbf_0_0:notes"/>
-          <p:cNvSpPr txBox="1">
-            <a:spLocks noGrp="1"/>
-          </p:cNvSpPr>
-          <p:nvPr>
-            <p:ph type="body" idx="1"/>
-          </p:nvPr>
-        </p:nvSpPr>
-        <p:spPr>
-          <a:xfrm>
-            <a:off x="685800" y="4343400"/>
-            <a:ext cx="5486400" cy="4114800"/>
-          </a:xfrm>
-          <a:prstGeom prst="rect">
-            <a:avLst/>
-          </a:prstGeom>
-        </p:spPr>
-        <p:txBody>
-          <a:bodyPr spcFirstLastPara="1" wrap="square" lIns="91425" tIns="91425" rIns="91425" bIns="91425" anchor="t" anchorCtr="0">
-            <a:noAutofit/>
-          </a:bodyPr>
-          <a:lstStyle/>
-          <a:p>
-            <a:pPr marL="0" lvl="0" indent="0" algn="l" rtl="0">
-              <a:spcBef>
-                <a:spcPts val="0"/>
-              </a:spcBef>
-              <a:spcAft>
-                <a:spcPts val="0"/>
-              </a:spcAft>
-              <a:buNone/>
-            </a:pPr>
-            <a:endParaRPr/>
-          </a:p>
-        </p:txBody>
-      </p:sp>
-    </p:spTree>
-    <p:extLst>
-      <p:ext uri="{BB962C8B-B14F-4D97-AF65-F5344CB8AC3E}">
-        <p14:creationId xmlns:p14="http://schemas.microsoft.com/office/powerpoint/2010/main" val="3992448853"/>
-      </p:ext>
-    </p:extLst>
-  </p:cSld>
-  <p:clrMapOvr>
-    <a:masterClrMapping/>
-  </p:clrMapOvr>
-</p:notes>
-</file>
-
-<file path=ppt/notesSlides/notesSlide12.xml><?xml version="1.0" encoding="utf-8"?>
-<p:notes xmlns:a="http://schemas.openxmlformats.org/drawingml/2006/main" xmlns:r="http://schemas.openxmlformats.org/officeDocument/2006/relationships" xmlns:p="http://schemas.openxmlformats.org/presentationml/2006/main" showMasterSp="0" showMasterPhAnim="0">
-  <p:cSld>
-    <p:spTree>
-      <p:nvGrpSpPr>
-        <p:cNvPr id="1" name="Shape 79"/>
-        <p:cNvGrpSpPr/>
-        <p:nvPr/>
-      </p:nvGrpSpPr>
-      <p:grpSpPr>
-        <a:xfrm>
-          <a:off x="0" y="0"/>
-          <a:ext cx="0" cy="0"/>
-          <a:chOff x="0" y="0"/>
-          <a:chExt cx="0" cy="0"/>
-        </a:xfrm>
-      </p:grpSpPr>
-      <p:sp>
-        <p:nvSpPr>
-          <p:cNvPr id="80" name="Google Shape;80;geed6aedbf_0_0:notes"/>
-          <p:cNvSpPr>
-            <a:spLocks noGrp="1" noRot="1" noChangeAspect="1"/>
-          </p:cNvSpPr>
-          <p:nvPr>
-            <p:ph type="sldImg" idx="2"/>
-          </p:nvPr>
-        </p:nvSpPr>
-        <p:spPr>
-          <a:xfrm>
-            <a:off x="1143000" y="685800"/>
-            <a:ext cx="4572000" cy="3429000"/>
-          </a:xfrm>
-          <a:custGeom>
-            <a:avLst/>
-            <a:gdLst/>
-            <a:ahLst/>
-            <a:cxnLst/>
-            <a:rect l="l" t="t" r="r" b="b"/>
-            <a:pathLst>
-              <a:path w="120000" h="120000" extrusionOk="0">
-                <a:moveTo>
-                  <a:pt x="0" y="0"/>
-                </a:moveTo>
-                <a:lnTo>
-                  <a:pt x="120000" y="0"/>
-                </a:lnTo>
-                <a:lnTo>
-                  <a:pt x="120000" y="120000"/>
-                </a:lnTo>
-                <a:lnTo>
-                  <a:pt x="0" y="120000"/>
-                </a:lnTo>
-                <a:close/>
-              </a:path>
-            </a:pathLst>
-          </a:custGeom>
-        </p:spPr>
-      </p:sp>
-      <p:sp>
-        <p:nvSpPr>
-          <p:cNvPr id="81" name="Google Shape;81;geed6aedbf_0_0:notes"/>
-          <p:cNvSpPr txBox="1">
-            <a:spLocks noGrp="1"/>
-          </p:cNvSpPr>
-          <p:nvPr>
-            <p:ph type="body" idx="1"/>
-          </p:nvPr>
-        </p:nvSpPr>
-        <p:spPr>
-          <a:xfrm>
-            <a:off x="685800" y="4343400"/>
-            <a:ext cx="5486400" cy="4114800"/>
-          </a:xfrm>
-          <a:prstGeom prst="rect">
-            <a:avLst/>
-          </a:prstGeom>
-        </p:spPr>
-        <p:txBody>
-          <a:bodyPr spcFirstLastPara="1" wrap="square" lIns="91425" tIns="91425" rIns="91425" bIns="91425" anchor="t" anchorCtr="0">
-            <a:noAutofit/>
-          </a:bodyPr>
-          <a:lstStyle/>
-          <a:p>
-            <a:pPr marL="0" lvl="0" indent="0" algn="l" rtl="0">
-              <a:spcBef>
-                <a:spcPts val="0"/>
-              </a:spcBef>
-              <a:spcAft>
-                <a:spcPts val="0"/>
-              </a:spcAft>
-              <a:buNone/>
-            </a:pPr>
-            <a:endParaRPr dirty="0"/>
-          </a:p>
-        </p:txBody>
-      </p:sp>
-    </p:spTree>
-    <p:extLst>
-      <p:ext uri="{BB962C8B-B14F-4D97-AF65-F5344CB8AC3E}">
-        <p14:creationId xmlns:p14="http://schemas.microsoft.com/office/powerpoint/2010/main" val="3544059695"/>
-      </p:ext>
-    </p:extLst>
-  </p:cSld>
-  <p:clrMapOvr>
-    <a:masterClrMapping/>
-  </p:clrMapOvr>
-</p:notes>
-</file>
-
-<file path=ppt/notesSlides/notesSlide13.xml><?xml version="1.0" encoding="utf-8"?>
-<p:notes xmlns:a="http://schemas.openxmlformats.org/drawingml/2006/main" xmlns:r="http://schemas.openxmlformats.org/officeDocument/2006/relationships" xmlns:p="http://schemas.openxmlformats.org/presentationml/2006/main" showMasterSp="0" showMasterPhAnim="0">
-  <p:cSld>
-    <p:spTree>
-      <p:nvGrpSpPr>
-        <p:cNvPr id="1" name="Shape 79"/>
-        <p:cNvGrpSpPr/>
-        <p:nvPr/>
-      </p:nvGrpSpPr>
-      <p:grpSpPr>
-        <a:xfrm>
-          <a:off x="0" y="0"/>
-          <a:ext cx="0" cy="0"/>
-          <a:chOff x="0" y="0"/>
-          <a:chExt cx="0" cy="0"/>
-        </a:xfrm>
-      </p:grpSpPr>
-      <p:sp>
-        <p:nvSpPr>
-          <p:cNvPr id="80" name="Google Shape;80;geed6aedbf_0_0:notes"/>
-          <p:cNvSpPr>
-            <a:spLocks noGrp="1" noRot="1" noChangeAspect="1"/>
-          </p:cNvSpPr>
-          <p:nvPr>
-            <p:ph type="sldImg" idx="2"/>
-          </p:nvPr>
-        </p:nvSpPr>
-        <p:spPr>
-          <a:xfrm>
-            <a:off x="1143000" y="685800"/>
-            <a:ext cx="4572000" cy="3429000"/>
-          </a:xfrm>
-          <a:custGeom>
-            <a:avLst/>
-            <a:gdLst/>
-            <a:ahLst/>
-            <a:cxnLst/>
-            <a:rect l="l" t="t" r="r" b="b"/>
-            <a:pathLst>
-              <a:path w="120000" h="120000" extrusionOk="0">
-                <a:moveTo>
-                  <a:pt x="0" y="0"/>
-                </a:moveTo>
-                <a:lnTo>
-                  <a:pt x="120000" y="0"/>
-                </a:lnTo>
-                <a:lnTo>
-                  <a:pt x="120000" y="120000"/>
-                </a:lnTo>
-                <a:lnTo>
-                  <a:pt x="0" y="120000"/>
-                </a:lnTo>
-                <a:close/>
-              </a:path>
-            </a:pathLst>
-          </a:custGeom>
-        </p:spPr>
-      </p:sp>
-      <p:sp>
-        <p:nvSpPr>
-          <p:cNvPr id="81" name="Google Shape;81;geed6aedbf_0_0:notes"/>
-          <p:cNvSpPr txBox="1">
-            <a:spLocks noGrp="1"/>
-          </p:cNvSpPr>
-          <p:nvPr>
-            <p:ph type="body" idx="1"/>
-          </p:nvPr>
-        </p:nvSpPr>
-        <p:spPr>
-          <a:xfrm>
-            <a:off x="685800" y="4343400"/>
-            <a:ext cx="5486400" cy="4114800"/>
-          </a:xfrm>
-          <a:prstGeom prst="rect">
-            <a:avLst/>
-          </a:prstGeom>
-        </p:spPr>
-        <p:txBody>
-          <a:bodyPr spcFirstLastPara="1" wrap="square" lIns="91425" tIns="91425" rIns="91425" bIns="91425" anchor="t" anchorCtr="0">
-            <a:noAutofit/>
-          </a:bodyPr>
-          <a:lstStyle/>
-          <a:p>
-            <a:pPr marL="0" lvl="0" indent="0" algn="l" rtl="0">
-              <a:spcBef>
-                <a:spcPts val="0"/>
-              </a:spcBef>
-              <a:spcAft>
-                <a:spcPts val="0"/>
-              </a:spcAft>
-              <a:buNone/>
-            </a:pPr>
-            <a:endParaRPr/>
-          </a:p>
-        </p:txBody>
-      </p:sp>
-    </p:spTree>
-    <p:extLst>
-      <p:ext uri="{BB962C8B-B14F-4D97-AF65-F5344CB8AC3E}">
-        <p14:creationId xmlns:p14="http://schemas.microsoft.com/office/powerpoint/2010/main" val="3417467386"/>
-      </p:ext>
-    </p:extLst>
-  </p:cSld>
-  <p:clrMapOvr>
-    <a:masterClrMapping/>
-  </p:clrMapOvr>
-</p:notes>
-</file>
-
-<file path=ppt/notesSlides/notesSlide14.xml><?xml version="1.0" encoding="utf-8"?>
-<p:notes xmlns:a="http://schemas.openxmlformats.org/drawingml/2006/main" xmlns:r="http://schemas.openxmlformats.org/officeDocument/2006/relationships" xmlns:p="http://schemas.openxmlformats.org/presentationml/2006/main" showMasterSp="0" showMasterPhAnim="0">
-  <p:cSld>
-    <p:spTree>
-      <p:nvGrpSpPr>
-        <p:cNvPr id="1" name="Shape 79"/>
-        <p:cNvGrpSpPr/>
-        <p:nvPr/>
-      </p:nvGrpSpPr>
-      <p:grpSpPr>
-        <a:xfrm>
-          <a:off x="0" y="0"/>
-          <a:ext cx="0" cy="0"/>
-          <a:chOff x="0" y="0"/>
-          <a:chExt cx="0" cy="0"/>
-        </a:xfrm>
-      </p:grpSpPr>
-      <p:sp>
-        <p:nvSpPr>
-          <p:cNvPr id="80" name="Google Shape;80;geed6aedbf_0_0:notes"/>
-          <p:cNvSpPr>
-            <a:spLocks noGrp="1" noRot="1" noChangeAspect="1"/>
-          </p:cNvSpPr>
-          <p:nvPr>
-            <p:ph type="sldImg" idx="2"/>
-          </p:nvPr>
-        </p:nvSpPr>
-        <p:spPr>
-          <a:xfrm>
-            <a:off x="1143000" y="685800"/>
-            <a:ext cx="4572000" cy="3429000"/>
-          </a:xfrm>
-          <a:custGeom>
-            <a:avLst/>
-            <a:gdLst/>
-            <a:ahLst/>
-            <a:cxnLst/>
-            <a:rect l="l" t="t" r="r" b="b"/>
-            <a:pathLst>
-              <a:path w="120000" h="120000" extrusionOk="0">
-                <a:moveTo>
-                  <a:pt x="0" y="0"/>
-                </a:moveTo>
-                <a:lnTo>
-                  <a:pt x="120000" y="0"/>
-                </a:lnTo>
-                <a:lnTo>
-                  <a:pt x="120000" y="120000"/>
-                </a:lnTo>
-                <a:lnTo>
-                  <a:pt x="0" y="120000"/>
-                </a:lnTo>
-                <a:close/>
-              </a:path>
-            </a:pathLst>
-          </a:custGeom>
-        </p:spPr>
-      </p:sp>
-      <p:sp>
-        <p:nvSpPr>
-          <p:cNvPr id="81" name="Google Shape;81;geed6aedbf_0_0:notes"/>
-          <p:cNvSpPr txBox="1">
-            <a:spLocks noGrp="1"/>
-          </p:cNvSpPr>
-          <p:nvPr>
-            <p:ph type="body" idx="1"/>
-          </p:nvPr>
-        </p:nvSpPr>
-        <p:spPr>
-          <a:xfrm>
-            <a:off x="685800" y="4343400"/>
-            <a:ext cx="5486400" cy="4114800"/>
-          </a:xfrm>
-          <a:prstGeom prst="rect">
-            <a:avLst/>
-          </a:prstGeom>
-        </p:spPr>
-        <p:txBody>
-          <a:bodyPr spcFirstLastPara="1" wrap="square" lIns="91425" tIns="91425" rIns="91425" bIns="91425" anchor="t" anchorCtr="0">
-            <a:noAutofit/>
-          </a:bodyPr>
-          <a:lstStyle/>
-          <a:p>
-            <a:pPr marL="0" lvl="0" indent="0" algn="l" rtl="0">
-              <a:spcBef>
-                <a:spcPts val="0"/>
-              </a:spcBef>
-              <a:spcAft>
-                <a:spcPts val="0"/>
-              </a:spcAft>
-              <a:buNone/>
-            </a:pPr>
-            <a:endParaRPr/>
-          </a:p>
-        </p:txBody>
-      </p:sp>
-    </p:spTree>
-    <p:extLst>
-      <p:ext uri="{BB962C8B-B14F-4D97-AF65-F5344CB8AC3E}">
-        <p14:creationId xmlns:p14="http://schemas.microsoft.com/office/powerpoint/2010/main" val="2207654642"/>
-      </p:ext>
-    </p:extLst>
-  </p:cSld>
-  <p:clrMapOvr>
-    <a:masterClrMapping/>
-  </p:clrMapOvr>
-</p:notes>
-</file>
-
-<file path=ppt/notesSlides/notesSlide15.xml><?xml version="1.0" encoding="utf-8"?>
-<p:notes xmlns:a="http://schemas.openxmlformats.org/drawingml/2006/main" xmlns:r="http://schemas.openxmlformats.org/officeDocument/2006/relationships" xmlns:p="http://schemas.openxmlformats.org/presentationml/2006/main" showMasterSp="0" showMasterPhAnim="0">
-  <p:cSld>
-    <p:spTree>
-      <p:nvGrpSpPr>
-        <p:cNvPr id="1" name="Shape 79"/>
-        <p:cNvGrpSpPr/>
-        <p:nvPr/>
-      </p:nvGrpSpPr>
-      <p:grpSpPr>
-        <a:xfrm>
-          <a:off x="0" y="0"/>
-          <a:ext cx="0" cy="0"/>
-          <a:chOff x="0" y="0"/>
-          <a:chExt cx="0" cy="0"/>
-        </a:xfrm>
-      </p:grpSpPr>
-      <p:sp>
-        <p:nvSpPr>
-          <p:cNvPr id="80" name="Google Shape;80;geed6aedbf_0_0:notes"/>
-          <p:cNvSpPr>
-            <a:spLocks noGrp="1" noRot="1" noChangeAspect="1"/>
-          </p:cNvSpPr>
-          <p:nvPr>
-            <p:ph type="sldImg" idx="2"/>
-          </p:nvPr>
-        </p:nvSpPr>
-        <p:spPr>
-          <a:xfrm>
-            <a:off x="1143000" y="685800"/>
-            <a:ext cx="4572000" cy="3429000"/>
-          </a:xfrm>
-          <a:custGeom>
-            <a:avLst/>
-            <a:gdLst/>
-            <a:ahLst/>
-            <a:cxnLst/>
-            <a:rect l="l" t="t" r="r" b="b"/>
-            <a:pathLst>
-              <a:path w="120000" h="120000" extrusionOk="0">
-                <a:moveTo>
-                  <a:pt x="0" y="0"/>
-                </a:moveTo>
-                <a:lnTo>
-                  <a:pt x="120000" y="0"/>
-                </a:lnTo>
-                <a:lnTo>
-                  <a:pt x="120000" y="120000"/>
-                </a:lnTo>
-                <a:lnTo>
-                  <a:pt x="0" y="120000"/>
-                </a:lnTo>
-                <a:close/>
-              </a:path>
-            </a:pathLst>
-          </a:custGeom>
-        </p:spPr>
-      </p:sp>
-      <p:sp>
-        <p:nvSpPr>
-          <p:cNvPr id="81" name="Google Shape;81;geed6aedbf_0_0:notes"/>
-          <p:cNvSpPr txBox="1">
-            <a:spLocks noGrp="1"/>
-          </p:cNvSpPr>
-          <p:nvPr>
-            <p:ph type="body" idx="1"/>
-          </p:nvPr>
-        </p:nvSpPr>
-        <p:spPr>
-          <a:xfrm>
-            <a:off x="685800" y="4343400"/>
-            <a:ext cx="5486400" cy="4114800"/>
-          </a:xfrm>
-          <a:prstGeom prst="rect">
-            <a:avLst/>
-          </a:prstGeom>
-        </p:spPr>
-        <p:txBody>
-          <a:bodyPr spcFirstLastPara="1" wrap="square" lIns="91425" tIns="91425" rIns="91425" bIns="91425" anchor="t" anchorCtr="0">
-            <a:noAutofit/>
-          </a:bodyPr>
-          <a:lstStyle/>
-          <a:p>
-            <a:pPr marL="0" lvl="0" indent="0" algn="l" rtl="0">
-              <a:spcBef>
-                <a:spcPts val="0"/>
-              </a:spcBef>
-              <a:spcAft>
-                <a:spcPts val="0"/>
-              </a:spcAft>
-              <a:buNone/>
-            </a:pPr>
-            <a:endParaRPr/>
-          </a:p>
-        </p:txBody>
-      </p:sp>
-    </p:spTree>
-    <p:extLst>
-      <p:ext uri="{BB962C8B-B14F-4D97-AF65-F5344CB8AC3E}">
-        <p14:creationId xmlns:p14="http://schemas.microsoft.com/office/powerpoint/2010/main" val="3457657060"/>
-      </p:ext>
-    </p:extLst>
-  </p:cSld>
-  <p:clrMapOvr>
-    <a:masterClrMapping/>
-  </p:clrMapOvr>
-</p:notes>
-</file>
-
 <file path=ppt/notesSlides/notesSlide2.xml><?xml version="1.0" encoding="utf-8"?>
 <p:notes xmlns:a="http://schemas.openxmlformats.org/drawingml/2006/main" xmlns:r="http://schemas.openxmlformats.org/officeDocument/2006/relationships" xmlns:p="http://schemas.openxmlformats.org/presentationml/2006/main" showMasterSp="0" showMasterPhAnim="0">
   <p:cSld>
@@ -4856,7 +1383,7 @@
     </p:spTree>
     <p:extLst>
       <p:ext uri="{BB962C8B-B14F-4D97-AF65-F5344CB8AC3E}">
-        <p14:creationId xmlns:p14="http://schemas.microsoft.com/office/powerpoint/2010/main" val="1805296785"/>
+        <p14:creationId xmlns:p14="http://schemas.microsoft.com/office/powerpoint/2010/main" val="524371498"/>
       </p:ext>
     </p:extLst>
   </p:cSld>
@@ -4958,14 +1485,14 @@
               </a:spcAft>
               <a:buNone/>
             </a:pPr>
-            <a:endParaRPr dirty="0"/>
+            <a:endParaRPr/>
           </a:p>
         </p:txBody>
       </p:sp>
     </p:spTree>
     <p:extLst>
       <p:ext uri="{BB962C8B-B14F-4D97-AF65-F5344CB8AC3E}">
-        <p14:creationId xmlns:p14="http://schemas.microsoft.com/office/powerpoint/2010/main" val="846599258"/>
+        <p14:creationId xmlns:p14="http://schemas.microsoft.com/office/powerpoint/2010/main" val="2294506249"/>
       </p:ext>
     </p:extLst>
   </p:cSld>
@@ -4980,13 +1507,7 @@
   <p:cSld>
     <p:spTree>
       <p:nvGrpSpPr>
-        <p:cNvPr id="1" name="Shape 79">
-          <a:extLst>
-            <a:ext uri="{FF2B5EF4-FFF2-40B4-BE49-F238E27FC236}">
-              <a16:creationId xmlns:a16="http://schemas.microsoft.com/office/drawing/2014/main" id="{BC18AABF-FC96-6C5E-4834-658211E66826}"/>
-            </a:ext>
-          </a:extLst>
-        </p:cNvPr>
+        <p:cNvPr id="1" name="Shape 79"/>
         <p:cNvGrpSpPr/>
         <p:nvPr/>
       </p:nvGrpSpPr>
@@ -5000,13 +1521,7 @@
       </p:grpSpPr>
       <p:sp>
         <p:nvSpPr>
-          <p:cNvPr id="80" name="Google Shape;80;geed6aedbf_0_0:notes">
-            <a:extLst>
-              <a:ext uri="{FF2B5EF4-FFF2-40B4-BE49-F238E27FC236}">
-                <a16:creationId xmlns:a16="http://schemas.microsoft.com/office/drawing/2014/main" id="{BCF833D0-AF73-7C3C-F8F6-1537F9ACFEB1}"/>
-              </a:ext>
-            </a:extLst>
-          </p:cNvPr>
+          <p:cNvPr id="80" name="Google Shape;80;geed6aedbf_0_0:notes"/>
           <p:cNvSpPr>
             <a:spLocks noGrp="1" noRot="1" noChangeAspect="1"/>
           </p:cNvSpPr>
@@ -5047,13 +1562,7 @@
       </p:sp>
       <p:sp>
         <p:nvSpPr>
-          <p:cNvPr id="81" name="Google Shape;81;geed6aedbf_0_0:notes">
-            <a:extLst>
-              <a:ext uri="{FF2B5EF4-FFF2-40B4-BE49-F238E27FC236}">
-                <a16:creationId xmlns:a16="http://schemas.microsoft.com/office/drawing/2014/main" id="{DFBA13C6-61B5-DFC8-8B3A-9CF987A31420}"/>
-              </a:ext>
-            </a:extLst>
-          </p:cNvPr>
+          <p:cNvPr id="81" name="Google Shape;81;geed6aedbf_0_0:notes"/>
           <p:cNvSpPr txBox="1">
             <a:spLocks noGrp="1"/>
           </p:cNvSpPr>
@@ -5092,7 +1601,7 @@
     </p:spTree>
     <p:extLst>
       <p:ext uri="{BB962C8B-B14F-4D97-AF65-F5344CB8AC3E}">
-        <p14:creationId xmlns:p14="http://schemas.microsoft.com/office/powerpoint/2010/main" val="1815683533"/>
+        <p14:creationId xmlns:p14="http://schemas.microsoft.com/office/powerpoint/2010/main" val="3544059695"/>
       </p:ext>
     </p:extLst>
   </p:cSld>
@@ -5201,7 +1710,7 @@
     </p:spTree>
     <p:extLst>
       <p:ext uri="{BB962C8B-B14F-4D97-AF65-F5344CB8AC3E}">
-        <p14:creationId xmlns:p14="http://schemas.microsoft.com/office/powerpoint/2010/main" val="1025676310"/>
+        <p14:creationId xmlns:p14="http://schemas.microsoft.com/office/powerpoint/2010/main" val="3417467386"/>
       </p:ext>
     </p:extLst>
   </p:cSld>
@@ -5310,7 +1819,7 @@
     </p:spTree>
     <p:extLst>
       <p:ext uri="{BB962C8B-B14F-4D97-AF65-F5344CB8AC3E}">
-        <p14:creationId xmlns:p14="http://schemas.microsoft.com/office/powerpoint/2010/main" val="3085140059"/>
+        <p14:creationId xmlns:p14="http://schemas.microsoft.com/office/powerpoint/2010/main" val="2207654642"/>
       </p:ext>
     </p:extLst>
   </p:cSld>
@@ -5419,116 +1928,7 @@
     </p:spTree>
     <p:extLst>
       <p:ext uri="{BB962C8B-B14F-4D97-AF65-F5344CB8AC3E}">
-        <p14:creationId xmlns:p14="http://schemas.microsoft.com/office/powerpoint/2010/main" val="3128254391"/>
-      </p:ext>
-    </p:extLst>
-  </p:cSld>
-  <p:clrMapOvr>
-    <a:masterClrMapping/>
-  </p:clrMapOvr>
-</p:notes>
-</file>
-
-<file path=ppt/notesSlides/notesSlide9.xml><?xml version="1.0" encoding="utf-8"?>
-<p:notes xmlns:a="http://schemas.openxmlformats.org/drawingml/2006/main" xmlns:r="http://schemas.openxmlformats.org/officeDocument/2006/relationships" xmlns:p="http://schemas.openxmlformats.org/presentationml/2006/main" showMasterSp="0" showMasterPhAnim="0">
-  <p:cSld>
-    <p:spTree>
-      <p:nvGrpSpPr>
-        <p:cNvPr id="1" name="Shape 79"/>
-        <p:cNvGrpSpPr/>
-        <p:nvPr/>
-      </p:nvGrpSpPr>
-      <p:grpSpPr>
-        <a:xfrm>
-          <a:off x="0" y="0"/>
-          <a:ext cx="0" cy="0"/>
-          <a:chOff x="0" y="0"/>
-          <a:chExt cx="0" cy="0"/>
-        </a:xfrm>
-      </p:grpSpPr>
-      <p:sp>
-        <p:nvSpPr>
-          <p:cNvPr id="80" name="Google Shape;80;geed6aedbf_0_0:notes"/>
-          <p:cNvSpPr>
-            <a:spLocks noGrp="1" noRot="1" noChangeAspect="1"/>
-          </p:cNvSpPr>
-          <p:nvPr>
-            <p:ph type="sldImg" idx="2"/>
-          </p:nvPr>
-        </p:nvSpPr>
-        <p:spPr>
-          <a:xfrm>
-            <a:off x="1143000" y="685800"/>
-            <a:ext cx="4572000" cy="3429000"/>
-          </a:xfrm>
-          <a:custGeom>
-            <a:avLst/>
-            <a:gdLst/>
-            <a:ahLst/>
-            <a:cxnLst/>
-            <a:rect l="l" t="t" r="r" b="b"/>
-            <a:pathLst>
-              <a:path w="120000" h="120000" extrusionOk="0">
-                <a:moveTo>
-                  <a:pt x="0" y="0"/>
-                </a:moveTo>
-                <a:lnTo>
-                  <a:pt x="120000" y="0"/>
-                </a:lnTo>
-                <a:lnTo>
-                  <a:pt x="120000" y="120000"/>
-                </a:lnTo>
-                <a:lnTo>
-                  <a:pt x="0" y="120000"/>
-                </a:lnTo>
-                <a:close/>
-              </a:path>
-            </a:pathLst>
-          </a:custGeom>
-        </p:spPr>
-      </p:sp>
-      <p:sp>
-        <p:nvSpPr>
-          <p:cNvPr id="81" name="Google Shape;81;geed6aedbf_0_0:notes"/>
-          <p:cNvSpPr txBox="1">
-            <a:spLocks noGrp="1"/>
-          </p:cNvSpPr>
-          <p:nvPr>
-            <p:ph type="body" idx="1"/>
-          </p:nvPr>
-        </p:nvSpPr>
-        <p:spPr>
-          <a:xfrm>
-            <a:off x="685800" y="4343400"/>
-            <a:ext cx="5486400" cy="4114800"/>
-          </a:xfrm>
-          <a:prstGeom prst="rect">
-            <a:avLst/>
-          </a:prstGeom>
-        </p:spPr>
-        <p:txBody>
-          <a:bodyPr spcFirstLastPara="1" wrap="square" lIns="91425" tIns="91425" rIns="91425" bIns="91425" anchor="t" anchorCtr="0">
-            <a:noAutofit/>
-          </a:bodyPr>
-          <a:lstStyle/>
-          <a:p>
-            <a:pPr marL="0" lvl="0" indent="0" algn="l" rtl="0">
-              <a:spcBef>
-                <a:spcPts val="0"/>
-              </a:spcBef>
-              <a:spcAft>
-                <a:spcPts val="0"/>
-              </a:spcAft>
-              <a:buNone/>
-            </a:pPr>
-            <a:endParaRPr/>
-          </a:p>
-        </p:txBody>
-      </p:sp>
-    </p:spTree>
-    <p:extLst>
-      <p:ext uri="{BB962C8B-B14F-4D97-AF65-F5344CB8AC3E}">
-        <p14:creationId xmlns:p14="http://schemas.microsoft.com/office/powerpoint/2010/main" val="524371498"/>
+        <p14:creationId xmlns:p14="http://schemas.microsoft.com/office/powerpoint/2010/main" val="3457657060"/>
       </p:ext>
     </p:extLst>
   </p:cSld>
@@ -5597,6 +1997,13 @@
             <a:tailEnd type="none" w="sm" len="sm"/>
           </a:ln>
         </p:spPr>
+        <p:txBody>
+          <a:bodyPr/>
+          <a:lstStyle/>
+          <a:p>
+            <a:endParaRPr lang="it-IT"/>
+          </a:p>
+        </p:txBody>
       </p:sp>
       <p:sp>
         <p:nvSpPr>
@@ -5640,6 +2047,13 @@
             <a:tailEnd type="none" w="sm" len="sm"/>
           </a:ln>
         </p:spPr>
+        <p:txBody>
+          <a:bodyPr/>
+          <a:lstStyle/>
+          <a:p>
+            <a:endParaRPr lang="it-IT"/>
+          </a:p>
+        </p:txBody>
       </p:sp>
       <p:sp>
         <p:nvSpPr>
@@ -10688,12 +7102,12 @@
 </p:sld>
 </file>
 
-<file path=ppt/slides/slide10.xml><?xml version="1.0" encoding="utf-8"?>
+<file path=ppt/slides/slide2.xml><?xml version="1.0" encoding="utf-8"?>
 <p:sld xmlns:a="http://schemas.openxmlformats.org/drawingml/2006/main" xmlns:r="http://schemas.openxmlformats.org/officeDocument/2006/relationships" xmlns:p="http://schemas.openxmlformats.org/presentationml/2006/main">
   <p:cSld>
     <p:spTree>
       <p:nvGrpSpPr>
-        <p:cNvPr id="1" name="Shape 82"/>
+        <p:cNvPr id="1" name=""/>
         <p:cNvGrpSpPr/>
         <p:nvPr/>
       </p:nvGrpSpPr>
@@ -10705,40 +7119,16 @@
           <a:chExt cx="0" cy="0"/>
         </a:xfrm>
       </p:grpSpPr>
-      <p:pic>
-        <p:nvPicPr>
-          <p:cNvPr id="3" name="Immagine 2">
+      <p:sp>
+        <p:nvSpPr>
+          <p:cNvPr id="2" name="Titolo 1">
             <a:extLst>
               <a:ext uri="{FF2B5EF4-FFF2-40B4-BE49-F238E27FC236}">
-                <a16:creationId xmlns:a16="http://schemas.microsoft.com/office/drawing/2014/main" id="{AC2ABD6D-E5F0-1ABE-7036-7012B7D80348}"/>
+                <a16:creationId xmlns:a16="http://schemas.microsoft.com/office/drawing/2014/main" id="{41268BF7-2F3B-A5C4-4F7E-1982399FCE62}"/>
               </a:ext>
             </a:extLst>
           </p:cNvPr>
-          <p:cNvPicPr>
-            <a:picLocks noChangeAspect="1"/>
-          </p:cNvPicPr>
-          <p:nvPr/>
-        </p:nvPicPr>
-        <p:blipFill>
-          <a:blip r:embed="rId3"/>
-          <a:stretch>
-            <a:fillRect/>
-          </a:stretch>
-        </p:blipFill>
-        <p:spPr>
-          <a:xfrm>
-            <a:off x="6129673" y="1855307"/>
-            <a:ext cx="2292432" cy="2718169"/>
-          </a:xfrm>
-          <a:prstGeom prst="rect">
-            <a:avLst/>
-          </a:prstGeom>
-        </p:spPr>
-      </p:pic>
-      <p:sp>
-        <p:nvSpPr>
-          <p:cNvPr id="83" name="Google Shape;83;p14"/>
-          <p:cNvSpPr txBox="1">
+          <p:cNvSpPr>
             <a:spLocks noGrp="1"/>
           </p:cNvSpPr>
           <p:nvPr>
@@ -10750,28 +7140,28 @@
             <a:off x="311700" y="421233"/>
             <a:ext cx="8520600" cy="622500"/>
           </a:xfrm>
-          <a:prstGeom prst="rect">
-            <a:avLst/>
-          </a:prstGeom>
         </p:spPr>
         <p:txBody>
-          <a:bodyPr spcFirstLastPara="1" wrap="square" lIns="91425" tIns="91425" rIns="91425" bIns="91425" anchor="b" anchorCtr="0">
-            <a:noAutofit/>
-          </a:bodyPr>
+          <a:bodyPr/>
           <a:lstStyle/>
           <a:p>
-            <a:pPr lvl="0"/>
             <a:r>
               <a:rPr lang="en-GB" dirty="0"/>
-              <a:t>Seven-segment Display Decoder (1)</a:t>
+              <a:t>Index</a:t>
             </a:r>
           </a:p>
         </p:txBody>
       </p:sp>
       <p:sp>
         <p:nvSpPr>
-          <p:cNvPr id="84" name="Google Shape;84;p14"/>
-          <p:cNvSpPr txBox="1">
+          <p:cNvPr id="3" name="Segnaposto testo 2">
+            <a:extLst>
+              <a:ext uri="{FF2B5EF4-FFF2-40B4-BE49-F238E27FC236}">
+                <a16:creationId xmlns:a16="http://schemas.microsoft.com/office/drawing/2014/main" id="{38BFAA1C-1163-169B-2D77-6FEF73CC8512}"/>
+              </a:ext>
+            </a:extLst>
+          </p:cNvPr>
+          <p:cNvSpPr>
             <a:spLocks noGrp="1"/>
           </p:cNvSpPr>
           <p:nvPr>
@@ -10780,75 +7170,36 @@
         </p:nvSpPr>
         <p:spPr>
           <a:xfrm>
-            <a:off x="162750" y="1212537"/>
-            <a:ext cx="8818500" cy="5100000"/>
+            <a:off x="311700" y="1043732"/>
+            <a:ext cx="8612381" cy="5284639"/>
           </a:xfrm>
-          <a:prstGeom prst="rect">
-            <a:avLst/>
-          </a:prstGeom>
         </p:spPr>
         <p:txBody>
-          <a:bodyPr spcFirstLastPara="1" wrap="square" lIns="91425" tIns="91425" rIns="91425" bIns="91425" anchor="t" anchorCtr="0">
-            <a:noAutofit/>
-          </a:bodyPr>
+          <a:bodyPr/>
           <a:lstStyle/>
           <a:p>
             <a:r>
               <a:rPr lang="en-GB" dirty="0"/>
-              <a:t>A device that takes a 4-bit data input D</a:t>
+              <a:t>Karnaugh maps</a:t>
             </a:r>
-            <a:r>
-              <a:rPr lang="en-GB" baseline="-25000" dirty="0"/>
-              <a:t>3:0</a:t>
-            </a:r>
+          </a:p>
+          <a:p>
             <a:r>
               <a:rPr lang="en-GB" dirty="0"/>
-              <a:t> and produces seven outputs </a:t>
+              <a:t>Logic Minimization</a:t>
             </a:r>
-            <a:br>
-              <a:rPr lang="en-GB" dirty="0"/>
-            </a:br>
+          </a:p>
+          <a:p>
             <a:r>
               <a:rPr lang="en-GB" dirty="0"/>
-              <a:t>S</a:t>
+              <a:t>Seven-segment Display Decoder</a:t>
             </a:r>
-            <a:r>
-              <a:rPr lang="en-GB" baseline="-25000" dirty="0"/>
-              <a:t>a</a:t>
-            </a:r>
+          </a:p>
+          <a:p>
             <a:r>
               <a:rPr lang="en-GB" dirty="0"/>
-              <a:t> - S</a:t>
+              <a:t>Don’t Cares</a:t>
             </a:r>
-            <a:r>
-              <a:rPr lang="en-GB" baseline="-25000" dirty="0"/>
-              <a:t>g</a:t>
-            </a:r>
-            <a:r>
-              <a:rPr lang="en-GB" dirty="0"/>
-              <a:t> to control a display from 0 to 9</a:t>
-            </a:r>
-          </a:p>
-          <a:p>
-            <a:endParaRPr lang="en-GB" dirty="0"/>
-          </a:p>
-          <a:p>
-            <a:endParaRPr lang="en-GB" dirty="0"/>
-          </a:p>
-          <a:p>
-            <a:endParaRPr lang="en-GB" dirty="0"/>
-          </a:p>
-          <a:p>
-            <a:endParaRPr lang="en-GB" dirty="0"/>
-          </a:p>
-          <a:p>
-            <a:r>
-              <a:rPr lang="en-GB" dirty="0"/>
-              <a:t>The truth table is:</a:t>
-            </a:r>
-          </a:p>
-          <a:p>
-            <a:endParaRPr lang="en-GB" dirty="0"/>
           </a:p>
           <a:p>
             <a:endParaRPr lang="en-GB" dirty="0"/>
@@ -10859,72 +7210,48 @@
             </a:pPr>
             <a:endParaRPr lang="en-GB" dirty="0"/>
           </a:p>
+          <a:p>
+            <a:endParaRPr lang="en-GB" dirty="0"/>
+          </a:p>
+          <a:p>
+            <a:endParaRPr lang="en-GB" dirty="0"/>
+          </a:p>
+          <a:p>
+            <a:endParaRPr lang="en-GB" dirty="0"/>
+          </a:p>
+          <a:p>
+            <a:endParaRPr lang="en-GB" dirty="0"/>
+          </a:p>
+          <a:p>
+            <a:endParaRPr lang="en-GB" dirty="0"/>
+          </a:p>
+          <a:p>
+            <a:endParaRPr lang="en-GB" dirty="0"/>
+          </a:p>
+          <a:p>
+            <a:endParaRPr lang="en-GB" dirty="0"/>
+          </a:p>
+          <a:p>
+            <a:endParaRPr lang="en-GB" dirty="0"/>
+          </a:p>
+          <a:p>
+            <a:endParaRPr lang="en-GB" dirty="0"/>
+          </a:p>
+          <a:p>
+            <a:endParaRPr lang="en-GB" dirty="0"/>
+          </a:p>
+          <a:p>
+            <a:endParaRPr lang="en-GB" dirty="0"/>
+          </a:p>
+          <a:p>
+            <a:endParaRPr lang="en-GB" dirty="0"/>
+          </a:p>
         </p:txBody>
       </p:sp>
-      <p:pic>
-        <p:nvPicPr>
-          <p:cNvPr id="5" name="Immagine 4">
-            <a:extLst>
-              <a:ext uri="{FF2B5EF4-FFF2-40B4-BE49-F238E27FC236}">
-                <a16:creationId xmlns:a16="http://schemas.microsoft.com/office/drawing/2014/main" id="{C98199A5-119C-5722-5AE7-2C8EE5EF1EC5}"/>
-              </a:ext>
-            </a:extLst>
-          </p:cNvPr>
-          <p:cNvPicPr>
-            <a:picLocks noChangeAspect="1"/>
-          </p:cNvPicPr>
-          <p:nvPr/>
-        </p:nvPicPr>
-        <p:blipFill>
-          <a:blip r:embed="rId4"/>
-          <a:stretch>
-            <a:fillRect/>
-          </a:stretch>
-        </p:blipFill>
-        <p:spPr>
-          <a:xfrm>
-            <a:off x="653382" y="1957586"/>
-            <a:ext cx="4808955" cy="850426"/>
-          </a:xfrm>
-          <a:prstGeom prst="rect">
-            <a:avLst/>
-          </a:prstGeom>
-        </p:spPr>
-      </p:pic>
-      <p:pic>
-        <p:nvPicPr>
-          <p:cNvPr id="7" name="Immagine 6">
-            <a:extLst>
-              <a:ext uri="{FF2B5EF4-FFF2-40B4-BE49-F238E27FC236}">
-                <a16:creationId xmlns:a16="http://schemas.microsoft.com/office/drawing/2014/main" id="{645207F7-3D02-32E1-E90C-32B75A1F5CAF}"/>
-              </a:ext>
-            </a:extLst>
-          </p:cNvPr>
-          <p:cNvPicPr>
-            <a:picLocks noChangeAspect="1"/>
-          </p:cNvPicPr>
-          <p:nvPr/>
-        </p:nvPicPr>
-        <p:blipFill>
-          <a:blip r:embed="rId5"/>
-          <a:stretch>
-            <a:fillRect/>
-          </a:stretch>
-        </p:blipFill>
-        <p:spPr>
-          <a:xfrm>
-            <a:off x="653382" y="3429000"/>
-            <a:ext cx="4436309" cy="3072689"/>
-          </a:xfrm>
-          <a:prstGeom prst="rect">
-            <a:avLst/>
-          </a:prstGeom>
-        </p:spPr>
-      </p:pic>
     </p:spTree>
     <p:extLst>
       <p:ext uri="{BB962C8B-B14F-4D97-AF65-F5344CB8AC3E}">
-        <p14:creationId xmlns:p14="http://schemas.microsoft.com/office/powerpoint/2010/main" val="3371543381"/>
+        <p14:creationId xmlns:p14="http://schemas.microsoft.com/office/powerpoint/2010/main" val="3018556184"/>
       </p:ext>
     </p:extLst>
   </p:cSld>
@@ -10934,7 +7261,7 @@
 </p:sld>
 </file>
 
-<file path=ppt/slides/slide11.xml><?xml version="1.0" encoding="utf-8"?>
+<file path=ppt/slides/slide3.xml><?xml version="1.0" encoding="utf-8"?>
 <p:sld xmlns:a="http://schemas.openxmlformats.org/drawingml/2006/main" xmlns:r="http://schemas.openxmlformats.org/officeDocument/2006/relationships" xmlns:p="http://schemas.openxmlformats.org/presentationml/2006/main">
   <p:cSld>
     <p:spTree>
@@ -10976,10 +7303,18 @@
           </a:bodyPr>
           <a:lstStyle/>
           <a:p>
-            <a:pPr lvl="0"/>
+            <a:pPr marL="0" lvl="0" indent="0" algn="l" rtl="0">
+              <a:spcBef>
+                <a:spcPts val="0"/>
+              </a:spcBef>
+              <a:spcAft>
+                <a:spcPts val="0"/>
+              </a:spcAft>
+              <a:buNone/>
+            </a:pPr>
             <a:r>
               <a:rPr lang="en-GB" dirty="0"/>
-              <a:t>Seven-segment Display Decoder (2)</a:t>
+              <a:t>Karnaugh maps </a:t>
             </a:r>
             <a:endParaRPr dirty="0"/>
           </a:p>
@@ -11010,465 +7345,189 @@
           </a:bodyPr>
           <a:lstStyle/>
           <a:p>
+            <a:pPr lvl="0"/>
             <a:r>
               <a:rPr lang="en-GB" dirty="0"/>
-              <a:t>Each of the seven outputs is an independent function of four variables</a:t>
-            </a:r>
-          </a:p>
-          <a:p>
-            <a:r>
-              <a:rPr lang="en-GB" dirty="0"/>
-              <a:t>As an example, we can draw K-maps for outputs S</a:t>
+              <a:t>K-maps are a </a:t>
             </a:r>
             <a:r>
-              <a:rPr lang="en-GB" baseline="-25000" dirty="0"/>
-              <a:t>a</a:t>
+              <a:rPr lang="en-GB" b="1" dirty="0"/>
+              <a:t>graphical method </a:t>
             </a:r>
             <a:r>
               <a:rPr lang="en-GB" dirty="0"/>
-              <a:t> and S</a:t>
+              <a:t>for simplifying </a:t>
             </a:r>
             <a:r>
-              <a:rPr lang="en-GB" baseline="-25000" dirty="0"/>
-              <a:t>b</a:t>
+              <a:rPr lang="en-GB" dirty="0" err="1"/>
+              <a:t>boolean</a:t>
             </a:r>
-          </a:p>
-          <a:p>
-            <a:pPr lvl="1"/>
             <a:r>
               <a:rPr lang="en-GB" dirty="0"/>
-              <a:t>Remember to label rows and columns in Gray code order: 00, 01, 11, 10</a:t>
+              <a:t>  equations</a:t>
             </a:r>
-            <a:br>
-              <a:rPr lang="en-GB" dirty="0"/>
-            </a:br>
+          </a:p>
+          <a:p>
+            <a:pPr lvl="1">
+              <a:spcBef>
+                <a:spcPts val="0"/>
+              </a:spcBef>
+            </a:pPr>
             <a:r>
               <a:rPr lang="en-GB" dirty="0"/>
-              <a:t>	</a:t>
-            </a:r>
-          </a:p>
-        </p:txBody>
-      </p:sp>
-      <p:pic>
-        <p:nvPicPr>
-          <p:cNvPr id="3" name="Immagine 2">
-            <a:extLst>
-              <a:ext uri="{FF2B5EF4-FFF2-40B4-BE49-F238E27FC236}">
-                <a16:creationId xmlns:a16="http://schemas.microsoft.com/office/drawing/2014/main" id="{78CA6168-C682-D241-D419-7B30FA91F081}"/>
-              </a:ext>
-            </a:extLst>
-          </p:cNvPr>
-          <p:cNvPicPr>
-            <a:picLocks noChangeAspect="1"/>
-          </p:cNvPicPr>
-          <p:nvPr/>
-        </p:nvPicPr>
-        <p:blipFill>
-          <a:blip r:embed="rId3"/>
-          <a:stretch>
-            <a:fillRect/>
-          </a:stretch>
-        </p:blipFill>
-        <p:spPr>
-          <a:xfrm>
-            <a:off x="2981159" y="2667915"/>
-            <a:ext cx="2794000" cy="3035300"/>
-          </a:xfrm>
-          <a:prstGeom prst="rect">
-            <a:avLst/>
-          </a:prstGeom>
-        </p:spPr>
-      </p:pic>
-      <p:pic>
-        <p:nvPicPr>
-          <p:cNvPr id="5" name="Immagine 4">
-            <a:extLst>
-              <a:ext uri="{FF2B5EF4-FFF2-40B4-BE49-F238E27FC236}">
-                <a16:creationId xmlns:a16="http://schemas.microsoft.com/office/drawing/2014/main" id="{D6DE1847-DDAD-4EA0-C580-AF3805E445B3}"/>
-              </a:ext>
-            </a:extLst>
-          </p:cNvPr>
-          <p:cNvPicPr>
-            <a:picLocks noChangeAspect="1"/>
-          </p:cNvPicPr>
-          <p:nvPr/>
-        </p:nvPicPr>
-        <p:blipFill>
-          <a:blip r:embed="rId4"/>
-          <a:stretch>
-            <a:fillRect/>
-          </a:stretch>
-        </p:blipFill>
-        <p:spPr>
-          <a:xfrm>
-            <a:off x="5881037" y="2623263"/>
-            <a:ext cx="2844800" cy="3060700"/>
-          </a:xfrm>
-          <a:prstGeom prst="rect">
-            <a:avLst/>
-          </a:prstGeom>
-        </p:spPr>
-      </p:pic>
-      <p:pic>
-        <p:nvPicPr>
-          <p:cNvPr id="2" name="Immagine 1">
-            <a:extLst>
-              <a:ext uri="{FF2B5EF4-FFF2-40B4-BE49-F238E27FC236}">
-                <a16:creationId xmlns:a16="http://schemas.microsoft.com/office/drawing/2014/main" id="{A6EB4B05-7B0D-DD72-ACF3-8A91B2FBB988}"/>
-              </a:ext>
-            </a:extLst>
-          </p:cNvPr>
-          <p:cNvPicPr>
-            <a:picLocks noChangeAspect="1"/>
-          </p:cNvPicPr>
-          <p:nvPr/>
-        </p:nvPicPr>
-        <p:blipFill>
-          <a:blip r:embed="rId5"/>
-          <a:stretch>
-            <a:fillRect/>
-          </a:stretch>
-        </p:blipFill>
-        <p:spPr>
-          <a:xfrm>
-            <a:off x="792242" y="2706415"/>
-            <a:ext cx="1806580" cy="3055107"/>
-          </a:xfrm>
-          <a:prstGeom prst="rect">
-            <a:avLst/>
-          </a:prstGeom>
-        </p:spPr>
-      </p:pic>
-    </p:spTree>
-    <p:extLst>
-      <p:ext uri="{BB962C8B-B14F-4D97-AF65-F5344CB8AC3E}">
-        <p14:creationId xmlns:p14="http://schemas.microsoft.com/office/powerpoint/2010/main" val="3473763361"/>
-      </p:ext>
-    </p:extLst>
-  </p:cSld>
-  <p:clrMapOvr>
-    <a:masterClrMapping/>
-  </p:clrMapOvr>
-</p:sld>
-</file>
-
-<file path=ppt/slides/slide12.xml><?xml version="1.0" encoding="utf-8"?>
-<p:sld xmlns:a="http://schemas.openxmlformats.org/drawingml/2006/main" xmlns:r="http://schemas.openxmlformats.org/officeDocument/2006/relationships" xmlns:p="http://schemas.openxmlformats.org/presentationml/2006/main">
-  <p:cSld>
-    <p:spTree>
-      <p:nvGrpSpPr>
-        <p:cNvPr id="1" name="Shape 82"/>
-        <p:cNvGrpSpPr/>
-        <p:nvPr/>
-      </p:nvGrpSpPr>
-      <p:grpSpPr>
-        <a:xfrm>
-          <a:off x="0" y="0"/>
-          <a:ext cx="0" cy="0"/>
-          <a:chOff x="0" y="0"/>
-          <a:chExt cx="0" cy="0"/>
-        </a:xfrm>
-      </p:grpSpPr>
-      <p:pic>
-        <p:nvPicPr>
-          <p:cNvPr id="3" name="Immagine 2">
-            <a:extLst>
-              <a:ext uri="{FF2B5EF4-FFF2-40B4-BE49-F238E27FC236}">
-                <a16:creationId xmlns:a16="http://schemas.microsoft.com/office/drawing/2014/main" id="{27558C14-E4F7-9BEB-C4EC-A00A1E0FCC37}"/>
-              </a:ext>
-            </a:extLst>
-          </p:cNvPr>
-          <p:cNvPicPr>
-            <a:picLocks noChangeAspect="1"/>
-          </p:cNvPicPr>
-          <p:nvPr/>
-        </p:nvPicPr>
-        <p:blipFill>
-          <a:blip r:embed="rId3"/>
-          <a:stretch>
-            <a:fillRect/>
-          </a:stretch>
-        </p:blipFill>
-        <p:spPr>
-          <a:xfrm>
-            <a:off x="818147" y="1510577"/>
-            <a:ext cx="2621882" cy="2370943"/>
-          </a:xfrm>
-          <a:prstGeom prst="rect">
-            <a:avLst/>
-          </a:prstGeom>
-        </p:spPr>
-      </p:pic>
-      <p:sp>
-        <p:nvSpPr>
-          <p:cNvPr id="83" name="Google Shape;83;p14"/>
-          <p:cNvSpPr txBox="1">
-            <a:spLocks noGrp="1"/>
-          </p:cNvSpPr>
-          <p:nvPr>
-            <p:ph type="title" idx="4294967295"/>
-          </p:nvPr>
-        </p:nvSpPr>
-        <p:spPr>
-          <a:xfrm>
-            <a:off x="311700" y="421233"/>
-            <a:ext cx="8520600" cy="622500"/>
-          </a:xfrm>
-          <a:prstGeom prst="rect">
-            <a:avLst/>
-          </a:prstGeom>
-        </p:spPr>
-        <p:txBody>
-          <a:bodyPr spcFirstLastPara="1" wrap="square" lIns="91425" tIns="91425" rIns="91425" bIns="91425" anchor="b" anchorCtr="0">
-            <a:noAutofit/>
-          </a:bodyPr>
-          <a:lstStyle/>
-          <a:p>
-            <a:pPr lvl="0"/>
-            <a:r>
-              <a:rPr lang="en-GB" dirty="0"/>
-              <a:t>Seven-segment Display Decoder (3)</a:t>
-            </a:r>
-            <a:endParaRPr dirty="0"/>
-          </a:p>
-        </p:txBody>
-      </p:sp>
-      <p:sp>
-        <p:nvSpPr>
-          <p:cNvPr id="84" name="Google Shape;84;p14"/>
-          <p:cNvSpPr txBox="1">
-            <a:spLocks noGrp="1"/>
-          </p:cNvSpPr>
-          <p:nvPr>
-            <p:ph type="body" idx="1"/>
-          </p:nvPr>
-        </p:nvSpPr>
-        <p:spPr>
-          <a:xfrm>
-            <a:off x="162750" y="1212537"/>
-            <a:ext cx="8818500" cy="5100000"/>
-          </a:xfrm>
-          <a:prstGeom prst="rect">
-            <a:avLst/>
-          </a:prstGeom>
-        </p:spPr>
-        <p:txBody>
-          <a:bodyPr spcFirstLastPara="1" wrap="square" lIns="91425" tIns="91425" rIns="91425" bIns="91425" anchor="t" anchorCtr="0">
-            <a:noAutofit/>
-          </a:bodyPr>
-          <a:lstStyle/>
-          <a:p>
-            <a:r>
-              <a:rPr lang="en-GB" dirty="0"/>
-              <a:t>Circle the prime implicants:</a:t>
-            </a:r>
-          </a:p>
-          <a:p>
-            <a:endParaRPr lang="en-GB" dirty="0"/>
-          </a:p>
-          <a:p>
-            <a:endParaRPr lang="en-GB" dirty="0"/>
-          </a:p>
-          <a:p>
-            <a:endParaRPr lang="en-GB" dirty="0"/>
-          </a:p>
-          <a:p>
-            <a:endParaRPr lang="en-GB" dirty="0"/>
-          </a:p>
-          <a:p>
-            <a:endParaRPr lang="en-GB" dirty="0"/>
-          </a:p>
-          <a:p>
-            <a:endParaRPr lang="en-GB" dirty="0"/>
-          </a:p>
-          <a:p>
-            <a:endParaRPr lang="en-GB" dirty="0"/>
-          </a:p>
-          <a:p>
-            <a:endParaRPr lang="en-GB" dirty="0"/>
-          </a:p>
-          <a:p>
-            <a:endParaRPr lang="en-GB" sz="900" dirty="0"/>
-          </a:p>
-          <a:p>
-            <a:r>
-              <a:rPr lang="en-GB" dirty="0"/>
-              <a:t>Notice that the minimal set of prime implicants </a:t>
+              <a:t>works well for problems with up to </a:t>
             </a:r>
             <a:r>
               <a:rPr lang="en-GB" b="1" dirty="0"/>
-              <a:t>is not </a:t>
+              <a:t>four variables</a:t>
             </a:r>
-            <a:br>
-              <a:rPr lang="en-GB" b="1" dirty="0"/>
-            </a:br>
+          </a:p>
+          <a:p>
+            <a:pPr lvl="1">
+              <a:spcBef>
+                <a:spcPts val="0"/>
+              </a:spcBef>
+            </a:pPr>
+            <a:r>
+              <a:rPr lang="en-GB" dirty="0"/>
+              <a:t>give insight into manipulating boolean equations</a:t>
+            </a:r>
+          </a:p>
+          <a:p>
+            <a:pPr lvl="1">
+              <a:spcBef>
+                <a:spcPts val="0"/>
+              </a:spcBef>
+            </a:pPr>
+            <a:r>
+              <a:rPr lang="en-GB" dirty="0"/>
+              <a:t>invented in 1953 by Maurice Karnaugh, a  telecommunications engineer at Bell Labs</a:t>
+            </a:r>
+          </a:p>
+          <a:p>
+            <a:pPr lvl="1">
+              <a:spcBef>
+                <a:spcPts val="0"/>
+              </a:spcBef>
+            </a:pPr>
+            <a:endParaRPr lang="en-GB" dirty="0"/>
+          </a:p>
+          <a:p>
+            <a:pPr lvl="1">
+              <a:spcBef>
+                <a:spcPts val="0"/>
+              </a:spcBef>
+            </a:pPr>
+            <a:endParaRPr lang="en-GB" dirty="0"/>
+          </a:p>
+          <a:p>
+            <a:pPr lvl="1">
+              <a:spcBef>
+                <a:spcPts val="0"/>
+              </a:spcBef>
+            </a:pPr>
+            <a:endParaRPr lang="en-GB" dirty="0"/>
+          </a:p>
+          <a:p>
+            <a:pPr lvl="1">
+              <a:spcBef>
+                <a:spcPts val="0"/>
+              </a:spcBef>
+            </a:pPr>
+            <a:endParaRPr lang="en-GB" dirty="0"/>
+          </a:p>
+          <a:p>
+            <a:pPr lvl="1">
+              <a:spcBef>
+                <a:spcPts val="0"/>
+              </a:spcBef>
+            </a:pPr>
+            <a:endParaRPr lang="en-GB" dirty="0"/>
+          </a:p>
+          <a:p>
+            <a:pPr lvl="1">
+              <a:spcBef>
+                <a:spcPts val="0"/>
+              </a:spcBef>
+            </a:pPr>
+            <a:endParaRPr lang="en-GB" dirty="0"/>
+          </a:p>
+          <a:p>
+            <a:pPr marL="590550" lvl="1" indent="0">
+              <a:spcBef>
+                <a:spcPts val="0"/>
+              </a:spcBef>
+              <a:buNone/>
+            </a:pPr>
+            <a:endParaRPr lang="en-GB" dirty="0"/>
+          </a:p>
+          <a:p>
+            <a:r>
+              <a:rPr lang="en-GB" dirty="0"/>
+              <a:t>Recall that logic minimization involves </a:t>
+            </a:r>
             <a:r>
               <a:rPr lang="en-GB" b="1" dirty="0"/>
-              <a:t>unique</a:t>
+              <a:t>combining terms</a:t>
+            </a:r>
+          </a:p>
+          <a:p>
+            <a:pPr lvl="1">
+              <a:spcBef>
+                <a:spcPts val="0"/>
+              </a:spcBef>
+            </a:pPr>
+            <a:r>
+              <a:rPr lang="en-GB" dirty="0"/>
+              <a:t>two terms containing an implicant P and the true and complementary forms of some variable A are combined to eliminate A: </a:t>
+            </a:r>
+          </a:p>
+          <a:p>
+            <a:pPr lvl="2">
+              <a:spcBef>
+                <a:spcPts val="0"/>
+              </a:spcBef>
+            </a:pPr>
+            <a:r>
+              <a:rPr lang="en-GB" dirty="0"/>
+              <a:t>PA + PA = P</a:t>
+            </a:r>
+          </a:p>
+          <a:p>
+            <a:pPr lvl="1">
+              <a:spcBef>
+                <a:spcPts val="0"/>
+              </a:spcBef>
+            </a:pPr>
+            <a:r>
+              <a:rPr lang="en-GB" dirty="0"/>
+              <a:t>Karnaugh maps make these combinable terms </a:t>
+            </a:r>
+            <a:r>
+              <a:rPr lang="en-GB" b="1" dirty="0"/>
+              <a:t>easy to see  </a:t>
             </a:r>
             <a:r>
               <a:rPr lang="en-GB" dirty="0"/>
-              <a:t> </a:t>
-            </a:r>
-          </a:p>
-          <a:p>
-            <a:r>
-              <a:rPr lang="en-GB" dirty="0"/>
-              <a:t>For example</a:t>
-            </a:r>
-          </a:p>
-          <a:p>
-            <a:pPr lvl="1"/>
-            <a:r>
-              <a:rPr lang="en-GB" dirty="0"/>
-              <a:t>0000 entry in the S</a:t>
+              <a:t>by putting them next to each other in a </a:t>
             </a:r>
             <a:r>
-              <a:rPr lang="en-GB" baseline="-25000" dirty="0"/>
-              <a:t>a</a:t>
+              <a:rPr lang="en-GB" b="1" dirty="0"/>
+              <a:t>grid</a:t>
             </a:r>
-            <a:r>
-              <a:rPr lang="en-GB" dirty="0"/>
-              <a:t> K-map was circled along with the 1000 </a:t>
-            </a:r>
-            <a:br>
-              <a:rPr lang="en-GB" dirty="0"/>
-            </a:br>
-            <a:r>
-              <a:rPr lang="en-GB" dirty="0"/>
-              <a:t>entry to produce the D</a:t>
-            </a:r>
-            <a:r>
-              <a:rPr lang="en-GB" baseline="-25000" dirty="0"/>
-              <a:t>2 </a:t>
-            </a:r>
-            <a:r>
-              <a:rPr lang="en-GB" dirty="0"/>
-              <a:t>D</a:t>
-            </a:r>
-            <a:r>
-              <a:rPr lang="en-GB" baseline="-25000" dirty="0"/>
-              <a:t>1 </a:t>
-            </a:r>
-            <a:r>
-              <a:rPr lang="en-GB" dirty="0"/>
-              <a:t>D</a:t>
-            </a:r>
-            <a:r>
-              <a:rPr lang="en-GB" baseline="-25000" dirty="0"/>
-              <a:t>0</a:t>
-            </a:r>
-            <a:r>
-              <a:rPr lang="en-GB" dirty="0"/>
-              <a:t> minterm </a:t>
-            </a:r>
           </a:p>
           <a:p>
             <a:pPr lvl="1"/>
-            <a:r>
-              <a:rPr lang="en-GB" dirty="0"/>
-              <a:t>the circle could have included the 0010 entry instead, </a:t>
-            </a:r>
-            <a:br>
-              <a:rPr lang="en-GB" dirty="0"/>
-            </a:br>
-            <a:r>
-              <a:rPr lang="en-GB" dirty="0"/>
-              <a:t>producing a D</a:t>
-            </a:r>
-            <a:r>
-              <a:rPr lang="en-GB" baseline="-25000" dirty="0"/>
-              <a:t>3 </a:t>
-            </a:r>
-            <a:r>
-              <a:rPr lang="en-GB" dirty="0"/>
-              <a:t>D</a:t>
-            </a:r>
-            <a:r>
-              <a:rPr lang="en-GB" baseline="-25000" dirty="0"/>
-              <a:t>2 </a:t>
-            </a:r>
-            <a:r>
-              <a:rPr lang="en-GB" dirty="0"/>
-              <a:t>D</a:t>
-            </a:r>
-            <a:r>
-              <a:rPr lang="en-GB" baseline="-25000" dirty="0"/>
-              <a:t>0</a:t>
-            </a:r>
-            <a:r>
-              <a:rPr lang="en-GB" dirty="0"/>
-              <a:t> minterm</a:t>
-            </a:r>
+            <a:endParaRPr lang="en-GB" dirty="0"/>
           </a:p>
         </p:txBody>
       </p:sp>
-      <p:pic>
-        <p:nvPicPr>
-          <p:cNvPr id="5" name="Immagine 4">
+      <p:cxnSp>
+        <p:nvCxnSpPr>
+          <p:cNvPr id="5" name="Connettore 1 4">
             <a:extLst>
               <a:ext uri="{FF2B5EF4-FFF2-40B4-BE49-F238E27FC236}">
-                <a16:creationId xmlns:a16="http://schemas.microsoft.com/office/drawing/2014/main" id="{0CEFD62D-EC40-B933-3C36-0C9DFF403CBA}"/>
-              </a:ext>
-            </a:extLst>
-          </p:cNvPr>
-          <p:cNvPicPr>
-            <a:picLocks noChangeAspect="1"/>
-          </p:cNvPicPr>
-          <p:nvPr/>
-        </p:nvPicPr>
-        <p:blipFill>
-          <a:blip r:embed="rId4"/>
-          <a:stretch>
-            <a:fillRect/>
-          </a:stretch>
-        </p:blipFill>
-        <p:spPr>
-          <a:xfrm>
-            <a:off x="3736236" y="1625212"/>
-            <a:ext cx="2474403" cy="2370944"/>
-          </a:xfrm>
-          <a:prstGeom prst="rect">
-            <a:avLst/>
-          </a:prstGeom>
-        </p:spPr>
-      </p:pic>
-      <p:pic>
-        <p:nvPicPr>
-          <p:cNvPr id="7" name="Immagine 6">
-            <a:extLst>
-              <a:ext uri="{FF2B5EF4-FFF2-40B4-BE49-F238E27FC236}">
-                <a16:creationId xmlns:a16="http://schemas.microsoft.com/office/drawing/2014/main" id="{89D7298D-D003-ECFD-01D0-629716C9C2ED}"/>
-              </a:ext>
-            </a:extLst>
-          </p:cNvPr>
-          <p:cNvPicPr>
-            <a:picLocks noChangeAspect="1"/>
-          </p:cNvPicPr>
-          <p:nvPr/>
-        </p:nvPicPr>
-        <p:blipFill>
-          <a:blip r:embed="rId5"/>
-          <a:stretch>
-            <a:fillRect/>
-          </a:stretch>
-        </p:blipFill>
-        <p:spPr>
-          <a:xfrm>
-            <a:off x="6522117" y="4025336"/>
-            <a:ext cx="2621883" cy="2411431"/>
-          </a:xfrm>
-          <a:prstGeom prst="rect">
-            <a:avLst/>
-          </a:prstGeom>
-        </p:spPr>
-      </p:pic>
-      <p:cxnSp>
-        <p:nvCxnSpPr>
-          <p:cNvPr id="2" name="Connettore 1 1">
-            <a:extLst>
-              <a:ext uri="{FF2B5EF4-FFF2-40B4-BE49-F238E27FC236}">
-                <a16:creationId xmlns:a16="http://schemas.microsoft.com/office/drawing/2014/main" id="{E0D72DED-92D7-DE48-9562-D240D6B627BE}"/>
+                <a16:creationId xmlns:a16="http://schemas.microsoft.com/office/drawing/2014/main" id="{94A0434B-E73E-A043-006E-59BA1EAB043A}"/>
               </a:ext>
             </a:extLst>
           </p:cNvPr>
@@ -11479,7 +7538,7 @@
         </p:nvCxnSpPr>
         <p:spPr>
           <a:xfrm>
-            <a:off x="3060192" y="5352288"/>
+            <a:off x="2157985" y="5476670"/>
             <a:ext cx="85344" cy="0"/>
           </a:xfrm>
           <a:prstGeom prst="line">
@@ -11501,202 +7560,37 @@
           </a:fontRef>
         </p:style>
       </p:cxnSp>
-      <p:cxnSp>
-        <p:nvCxnSpPr>
-          <p:cNvPr id="4" name="Connettore 1 3">
+      <p:pic>
+        <p:nvPicPr>
+          <p:cNvPr id="4" name="Immagine 3">
             <a:extLst>
               <a:ext uri="{FF2B5EF4-FFF2-40B4-BE49-F238E27FC236}">
-                <a16:creationId xmlns:a16="http://schemas.microsoft.com/office/drawing/2014/main" id="{3A692350-7538-D378-6E60-9654C408E8D8}"/>
+                <a16:creationId xmlns:a16="http://schemas.microsoft.com/office/drawing/2014/main" id="{37B3C80D-88DA-7108-7D8B-9EACDE74B64F}"/>
               </a:ext>
             </a:extLst>
           </p:cNvPr>
-          <p:cNvCxnSpPr>
-            <a:cxnSpLocks/>
-          </p:cNvCxnSpPr>
+          <p:cNvPicPr>
+            <a:picLocks noChangeAspect="1"/>
+          </p:cNvPicPr>
           <p:nvPr/>
-        </p:nvCxnSpPr>
+        </p:nvPicPr>
+        <p:blipFill>
+          <a:blip r:embed="rId3"/>
+          <a:stretch>
+            <a:fillRect/>
+          </a:stretch>
+        </p:blipFill>
         <p:spPr>
           <a:xfrm>
-            <a:off x="3297936" y="5346192"/>
-            <a:ext cx="85344" cy="0"/>
+            <a:off x="1046285" y="2521574"/>
+            <a:ext cx="5873262" cy="2054398"/>
           </a:xfrm>
-          <a:prstGeom prst="line">
+          <a:prstGeom prst="rect">
             <a:avLst/>
           </a:prstGeom>
         </p:spPr>
-        <p:style>
-          <a:lnRef idx="1">
-            <a:schemeClr val="accent1"/>
-          </a:lnRef>
-          <a:fillRef idx="0">
-            <a:schemeClr val="accent1"/>
-          </a:fillRef>
-          <a:effectRef idx="0">
-            <a:schemeClr val="accent1"/>
-          </a:effectRef>
-          <a:fontRef idx="minor">
-            <a:schemeClr val="tx1"/>
-          </a:fontRef>
-        </p:style>
-      </p:cxnSp>
-      <p:cxnSp>
-        <p:nvCxnSpPr>
-          <p:cNvPr id="6" name="Connettore 1 5">
-            <a:extLst>
-              <a:ext uri="{FF2B5EF4-FFF2-40B4-BE49-F238E27FC236}">
-                <a16:creationId xmlns:a16="http://schemas.microsoft.com/office/drawing/2014/main" id="{B8DD17A7-7F3A-1ED0-53D4-F43B440AED8C}"/>
-              </a:ext>
-            </a:extLst>
-          </p:cNvPr>
-          <p:cNvCxnSpPr>
-            <a:cxnSpLocks/>
-          </p:cNvCxnSpPr>
-          <p:nvPr/>
-        </p:nvCxnSpPr>
-        <p:spPr>
-          <a:xfrm>
-            <a:off x="3541776" y="5334000"/>
-            <a:ext cx="85344" cy="0"/>
-          </a:xfrm>
-          <a:prstGeom prst="line">
-            <a:avLst/>
-          </a:prstGeom>
-        </p:spPr>
-        <p:style>
-          <a:lnRef idx="1">
-            <a:schemeClr val="accent1"/>
-          </a:lnRef>
-          <a:fillRef idx="0">
-            <a:schemeClr val="accent1"/>
-          </a:fillRef>
-          <a:effectRef idx="0">
-            <a:schemeClr val="accent1"/>
-          </a:effectRef>
-          <a:fontRef idx="minor">
-            <a:schemeClr val="tx1"/>
-          </a:fontRef>
-        </p:style>
-      </p:cxnSp>
-      <p:cxnSp>
-        <p:nvCxnSpPr>
-          <p:cNvPr id="8" name="Connettore 1 7">
-            <a:extLst>
-              <a:ext uri="{FF2B5EF4-FFF2-40B4-BE49-F238E27FC236}">
-                <a16:creationId xmlns:a16="http://schemas.microsoft.com/office/drawing/2014/main" id="{0A943352-461F-335E-4FF0-6574871A182B}"/>
-              </a:ext>
-            </a:extLst>
-          </p:cNvPr>
-          <p:cNvCxnSpPr>
-            <a:cxnSpLocks/>
-          </p:cNvCxnSpPr>
-          <p:nvPr/>
-        </p:nvCxnSpPr>
-        <p:spPr>
-          <a:xfrm>
-            <a:off x="2286000" y="5943600"/>
-            <a:ext cx="85344" cy="0"/>
-          </a:xfrm>
-          <a:prstGeom prst="line">
-            <a:avLst/>
-          </a:prstGeom>
-        </p:spPr>
-        <p:style>
-          <a:lnRef idx="1">
-            <a:schemeClr val="accent1"/>
-          </a:lnRef>
-          <a:fillRef idx="0">
-            <a:schemeClr val="accent1"/>
-          </a:fillRef>
-          <a:effectRef idx="0">
-            <a:schemeClr val="accent1"/>
-          </a:effectRef>
-          <a:fontRef idx="minor">
-            <a:schemeClr val="tx1"/>
-          </a:fontRef>
-        </p:style>
-      </p:cxnSp>
-      <p:cxnSp>
-        <p:nvCxnSpPr>
-          <p:cNvPr id="9" name="Connettore 1 8">
-            <a:extLst>
-              <a:ext uri="{FF2B5EF4-FFF2-40B4-BE49-F238E27FC236}">
-                <a16:creationId xmlns:a16="http://schemas.microsoft.com/office/drawing/2014/main" id="{773FCB2A-BBF3-E68B-AA26-7F261366C9FF}"/>
-              </a:ext>
-            </a:extLst>
-          </p:cNvPr>
-          <p:cNvCxnSpPr>
-            <a:cxnSpLocks/>
-          </p:cNvCxnSpPr>
-          <p:nvPr/>
-        </p:nvCxnSpPr>
-        <p:spPr>
-          <a:xfrm>
-            <a:off x="2517648" y="5943600"/>
-            <a:ext cx="85344" cy="0"/>
-          </a:xfrm>
-          <a:prstGeom prst="line">
-            <a:avLst/>
-          </a:prstGeom>
-        </p:spPr>
-        <p:style>
-          <a:lnRef idx="1">
-            <a:schemeClr val="accent1"/>
-          </a:lnRef>
-          <a:fillRef idx="0">
-            <a:schemeClr val="accent1"/>
-          </a:fillRef>
-          <a:effectRef idx="0">
-            <a:schemeClr val="accent1"/>
-          </a:effectRef>
-          <a:fontRef idx="minor">
-            <a:schemeClr val="tx1"/>
-          </a:fontRef>
-        </p:style>
-      </p:cxnSp>
-      <p:cxnSp>
-        <p:nvCxnSpPr>
-          <p:cNvPr id="10" name="Connettore 1 9">
-            <a:extLst>
-              <a:ext uri="{FF2B5EF4-FFF2-40B4-BE49-F238E27FC236}">
-                <a16:creationId xmlns:a16="http://schemas.microsoft.com/office/drawing/2014/main" id="{7E1E2273-D1DE-85D4-8BFC-B3C26E84A59B}"/>
-              </a:ext>
-            </a:extLst>
-          </p:cNvPr>
-          <p:cNvCxnSpPr>
-            <a:cxnSpLocks/>
-          </p:cNvCxnSpPr>
-          <p:nvPr/>
-        </p:nvCxnSpPr>
-        <p:spPr>
-          <a:xfrm>
-            <a:off x="2773680" y="5943600"/>
-            <a:ext cx="85344" cy="0"/>
-          </a:xfrm>
-          <a:prstGeom prst="line">
-            <a:avLst/>
-          </a:prstGeom>
-        </p:spPr>
-        <p:style>
-          <a:lnRef idx="1">
-            <a:schemeClr val="accent1"/>
-          </a:lnRef>
-          <a:fillRef idx="0">
-            <a:schemeClr val="accent1"/>
-          </a:fillRef>
-          <a:effectRef idx="0">
-            <a:schemeClr val="accent1"/>
-          </a:effectRef>
-          <a:fontRef idx="minor">
-            <a:schemeClr val="tx1"/>
-          </a:fontRef>
-        </p:style>
-      </p:cxnSp>
+      </p:pic>
     </p:spTree>
-    <p:extLst>
-      <p:ext uri="{BB962C8B-B14F-4D97-AF65-F5344CB8AC3E}">
-        <p14:creationId xmlns:p14="http://schemas.microsoft.com/office/powerpoint/2010/main" val="1692043368"/>
-      </p:ext>
-    </p:extLst>
   </p:cSld>
   <p:clrMapOvr>
     <a:masterClrMapping/>
@@ -11704,7 +7598,7 @@
 </p:sld>
 </file>
 
-<file path=ppt/slides/slide13.xml><?xml version="1.0" encoding="utf-8"?>
+<file path=ppt/slides/slide4.xml><?xml version="1.0" encoding="utf-8"?>
 <p:sld xmlns:a="http://schemas.openxmlformats.org/drawingml/2006/main" xmlns:r="http://schemas.openxmlformats.org/officeDocument/2006/relationships" xmlns:p="http://schemas.openxmlformats.org/presentationml/2006/main">
   <p:cSld>
     <p:spTree>
@@ -11749,9 +7643,8 @@
             <a:pPr lvl="0"/>
             <a:r>
               <a:rPr lang="en-GB" dirty="0"/>
-              <a:t>Don’t Cares (1)</a:t>
+              <a:t>Seven-segment Display Controller (1)</a:t>
             </a:r>
-            <a:endParaRPr dirty="0"/>
           </a:p>
         </p:txBody>
       </p:sp>
@@ -11782,6 +7675,383 @@
           <a:p>
             <a:r>
               <a:rPr lang="en-GB" dirty="0"/>
+              <a:t>A device that takes a 4-bit data input D</a:t>
+            </a:r>
+            <a:r>
+              <a:rPr lang="en-GB" baseline="-25000" dirty="0"/>
+              <a:t>3:0</a:t>
+            </a:r>
+            <a:r>
+              <a:rPr lang="en-GB" dirty="0"/>
+              <a:t> and produces seven outputs </a:t>
+            </a:r>
+            <a:br>
+              <a:rPr lang="en-GB" dirty="0"/>
+            </a:br>
+            <a:r>
+              <a:rPr lang="en-GB" dirty="0"/>
+              <a:t>S</a:t>
+            </a:r>
+            <a:r>
+              <a:rPr lang="en-GB" baseline="-25000" dirty="0"/>
+              <a:t>a</a:t>
+            </a:r>
+            <a:r>
+              <a:rPr lang="en-GB" dirty="0"/>
+              <a:t> - S</a:t>
+            </a:r>
+            <a:r>
+              <a:rPr lang="en-GB" baseline="-25000" dirty="0"/>
+              <a:t>g</a:t>
+            </a:r>
+            <a:r>
+              <a:rPr lang="en-GB" dirty="0"/>
+              <a:t> to control a display from 0 to 9</a:t>
+            </a:r>
+          </a:p>
+          <a:p>
+            <a:endParaRPr lang="en-GB" dirty="0"/>
+          </a:p>
+          <a:p>
+            <a:pPr marL="120650" indent="0">
+              <a:buNone/>
+            </a:pPr>
+            <a:endParaRPr lang="en-GB" dirty="0"/>
+          </a:p>
+          <a:p>
+            <a:endParaRPr lang="en-GB" dirty="0"/>
+          </a:p>
+          <a:p>
+            <a:endParaRPr lang="en-GB" dirty="0"/>
+          </a:p>
+          <a:p>
+            <a:pPr marL="120650" indent="0">
+              <a:buNone/>
+            </a:pPr>
+            <a:endParaRPr lang="en-GB" dirty="0"/>
+          </a:p>
+        </p:txBody>
+      </p:sp>
+      <p:pic>
+        <p:nvPicPr>
+          <p:cNvPr id="2" name="Immagine 1">
+            <a:extLst>
+              <a:ext uri="{FF2B5EF4-FFF2-40B4-BE49-F238E27FC236}">
+                <a16:creationId xmlns:a16="http://schemas.microsoft.com/office/drawing/2014/main" id="{E1F268D4-7ACF-458A-C4A5-B027C6725553}"/>
+              </a:ext>
+            </a:extLst>
+          </p:cNvPr>
+          <p:cNvPicPr>
+            <a:picLocks noChangeAspect="1"/>
+          </p:cNvPicPr>
+          <p:nvPr/>
+        </p:nvPicPr>
+        <p:blipFill>
+          <a:blip r:embed="rId3"/>
+          <a:stretch>
+            <a:fillRect/>
+          </a:stretch>
+        </p:blipFill>
+        <p:spPr>
+          <a:xfrm>
+            <a:off x="721921" y="2132838"/>
+            <a:ext cx="4279599" cy="769302"/>
+          </a:xfrm>
+          <a:prstGeom prst="rect">
+            <a:avLst/>
+          </a:prstGeom>
+        </p:spPr>
+      </p:pic>
+      <p:pic>
+        <p:nvPicPr>
+          <p:cNvPr id="6" name="Immagine 5">
+            <a:extLst>
+              <a:ext uri="{FF2B5EF4-FFF2-40B4-BE49-F238E27FC236}">
+                <a16:creationId xmlns:a16="http://schemas.microsoft.com/office/drawing/2014/main" id="{271CB717-9FBF-8F53-AB54-2A2C36C6B8D1}"/>
+              </a:ext>
+            </a:extLst>
+          </p:cNvPr>
+          <p:cNvPicPr>
+            <a:picLocks noChangeAspect="1"/>
+          </p:cNvPicPr>
+          <p:nvPr/>
+        </p:nvPicPr>
+        <p:blipFill>
+          <a:blip r:embed="rId4"/>
+          <a:stretch>
+            <a:fillRect/>
+          </a:stretch>
+        </p:blipFill>
+        <p:spPr>
+          <a:xfrm>
+            <a:off x="721921" y="3216213"/>
+            <a:ext cx="3774451" cy="2782251"/>
+          </a:xfrm>
+          <a:prstGeom prst="rect">
+            <a:avLst/>
+          </a:prstGeom>
+        </p:spPr>
+      </p:pic>
+      <p:pic>
+        <p:nvPicPr>
+          <p:cNvPr id="8" name="Immagine 7">
+            <a:extLst>
+              <a:ext uri="{FF2B5EF4-FFF2-40B4-BE49-F238E27FC236}">
+                <a16:creationId xmlns:a16="http://schemas.microsoft.com/office/drawing/2014/main" id="{3C041339-0892-8723-63BC-F9C86CA2C91B}"/>
+              </a:ext>
+            </a:extLst>
+          </p:cNvPr>
+          <p:cNvPicPr>
+            <a:picLocks noChangeAspect="1"/>
+          </p:cNvPicPr>
+          <p:nvPr/>
+        </p:nvPicPr>
+        <p:blipFill>
+          <a:blip r:embed="rId5"/>
+          <a:stretch>
+            <a:fillRect/>
+          </a:stretch>
+        </p:blipFill>
+        <p:spPr>
+          <a:xfrm>
+            <a:off x="5288891" y="2728946"/>
+            <a:ext cx="3445382" cy="3583592"/>
+          </a:xfrm>
+          <a:prstGeom prst="rect">
+            <a:avLst/>
+          </a:prstGeom>
+        </p:spPr>
+      </p:pic>
+    </p:spTree>
+    <p:extLst>
+      <p:ext uri="{BB962C8B-B14F-4D97-AF65-F5344CB8AC3E}">
+        <p14:creationId xmlns:p14="http://schemas.microsoft.com/office/powerpoint/2010/main" val="3371543381"/>
+      </p:ext>
+    </p:extLst>
+  </p:cSld>
+  <p:clrMapOvr>
+    <a:masterClrMapping/>
+  </p:clrMapOvr>
+</p:sld>
+</file>
+
+<file path=ppt/slides/slide5.xml><?xml version="1.0" encoding="utf-8"?>
+<p:sld xmlns:a="http://schemas.openxmlformats.org/drawingml/2006/main" xmlns:r="http://schemas.openxmlformats.org/officeDocument/2006/relationships" xmlns:p="http://schemas.openxmlformats.org/presentationml/2006/main">
+  <p:cSld>
+    <p:spTree>
+      <p:nvGrpSpPr>
+        <p:cNvPr id="1" name="Shape 82"/>
+        <p:cNvGrpSpPr/>
+        <p:nvPr/>
+      </p:nvGrpSpPr>
+      <p:grpSpPr>
+        <a:xfrm>
+          <a:off x="0" y="0"/>
+          <a:ext cx="0" cy="0"/>
+          <a:chOff x="0" y="0"/>
+          <a:chExt cx="0" cy="0"/>
+        </a:xfrm>
+      </p:grpSpPr>
+      <p:sp>
+        <p:nvSpPr>
+          <p:cNvPr id="83" name="Google Shape;83;p14"/>
+          <p:cNvSpPr txBox="1">
+            <a:spLocks noGrp="1"/>
+          </p:cNvSpPr>
+          <p:nvPr>
+            <p:ph type="title" idx="4294967295"/>
+          </p:nvPr>
+        </p:nvSpPr>
+        <p:spPr>
+          <a:xfrm>
+            <a:off x="311700" y="421233"/>
+            <a:ext cx="8520600" cy="622500"/>
+          </a:xfrm>
+          <a:prstGeom prst="rect">
+            <a:avLst/>
+          </a:prstGeom>
+        </p:spPr>
+        <p:txBody>
+          <a:bodyPr spcFirstLastPara="1" wrap="square" lIns="91425" tIns="91425" rIns="91425" bIns="91425" anchor="b" anchorCtr="0">
+            <a:noAutofit/>
+          </a:bodyPr>
+          <a:lstStyle/>
+          <a:p>
+            <a:pPr lvl="0"/>
+            <a:r>
+              <a:rPr lang="en-GB" dirty="0"/>
+              <a:t>Seven-segment Display Controller (2)</a:t>
+            </a:r>
+            <a:endParaRPr dirty="0"/>
+          </a:p>
+        </p:txBody>
+      </p:sp>
+      <p:sp>
+        <p:nvSpPr>
+          <p:cNvPr id="84" name="Google Shape;84;p14"/>
+          <p:cNvSpPr txBox="1">
+            <a:spLocks noGrp="1"/>
+          </p:cNvSpPr>
+          <p:nvPr>
+            <p:ph type="body" idx="1"/>
+          </p:nvPr>
+        </p:nvSpPr>
+        <p:spPr>
+          <a:xfrm>
+            <a:off x="162750" y="1151577"/>
+            <a:ext cx="8818500" cy="5100000"/>
+          </a:xfrm>
+          <a:prstGeom prst="rect">
+            <a:avLst/>
+          </a:prstGeom>
+        </p:spPr>
+        <p:txBody>
+          <a:bodyPr spcFirstLastPara="1" wrap="square" lIns="91425" tIns="91425" rIns="91425" bIns="91425" anchor="t" anchorCtr="0">
+            <a:noAutofit/>
+          </a:bodyPr>
+          <a:lstStyle/>
+          <a:p>
+            <a:r>
+              <a:rPr lang="en-GB" dirty="0"/>
+              <a:t>Each of the seven outputs is an independent function of four variables</a:t>
+            </a:r>
+          </a:p>
+          <a:p>
+            <a:r>
+              <a:rPr lang="en-GB" dirty="0"/>
+              <a:t>We can draw K-maps for each outputs</a:t>
+            </a:r>
+            <a:br>
+              <a:rPr lang="en-GB" dirty="0"/>
+            </a:br>
+            <a:r>
+              <a:rPr lang="en-GB" dirty="0"/>
+              <a:t>	</a:t>
+            </a:r>
+          </a:p>
+        </p:txBody>
+      </p:sp>
+      <p:pic>
+        <p:nvPicPr>
+          <p:cNvPr id="6" name="Immagine 5">
+            <a:extLst>
+              <a:ext uri="{FF2B5EF4-FFF2-40B4-BE49-F238E27FC236}">
+                <a16:creationId xmlns:a16="http://schemas.microsoft.com/office/drawing/2014/main" id="{B9D661B7-E881-C8B0-ACFD-F5C865494A94}"/>
+              </a:ext>
+            </a:extLst>
+          </p:cNvPr>
+          <p:cNvPicPr>
+            <a:picLocks noChangeAspect="1"/>
+          </p:cNvPicPr>
+          <p:nvPr/>
+        </p:nvPicPr>
+        <p:blipFill>
+          <a:blip r:embed="rId3"/>
+          <a:stretch>
+            <a:fillRect/>
+          </a:stretch>
+        </p:blipFill>
+        <p:spPr>
+          <a:xfrm>
+            <a:off x="455098" y="1986127"/>
+            <a:ext cx="8233804" cy="4133369"/>
+          </a:xfrm>
+          <a:prstGeom prst="rect">
+            <a:avLst/>
+          </a:prstGeom>
+        </p:spPr>
+      </p:pic>
+    </p:spTree>
+    <p:extLst>
+      <p:ext uri="{BB962C8B-B14F-4D97-AF65-F5344CB8AC3E}">
+        <p14:creationId xmlns:p14="http://schemas.microsoft.com/office/powerpoint/2010/main" val="3473763361"/>
+      </p:ext>
+    </p:extLst>
+  </p:cSld>
+  <p:clrMapOvr>
+    <a:masterClrMapping/>
+  </p:clrMapOvr>
+</p:sld>
+</file>
+
+<file path=ppt/slides/slide6.xml><?xml version="1.0" encoding="utf-8"?>
+<p:sld xmlns:a="http://schemas.openxmlformats.org/drawingml/2006/main" xmlns:r="http://schemas.openxmlformats.org/officeDocument/2006/relationships" xmlns:p="http://schemas.openxmlformats.org/presentationml/2006/main">
+  <p:cSld>
+    <p:spTree>
+      <p:nvGrpSpPr>
+        <p:cNvPr id="1" name="Shape 82"/>
+        <p:cNvGrpSpPr/>
+        <p:nvPr/>
+      </p:nvGrpSpPr>
+      <p:grpSpPr>
+        <a:xfrm>
+          <a:off x="0" y="0"/>
+          <a:ext cx="0" cy="0"/>
+          <a:chOff x="0" y="0"/>
+          <a:chExt cx="0" cy="0"/>
+        </a:xfrm>
+      </p:grpSpPr>
+      <p:sp>
+        <p:nvSpPr>
+          <p:cNvPr id="83" name="Google Shape;83;p14"/>
+          <p:cNvSpPr txBox="1">
+            <a:spLocks noGrp="1"/>
+          </p:cNvSpPr>
+          <p:nvPr>
+            <p:ph type="title" idx="4294967295"/>
+          </p:nvPr>
+        </p:nvSpPr>
+        <p:spPr>
+          <a:xfrm>
+            <a:off x="311700" y="421233"/>
+            <a:ext cx="8520600" cy="622500"/>
+          </a:xfrm>
+          <a:prstGeom prst="rect">
+            <a:avLst/>
+          </a:prstGeom>
+        </p:spPr>
+        <p:txBody>
+          <a:bodyPr spcFirstLastPara="1" wrap="square" lIns="91425" tIns="91425" rIns="91425" bIns="91425" anchor="b" anchorCtr="0">
+            <a:noAutofit/>
+          </a:bodyPr>
+          <a:lstStyle/>
+          <a:p>
+            <a:pPr lvl="0"/>
+            <a:r>
+              <a:rPr lang="en-GB" dirty="0"/>
+              <a:t>Don’t Cares (1)</a:t>
+            </a:r>
+            <a:endParaRPr dirty="0"/>
+          </a:p>
+        </p:txBody>
+      </p:sp>
+      <p:sp>
+        <p:nvSpPr>
+          <p:cNvPr id="84" name="Google Shape;84;p14"/>
+          <p:cNvSpPr txBox="1">
+            <a:spLocks noGrp="1"/>
+          </p:cNvSpPr>
+          <p:nvPr>
+            <p:ph type="body" idx="1"/>
+          </p:nvPr>
+        </p:nvSpPr>
+        <p:spPr>
+          <a:xfrm>
+            <a:off x="162750" y="1212537"/>
+            <a:ext cx="8818500" cy="5100000"/>
+          </a:xfrm>
+          <a:prstGeom prst="rect">
+            <a:avLst/>
+          </a:prstGeom>
+        </p:spPr>
+        <p:txBody>
+          <a:bodyPr spcFirstLastPara="1" wrap="square" lIns="91425" tIns="91425" rIns="91425" bIns="91425" anchor="t" anchorCtr="0">
+            <a:noAutofit/>
+          </a:bodyPr>
+          <a:lstStyle/>
+          <a:p>
+            <a:r>
+              <a:rPr lang="en-GB" dirty="0"/>
               <a:t>Recall that “don’t care” entries for truth table inputs </a:t>
             </a:r>
           </a:p>
@@ -11904,7 +8174,7 @@
 </p:sld>
 </file>
 
-<file path=ppt/slides/slide14.xml><?xml version="1.0" encoding="utf-8"?>
+<file path=ppt/slides/slide7.xml><?xml version="1.0" encoding="utf-8"?>
 <p:sld xmlns:a="http://schemas.openxmlformats.org/drawingml/2006/main" xmlns:r="http://schemas.openxmlformats.org/officeDocument/2006/relationships" xmlns:p="http://schemas.openxmlformats.org/presentationml/2006/main">
   <p:cSld>
     <p:spTree>
@@ -12112,7 +8382,7 @@
 </p:sld>
 </file>
 
-<file path=ppt/slides/slide15.xml><?xml version="1.0" encoding="utf-8"?>
+<file path=ppt/slides/slide8.xml><?xml version="1.0" encoding="utf-8"?>
 <p:sld xmlns:a="http://schemas.openxmlformats.org/drawingml/2006/main" xmlns:r="http://schemas.openxmlformats.org/officeDocument/2006/relationships" xmlns:p="http://schemas.openxmlformats.org/presentationml/2006/main">
   <p:cSld>
     <p:spTree>
@@ -12426,7 +8696,7 @@
 </p:sld>
 </file>
 
-<file path=ppt/slides/slide16.xml><?xml version="1.0" encoding="utf-8"?>
+<file path=ppt/slides/slide9.xml><?xml version="1.0" encoding="utf-8"?>
 <p:sld xmlns:a="http://schemas.openxmlformats.org/drawingml/2006/main" xmlns:r="http://schemas.openxmlformats.org/officeDocument/2006/relationships" xmlns:p="http://schemas.openxmlformats.org/presentationml/2006/main">
   <p:cSld>
     <p:spTree>
@@ -12667,2446 +8937,6 @@
     <p:extLst>
       <p:ext uri="{BB962C8B-B14F-4D97-AF65-F5344CB8AC3E}">
         <p14:creationId xmlns:p14="http://schemas.microsoft.com/office/powerpoint/2010/main" val="3220656150"/>
-      </p:ext>
-    </p:extLst>
-  </p:cSld>
-  <p:clrMapOvr>
-    <a:masterClrMapping/>
-  </p:clrMapOvr>
-</p:sld>
-</file>
-
-<file path=ppt/slides/slide2.xml><?xml version="1.0" encoding="utf-8"?>
-<p:sld xmlns:a="http://schemas.openxmlformats.org/drawingml/2006/main" xmlns:r="http://schemas.openxmlformats.org/officeDocument/2006/relationships" xmlns:p="http://schemas.openxmlformats.org/presentationml/2006/main">
-  <p:cSld>
-    <p:spTree>
-      <p:nvGrpSpPr>
-        <p:cNvPr id="1" name=""/>
-        <p:cNvGrpSpPr/>
-        <p:nvPr/>
-      </p:nvGrpSpPr>
-      <p:grpSpPr>
-        <a:xfrm>
-          <a:off x="0" y="0"/>
-          <a:ext cx="0" cy="0"/>
-          <a:chOff x="0" y="0"/>
-          <a:chExt cx="0" cy="0"/>
-        </a:xfrm>
-      </p:grpSpPr>
-      <p:sp>
-        <p:nvSpPr>
-          <p:cNvPr id="2" name="Titolo 1">
-            <a:extLst>
-              <a:ext uri="{FF2B5EF4-FFF2-40B4-BE49-F238E27FC236}">
-                <a16:creationId xmlns:a16="http://schemas.microsoft.com/office/drawing/2014/main" id="{41268BF7-2F3B-A5C4-4F7E-1982399FCE62}"/>
-              </a:ext>
-            </a:extLst>
-          </p:cNvPr>
-          <p:cNvSpPr>
-            <a:spLocks noGrp="1"/>
-          </p:cNvSpPr>
-          <p:nvPr>
-            <p:ph type="title" idx="4294967295"/>
-          </p:nvPr>
-        </p:nvSpPr>
-        <p:spPr>
-          <a:xfrm>
-            <a:off x="311700" y="421233"/>
-            <a:ext cx="8520600" cy="622500"/>
-          </a:xfrm>
-        </p:spPr>
-        <p:txBody>
-          <a:bodyPr/>
-          <a:lstStyle/>
-          <a:p>
-            <a:r>
-              <a:rPr lang="en-GB" dirty="0"/>
-              <a:t>Index</a:t>
-            </a:r>
-          </a:p>
-        </p:txBody>
-      </p:sp>
-      <p:sp>
-        <p:nvSpPr>
-          <p:cNvPr id="3" name="Segnaposto testo 2">
-            <a:extLst>
-              <a:ext uri="{FF2B5EF4-FFF2-40B4-BE49-F238E27FC236}">
-                <a16:creationId xmlns:a16="http://schemas.microsoft.com/office/drawing/2014/main" id="{38BFAA1C-1163-169B-2D77-6FEF73CC8512}"/>
-              </a:ext>
-            </a:extLst>
-          </p:cNvPr>
-          <p:cNvSpPr>
-            <a:spLocks noGrp="1"/>
-          </p:cNvSpPr>
-          <p:nvPr>
-            <p:ph type="body" idx="1"/>
-          </p:nvPr>
-        </p:nvSpPr>
-        <p:spPr>
-          <a:xfrm>
-            <a:off x="311700" y="1043732"/>
-            <a:ext cx="8612381" cy="5284639"/>
-          </a:xfrm>
-        </p:spPr>
-        <p:txBody>
-          <a:bodyPr/>
-          <a:lstStyle/>
-          <a:p>
-            <a:r>
-              <a:rPr lang="en-GB" dirty="0"/>
-              <a:t>Karnaugh maps</a:t>
-            </a:r>
-          </a:p>
-          <a:p>
-            <a:r>
-              <a:rPr lang="en-GB" dirty="0"/>
-              <a:t>Logic Minimization</a:t>
-            </a:r>
-          </a:p>
-          <a:p>
-            <a:r>
-              <a:rPr lang="en-GB" dirty="0"/>
-              <a:t>Seven-segment Display Decoder</a:t>
-            </a:r>
-          </a:p>
-          <a:p>
-            <a:r>
-              <a:rPr lang="en-GB" dirty="0"/>
-              <a:t>Don’t Cares</a:t>
-            </a:r>
-          </a:p>
-          <a:p>
-            <a:endParaRPr lang="en-GB" dirty="0"/>
-          </a:p>
-          <a:p>
-            <a:pPr marL="120650" indent="0">
-              <a:buNone/>
-            </a:pPr>
-            <a:endParaRPr lang="en-GB" dirty="0"/>
-          </a:p>
-          <a:p>
-            <a:endParaRPr lang="en-GB" dirty="0"/>
-          </a:p>
-          <a:p>
-            <a:endParaRPr lang="en-GB" dirty="0"/>
-          </a:p>
-          <a:p>
-            <a:endParaRPr lang="en-GB" dirty="0"/>
-          </a:p>
-          <a:p>
-            <a:endParaRPr lang="en-GB" dirty="0"/>
-          </a:p>
-          <a:p>
-            <a:endParaRPr lang="en-GB" dirty="0"/>
-          </a:p>
-          <a:p>
-            <a:endParaRPr lang="en-GB" dirty="0"/>
-          </a:p>
-          <a:p>
-            <a:endParaRPr lang="en-GB" dirty="0"/>
-          </a:p>
-          <a:p>
-            <a:endParaRPr lang="en-GB" dirty="0"/>
-          </a:p>
-          <a:p>
-            <a:endParaRPr lang="en-GB" dirty="0"/>
-          </a:p>
-          <a:p>
-            <a:endParaRPr lang="en-GB" dirty="0"/>
-          </a:p>
-          <a:p>
-            <a:endParaRPr lang="en-GB" dirty="0"/>
-          </a:p>
-          <a:p>
-            <a:endParaRPr lang="en-GB" dirty="0"/>
-          </a:p>
-        </p:txBody>
-      </p:sp>
-    </p:spTree>
-    <p:extLst>
-      <p:ext uri="{BB962C8B-B14F-4D97-AF65-F5344CB8AC3E}">
-        <p14:creationId xmlns:p14="http://schemas.microsoft.com/office/powerpoint/2010/main" val="3018556184"/>
-      </p:ext>
-    </p:extLst>
-  </p:cSld>
-  <p:clrMapOvr>
-    <a:masterClrMapping/>
-  </p:clrMapOvr>
-</p:sld>
-</file>
-
-<file path=ppt/slides/slide3.xml><?xml version="1.0" encoding="utf-8"?>
-<p:sld xmlns:a="http://schemas.openxmlformats.org/drawingml/2006/main" xmlns:r="http://schemas.openxmlformats.org/officeDocument/2006/relationships" xmlns:p="http://schemas.openxmlformats.org/presentationml/2006/main">
-  <p:cSld>
-    <p:spTree>
-      <p:nvGrpSpPr>
-        <p:cNvPr id="1" name="Shape 82"/>
-        <p:cNvGrpSpPr/>
-        <p:nvPr/>
-      </p:nvGrpSpPr>
-      <p:grpSpPr>
-        <a:xfrm>
-          <a:off x="0" y="0"/>
-          <a:ext cx="0" cy="0"/>
-          <a:chOff x="0" y="0"/>
-          <a:chExt cx="0" cy="0"/>
-        </a:xfrm>
-      </p:grpSpPr>
-      <p:sp>
-        <p:nvSpPr>
-          <p:cNvPr id="83" name="Google Shape;83;p14"/>
-          <p:cNvSpPr txBox="1">
-            <a:spLocks noGrp="1"/>
-          </p:cNvSpPr>
-          <p:nvPr>
-            <p:ph type="title" idx="4294967295"/>
-          </p:nvPr>
-        </p:nvSpPr>
-        <p:spPr>
-          <a:xfrm>
-            <a:off x="311700" y="421233"/>
-            <a:ext cx="8520600" cy="622500"/>
-          </a:xfrm>
-          <a:prstGeom prst="rect">
-            <a:avLst/>
-          </a:prstGeom>
-        </p:spPr>
-        <p:txBody>
-          <a:bodyPr spcFirstLastPara="1" wrap="square" lIns="91425" tIns="91425" rIns="91425" bIns="91425" anchor="b" anchorCtr="0">
-            <a:noAutofit/>
-          </a:bodyPr>
-          <a:lstStyle/>
-          <a:p>
-            <a:pPr marL="0" lvl="0" indent="0" algn="l" rtl="0">
-              <a:spcBef>
-                <a:spcPts val="0"/>
-              </a:spcBef>
-              <a:spcAft>
-                <a:spcPts val="0"/>
-              </a:spcAft>
-              <a:buNone/>
-            </a:pPr>
-            <a:r>
-              <a:rPr lang="en-GB" dirty="0"/>
-              <a:t>Karnaugh maps </a:t>
-            </a:r>
-            <a:endParaRPr dirty="0"/>
-          </a:p>
-        </p:txBody>
-      </p:sp>
-      <p:sp>
-        <p:nvSpPr>
-          <p:cNvPr id="84" name="Google Shape;84;p14"/>
-          <p:cNvSpPr txBox="1">
-            <a:spLocks noGrp="1"/>
-          </p:cNvSpPr>
-          <p:nvPr>
-            <p:ph type="body" idx="1"/>
-          </p:nvPr>
-        </p:nvSpPr>
-        <p:spPr>
-          <a:xfrm>
-            <a:off x="162750" y="1212537"/>
-            <a:ext cx="8818500" cy="5100000"/>
-          </a:xfrm>
-          <a:prstGeom prst="rect">
-            <a:avLst/>
-          </a:prstGeom>
-        </p:spPr>
-        <p:txBody>
-          <a:bodyPr spcFirstLastPara="1" wrap="square" lIns="91425" tIns="91425" rIns="91425" bIns="91425" anchor="t" anchorCtr="0">
-            <a:noAutofit/>
-          </a:bodyPr>
-          <a:lstStyle/>
-          <a:p>
-            <a:pPr lvl="0"/>
-            <a:r>
-              <a:rPr lang="en-GB" dirty="0"/>
-              <a:t>K-maps are a </a:t>
-            </a:r>
-            <a:r>
-              <a:rPr lang="en-GB" b="1" dirty="0"/>
-              <a:t>graphical method </a:t>
-            </a:r>
-            <a:r>
-              <a:rPr lang="en-GB" dirty="0"/>
-              <a:t>for simplifying boolean </a:t>
-            </a:r>
-            <a:br>
-              <a:rPr lang="en-GB" dirty="0"/>
-            </a:br>
-            <a:r>
-              <a:rPr lang="en-GB" dirty="0"/>
-              <a:t>equations</a:t>
-            </a:r>
-          </a:p>
-          <a:p>
-            <a:pPr lvl="1"/>
-            <a:r>
-              <a:rPr lang="en-GB" dirty="0"/>
-              <a:t>works well for problems with up to </a:t>
-            </a:r>
-            <a:r>
-              <a:rPr lang="en-GB" b="1" dirty="0"/>
-              <a:t>four variables</a:t>
-            </a:r>
-          </a:p>
-          <a:p>
-            <a:pPr lvl="1"/>
-            <a:r>
-              <a:rPr lang="en-GB" dirty="0"/>
-              <a:t>give insight into manipulating boolean equations</a:t>
-            </a:r>
-          </a:p>
-          <a:p>
-            <a:pPr lvl="1"/>
-            <a:r>
-              <a:rPr lang="en-GB" dirty="0"/>
-              <a:t>invented in 1953 by Maurice Karnaugh, a </a:t>
-            </a:r>
-            <a:br>
-              <a:rPr lang="en-GB" dirty="0"/>
-            </a:br>
-            <a:r>
-              <a:rPr lang="en-GB" dirty="0"/>
-              <a:t>telecommunications engineer at Bell Labs</a:t>
-            </a:r>
-          </a:p>
-          <a:p>
-            <a:pPr lvl="1"/>
-            <a:endParaRPr lang="en-GB" dirty="0"/>
-          </a:p>
-          <a:p>
-            <a:r>
-              <a:rPr lang="en-GB" dirty="0"/>
-              <a:t>Recall that logic minimization involves </a:t>
-            </a:r>
-            <a:r>
-              <a:rPr lang="en-GB" b="1" dirty="0"/>
-              <a:t>combining terms</a:t>
-            </a:r>
-          </a:p>
-          <a:p>
-            <a:pPr lvl="1"/>
-            <a:r>
-              <a:rPr lang="en-GB" dirty="0"/>
-              <a:t>two terms containing an implicant P and the true and </a:t>
-            </a:r>
-            <a:br>
-              <a:rPr lang="en-GB" dirty="0"/>
-            </a:br>
-            <a:r>
-              <a:rPr lang="en-GB" dirty="0"/>
-              <a:t>complementary forms of some variable A are combined </a:t>
-            </a:r>
-            <a:br>
-              <a:rPr lang="en-GB" dirty="0"/>
-            </a:br>
-            <a:r>
-              <a:rPr lang="en-GB" dirty="0"/>
-              <a:t>to eliminate A: </a:t>
-            </a:r>
-          </a:p>
-          <a:p>
-            <a:pPr lvl="2"/>
-            <a:r>
-              <a:rPr lang="en-GB" dirty="0"/>
-              <a:t>PA + PA = P</a:t>
-            </a:r>
-          </a:p>
-          <a:p>
-            <a:pPr lvl="1"/>
-            <a:r>
-              <a:rPr lang="en-GB" dirty="0"/>
-              <a:t>Karnaugh maps make these combinable terms </a:t>
-            </a:r>
-            <a:r>
-              <a:rPr lang="en-GB" b="1" dirty="0"/>
-              <a:t>easy to see </a:t>
-            </a:r>
-            <a:br>
-              <a:rPr lang="en-GB" b="1" dirty="0"/>
-            </a:br>
-            <a:r>
-              <a:rPr lang="en-GB" dirty="0"/>
-              <a:t>by putting them next to each other in a </a:t>
-            </a:r>
-            <a:r>
-              <a:rPr lang="en-GB" b="1" dirty="0"/>
-              <a:t>grid</a:t>
-            </a:r>
-          </a:p>
-          <a:p>
-            <a:pPr lvl="1"/>
-            <a:endParaRPr lang="en-GB" dirty="0"/>
-          </a:p>
-        </p:txBody>
-      </p:sp>
-      <p:grpSp>
-        <p:nvGrpSpPr>
-          <p:cNvPr id="3" name="Gruppo 2">
-            <a:extLst>
-              <a:ext uri="{FF2B5EF4-FFF2-40B4-BE49-F238E27FC236}">
-                <a16:creationId xmlns:a16="http://schemas.microsoft.com/office/drawing/2014/main" id="{FF6948E7-22DE-4740-8117-A51B799A4868}"/>
-              </a:ext>
-            </a:extLst>
-          </p:cNvPr>
-          <p:cNvGrpSpPr/>
-          <p:nvPr/>
-        </p:nvGrpSpPr>
-        <p:grpSpPr>
-          <a:xfrm>
-            <a:off x="6559000" y="1048754"/>
-            <a:ext cx="2273300" cy="4760491"/>
-            <a:chOff x="6559000" y="1048754"/>
-            <a:chExt cx="2273300" cy="4760491"/>
-          </a:xfrm>
-        </p:grpSpPr>
-        <p:grpSp>
-          <p:nvGrpSpPr>
-            <p:cNvPr id="9" name="Gruppo 8">
-              <a:extLst>
-                <a:ext uri="{FF2B5EF4-FFF2-40B4-BE49-F238E27FC236}">
-                  <a16:creationId xmlns:a16="http://schemas.microsoft.com/office/drawing/2014/main" id="{59173E10-F720-B04E-499E-4599443A1DA6}"/>
-                </a:ext>
-              </a:extLst>
-            </p:cNvPr>
-            <p:cNvGrpSpPr/>
-            <p:nvPr/>
-          </p:nvGrpSpPr>
-          <p:grpSpPr>
-            <a:xfrm>
-              <a:off x="6559000" y="1048754"/>
-              <a:ext cx="2273300" cy="4760491"/>
-              <a:chOff x="3384550" y="1720850"/>
-              <a:chExt cx="2273300" cy="4760491"/>
-            </a:xfrm>
-          </p:grpSpPr>
-          <p:pic>
-            <p:nvPicPr>
-              <p:cNvPr id="1026" name="Picture 2" descr="Maurice Karnaugh">
-                <a:extLst>
-                  <a:ext uri="{FF2B5EF4-FFF2-40B4-BE49-F238E27FC236}">
-                    <a16:creationId xmlns:a16="http://schemas.microsoft.com/office/drawing/2014/main" id="{8712A98F-F330-4AC9-CDEB-73333E921930}"/>
-                  </a:ext>
-                </a:extLst>
-              </p:cNvPr>
-              <p:cNvPicPr>
-                <a:picLocks noChangeAspect="1" noChangeArrowheads="1"/>
-              </p:cNvPicPr>
-              <p:nvPr/>
-            </p:nvPicPr>
-            <p:blipFill>
-              <a:blip r:embed="rId3">
-                <a:extLst>
-                  <a:ext uri="{28A0092B-C50C-407E-A947-70E740481C1C}">
-                    <a14:useLocalDpi xmlns:a14="http://schemas.microsoft.com/office/drawing/2010/main" val="0"/>
-                  </a:ext>
-                </a:extLst>
-              </a:blip>
-              <a:srcRect/>
-              <a:stretch>
-                <a:fillRect/>
-              </a:stretch>
-            </p:blipFill>
-            <p:spPr bwMode="auto">
-              <a:xfrm>
-                <a:off x="3384550" y="1720850"/>
-                <a:ext cx="2273300" cy="3270148"/>
-              </a:xfrm>
-              <a:prstGeom prst="rect">
-                <a:avLst/>
-              </a:prstGeom>
-              <a:noFill/>
-              <a:extLst>
-                <a:ext uri="{909E8E84-426E-40DD-AFC4-6F175D3DCCD1}">
-                  <a14:hiddenFill xmlns:a14="http://schemas.microsoft.com/office/drawing/2010/main">
-                    <a:solidFill>
-                      <a:srgbClr val="FFFFFF"/>
-                    </a:solidFill>
-                  </a14:hiddenFill>
-                </a:ext>
-              </a:extLst>
-            </p:spPr>
-          </p:pic>
-          <p:pic>
-            <p:nvPicPr>
-              <p:cNvPr id="8" name="Immagine 7">
-                <a:extLst>
-                  <a:ext uri="{FF2B5EF4-FFF2-40B4-BE49-F238E27FC236}">
-                    <a16:creationId xmlns:a16="http://schemas.microsoft.com/office/drawing/2014/main" id="{43086DC8-F0D1-3CD6-DE23-BC14253E74BA}"/>
-                  </a:ext>
-                </a:extLst>
-              </p:cNvPr>
-              <p:cNvPicPr>
-                <a:picLocks noChangeAspect="1"/>
-              </p:cNvPicPr>
-              <p:nvPr/>
-            </p:nvPicPr>
-            <p:blipFill>
-              <a:blip r:embed="rId4"/>
-              <a:stretch>
-                <a:fillRect/>
-              </a:stretch>
-            </p:blipFill>
-            <p:spPr>
-              <a:xfrm>
-                <a:off x="3384550" y="3954041"/>
-                <a:ext cx="2273300" cy="2527300"/>
-              </a:xfrm>
-              <a:prstGeom prst="rect">
-                <a:avLst/>
-              </a:prstGeom>
-            </p:spPr>
-          </p:pic>
-        </p:grpSp>
-        <p:sp>
-          <p:nvSpPr>
-            <p:cNvPr id="2" name="CasellaDiTesto 1">
-              <a:extLst>
-                <a:ext uri="{FF2B5EF4-FFF2-40B4-BE49-F238E27FC236}">
-                  <a16:creationId xmlns:a16="http://schemas.microsoft.com/office/drawing/2014/main" id="{E592DC4B-20ED-2A7E-C727-3FF23F1223CB}"/>
-                </a:ext>
-              </a:extLst>
-            </p:cNvPr>
-            <p:cNvSpPr txBox="1"/>
-            <p:nvPr/>
-          </p:nvSpPr>
-          <p:spPr>
-            <a:xfrm>
-              <a:off x="8314395" y="3338153"/>
-              <a:ext cx="498855" cy="261610"/>
-            </a:xfrm>
-            <a:prstGeom prst="rect">
-              <a:avLst/>
-            </a:prstGeom>
-            <a:noFill/>
-          </p:spPr>
-          <p:txBody>
-            <a:bodyPr wrap="none" rtlCol="0">
-              <a:spAutoFit/>
-            </a:bodyPr>
-            <a:lstStyle/>
-            <a:p>
-              <a:r>
-                <a:rPr lang="en-GB" sz="1100" b="1" dirty="0"/>
-                <a:t>2022</a:t>
-              </a:r>
-              <a:endParaRPr lang="en-GB" b="1" dirty="0"/>
-            </a:p>
-          </p:txBody>
-        </p:sp>
-      </p:grpSp>
-      <p:cxnSp>
-        <p:nvCxnSpPr>
-          <p:cNvPr id="5" name="Connettore 1 4">
-            <a:extLst>
-              <a:ext uri="{FF2B5EF4-FFF2-40B4-BE49-F238E27FC236}">
-                <a16:creationId xmlns:a16="http://schemas.microsoft.com/office/drawing/2014/main" id="{94A0434B-E73E-A043-006E-59BA1EAB043A}"/>
-              </a:ext>
-            </a:extLst>
-          </p:cNvPr>
-          <p:cNvCxnSpPr>
-            <a:cxnSpLocks/>
-          </p:cNvCxnSpPr>
-          <p:nvPr/>
-        </p:nvCxnSpPr>
-        <p:spPr>
-          <a:xfrm>
-            <a:off x="2157984" y="4852416"/>
-            <a:ext cx="85344" cy="0"/>
-          </a:xfrm>
-          <a:prstGeom prst="line">
-            <a:avLst/>
-          </a:prstGeom>
-        </p:spPr>
-        <p:style>
-          <a:lnRef idx="1">
-            <a:schemeClr val="accent1"/>
-          </a:lnRef>
-          <a:fillRef idx="0">
-            <a:schemeClr val="accent1"/>
-          </a:fillRef>
-          <a:effectRef idx="0">
-            <a:schemeClr val="accent1"/>
-          </a:effectRef>
-          <a:fontRef idx="minor">
-            <a:schemeClr val="tx1"/>
-          </a:fontRef>
-        </p:style>
-      </p:cxnSp>
-    </p:spTree>
-  </p:cSld>
-  <p:clrMapOvr>
-    <a:masterClrMapping/>
-  </p:clrMapOvr>
-</p:sld>
-</file>
-
-<file path=ppt/slides/slide4.xml><?xml version="1.0" encoding="utf-8"?>
-<p:sld xmlns:a="http://schemas.openxmlformats.org/drawingml/2006/main" xmlns:r="http://schemas.openxmlformats.org/officeDocument/2006/relationships" xmlns:p="http://schemas.openxmlformats.org/presentationml/2006/main">
-  <p:cSld>
-    <p:spTree>
-      <p:nvGrpSpPr>
-        <p:cNvPr id="1" name="Shape 82"/>
-        <p:cNvGrpSpPr/>
-        <p:nvPr/>
-      </p:nvGrpSpPr>
-      <p:grpSpPr>
-        <a:xfrm>
-          <a:off x="0" y="0"/>
-          <a:ext cx="0" cy="0"/>
-          <a:chOff x="0" y="0"/>
-          <a:chExt cx="0" cy="0"/>
-        </a:xfrm>
-      </p:grpSpPr>
-      <p:sp>
-        <p:nvSpPr>
-          <p:cNvPr id="83" name="Google Shape;83;p14"/>
-          <p:cNvSpPr txBox="1">
-            <a:spLocks noGrp="1"/>
-          </p:cNvSpPr>
-          <p:nvPr>
-            <p:ph type="title" idx="4294967295"/>
-          </p:nvPr>
-        </p:nvSpPr>
-        <p:spPr>
-          <a:xfrm>
-            <a:off x="311700" y="421233"/>
-            <a:ext cx="8520600" cy="622500"/>
-          </a:xfrm>
-          <a:prstGeom prst="rect">
-            <a:avLst/>
-          </a:prstGeom>
-        </p:spPr>
-        <p:txBody>
-          <a:bodyPr spcFirstLastPara="1" wrap="square" lIns="91425" tIns="91425" rIns="91425" bIns="91425" anchor="b" anchorCtr="0">
-            <a:noAutofit/>
-          </a:bodyPr>
-          <a:lstStyle/>
-          <a:p>
-            <a:pPr marL="0" lvl="0" indent="0" algn="l" rtl="0">
-              <a:spcBef>
-                <a:spcPts val="0"/>
-              </a:spcBef>
-              <a:spcAft>
-                <a:spcPts val="0"/>
-              </a:spcAft>
-              <a:buNone/>
-            </a:pPr>
-            <a:r>
-              <a:rPr lang="en-GB" dirty="0"/>
-              <a:t>Constructing a Map (1)</a:t>
-            </a:r>
-            <a:endParaRPr dirty="0"/>
-          </a:p>
-        </p:txBody>
-      </p:sp>
-      <p:sp>
-        <p:nvSpPr>
-          <p:cNvPr id="84" name="Google Shape;84;p14"/>
-          <p:cNvSpPr txBox="1">
-            <a:spLocks noGrp="1"/>
-          </p:cNvSpPr>
-          <p:nvPr>
-            <p:ph type="body" idx="1"/>
-          </p:nvPr>
-        </p:nvSpPr>
-        <p:spPr>
-          <a:xfrm>
-            <a:off x="162750" y="1212537"/>
-            <a:ext cx="8818500" cy="5100000"/>
-          </a:xfrm>
-          <a:prstGeom prst="rect">
-            <a:avLst/>
-          </a:prstGeom>
-        </p:spPr>
-        <p:txBody>
-          <a:bodyPr spcFirstLastPara="1" wrap="square" lIns="91425" tIns="91425" rIns="91425" bIns="91425" anchor="t" anchorCtr="0">
-            <a:noAutofit/>
-          </a:bodyPr>
-          <a:lstStyle/>
-          <a:p>
-            <a:pPr lvl="0"/>
-            <a:r>
-              <a:rPr lang="en-GB" dirty="0"/>
-              <a:t>Consider the truth table of a three-input function:</a:t>
-            </a:r>
-          </a:p>
-          <a:p>
-            <a:pPr lvl="0"/>
-            <a:endParaRPr lang="en-GB" dirty="0"/>
-          </a:p>
-          <a:p>
-            <a:pPr lvl="0"/>
-            <a:endParaRPr lang="en-GB" dirty="0"/>
-          </a:p>
-          <a:p>
-            <a:pPr lvl="0"/>
-            <a:endParaRPr lang="en-GB" dirty="0"/>
-          </a:p>
-          <a:p>
-            <a:pPr marL="120650" lvl="0" indent="0">
-              <a:buNone/>
-            </a:pPr>
-            <a:endParaRPr lang="en-GB" dirty="0"/>
-          </a:p>
-          <a:p>
-            <a:pPr lvl="0"/>
-            <a:r>
-              <a:rPr lang="en-GB" dirty="0"/>
-              <a:t>The K-map of that table is constructed as:</a:t>
-            </a:r>
-          </a:p>
-          <a:p>
-            <a:pPr lvl="1"/>
-            <a:r>
-              <a:rPr lang="en-GB" dirty="0"/>
-              <a:t>top row gives the four possible values for A and B</a:t>
-            </a:r>
-          </a:p>
-          <a:p>
-            <a:pPr lvl="1"/>
-            <a:r>
-              <a:rPr lang="en-GB" dirty="0"/>
-              <a:t>left column gives the two possible values for C</a:t>
-            </a:r>
-          </a:p>
-          <a:p>
-            <a:pPr lvl="1"/>
-            <a:r>
-              <a:rPr lang="en-GB" dirty="0"/>
-              <a:t>each square corresponds to a row in the truth table and </a:t>
-            </a:r>
-            <a:br>
-              <a:rPr lang="en-GB" dirty="0"/>
-            </a:br>
-            <a:r>
-              <a:rPr lang="en-GB" dirty="0"/>
-              <a:t>contains the value of the output</a:t>
-            </a:r>
-          </a:p>
-          <a:p>
-            <a:pPr lvl="2"/>
-            <a:r>
-              <a:rPr lang="en-GB" dirty="0"/>
-              <a:t>a single minterm </a:t>
-            </a:r>
-          </a:p>
-          <a:p>
-            <a:pPr lvl="1"/>
-            <a:r>
-              <a:rPr lang="en-GB" dirty="0"/>
-              <a:t>For example:</a:t>
-            </a:r>
-          </a:p>
-          <a:p>
-            <a:pPr lvl="2"/>
-            <a:r>
-              <a:rPr lang="en-GB" dirty="0"/>
-              <a:t>top left square corresponds to the first row in the truth </a:t>
-            </a:r>
-            <a:br>
-              <a:rPr lang="en-GB" dirty="0"/>
-            </a:br>
-            <a:r>
-              <a:rPr lang="en-GB" dirty="0"/>
-              <a:t>table Y 1 when ABC=000 </a:t>
-            </a:r>
-          </a:p>
-          <a:p>
-            <a:pPr lvl="2"/>
-            <a:r>
-              <a:rPr lang="en-GB" dirty="0"/>
-              <a:t>the minterm is A B C</a:t>
-            </a:r>
-          </a:p>
-        </p:txBody>
-      </p:sp>
-      <p:pic>
-        <p:nvPicPr>
-          <p:cNvPr id="2" name="Immagine 1">
-            <a:extLst>
-              <a:ext uri="{FF2B5EF4-FFF2-40B4-BE49-F238E27FC236}">
-                <a16:creationId xmlns:a16="http://schemas.microsoft.com/office/drawing/2014/main" id="{522B5877-EFF0-E448-1CF6-8C6F06A2B7EB}"/>
-              </a:ext>
-            </a:extLst>
-          </p:cNvPr>
-          <p:cNvPicPr>
-            <a:picLocks noChangeAspect="1"/>
-          </p:cNvPicPr>
-          <p:nvPr/>
-        </p:nvPicPr>
-        <p:blipFill>
-          <a:blip r:embed="rId3"/>
-          <a:stretch>
-            <a:fillRect/>
-          </a:stretch>
-        </p:blipFill>
-        <p:spPr>
-          <a:xfrm>
-            <a:off x="6566913" y="1084394"/>
-            <a:ext cx="1638624" cy="1898073"/>
-          </a:xfrm>
-          <a:prstGeom prst="rect">
-            <a:avLst/>
-          </a:prstGeom>
-        </p:spPr>
-      </p:pic>
-      <p:pic>
-        <p:nvPicPr>
-          <p:cNvPr id="3" name="Immagine 2">
-            <a:extLst>
-              <a:ext uri="{FF2B5EF4-FFF2-40B4-BE49-F238E27FC236}">
-                <a16:creationId xmlns:a16="http://schemas.microsoft.com/office/drawing/2014/main" id="{F9EEBFFA-76B3-ACA1-C448-87436DAF61A2}"/>
-              </a:ext>
-            </a:extLst>
-          </p:cNvPr>
-          <p:cNvPicPr>
-            <a:picLocks noChangeAspect="1"/>
-          </p:cNvPicPr>
-          <p:nvPr/>
-        </p:nvPicPr>
-        <p:blipFill>
-          <a:blip r:embed="rId4"/>
-          <a:stretch>
-            <a:fillRect/>
-          </a:stretch>
-        </p:blipFill>
-        <p:spPr>
-          <a:xfrm>
-            <a:off x="6301550" y="3074219"/>
-            <a:ext cx="2717800" cy="1701800"/>
-          </a:xfrm>
-          <a:prstGeom prst="rect">
-            <a:avLst/>
-          </a:prstGeom>
-        </p:spPr>
-      </p:pic>
-      <p:pic>
-        <p:nvPicPr>
-          <p:cNvPr id="5" name="Immagine 4">
-            <a:extLst>
-              <a:ext uri="{FF2B5EF4-FFF2-40B4-BE49-F238E27FC236}">
-                <a16:creationId xmlns:a16="http://schemas.microsoft.com/office/drawing/2014/main" id="{88953AF2-3D88-569F-4B58-C0D503E584D4}"/>
-              </a:ext>
-            </a:extLst>
-          </p:cNvPr>
-          <p:cNvPicPr>
-            <a:picLocks noChangeAspect="1"/>
-          </p:cNvPicPr>
-          <p:nvPr/>
-        </p:nvPicPr>
-        <p:blipFill>
-          <a:blip r:embed="rId5"/>
-          <a:stretch>
-            <a:fillRect/>
-          </a:stretch>
-        </p:blipFill>
-        <p:spPr>
-          <a:xfrm>
-            <a:off x="6301550" y="4867772"/>
-            <a:ext cx="2641600" cy="1625600"/>
-          </a:xfrm>
-          <a:prstGeom prst="rect">
-            <a:avLst/>
-          </a:prstGeom>
-        </p:spPr>
-      </p:pic>
-      <p:cxnSp>
-        <p:nvCxnSpPr>
-          <p:cNvPr id="4" name="Connettore 1 3">
-            <a:extLst>
-              <a:ext uri="{FF2B5EF4-FFF2-40B4-BE49-F238E27FC236}">
-                <a16:creationId xmlns:a16="http://schemas.microsoft.com/office/drawing/2014/main" id="{0635C1B4-487D-765E-822D-1864563D6F32}"/>
-              </a:ext>
-            </a:extLst>
-          </p:cNvPr>
-          <p:cNvCxnSpPr>
-            <a:cxnSpLocks/>
-          </p:cNvCxnSpPr>
-          <p:nvPr/>
-        </p:nvCxnSpPr>
-        <p:spPr>
-          <a:xfrm>
-            <a:off x="2889504" y="5852160"/>
-            <a:ext cx="85344" cy="0"/>
-          </a:xfrm>
-          <a:prstGeom prst="line">
-            <a:avLst/>
-          </a:prstGeom>
-        </p:spPr>
-        <p:style>
-          <a:lnRef idx="1">
-            <a:schemeClr val="accent1"/>
-          </a:lnRef>
-          <a:fillRef idx="0">
-            <a:schemeClr val="accent1"/>
-          </a:fillRef>
-          <a:effectRef idx="0">
-            <a:schemeClr val="accent1"/>
-          </a:effectRef>
-          <a:fontRef idx="minor">
-            <a:schemeClr val="tx1"/>
-          </a:fontRef>
-        </p:style>
-      </p:cxnSp>
-      <p:cxnSp>
-        <p:nvCxnSpPr>
-          <p:cNvPr id="6" name="Connettore 1 5">
-            <a:extLst>
-              <a:ext uri="{FF2B5EF4-FFF2-40B4-BE49-F238E27FC236}">
-                <a16:creationId xmlns:a16="http://schemas.microsoft.com/office/drawing/2014/main" id="{E878E49F-538A-3A7D-FE7C-4FC10C505DA6}"/>
-              </a:ext>
-            </a:extLst>
-          </p:cNvPr>
-          <p:cNvCxnSpPr>
-            <a:cxnSpLocks/>
-          </p:cNvCxnSpPr>
-          <p:nvPr/>
-        </p:nvCxnSpPr>
-        <p:spPr>
-          <a:xfrm>
-            <a:off x="3054096" y="5846064"/>
-            <a:ext cx="85344" cy="0"/>
-          </a:xfrm>
-          <a:prstGeom prst="line">
-            <a:avLst/>
-          </a:prstGeom>
-        </p:spPr>
-        <p:style>
-          <a:lnRef idx="1">
-            <a:schemeClr val="accent1"/>
-          </a:lnRef>
-          <a:fillRef idx="0">
-            <a:schemeClr val="accent1"/>
-          </a:fillRef>
-          <a:effectRef idx="0">
-            <a:schemeClr val="accent1"/>
-          </a:effectRef>
-          <a:fontRef idx="minor">
-            <a:schemeClr val="tx1"/>
-          </a:fontRef>
-        </p:style>
-      </p:cxnSp>
-      <p:cxnSp>
-        <p:nvCxnSpPr>
-          <p:cNvPr id="7" name="Connettore 1 6">
-            <a:extLst>
-              <a:ext uri="{FF2B5EF4-FFF2-40B4-BE49-F238E27FC236}">
-                <a16:creationId xmlns:a16="http://schemas.microsoft.com/office/drawing/2014/main" id="{EFC466B2-75BD-35A1-64B7-C922D5C9E902}"/>
-              </a:ext>
-            </a:extLst>
-          </p:cNvPr>
-          <p:cNvCxnSpPr>
-            <a:cxnSpLocks/>
-          </p:cNvCxnSpPr>
-          <p:nvPr/>
-        </p:nvCxnSpPr>
-        <p:spPr>
-          <a:xfrm>
-            <a:off x="3236976" y="5846064"/>
-            <a:ext cx="85344" cy="0"/>
-          </a:xfrm>
-          <a:prstGeom prst="line">
-            <a:avLst/>
-          </a:prstGeom>
-        </p:spPr>
-        <p:style>
-          <a:lnRef idx="1">
-            <a:schemeClr val="accent1"/>
-          </a:lnRef>
-          <a:fillRef idx="0">
-            <a:schemeClr val="accent1"/>
-          </a:fillRef>
-          <a:effectRef idx="0">
-            <a:schemeClr val="accent1"/>
-          </a:effectRef>
-          <a:fontRef idx="minor">
-            <a:schemeClr val="tx1"/>
-          </a:fontRef>
-        </p:style>
-      </p:cxnSp>
-    </p:spTree>
-    <p:extLst>
-      <p:ext uri="{BB962C8B-B14F-4D97-AF65-F5344CB8AC3E}">
-        <p14:creationId xmlns:p14="http://schemas.microsoft.com/office/powerpoint/2010/main" val="3963103711"/>
-      </p:ext>
-    </p:extLst>
-  </p:cSld>
-  <p:clrMapOvr>
-    <a:masterClrMapping/>
-  </p:clrMapOvr>
-</p:sld>
-</file>
-
-<file path=ppt/slides/slide5.xml><?xml version="1.0" encoding="utf-8"?>
-<p:sld xmlns:a="http://schemas.openxmlformats.org/drawingml/2006/main" xmlns:r="http://schemas.openxmlformats.org/officeDocument/2006/relationships" xmlns:p="http://schemas.openxmlformats.org/presentationml/2006/main">
-  <p:cSld>
-    <p:spTree>
-      <p:nvGrpSpPr>
-        <p:cNvPr id="1" name="Shape 82"/>
-        <p:cNvGrpSpPr/>
-        <p:nvPr/>
-      </p:nvGrpSpPr>
-      <p:grpSpPr>
-        <a:xfrm>
-          <a:off x="0" y="0"/>
-          <a:ext cx="0" cy="0"/>
-          <a:chOff x="0" y="0"/>
-          <a:chExt cx="0" cy="0"/>
-        </a:xfrm>
-      </p:grpSpPr>
-      <p:sp>
-        <p:nvSpPr>
-          <p:cNvPr id="83" name="Google Shape;83;p14"/>
-          <p:cNvSpPr txBox="1">
-            <a:spLocks noGrp="1"/>
-          </p:cNvSpPr>
-          <p:nvPr>
-            <p:ph type="title" idx="4294967295"/>
-          </p:nvPr>
-        </p:nvSpPr>
-        <p:spPr>
-          <a:xfrm>
-            <a:off x="311700" y="421233"/>
-            <a:ext cx="8520600" cy="622500"/>
-          </a:xfrm>
-          <a:prstGeom prst="rect">
-            <a:avLst/>
-          </a:prstGeom>
-        </p:spPr>
-        <p:txBody>
-          <a:bodyPr spcFirstLastPara="1" wrap="square" lIns="91425" tIns="91425" rIns="91425" bIns="91425" anchor="b" anchorCtr="0">
-            <a:noAutofit/>
-          </a:bodyPr>
-          <a:lstStyle/>
-          <a:p>
-            <a:pPr lvl="0"/>
-            <a:r>
-              <a:rPr lang="en-GB" dirty="0"/>
-              <a:t>Constructing a Map (2)</a:t>
-            </a:r>
-            <a:endParaRPr dirty="0"/>
-          </a:p>
-        </p:txBody>
-      </p:sp>
-      <p:sp>
-        <p:nvSpPr>
-          <p:cNvPr id="84" name="Google Shape;84;p14"/>
-          <p:cNvSpPr txBox="1">
-            <a:spLocks noGrp="1"/>
-          </p:cNvSpPr>
-          <p:nvPr>
-            <p:ph type="body" idx="1"/>
-          </p:nvPr>
-        </p:nvSpPr>
-        <p:spPr>
-          <a:xfrm>
-            <a:off x="162750" y="1212537"/>
-            <a:ext cx="8818500" cy="5444296"/>
-          </a:xfrm>
-          <a:prstGeom prst="rect">
-            <a:avLst/>
-          </a:prstGeom>
-        </p:spPr>
-        <p:txBody>
-          <a:bodyPr spcFirstLastPara="1" wrap="square" lIns="91425" tIns="91425" rIns="91425" bIns="91425" anchor="t" anchorCtr="0">
-            <a:noAutofit/>
-          </a:bodyPr>
-          <a:lstStyle/>
-          <a:p>
-            <a:pPr lvl="0"/>
-            <a:r>
-              <a:rPr lang="en-GB" dirty="0"/>
-              <a:t>Notice that each square (minterm) differs from an adjacent square </a:t>
-            </a:r>
-            <a:r>
-              <a:rPr lang="en-GB" b="1" dirty="0"/>
-              <a:t>by a change in a single variable</a:t>
-            </a:r>
-          </a:p>
-          <a:p>
-            <a:pPr lvl="1"/>
-            <a:r>
-              <a:rPr lang="en-GB" dirty="0"/>
-              <a:t>adjacent squares share all the same literals except one</a:t>
-            </a:r>
-          </a:p>
-          <a:p>
-            <a:pPr lvl="1"/>
-            <a:r>
-              <a:rPr lang="en-GB" dirty="0"/>
-              <a:t>which appears in true form in one square and in </a:t>
-            </a:r>
-            <a:br>
-              <a:rPr lang="en-GB" dirty="0"/>
-            </a:br>
-            <a:r>
-              <a:rPr lang="en-GB" dirty="0"/>
-              <a:t>complementary form in the other</a:t>
-            </a:r>
-          </a:p>
-          <a:p>
-            <a:pPr lvl="2"/>
-            <a:r>
-              <a:rPr lang="en-GB" dirty="0"/>
-              <a:t>squares representing the minterms A B C and A B C are </a:t>
-            </a:r>
-            <a:br>
-              <a:rPr lang="en-GB" dirty="0"/>
-            </a:br>
-            <a:r>
-              <a:rPr lang="en-GB" dirty="0"/>
-              <a:t>adjacent and differ only in the variable C</a:t>
-            </a:r>
-          </a:p>
-          <a:p>
-            <a:r>
-              <a:rPr lang="en-GB" dirty="0"/>
-              <a:t>To obtain this property, A and B combinations in the top row are in a peculiar order (</a:t>
-            </a:r>
-            <a:r>
-              <a:rPr lang="en-GB" b="1" dirty="0"/>
-              <a:t>Gray code</a:t>
-            </a:r>
-            <a:r>
-              <a:rPr lang="en-GB" dirty="0"/>
-              <a:t>)</a:t>
-            </a:r>
-          </a:p>
-          <a:p>
-            <a:pPr lvl="1"/>
-            <a:r>
-              <a:rPr lang="en-GB" dirty="0"/>
-              <a:t>00, 01, 11, 10</a:t>
-            </a:r>
-          </a:p>
-          <a:p>
-            <a:pPr lvl="1"/>
-            <a:r>
-              <a:rPr lang="en-GB" dirty="0"/>
-              <a:t>differs from ordinary binary order (00, 01, 10, 11) in that adjacent entries differ only in a single variable</a:t>
-            </a:r>
-          </a:p>
-          <a:p>
-            <a:pPr lvl="0"/>
-            <a:r>
-              <a:rPr lang="en-GB" dirty="0"/>
-              <a:t>The K-map also “</a:t>
-            </a:r>
-            <a:r>
-              <a:rPr lang="en-GB" b="1" dirty="0"/>
-              <a:t>wraps around</a:t>
-            </a:r>
-            <a:r>
-              <a:rPr lang="en-GB" dirty="0"/>
-              <a:t>”</a:t>
-            </a:r>
-          </a:p>
-          <a:p>
-            <a:pPr lvl="1"/>
-            <a:r>
-              <a:rPr lang="en-GB" dirty="0"/>
-              <a:t>horizontal wrapping: the first and last columns are considered adjacent</a:t>
-            </a:r>
-          </a:p>
-          <a:p>
-            <a:pPr lvl="2"/>
-            <a:r>
-              <a:rPr lang="en-GB" dirty="0"/>
-              <a:t>they differ only in one variable (A) </a:t>
-            </a:r>
-          </a:p>
-          <a:p>
-            <a:pPr lvl="1"/>
-            <a:r>
-              <a:rPr lang="en-GB" dirty="0"/>
-              <a:t>vertical wrapping: the first and last rows are considered adjacent</a:t>
-            </a:r>
-          </a:p>
-        </p:txBody>
-      </p:sp>
-      <p:pic>
-        <p:nvPicPr>
-          <p:cNvPr id="2" name="Immagine 1">
-            <a:extLst>
-              <a:ext uri="{FF2B5EF4-FFF2-40B4-BE49-F238E27FC236}">
-                <a16:creationId xmlns:a16="http://schemas.microsoft.com/office/drawing/2014/main" id="{6CFCB3E4-DE66-B9A4-C367-9D546F5AF575}"/>
-              </a:ext>
-            </a:extLst>
-          </p:cNvPr>
-          <p:cNvPicPr>
-            <a:picLocks noChangeAspect="1"/>
-          </p:cNvPicPr>
-          <p:nvPr/>
-        </p:nvPicPr>
-        <p:blipFill>
-          <a:blip r:embed="rId3"/>
-          <a:stretch>
-            <a:fillRect/>
-          </a:stretch>
-        </p:blipFill>
-        <p:spPr>
-          <a:xfrm>
-            <a:off x="6459035" y="1949115"/>
-            <a:ext cx="2248402" cy="1383632"/>
-          </a:xfrm>
-          <a:prstGeom prst="rect">
-            <a:avLst/>
-          </a:prstGeom>
-        </p:spPr>
-      </p:pic>
-      <p:cxnSp>
-        <p:nvCxnSpPr>
-          <p:cNvPr id="3" name="Connettore 1 2">
-            <a:extLst>
-              <a:ext uri="{FF2B5EF4-FFF2-40B4-BE49-F238E27FC236}">
-                <a16:creationId xmlns:a16="http://schemas.microsoft.com/office/drawing/2014/main" id="{4BDCD809-6036-A1F5-0101-7C729279C720}"/>
-              </a:ext>
-            </a:extLst>
-          </p:cNvPr>
-          <p:cNvCxnSpPr>
-            <a:cxnSpLocks/>
-          </p:cNvCxnSpPr>
-          <p:nvPr/>
-        </p:nvCxnSpPr>
-        <p:spPr>
-          <a:xfrm>
-            <a:off x="4620768" y="2962656"/>
-            <a:ext cx="85344" cy="0"/>
-          </a:xfrm>
-          <a:prstGeom prst="line">
-            <a:avLst/>
-          </a:prstGeom>
-        </p:spPr>
-        <p:style>
-          <a:lnRef idx="1">
-            <a:schemeClr val="accent1"/>
-          </a:lnRef>
-          <a:fillRef idx="0">
-            <a:schemeClr val="accent1"/>
-          </a:fillRef>
-          <a:effectRef idx="0">
-            <a:schemeClr val="accent1"/>
-          </a:effectRef>
-          <a:fontRef idx="minor">
-            <a:schemeClr val="tx1"/>
-          </a:fontRef>
-        </p:style>
-      </p:cxnSp>
-      <p:cxnSp>
-        <p:nvCxnSpPr>
-          <p:cNvPr id="4" name="Connettore 1 3">
-            <a:extLst>
-              <a:ext uri="{FF2B5EF4-FFF2-40B4-BE49-F238E27FC236}">
-                <a16:creationId xmlns:a16="http://schemas.microsoft.com/office/drawing/2014/main" id="{41EF2BB2-DC34-1B89-CBC6-EE898ADFCEB4}"/>
-              </a:ext>
-            </a:extLst>
-          </p:cNvPr>
-          <p:cNvCxnSpPr>
-            <a:cxnSpLocks/>
-          </p:cNvCxnSpPr>
-          <p:nvPr/>
-        </p:nvCxnSpPr>
-        <p:spPr>
-          <a:xfrm>
-            <a:off x="4779264" y="2962656"/>
-            <a:ext cx="85344" cy="0"/>
-          </a:xfrm>
-          <a:prstGeom prst="line">
-            <a:avLst/>
-          </a:prstGeom>
-        </p:spPr>
-        <p:style>
-          <a:lnRef idx="1">
-            <a:schemeClr val="accent1"/>
-          </a:lnRef>
-          <a:fillRef idx="0">
-            <a:schemeClr val="accent1"/>
-          </a:fillRef>
-          <a:effectRef idx="0">
-            <a:schemeClr val="accent1"/>
-          </a:effectRef>
-          <a:fontRef idx="minor">
-            <a:schemeClr val="tx1"/>
-          </a:fontRef>
-        </p:style>
-      </p:cxnSp>
-      <p:cxnSp>
-        <p:nvCxnSpPr>
-          <p:cNvPr id="5" name="Connettore 1 4">
-            <a:extLst>
-              <a:ext uri="{FF2B5EF4-FFF2-40B4-BE49-F238E27FC236}">
-                <a16:creationId xmlns:a16="http://schemas.microsoft.com/office/drawing/2014/main" id="{9E9BE636-0870-7112-91E5-ABED5CE237C6}"/>
-              </a:ext>
-            </a:extLst>
-          </p:cNvPr>
-          <p:cNvCxnSpPr>
-            <a:cxnSpLocks/>
-          </p:cNvCxnSpPr>
-          <p:nvPr/>
-        </p:nvCxnSpPr>
-        <p:spPr>
-          <a:xfrm>
-            <a:off x="4962144" y="2962656"/>
-            <a:ext cx="85344" cy="0"/>
-          </a:xfrm>
-          <a:prstGeom prst="line">
-            <a:avLst/>
-          </a:prstGeom>
-        </p:spPr>
-        <p:style>
-          <a:lnRef idx="1">
-            <a:schemeClr val="accent1"/>
-          </a:lnRef>
-          <a:fillRef idx="0">
-            <a:schemeClr val="accent1"/>
-          </a:fillRef>
-          <a:effectRef idx="0">
-            <a:schemeClr val="accent1"/>
-          </a:effectRef>
-          <a:fontRef idx="minor">
-            <a:schemeClr val="tx1"/>
-          </a:fontRef>
-        </p:style>
-      </p:cxnSp>
-      <p:cxnSp>
-        <p:nvCxnSpPr>
-          <p:cNvPr id="6" name="Connettore 1 5">
-            <a:extLst>
-              <a:ext uri="{FF2B5EF4-FFF2-40B4-BE49-F238E27FC236}">
-                <a16:creationId xmlns:a16="http://schemas.microsoft.com/office/drawing/2014/main" id="{AB77483B-55F8-7A9E-8D7B-C8E82E13BE43}"/>
-              </a:ext>
-            </a:extLst>
-          </p:cNvPr>
-          <p:cNvCxnSpPr>
-            <a:cxnSpLocks/>
-          </p:cNvCxnSpPr>
-          <p:nvPr/>
-        </p:nvCxnSpPr>
-        <p:spPr>
-          <a:xfrm>
-            <a:off x="5462016" y="2962656"/>
-            <a:ext cx="85344" cy="0"/>
-          </a:xfrm>
-          <a:prstGeom prst="line">
-            <a:avLst/>
-          </a:prstGeom>
-        </p:spPr>
-        <p:style>
-          <a:lnRef idx="1">
-            <a:schemeClr val="accent1"/>
-          </a:lnRef>
-          <a:fillRef idx="0">
-            <a:schemeClr val="accent1"/>
-          </a:fillRef>
-          <a:effectRef idx="0">
-            <a:schemeClr val="accent1"/>
-          </a:effectRef>
-          <a:fontRef idx="minor">
-            <a:schemeClr val="tx1"/>
-          </a:fontRef>
-        </p:style>
-      </p:cxnSp>
-      <p:cxnSp>
-        <p:nvCxnSpPr>
-          <p:cNvPr id="7" name="Connettore 1 6">
-            <a:extLst>
-              <a:ext uri="{FF2B5EF4-FFF2-40B4-BE49-F238E27FC236}">
-                <a16:creationId xmlns:a16="http://schemas.microsoft.com/office/drawing/2014/main" id="{9FD9E5BD-7B46-A48F-D2E9-89141E2EC5D1}"/>
-              </a:ext>
-            </a:extLst>
-          </p:cNvPr>
-          <p:cNvCxnSpPr>
-            <a:cxnSpLocks/>
-          </p:cNvCxnSpPr>
-          <p:nvPr/>
-        </p:nvCxnSpPr>
-        <p:spPr>
-          <a:xfrm>
-            <a:off x="5626608" y="2956560"/>
-            <a:ext cx="85344" cy="0"/>
-          </a:xfrm>
-          <a:prstGeom prst="line">
-            <a:avLst/>
-          </a:prstGeom>
-        </p:spPr>
-        <p:style>
-          <a:lnRef idx="1">
-            <a:schemeClr val="accent1"/>
-          </a:lnRef>
-          <a:fillRef idx="0">
-            <a:schemeClr val="accent1"/>
-          </a:fillRef>
-          <a:effectRef idx="0">
-            <a:schemeClr val="accent1"/>
-          </a:effectRef>
-          <a:fontRef idx="minor">
-            <a:schemeClr val="tx1"/>
-          </a:fontRef>
-        </p:style>
-      </p:cxnSp>
-    </p:spTree>
-    <p:extLst>
-      <p:ext uri="{BB962C8B-B14F-4D97-AF65-F5344CB8AC3E}">
-        <p14:creationId xmlns:p14="http://schemas.microsoft.com/office/powerpoint/2010/main" val="2580309506"/>
-      </p:ext>
-    </p:extLst>
-  </p:cSld>
-  <p:clrMapOvr>
-    <a:masterClrMapping/>
-  </p:clrMapOvr>
-</p:sld>
-</file>
-
-<file path=ppt/slides/slide6.xml><?xml version="1.0" encoding="utf-8"?>
-<p:sld xmlns:a="http://schemas.openxmlformats.org/drawingml/2006/main" xmlns:r="http://schemas.openxmlformats.org/officeDocument/2006/relationships" xmlns:p="http://schemas.openxmlformats.org/presentationml/2006/main">
-  <p:cSld>
-    <p:spTree>
-      <p:nvGrpSpPr>
-        <p:cNvPr id="1" name="Shape 82">
-          <a:extLst>
-            <a:ext uri="{FF2B5EF4-FFF2-40B4-BE49-F238E27FC236}">
-              <a16:creationId xmlns:a16="http://schemas.microsoft.com/office/drawing/2014/main" id="{1BF3CF44-FBEF-3B4B-79FB-14E14FFC83FE}"/>
-            </a:ext>
-          </a:extLst>
-        </p:cNvPr>
-        <p:cNvGrpSpPr/>
-        <p:nvPr/>
-      </p:nvGrpSpPr>
-      <p:grpSpPr>
-        <a:xfrm>
-          <a:off x="0" y="0"/>
-          <a:ext cx="0" cy="0"/>
-          <a:chOff x="0" y="0"/>
-          <a:chExt cx="0" cy="0"/>
-        </a:xfrm>
-      </p:grpSpPr>
-      <p:pic>
-        <p:nvPicPr>
-          <p:cNvPr id="11" name="Immagine 10" descr="Immagine che contiene testo, compact disk, cerchio, Dispositivo di archiviazione dati&#10;&#10;Descrizione generata automaticamente">
-            <a:extLst>
-              <a:ext uri="{FF2B5EF4-FFF2-40B4-BE49-F238E27FC236}">
-                <a16:creationId xmlns:a16="http://schemas.microsoft.com/office/drawing/2014/main" id="{66938A15-93D0-72DA-1190-EBE0A6815179}"/>
-              </a:ext>
-            </a:extLst>
-          </p:cNvPr>
-          <p:cNvPicPr>
-            <a:picLocks noChangeAspect="1"/>
-          </p:cNvPicPr>
-          <p:nvPr/>
-        </p:nvPicPr>
-        <p:blipFill>
-          <a:blip r:embed="rId3"/>
-          <a:stretch>
-            <a:fillRect/>
-          </a:stretch>
-        </p:blipFill>
-        <p:spPr>
-          <a:xfrm>
-            <a:off x="4449382" y="2958209"/>
-            <a:ext cx="4556252" cy="3503086"/>
-          </a:xfrm>
-          <a:prstGeom prst="rect">
-            <a:avLst/>
-          </a:prstGeom>
-        </p:spPr>
-      </p:pic>
-      <p:sp>
-        <p:nvSpPr>
-          <p:cNvPr id="83" name="Google Shape;83;p14">
-            <a:extLst>
-              <a:ext uri="{FF2B5EF4-FFF2-40B4-BE49-F238E27FC236}">
-                <a16:creationId xmlns:a16="http://schemas.microsoft.com/office/drawing/2014/main" id="{F5B64494-68FD-BB70-D559-BC0B7B2B8F47}"/>
-              </a:ext>
-            </a:extLst>
-          </p:cNvPr>
-          <p:cNvSpPr txBox="1">
-            <a:spLocks noGrp="1"/>
-          </p:cNvSpPr>
-          <p:nvPr>
-            <p:ph type="title" idx="4294967295"/>
-          </p:nvPr>
-        </p:nvSpPr>
-        <p:spPr>
-          <a:xfrm>
-            <a:off x="311700" y="421233"/>
-            <a:ext cx="8520600" cy="622500"/>
-          </a:xfrm>
-          <a:prstGeom prst="rect">
-            <a:avLst/>
-          </a:prstGeom>
-        </p:spPr>
-        <p:txBody>
-          <a:bodyPr spcFirstLastPara="1" wrap="square" lIns="91425" tIns="91425" rIns="91425" bIns="91425" anchor="b" anchorCtr="0">
-            <a:noAutofit/>
-          </a:bodyPr>
-          <a:lstStyle/>
-          <a:p>
-            <a:pPr lvl="0"/>
-            <a:r>
-              <a:rPr lang="en-GB" dirty="0"/>
-              <a:t>Constructing a Map (3)</a:t>
-            </a:r>
-            <a:endParaRPr dirty="0"/>
-          </a:p>
-        </p:txBody>
-      </p:sp>
-      <p:sp>
-        <p:nvSpPr>
-          <p:cNvPr id="84" name="Google Shape;84;p14">
-            <a:extLst>
-              <a:ext uri="{FF2B5EF4-FFF2-40B4-BE49-F238E27FC236}">
-                <a16:creationId xmlns:a16="http://schemas.microsoft.com/office/drawing/2014/main" id="{3DC48BD5-553B-63CD-F441-56C562B3D4DE}"/>
-              </a:ext>
-            </a:extLst>
-          </p:cNvPr>
-          <p:cNvSpPr txBox="1">
-            <a:spLocks noGrp="1"/>
-          </p:cNvSpPr>
-          <p:nvPr>
-            <p:ph type="body" idx="1"/>
-          </p:nvPr>
-        </p:nvSpPr>
-        <p:spPr>
-          <a:xfrm>
-            <a:off x="162750" y="1212537"/>
-            <a:ext cx="8818500" cy="5444296"/>
-          </a:xfrm>
-          <a:prstGeom prst="rect">
-            <a:avLst/>
-          </a:prstGeom>
-        </p:spPr>
-        <p:txBody>
-          <a:bodyPr spcFirstLastPara="1" wrap="square" lIns="91425" tIns="91425" rIns="91425" bIns="91425" anchor="t" anchorCtr="0">
-            <a:noAutofit/>
-          </a:bodyPr>
-          <a:lstStyle/>
-          <a:p>
-            <a:pPr lvl="0"/>
-            <a:endParaRPr lang="en-GB" dirty="0"/>
-          </a:p>
-        </p:txBody>
-      </p:sp>
-      <p:cxnSp>
-        <p:nvCxnSpPr>
-          <p:cNvPr id="3" name="Connettore 1 2">
-            <a:extLst>
-              <a:ext uri="{FF2B5EF4-FFF2-40B4-BE49-F238E27FC236}">
-                <a16:creationId xmlns:a16="http://schemas.microsoft.com/office/drawing/2014/main" id="{A32AD9FD-48D0-9F93-D746-B18ABA62E0F8}"/>
-              </a:ext>
-            </a:extLst>
-          </p:cNvPr>
-          <p:cNvCxnSpPr>
-            <a:cxnSpLocks/>
-          </p:cNvCxnSpPr>
-          <p:nvPr/>
-        </p:nvCxnSpPr>
-        <p:spPr>
-          <a:xfrm>
-            <a:off x="4620768" y="2962656"/>
-            <a:ext cx="85344" cy="0"/>
-          </a:xfrm>
-          <a:prstGeom prst="line">
-            <a:avLst/>
-          </a:prstGeom>
-        </p:spPr>
-        <p:style>
-          <a:lnRef idx="1">
-            <a:schemeClr val="accent1"/>
-          </a:lnRef>
-          <a:fillRef idx="0">
-            <a:schemeClr val="accent1"/>
-          </a:fillRef>
-          <a:effectRef idx="0">
-            <a:schemeClr val="accent1"/>
-          </a:effectRef>
-          <a:fontRef idx="minor">
-            <a:schemeClr val="tx1"/>
-          </a:fontRef>
-        </p:style>
-      </p:cxnSp>
-      <p:cxnSp>
-        <p:nvCxnSpPr>
-          <p:cNvPr id="4" name="Connettore 1 3">
-            <a:extLst>
-              <a:ext uri="{FF2B5EF4-FFF2-40B4-BE49-F238E27FC236}">
-                <a16:creationId xmlns:a16="http://schemas.microsoft.com/office/drawing/2014/main" id="{8EDA452D-9CE2-0F05-7442-0FEAAF85722D}"/>
-              </a:ext>
-            </a:extLst>
-          </p:cNvPr>
-          <p:cNvCxnSpPr>
-            <a:cxnSpLocks/>
-          </p:cNvCxnSpPr>
-          <p:nvPr/>
-        </p:nvCxnSpPr>
-        <p:spPr>
-          <a:xfrm>
-            <a:off x="4779264" y="2962656"/>
-            <a:ext cx="85344" cy="0"/>
-          </a:xfrm>
-          <a:prstGeom prst="line">
-            <a:avLst/>
-          </a:prstGeom>
-        </p:spPr>
-        <p:style>
-          <a:lnRef idx="1">
-            <a:schemeClr val="accent1"/>
-          </a:lnRef>
-          <a:fillRef idx="0">
-            <a:schemeClr val="accent1"/>
-          </a:fillRef>
-          <a:effectRef idx="0">
-            <a:schemeClr val="accent1"/>
-          </a:effectRef>
-          <a:fontRef idx="minor">
-            <a:schemeClr val="tx1"/>
-          </a:fontRef>
-        </p:style>
-      </p:cxnSp>
-      <p:cxnSp>
-        <p:nvCxnSpPr>
-          <p:cNvPr id="5" name="Connettore 1 4">
-            <a:extLst>
-              <a:ext uri="{FF2B5EF4-FFF2-40B4-BE49-F238E27FC236}">
-                <a16:creationId xmlns:a16="http://schemas.microsoft.com/office/drawing/2014/main" id="{FA69101F-8639-95B4-92D0-F1A73089264A}"/>
-              </a:ext>
-            </a:extLst>
-          </p:cNvPr>
-          <p:cNvCxnSpPr>
-            <a:cxnSpLocks/>
-          </p:cNvCxnSpPr>
-          <p:nvPr/>
-        </p:nvCxnSpPr>
-        <p:spPr>
-          <a:xfrm>
-            <a:off x="4962144" y="2962656"/>
-            <a:ext cx="85344" cy="0"/>
-          </a:xfrm>
-          <a:prstGeom prst="line">
-            <a:avLst/>
-          </a:prstGeom>
-        </p:spPr>
-        <p:style>
-          <a:lnRef idx="1">
-            <a:schemeClr val="accent1"/>
-          </a:lnRef>
-          <a:fillRef idx="0">
-            <a:schemeClr val="accent1"/>
-          </a:fillRef>
-          <a:effectRef idx="0">
-            <a:schemeClr val="accent1"/>
-          </a:effectRef>
-          <a:fontRef idx="minor">
-            <a:schemeClr val="tx1"/>
-          </a:fontRef>
-        </p:style>
-      </p:cxnSp>
-      <p:cxnSp>
-        <p:nvCxnSpPr>
-          <p:cNvPr id="6" name="Connettore 1 5">
-            <a:extLst>
-              <a:ext uri="{FF2B5EF4-FFF2-40B4-BE49-F238E27FC236}">
-                <a16:creationId xmlns:a16="http://schemas.microsoft.com/office/drawing/2014/main" id="{B2D9BC56-C8F8-BFE6-EE84-78FE24210DD5}"/>
-              </a:ext>
-            </a:extLst>
-          </p:cNvPr>
-          <p:cNvCxnSpPr>
-            <a:cxnSpLocks/>
-          </p:cNvCxnSpPr>
-          <p:nvPr/>
-        </p:nvCxnSpPr>
-        <p:spPr>
-          <a:xfrm>
-            <a:off x="5462016" y="2962656"/>
-            <a:ext cx="85344" cy="0"/>
-          </a:xfrm>
-          <a:prstGeom prst="line">
-            <a:avLst/>
-          </a:prstGeom>
-        </p:spPr>
-        <p:style>
-          <a:lnRef idx="1">
-            <a:schemeClr val="accent1"/>
-          </a:lnRef>
-          <a:fillRef idx="0">
-            <a:schemeClr val="accent1"/>
-          </a:fillRef>
-          <a:effectRef idx="0">
-            <a:schemeClr val="accent1"/>
-          </a:effectRef>
-          <a:fontRef idx="minor">
-            <a:schemeClr val="tx1"/>
-          </a:fontRef>
-        </p:style>
-      </p:cxnSp>
-      <p:cxnSp>
-        <p:nvCxnSpPr>
-          <p:cNvPr id="7" name="Connettore 1 6">
-            <a:extLst>
-              <a:ext uri="{FF2B5EF4-FFF2-40B4-BE49-F238E27FC236}">
-                <a16:creationId xmlns:a16="http://schemas.microsoft.com/office/drawing/2014/main" id="{F59D5EA2-1847-8066-8326-2D39E8B4AC61}"/>
-              </a:ext>
-            </a:extLst>
-          </p:cNvPr>
-          <p:cNvCxnSpPr>
-            <a:cxnSpLocks/>
-          </p:cNvCxnSpPr>
-          <p:nvPr/>
-        </p:nvCxnSpPr>
-        <p:spPr>
-          <a:xfrm>
-            <a:off x="5626608" y="2956560"/>
-            <a:ext cx="85344" cy="0"/>
-          </a:xfrm>
-          <a:prstGeom prst="line">
-            <a:avLst/>
-          </a:prstGeom>
-        </p:spPr>
-        <p:style>
-          <a:lnRef idx="1">
-            <a:schemeClr val="accent1"/>
-          </a:lnRef>
-          <a:fillRef idx="0">
-            <a:schemeClr val="accent1"/>
-          </a:fillRef>
-          <a:effectRef idx="0">
-            <a:schemeClr val="accent1"/>
-          </a:effectRef>
-          <a:fontRef idx="minor">
-            <a:schemeClr val="tx1"/>
-          </a:fontRef>
-        </p:style>
-      </p:cxnSp>
-      <p:pic>
-        <p:nvPicPr>
-          <p:cNvPr id="9" name="Immagine 8">
-            <a:extLst>
-              <a:ext uri="{FF2B5EF4-FFF2-40B4-BE49-F238E27FC236}">
-                <a16:creationId xmlns:a16="http://schemas.microsoft.com/office/drawing/2014/main" id="{E028B823-B03F-6EFD-4A23-759D7760EE03}"/>
-              </a:ext>
-            </a:extLst>
-          </p:cNvPr>
-          <p:cNvPicPr>
-            <a:picLocks noChangeAspect="1"/>
-          </p:cNvPicPr>
-          <p:nvPr/>
-        </p:nvPicPr>
-        <p:blipFill>
-          <a:blip r:embed="rId4"/>
-          <a:stretch>
-            <a:fillRect/>
-          </a:stretch>
-        </p:blipFill>
-        <p:spPr>
-          <a:xfrm>
-            <a:off x="337974" y="1227262"/>
-            <a:ext cx="4392522" cy="2201738"/>
-          </a:xfrm>
-          <a:prstGeom prst="rect">
-            <a:avLst/>
-          </a:prstGeom>
-        </p:spPr>
-      </p:pic>
-    </p:spTree>
-    <p:extLst>
-      <p:ext uri="{BB962C8B-B14F-4D97-AF65-F5344CB8AC3E}">
-        <p14:creationId xmlns:p14="http://schemas.microsoft.com/office/powerpoint/2010/main" val="1548713525"/>
-      </p:ext>
-    </p:extLst>
-  </p:cSld>
-  <p:clrMapOvr>
-    <a:masterClrMapping/>
-  </p:clrMapOvr>
-</p:sld>
-</file>
-
-<file path=ppt/slides/slide7.xml><?xml version="1.0" encoding="utf-8"?>
-<p:sld xmlns:a="http://schemas.openxmlformats.org/drawingml/2006/main" xmlns:r="http://schemas.openxmlformats.org/officeDocument/2006/relationships" xmlns:p="http://schemas.openxmlformats.org/presentationml/2006/main">
-  <p:cSld>
-    <p:spTree>
-      <p:nvGrpSpPr>
-        <p:cNvPr id="1" name="Shape 82"/>
-        <p:cNvGrpSpPr/>
-        <p:nvPr/>
-      </p:nvGrpSpPr>
-      <p:grpSpPr>
-        <a:xfrm>
-          <a:off x="0" y="0"/>
-          <a:ext cx="0" cy="0"/>
-          <a:chOff x="0" y="0"/>
-          <a:chExt cx="0" cy="0"/>
-        </a:xfrm>
-      </p:grpSpPr>
-      <p:sp>
-        <p:nvSpPr>
-          <p:cNvPr id="83" name="Google Shape;83;p14"/>
-          <p:cNvSpPr txBox="1">
-            <a:spLocks noGrp="1"/>
-          </p:cNvSpPr>
-          <p:nvPr>
-            <p:ph type="title" idx="4294967295"/>
-          </p:nvPr>
-        </p:nvSpPr>
-        <p:spPr>
-          <a:xfrm>
-            <a:off x="311700" y="421233"/>
-            <a:ext cx="8520600" cy="622500"/>
-          </a:xfrm>
-          <a:prstGeom prst="rect">
-            <a:avLst/>
-          </a:prstGeom>
-        </p:spPr>
-        <p:txBody>
-          <a:bodyPr spcFirstLastPara="1" wrap="square" lIns="91425" tIns="91425" rIns="91425" bIns="91425" anchor="b" anchorCtr="0">
-            <a:noAutofit/>
-          </a:bodyPr>
-          <a:lstStyle/>
-          <a:p>
-            <a:pPr lvl="0"/>
-            <a:r>
-              <a:rPr lang="en-GB" dirty="0"/>
-              <a:t>Constructing a Map (4)</a:t>
-            </a:r>
-            <a:endParaRPr dirty="0"/>
-          </a:p>
-        </p:txBody>
-      </p:sp>
-      <p:sp>
-        <p:nvSpPr>
-          <p:cNvPr id="84" name="Google Shape;84;p14"/>
-          <p:cNvSpPr txBox="1">
-            <a:spLocks noGrp="1"/>
-          </p:cNvSpPr>
-          <p:nvPr>
-            <p:ph type="body" idx="1"/>
-          </p:nvPr>
-        </p:nvSpPr>
-        <p:spPr>
-          <a:xfrm>
-            <a:off x="162750" y="1212537"/>
-            <a:ext cx="8818500" cy="5100000"/>
-          </a:xfrm>
-          <a:prstGeom prst="rect">
-            <a:avLst/>
-          </a:prstGeom>
-        </p:spPr>
-        <p:txBody>
-          <a:bodyPr spcFirstLastPara="1" wrap="square" lIns="91425" tIns="91425" rIns="91425" bIns="91425" anchor="t" anchorCtr="0">
-            <a:noAutofit/>
-          </a:bodyPr>
-          <a:lstStyle/>
-          <a:p>
-            <a:pPr lvl="0"/>
-            <a:r>
-              <a:rPr lang="en-GB" dirty="0"/>
-              <a:t>We can use boolean algebra to minimize equations in sum-of-products form:</a:t>
-            </a:r>
-          </a:p>
-          <a:p>
-            <a:pPr lvl="0"/>
-            <a:endParaRPr lang="en-GB" dirty="0"/>
-          </a:p>
-          <a:p>
-            <a:pPr lvl="0"/>
-            <a:endParaRPr lang="en-GB" dirty="0"/>
-          </a:p>
-          <a:p>
-            <a:pPr lvl="0"/>
-            <a:r>
-              <a:rPr lang="en-GB" dirty="0"/>
-              <a:t>However, K-maps help us do this </a:t>
-            </a:r>
-            <a:r>
-              <a:rPr lang="en-GB" b="1" dirty="0"/>
-              <a:t>simplification graphically</a:t>
-            </a:r>
-            <a:r>
-              <a:rPr lang="en-GB" dirty="0"/>
-              <a:t>: </a:t>
-            </a:r>
-          </a:p>
-          <a:p>
-            <a:pPr lvl="1"/>
-            <a:r>
-              <a:rPr lang="en-GB" dirty="0"/>
-              <a:t>circle all the rectangular blocks of 1 in the map</a:t>
-            </a:r>
-          </a:p>
-          <a:p>
-            <a:pPr lvl="2"/>
-            <a:r>
-              <a:rPr lang="en-GB" dirty="0"/>
-              <a:t>each circle should be as large as possible</a:t>
-            </a:r>
-          </a:p>
-          <a:p>
-            <a:pPr lvl="1"/>
-            <a:r>
-              <a:rPr lang="en-GB" dirty="0"/>
-              <a:t>for each circle, write the corresponding implicant</a:t>
-            </a:r>
-          </a:p>
-          <a:p>
-            <a:pPr lvl="2"/>
-            <a:r>
-              <a:rPr lang="en-GB" dirty="0"/>
-              <a:t>variables whose true and complementary forms are </a:t>
-            </a:r>
-            <a:br>
-              <a:rPr lang="en-GB" dirty="0"/>
-            </a:br>
-            <a:r>
-              <a:rPr lang="en-GB" dirty="0"/>
-              <a:t>both in the circle are excluded from the implicant</a:t>
-            </a:r>
-          </a:p>
-          <a:p>
-            <a:pPr lvl="1"/>
-            <a:r>
-              <a:rPr lang="en-GB" dirty="0"/>
-              <a:t>In the example:</a:t>
-            </a:r>
-          </a:p>
-          <a:p>
-            <a:pPr lvl="2"/>
-            <a:r>
-              <a:rPr lang="en-GB" dirty="0"/>
-              <a:t>C has both its true form and its complementary form (0) in the circle, so we do not include it in the implicant</a:t>
-            </a:r>
-          </a:p>
-          <a:p>
-            <a:pPr lvl="2"/>
-            <a:r>
-              <a:rPr lang="en-GB" dirty="0"/>
-              <a:t>Y is TRUE when A=B=0, independent of C</a:t>
-            </a:r>
-          </a:p>
-          <a:p>
-            <a:pPr lvl="2"/>
-            <a:endParaRPr lang="en-GB" dirty="0"/>
-          </a:p>
-          <a:p>
-            <a:r>
-              <a:rPr lang="en-GB" dirty="0"/>
-              <a:t>The K-map gives the same answer we reached using boolean algebra</a:t>
-            </a:r>
-          </a:p>
-          <a:p>
-            <a:pPr lvl="1"/>
-            <a:endParaRPr lang="en-GB" dirty="0"/>
-          </a:p>
-        </p:txBody>
-      </p:sp>
-      <p:pic>
-        <p:nvPicPr>
-          <p:cNvPr id="3" name="Immagine 2">
-            <a:extLst>
-              <a:ext uri="{FF2B5EF4-FFF2-40B4-BE49-F238E27FC236}">
-                <a16:creationId xmlns:a16="http://schemas.microsoft.com/office/drawing/2014/main" id="{81DDFA46-5737-325D-D227-2FA05EE4F47F}"/>
-              </a:ext>
-            </a:extLst>
-          </p:cNvPr>
-          <p:cNvPicPr>
-            <a:picLocks noChangeAspect="1"/>
-          </p:cNvPicPr>
-          <p:nvPr/>
-        </p:nvPicPr>
-        <p:blipFill>
-          <a:blip r:embed="rId3"/>
-          <a:stretch>
-            <a:fillRect/>
-          </a:stretch>
-        </p:blipFill>
-        <p:spPr>
-          <a:xfrm>
-            <a:off x="688237" y="1724114"/>
-            <a:ext cx="3556000" cy="342900"/>
-          </a:xfrm>
-          <a:prstGeom prst="rect">
-            <a:avLst/>
-          </a:prstGeom>
-        </p:spPr>
-      </p:pic>
-      <p:pic>
-        <p:nvPicPr>
-          <p:cNvPr id="5" name="Immagine 4">
-            <a:extLst>
-              <a:ext uri="{FF2B5EF4-FFF2-40B4-BE49-F238E27FC236}">
-                <a16:creationId xmlns:a16="http://schemas.microsoft.com/office/drawing/2014/main" id="{F27F3EE8-7B1F-335A-627C-C0E0AABD6C3A}"/>
-              </a:ext>
-            </a:extLst>
-          </p:cNvPr>
-          <p:cNvPicPr>
-            <a:picLocks noChangeAspect="1"/>
-          </p:cNvPicPr>
-          <p:nvPr/>
-        </p:nvPicPr>
-        <p:blipFill>
-          <a:blip r:embed="rId4"/>
-          <a:stretch>
-            <a:fillRect/>
-          </a:stretch>
-        </p:blipFill>
-        <p:spPr>
-          <a:xfrm>
-            <a:off x="6184230" y="2528982"/>
-            <a:ext cx="2382425" cy="1463490"/>
-          </a:xfrm>
-          <a:prstGeom prst="rect">
-            <a:avLst/>
-          </a:prstGeom>
-        </p:spPr>
-      </p:pic>
-    </p:spTree>
-    <p:extLst>
-      <p:ext uri="{BB962C8B-B14F-4D97-AF65-F5344CB8AC3E}">
-        <p14:creationId xmlns:p14="http://schemas.microsoft.com/office/powerpoint/2010/main" val="1436766342"/>
-      </p:ext>
-    </p:extLst>
-  </p:cSld>
-  <p:clrMapOvr>
-    <a:masterClrMapping/>
-  </p:clrMapOvr>
-</p:sld>
-</file>
-
-<file path=ppt/slides/slide8.xml><?xml version="1.0" encoding="utf-8"?>
-<p:sld xmlns:a="http://schemas.openxmlformats.org/drawingml/2006/main" xmlns:r="http://schemas.openxmlformats.org/officeDocument/2006/relationships" xmlns:p="http://schemas.openxmlformats.org/presentationml/2006/main">
-  <p:cSld>
-    <p:spTree>
-      <p:nvGrpSpPr>
-        <p:cNvPr id="1" name="Shape 82"/>
-        <p:cNvGrpSpPr/>
-        <p:nvPr/>
-      </p:nvGrpSpPr>
-      <p:grpSpPr>
-        <a:xfrm>
-          <a:off x="0" y="0"/>
-          <a:ext cx="0" cy="0"/>
-          <a:chOff x="0" y="0"/>
-          <a:chExt cx="0" cy="0"/>
-        </a:xfrm>
-      </p:grpSpPr>
-      <p:sp>
-        <p:nvSpPr>
-          <p:cNvPr id="83" name="Google Shape;83;p14"/>
-          <p:cNvSpPr txBox="1">
-            <a:spLocks noGrp="1"/>
-          </p:cNvSpPr>
-          <p:nvPr>
-            <p:ph type="title" idx="4294967295"/>
-          </p:nvPr>
-        </p:nvSpPr>
-        <p:spPr>
-          <a:xfrm>
-            <a:off x="311700" y="421233"/>
-            <a:ext cx="8520600" cy="622500"/>
-          </a:xfrm>
-          <a:prstGeom prst="rect">
-            <a:avLst/>
-          </a:prstGeom>
-        </p:spPr>
-        <p:txBody>
-          <a:bodyPr spcFirstLastPara="1" wrap="square" lIns="91425" tIns="91425" rIns="91425" bIns="91425" anchor="b" anchorCtr="0">
-            <a:noAutofit/>
-          </a:bodyPr>
-          <a:lstStyle/>
-          <a:p>
-            <a:pPr lvl="0"/>
-            <a:r>
-              <a:rPr lang="en-GB" dirty="0"/>
-              <a:t>Logic Minimization with K-Maps</a:t>
-            </a:r>
-            <a:endParaRPr dirty="0"/>
-          </a:p>
-        </p:txBody>
-      </p:sp>
-      <p:sp>
-        <p:nvSpPr>
-          <p:cNvPr id="84" name="Google Shape;84;p14"/>
-          <p:cNvSpPr txBox="1">
-            <a:spLocks noGrp="1"/>
-          </p:cNvSpPr>
-          <p:nvPr>
-            <p:ph type="body" idx="1"/>
-          </p:nvPr>
-        </p:nvSpPr>
-        <p:spPr>
-          <a:xfrm>
-            <a:off x="162750" y="1212537"/>
-            <a:ext cx="8818500" cy="5100000"/>
-          </a:xfrm>
-          <a:prstGeom prst="rect">
-            <a:avLst/>
-          </a:prstGeom>
-        </p:spPr>
-        <p:txBody>
-          <a:bodyPr spcFirstLastPara="1" wrap="square" lIns="91425" tIns="91425" rIns="91425" bIns="91425" anchor="t" anchorCtr="0">
-            <a:noAutofit/>
-          </a:bodyPr>
-          <a:lstStyle/>
-          <a:p>
-            <a:r>
-              <a:rPr lang="en-GB" dirty="0"/>
-              <a:t>More formally, recall that a boolean equation is minimized when it is written as a sum of the fewest number of prime implicants</a:t>
-            </a:r>
-          </a:p>
-          <a:p>
-            <a:pPr lvl="1"/>
-            <a:r>
-              <a:rPr lang="en-GB" b="1" dirty="0"/>
-              <a:t>each circle on the K-map represents an implicant</a:t>
-            </a:r>
-          </a:p>
-          <a:p>
-            <a:pPr lvl="1"/>
-            <a:r>
-              <a:rPr lang="en-GB" b="1" dirty="0"/>
-              <a:t>the largest possible circles are prime implicants</a:t>
-            </a:r>
-          </a:p>
-          <a:p>
-            <a:pPr lvl="1"/>
-            <a:endParaRPr lang="en-GB" dirty="0"/>
-          </a:p>
-          <a:p>
-            <a:r>
-              <a:rPr lang="en-GB" dirty="0"/>
-              <a:t>Rules for finding a minimized equation from a K-map are as follows:</a:t>
-            </a:r>
-          </a:p>
-          <a:p>
-            <a:pPr lvl="1"/>
-            <a:r>
-              <a:rPr lang="en-GB" dirty="0"/>
-              <a:t>all the squares in each circle must contain 1</a:t>
-            </a:r>
-          </a:p>
-          <a:p>
-            <a:pPr lvl="1"/>
-            <a:r>
-              <a:rPr lang="en-GB" dirty="0"/>
-              <a:t>use the fewest circles necessary to cover all the 1</a:t>
-            </a:r>
-          </a:p>
-          <a:p>
-            <a:pPr lvl="1"/>
-            <a:r>
-              <a:rPr lang="en-GB" dirty="0"/>
-              <a:t>each circle must span a rectangular block that is a power of 2 (i.e. 1, 2, or 4) squares in each direction</a:t>
-            </a:r>
-          </a:p>
-          <a:p>
-            <a:pPr lvl="1"/>
-            <a:r>
-              <a:rPr lang="en-GB" dirty="0"/>
-              <a:t>each circle should be as large as possible</a:t>
-            </a:r>
-          </a:p>
-          <a:p>
-            <a:pPr lvl="1"/>
-            <a:r>
-              <a:rPr lang="en-GB" dirty="0"/>
-              <a:t>a circle may wrap around the edges of the K-map</a:t>
-            </a:r>
-          </a:p>
-          <a:p>
-            <a:pPr lvl="1"/>
-            <a:r>
-              <a:rPr lang="en-GB" dirty="0"/>
-              <a:t>a 1 in a K-map may be circled multiple times if doing so allows fewer circles to be used</a:t>
-            </a:r>
-            <a:br>
-              <a:rPr lang="en-GB" dirty="0"/>
-            </a:br>
-            <a:r>
-              <a:rPr lang="en-GB" dirty="0"/>
-              <a:t>	</a:t>
-            </a:r>
-          </a:p>
-        </p:txBody>
-      </p:sp>
-    </p:spTree>
-    <p:extLst>
-      <p:ext uri="{BB962C8B-B14F-4D97-AF65-F5344CB8AC3E}">
-        <p14:creationId xmlns:p14="http://schemas.microsoft.com/office/powerpoint/2010/main" val="529431570"/>
-      </p:ext>
-    </p:extLst>
-  </p:cSld>
-  <p:clrMapOvr>
-    <a:masterClrMapping/>
-  </p:clrMapOvr>
-</p:sld>
-</file>
-
-<file path=ppt/slides/slide9.xml><?xml version="1.0" encoding="utf-8"?>
-<p:sld xmlns:a="http://schemas.openxmlformats.org/drawingml/2006/main" xmlns:r="http://schemas.openxmlformats.org/officeDocument/2006/relationships" xmlns:p="http://schemas.openxmlformats.org/presentationml/2006/main">
-  <p:cSld>
-    <p:spTree>
-      <p:nvGrpSpPr>
-        <p:cNvPr id="1" name="Shape 82"/>
-        <p:cNvGrpSpPr/>
-        <p:nvPr/>
-      </p:nvGrpSpPr>
-      <p:grpSpPr>
-        <a:xfrm>
-          <a:off x="0" y="0"/>
-          <a:ext cx="0" cy="0"/>
-          <a:chOff x="0" y="0"/>
-          <a:chExt cx="0" cy="0"/>
-        </a:xfrm>
-      </p:grpSpPr>
-      <p:sp>
-        <p:nvSpPr>
-          <p:cNvPr id="83" name="Google Shape;83;p14"/>
-          <p:cNvSpPr txBox="1">
-            <a:spLocks noGrp="1"/>
-          </p:cNvSpPr>
-          <p:nvPr>
-            <p:ph type="title" idx="4294967295"/>
-          </p:nvPr>
-        </p:nvSpPr>
-        <p:spPr>
-          <a:xfrm>
-            <a:off x="311700" y="421233"/>
-            <a:ext cx="8520600" cy="622500"/>
-          </a:xfrm>
-          <a:prstGeom prst="rect">
-            <a:avLst/>
-          </a:prstGeom>
-        </p:spPr>
-        <p:txBody>
-          <a:bodyPr spcFirstLastPara="1" wrap="square" lIns="91425" tIns="91425" rIns="91425" bIns="91425" anchor="b" anchorCtr="0">
-            <a:noAutofit/>
-          </a:bodyPr>
-          <a:lstStyle/>
-          <a:p>
-            <a:pPr lvl="0"/>
-            <a:r>
-              <a:rPr lang="en-GB" dirty="0"/>
-              <a:t>Example of minimization</a:t>
-            </a:r>
-            <a:endParaRPr dirty="0"/>
-          </a:p>
-        </p:txBody>
-      </p:sp>
-      <p:sp>
-        <p:nvSpPr>
-          <p:cNvPr id="84" name="Google Shape;84;p14"/>
-          <p:cNvSpPr txBox="1">
-            <a:spLocks noGrp="1"/>
-          </p:cNvSpPr>
-          <p:nvPr>
-            <p:ph type="body" idx="1"/>
-          </p:nvPr>
-        </p:nvSpPr>
-        <p:spPr>
-          <a:xfrm>
-            <a:off x="162750" y="1212537"/>
-            <a:ext cx="8818500" cy="5320610"/>
-          </a:xfrm>
-          <a:prstGeom prst="rect">
-            <a:avLst/>
-          </a:prstGeom>
-        </p:spPr>
-        <p:txBody>
-          <a:bodyPr spcFirstLastPara="1" wrap="square" lIns="91425" tIns="91425" rIns="91425" bIns="91425" anchor="t" anchorCtr="0">
-            <a:noAutofit/>
-          </a:bodyPr>
-          <a:lstStyle/>
-          <a:p>
-            <a:r>
-              <a:rPr lang="en-GB" dirty="0"/>
-              <a:t>Suppose we have the function Y = F(A, B, C) with the  following K-map:</a:t>
-            </a:r>
-          </a:p>
-          <a:p>
-            <a:endParaRPr lang="en-GB" dirty="0"/>
-          </a:p>
-          <a:p>
-            <a:endParaRPr lang="en-GB" dirty="0"/>
-          </a:p>
-          <a:p>
-            <a:endParaRPr lang="en-GB" dirty="0"/>
-          </a:p>
-          <a:p>
-            <a:endParaRPr lang="en-GB" dirty="0"/>
-          </a:p>
-          <a:p>
-            <a:endParaRPr lang="en-GB" dirty="0"/>
-          </a:p>
-          <a:p>
-            <a:pPr marL="120650" indent="0">
-              <a:buNone/>
-            </a:pPr>
-            <a:endParaRPr lang="en-GB" dirty="0"/>
-          </a:p>
-          <a:p>
-            <a:r>
-              <a:rPr lang="en-GB" dirty="0"/>
-              <a:t>Minimize the equation:</a:t>
-            </a:r>
-          </a:p>
-          <a:p>
-            <a:pPr lvl="1"/>
-            <a:r>
-              <a:rPr lang="en-GB" dirty="0"/>
-              <a:t>circle the 1 using as few circles as possible</a:t>
-            </a:r>
-          </a:p>
-          <a:p>
-            <a:pPr lvl="1"/>
-            <a:r>
-              <a:rPr lang="en-GB" dirty="0"/>
-              <a:t>form the prime implicant by writing those variables that </a:t>
-            </a:r>
-            <a:br>
-              <a:rPr lang="en-GB" dirty="0"/>
-            </a:br>
-            <a:r>
-              <a:rPr lang="en-GB" dirty="0"/>
-              <a:t>appear in the circle only in true or only in </a:t>
-            </a:r>
-            <a:br>
-              <a:rPr lang="en-GB" dirty="0"/>
-            </a:br>
-            <a:r>
-              <a:rPr lang="en-GB" dirty="0"/>
-              <a:t>complementary form</a:t>
-            </a:r>
-          </a:p>
-          <a:p>
-            <a:r>
-              <a:rPr lang="en-GB" dirty="0"/>
-              <a:t>Notice</a:t>
-            </a:r>
-          </a:p>
-          <a:p>
-            <a:pPr lvl="1"/>
-            <a:r>
-              <a:rPr lang="en-GB" dirty="0"/>
-              <a:t>the top-right square is covered twice to make the prime implicant circles as large as possible</a:t>
-            </a:r>
-          </a:p>
-          <a:p>
-            <a:pPr lvl="1"/>
-            <a:r>
-              <a:rPr lang="en-GB" dirty="0"/>
-              <a:t>the circle covering four squares wraps around the sides of the K-map</a:t>
-            </a:r>
-          </a:p>
-          <a:p>
-            <a:endParaRPr lang="en-GB" dirty="0"/>
-          </a:p>
-          <a:p>
-            <a:endParaRPr lang="en-GB" dirty="0"/>
-          </a:p>
-          <a:p>
-            <a:endParaRPr lang="en-GB" dirty="0"/>
-          </a:p>
-          <a:p>
-            <a:endParaRPr lang="en-GB" dirty="0"/>
-          </a:p>
-          <a:p>
-            <a:endParaRPr lang="en-GB" dirty="0"/>
-          </a:p>
-          <a:p>
-            <a:endParaRPr lang="en-GB" dirty="0"/>
-          </a:p>
-          <a:p>
-            <a:endParaRPr lang="en-GB" dirty="0"/>
-          </a:p>
-          <a:p>
-            <a:endParaRPr lang="en-GB" dirty="0"/>
-          </a:p>
-          <a:p>
-            <a:endParaRPr lang="en-GB" dirty="0"/>
-          </a:p>
-          <a:p>
-            <a:endParaRPr lang="en-GB" dirty="0"/>
-          </a:p>
-          <a:p>
-            <a:endParaRPr lang="en-GB" dirty="0"/>
-          </a:p>
-          <a:p>
-            <a:endParaRPr lang="en-GB" dirty="0"/>
-          </a:p>
-          <a:p>
-            <a:pPr marL="120650" indent="0">
-              <a:buNone/>
-            </a:pPr>
-            <a:r>
-              <a:rPr lang="en-GB" dirty="0"/>
-              <a:t>	</a:t>
-            </a:r>
-          </a:p>
-        </p:txBody>
-      </p:sp>
-      <p:pic>
-        <p:nvPicPr>
-          <p:cNvPr id="3" name="Immagine 2">
-            <a:extLst>
-              <a:ext uri="{FF2B5EF4-FFF2-40B4-BE49-F238E27FC236}">
-                <a16:creationId xmlns:a16="http://schemas.microsoft.com/office/drawing/2014/main" id="{E9FDA462-FF2F-D7DD-27E9-2790FD3F7D1C}"/>
-              </a:ext>
-            </a:extLst>
-          </p:cNvPr>
-          <p:cNvPicPr>
-            <a:picLocks noChangeAspect="1"/>
-          </p:cNvPicPr>
-          <p:nvPr/>
-        </p:nvPicPr>
-        <p:blipFill rotWithShape="1">
-          <a:blip r:embed="rId3"/>
-          <a:srcRect t="6840" b="5340"/>
-          <a:stretch/>
-        </p:blipFill>
-        <p:spPr>
-          <a:xfrm>
-            <a:off x="671765" y="1671193"/>
-            <a:ext cx="2660984" cy="1429874"/>
-          </a:xfrm>
-          <a:prstGeom prst="rect">
-            <a:avLst/>
-          </a:prstGeom>
-        </p:spPr>
-      </p:pic>
-      <p:pic>
-        <p:nvPicPr>
-          <p:cNvPr id="5" name="Immagine 4">
-            <a:extLst>
-              <a:ext uri="{FF2B5EF4-FFF2-40B4-BE49-F238E27FC236}">
-                <a16:creationId xmlns:a16="http://schemas.microsoft.com/office/drawing/2014/main" id="{8B19E92A-0759-5E84-9CA0-FC215CB6818C}"/>
-              </a:ext>
-            </a:extLst>
-          </p:cNvPr>
-          <p:cNvPicPr>
-            <a:picLocks noChangeAspect="1"/>
-          </p:cNvPicPr>
-          <p:nvPr/>
-        </p:nvPicPr>
-        <p:blipFill>
-          <a:blip r:embed="rId4"/>
-          <a:stretch>
-            <a:fillRect/>
-          </a:stretch>
-        </p:blipFill>
-        <p:spPr>
-          <a:xfrm>
-            <a:off x="6172201" y="3260558"/>
-            <a:ext cx="2495702" cy="2046239"/>
-          </a:xfrm>
-          <a:prstGeom prst="rect">
-            <a:avLst/>
-          </a:prstGeom>
-        </p:spPr>
-      </p:pic>
-    </p:spTree>
-    <p:extLst>
-      <p:ext uri="{BB962C8B-B14F-4D97-AF65-F5344CB8AC3E}">
-        <p14:creationId xmlns:p14="http://schemas.microsoft.com/office/powerpoint/2010/main" val="3546496669"/>
       </p:ext>
     </p:extLst>
   </p:cSld>
@@ -15679,6 +9509,15 @@
 </file>
 
 <file path=customXml/item1.xml><?xml version="1.0" encoding="utf-8"?>
+<?mso-contentType ?>
+<FormTemplates xmlns="http://schemas.microsoft.com/sharepoint/v3/contenttype/forms">
+  <Display>DocumentLibraryForm</Display>
+  <Edit>DocumentLibraryForm</Edit>
+  <New>DocumentLibraryForm</New>
+</FormTemplates>
+</file>
+
+<file path=customXml/item2.xml><?xml version="1.0" encoding="utf-8"?>
 <ct:contentTypeSchema xmlns:ct="http://schemas.microsoft.com/office/2006/metadata/contentType" xmlns:ma="http://schemas.microsoft.com/office/2006/metadata/properties/metaAttributes" ct:_="" ma:_="" ma:contentTypeName="Documento" ma:contentTypeID="0x010100B8FA822B18A0634FB7342CF29752587A" ma:contentTypeVersion="12" ma:contentTypeDescription="Creare un nuovo documento." ma:contentTypeScope="" ma:versionID="4c8b1e8002f5a6c880c83187af115cef">
   <xsd:schema xmlns:xsd="http://www.w3.org/2001/XMLSchema" xmlns:xs="http://www.w3.org/2001/XMLSchema" xmlns:p="http://schemas.microsoft.com/office/2006/metadata/properties" xmlns:ns2="3bd0d43f-5e5b-43cd-b6fc-691bd77672c6" xmlns:ns3="e9b5433c-2372-4cb7-8bab-09518096b29b" targetNamespace="http://schemas.microsoft.com/office/2006/metadata/properties" ma:root="true" ma:fieldsID="618b708abf3b656f834d84e193700042" ns2:_="" ns3:_="">
     <xsd:import namespace="3bd0d43f-5e5b-43cd-b6fc-691bd77672c6"/>
@@ -15879,15 +9718,6 @@
 </ct:contentTypeSchema>
 </file>
 
-<file path=customXml/item2.xml><?xml version="1.0" encoding="utf-8"?>
-<?mso-contentType ?>
-<FormTemplates xmlns="http://schemas.microsoft.com/sharepoint/v3/contenttype/forms">
-  <Display>DocumentLibraryForm</Display>
-  <Edit>DocumentLibraryForm</Edit>
-  <New>DocumentLibraryForm</New>
-</FormTemplates>
-</file>
-
 <file path=customXml/item3.xml><?xml version="1.0" encoding="utf-8"?>
 <p:properties xmlns:p="http://schemas.microsoft.com/office/2006/metadata/properties" xmlns:xsi="http://www.w3.org/2001/XMLSchema-instance" xmlns:pc="http://schemas.microsoft.com/office/infopath/2007/PartnerControls">
   <documentManagement>
@@ -15900,13 +9730,45 @@
 </file>
 
 <file path=customXml/itemProps1.xml><?xml version="1.0" encoding="utf-8"?>
-<ds:datastoreItem xmlns:ds="http://schemas.openxmlformats.org/officeDocument/2006/customXml" ds:itemID="{107104EA-B74B-4E24-959A-7FA2D7B16B64}"/>
+<ds:datastoreItem xmlns:ds="http://schemas.openxmlformats.org/officeDocument/2006/customXml" ds:itemID="{0814236D-9FAD-4894-8A09-B648BE89B529}">
+  <ds:schemaRefs>
+    <ds:schemaRef ds:uri="http://schemas.microsoft.com/sharepoint/v3/contenttype/forms"/>
+  </ds:schemaRefs>
+</ds:datastoreItem>
 </file>
 
 <file path=customXml/itemProps2.xml><?xml version="1.0" encoding="utf-8"?>
-<ds:datastoreItem xmlns:ds="http://schemas.openxmlformats.org/officeDocument/2006/customXml" ds:itemID="{0814236D-9FAD-4894-8A09-B648BE89B529}"/>
+<ds:datastoreItem xmlns:ds="http://schemas.openxmlformats.org/officeDocument/2006/customXml" ds:itemID="{107104EA-B74B-4E24-959A-7FA2D7B16B64}">
+  <ds:schemaRefs>
+    <ds:schemaRef ds:uri="http://schemas.microsoft.com/office/2006/metadata/contentType"/>
+    <ds:schemaRef ds:uri="http://schemas.microsoft.com/office/2006/metadata/properties/metaAttributes"/>
+    <ds:schemaRef ds:uri="http://www.w3.org/2001/XMLSchema"/>
+    <ds:schemaRef ds:uri="http://schemas.microsoft.com/office/2006/metadata/properties"/>
+    <ds:schemaRef ds:uri="3bd0d43f-5e5b-43cd-b6fc-691bd77672c6"/>
+    <ds:schemaRef ds:uri="e9b5433c-2372-4cb7-8bab-09518096b29b"/>
+    <ds:schemaRef ds:uri="http://schemas.microsoft.com/office/2006/documentManagement/types"/>
+    <ds:schemaRef ds:uri="http://schemas.microsoft.com/office/infopath/2007/PartnerControls"/>
+    <ds:schemaRef ds:uri="http://schemas.openxmlformats.org/package/2006/metadata/core-properties"/>
+    <ds:schemaRef ds:uri="http://purl.org/dc/elements/1.1/"/>
+    <ds:schemaRef ds:uri="http://purl.org/dc/terms/"/>
+    <ds:schemaRef ds:uri="http://schemas.microsoft.com/internal/obd"/>
+  </ds:schemaRefs>
+</ds:datastoreItem>
 </file>
 
 <file path=customXml/itemProps3.xml><?xml version="1.0" encoding="utf-8"?>
-<ds:datastoreItem xmlns:ds="http://schemas.openxmlformats.org/officeDocument/2006/customXml" ds:itemID="{C9A1392A-F9C5-4A0D-8864-DAD0DEA08779}"/>
+<ds:datastoreItem xmlns:ds="http://schemas.openxmlformats.org/officeDocument/2006/customXml" ds:itemID="{C9A1392A-F9C5-4A0D-8864-DAD0DEA08779}">
+  <ds:schemaRefs>
+    <ds:schemaRef ds:uri="http://purl.org/dc/terms/"/>
+    <ds:schemaRef ds:uri="http://purl.org/dc/dcmitype/"/>
+    <ds:schemaRef ds:uri="http://schemas.microsoft.com/office/2006/documentManagement/types"/>
+    <ds:schemaRef ds:uri="3bd0d43f-5e5b-43cd-b6fc-691bd77672c6"/>
+    <ds:schemaRef ds:uri="http://www.w3.org/XML/1998/namespace"/>
+    <ds:schemaRef ds:uri="http://purl.org/dc/elements/1.1/"/>
+    <ds:schemaRef ds:uri="e9b5433c-2372-4cb7-8bab-09518096b29b"/>
+    <ds:schemaRef ds:uri="http://schemas.microsoft.com/office/infopath/2007/PartnerControls"/>
+    <ds:schemaRef ds:uri="http://schemas.openxmlformats.org/package/2006/metadata/core-properties"/>
+    <ds:schemaRef ds:uri="http://schemas.microsoft.com/office/2006/metadata/properties"/>
+  </ds:schemaRefs>
+</ds:datastoreItem>
 </file>